--- a/DDS_Project_2_Presentation.pptx
+++ b/DDS_Project_2_Presentation.pptx
@@ -144,7 +144,7 @@
   <pc:docChgLst>
     <pc:chgData name="Pandey, Shikha" userId="62b2c247-44c0-476d-a294-f01c5623c9dc" providerId="ADAL" clId="{F72F3FB8-19C0-4758-9009-50FF7556B545}"/>
     <pc:docChg chg="undo redo custSel addSld delSld modSld sldOrd">
-      <pc:chgData name="Pandey, Shikha" userId="62b2c247-44c0-476d-a294-f01c5623c9dc" providerId="ADAL" clId="{F72F3FB8-19C0-4758-9009-50FF7556B545}" dt="2021-12-09T03:28:23.536" v="1345" actId="1076"/>
+      <pc:chgData name="Pandey, Shikha" userId="62b2c247-44c0-476d-a294-f01c5623c9dc" providerId="ADAL" clId="{F72F3FB8-19C0-4758-9009-50FF7556B545}" dt="2021-12-09T03:33:19.809" v="1346" actId="20577"/>
       <pc:docMkLst>
         <pc:docMk/>
       </pc:docMkLst>
@@ -1610,13 +1610,13 @@
         </pc:sldMkLst>
       </pc:sldChg>
       <pc:sldChg chg="delSp modSp add mod">
-        <pc:chgData name="Pandey, Shikha" userId="62b2c247-44c0-476d-a294-f01c5623c9dc" providerId="ADAL" clId="{F72F3FB8-19C0-4758-9009-50FF7556B545}" dt="2021-12-09T03:24:30.925" v="1327" actId="6549"/>
+        <pc:chgData name="Pandey, Shikha" userId="62b2c247-44c0-476d-a294-f01c5623c9dc" providerId="ADAL" clId="{F72F3FB8-19C0-4758-9009-50FF7556B545}" dt="2021-12-09T03:33:19.809" v="1346" actId="20577"/>
         <pc:sldMkLst>
           <pc:docMk/>
           <pc:sldMk cId="3861737491" sldId="283"/>
         </pc:sldMkLst>
         <pc:spChg chg="mod">
-          <ac:chgData name="Pandey, Shikha" userId="62b2c247-44c0-476d-a294-f01c5623c9dc" providerId="ADAL" clId="{F72F3FB8-19C0-4758-9009-50FF7556B545}" dt="2021-12-09T03:24:30.925" v="1327" actId="6549"/>
+          <ac:chgData name="Pandey, Shikha" userId="62b2c247-44c0-476d-a294-f01c5623c9dc" providerId="ADAL" clId="{F72F3FB8-19C0-4758-9009-50FF7556B545}" dt="2021-12-09T03:33:19.809" v="1346" actId="20577"/>
           <ac:spMkLst>
             <pc:docMk/>
             <pc:sldMk cId="3861737491" sldId="283"/>
@@ -9379,11 +9379,11 @@
           <a:p>
             <a:pPr algn="ctr"/>
             <a:r>
-              <a:rPr lang="en-US" sz="3600" b="1" dirty="0">
+              <a:rPr lang="en-US" sz="3600" b="1">
                 <a:latin typeface="Calibri" panose="020F0502020204030204" pitchFamily="34" charset="0"/>
                 <a:cs typeface="Calibri" panose="020F0502020204030204" pitchFamily="34" charset="0"/>
               </a:rPr>
-              <a:t>Predicted Attrition</a:t>
+              <a:t>Predicted Attrition </a:t>
             </a:r>
             <a:endParaRPr lang="en-US" sz="3600" b="1" cap="none" dirty="0">
               <a:latin typeface="Calibri" panose="020F0502020204030204" pitchFamily="34" charset="0"/>

--- a/DDS_Project_2_Presentation.pptx
+++ b/DDS_Project_2_Presentation.pptx
@@ -23,6 +23,8 @@
     <p:sldId id="284" r:id="rId17"/>
     <p:sldId id="290" r:id="rId18"/>
     <p:sldId id="287" r:id="rId19"/>
+    <p:sldId id="304" r:id="rId20"/>
+    <p:sldId id="305" r:id="rId21"/>
   </p:sldIdLst>
   <p:sldSz cx="12192000" cy="6858000"/>
   <p:notesSz cx="6858000" cy="9144000"/>
@@ -142,7 +144,7 @@
   <pc:docChgLst>
     <pc:chgData name="Pandey, Shikha" userId="62b2c247-44c0-476d-a294-f01c5623c9dc" providerId="ADAL" clId="{F72F3FB8-19C0-4758-9009-50FF7556B545}"/>
     <pc:docChg chg="undo redo custSel addSld delSld modSld sldOrd">
-      <pc:chgData name="Pandey, Shikha" userId="62b2c247-44c0-476d-a294-f01c5623c9dc" providerId="ADAL" clId="{F72F3FB8-19C0-4758-9009-50FF7556B545}" dt="2021-12-09T03:33:19.809" v="1346" actId="20577"/>
+      <pc:chgData name="Pandey, Shikha" userId="62b2c247-44c0-476d-a294-f01c5623c9dc" providerId="ADAL" clId="{F72F3FB8-19C0-4758-9009-50FF7556B545}" dt="2021-12-09T04:59:14.130" v="1375" actId="20577"/>
       <pc:docMkLst>
         <pc:docMk/>
       </pc:docMkLst>
@@ -1660,6 +1662,44 @@
           <pc:docMk/>
           <pc:sldMk cId="776828111" sldId="284"/>
         </pc:sldMkLst>
+      </pc:sldChg>
+      <pc:sldChg chg="delSp modSp add mod">
+        <pc:chgData name="Pandey, Shikha" userId="62b2c247-44c0-476d-a294-f01c5623c9dc" providerId="ADAL" clId="{F72F3FB8-19C0-4758-9009-50FF7556B545}" dt="2021-12-09T04:58:50.666" v="1355" actId="20577"/>
+        <pc:sldMkLst>
+          <pc:docMk/>
+          <pc:sldMk cId="2642334168" sldId="304"/>
+        </pc:sldMkLst>
+        <pc:spChg chg="mod">
+          <ac:chgData name="Pandey, Shikha" userId="62b2c247-44c0-476d-a294-f01c5623c9dc" providerId="ADAL" clId="{F72F3FB8-19C0-4758-9009-50FF7556B545}" dt="2021-12-09T04:58:50.666" v="1355" actId="20577"/>
+          <ac:spMkLst>
+            <pc:docMk/>
+            <pc:sldMk cId="2642334168" sldId="304"/>
+            <ac:spMk id="9" creationId="{DF4B9AD8-E4FC-FA40-8BCA-CF0480A9D206}"/>
+          </ac:spMkLst>
+        </pc:spChg>
+        <pc:picChg chg="del">
+          <ac:chgData name="Pandey, Shikha" userId="62b2c247-44c0-476d-a294-f01c5623c9dc" providerId="ADAL" clId="{F72F3FB8-19C0-4758-9009-50FF7556B545}" dt="2021-12-09T04:58:46.291" v="1348" actId="478"/>
+          <ac:picMkLst>
+            <pc:docMk/>
+            <pc:sldMk cId="2642334168" sldId="304"/>
+            <ac:picMk id="10" creationId="{D38BDAFC-61F8-9F41-B91A-A4FA9226E751}"/>
+          </ac:picMkLst>
+        </pc:picChg>
+      </pc:sldChg>
+      <pc:sldChg chg="modSp add mod">
+        <pc:chgData name="Pandey, Shikha" userId="62b2c247-44c0-476d-a294-f01c5623c9dc" providerId="ADAL" clId="{F72F3FB8-19C0-4758-9009-50FF7556B545}" dt="2021-12-09T04:59:14.130" v="1375" actId="20577"/>
+        <pc:sldMkLst>
+          <pc:docMk/>
+          <pc:sldMk cId="658250400" sldId="305"/>
+        </pc:sldMkLst>
+        <pc:spChg chg="mod">
+          <ac:chgData name="Pandey, Shikha" userId="62b2c247-44c0-476d-a294-f01c5623c9dc" providerId="ADAL" clId="{F72F3FB8-19C0-4758-9009-50FF7556B545}" dt="2021-12-09T04:59:14.130" v="1375" actId="20577"/>
+          <ac:spMkLst>
+            <pc:docMk/>
+            <pc:sldMk cId="658250400" sldId="305"/>
+            <ac:spMk id="9" creationId="{DF4B9AD8-E4FC-FA40-8BCA-CF0480A9D206}"/>
+          </ac:spMkLst>
+        </pc:spChg>
       </pc:sldChg>
     </pc:docChg>
   </pc:docChgLst>
@@ -1797,7 +1837,7 @@
           <a:p>
             <a:fld id="{23FEA57E-7C1A-457B-A4CD-5DCEB057B502}" type="datetime1">
               <a:rPr lang="en-US" smtClean="0"/>
-              <a:t>12/8/21</a:t>
+              <a:t>12/8/2021</a:t>
             </a:fld>
             <a:endParaRPr lang="en-US" dirty="0"/>
           </a:p>
@@ -1971,7 +2011,7 @@
           <a:p>
             <a:fld id="{11789749-A4CD-447F-8298-2B7988C91CEA}" type="datetime1">
               <a:rPr lang="en-US" smtClean="0"/>
-              <a:t>12/8/21</a:t>
+              <a:t>12/8/2021</a:t>
             </a:fld>
             <a:endParaRPr lang="en-US"/>
           </a:p>
@@ -2155,7 +2195,7 @@
           <a:p>
             <a:fld id="{BA0444D3-C0BA-4587-A56C-581AB9F841BE}" type="datetime1">
               <a:rPr lang="en-US" smtClean="0"/>
-              <a:t>12/8/21</a:t>
+              <a:t>12/8/2021</a:t>
             </a:fld>
             <a:endParaRPr lang="en-US"/>
           </a:p>
@@ -2328,7 +2368,7 @@
           <a:p>
             <a:fld id="{201AF2CE-4F37-411C-A3EE-BBBE223265BF}" type="datetime1">
               <a:rPr lang="en-US" smtClean="0"/>
-              <a:t>12/8/21</a:t>
+              <a:t>12/8/2021</a:t>
             </a:fld>
             <a:endParaRPr lang="en-US"/>
           </a:p>
@@ -2577,7 +2617,7 @@
           <a:p>
             <a:fld id="{C96083D4-708C-4BB5-B4FD-30CE9FA12FD5}" type="datetime1">
               <a:rPr lang="en-US" smtClean="0"/>
-              <a:t>12/8/21</a:t>
+              <a:t>12/8/2021</a:t>
             </a:fld>
             <a:endParaRPr lang="en-US"/>
           </a:p>
@@ -2813,7 +2853,7 @@
           <a:p>
             <a:fld id="{D0D239B2-65BC-4C2A-A62B-3EABFE9590E4}" type="datetime1">
               <a:rPr lang="en-US" smtClean="0"/>
-              <a:t>12/8/21</a:t>
+              <a:t>12/8/2021</a:t>
             </a:fld>
             <a:endParaRPr lang="en-US"/>
           </a:p>
@@ -3183,7 +3223,7 @@
           <a:p>
             <a:fld id="{85E05F5A-E4A3-476F-A89E-C2B73F2431E4}" type="datetime1">
               <a:rPr lang="en-US" smtClean="0"/>
-              <a:t>12/8/21</a:t>
+              <a:t>12/8/2021</a:t>
             </a:fld>
             <a:endParaRPr lang="en-US"/>
           </a:p>
@@ -3304,7 +3344,7 @@
           <a:p>
             <a:fld id="{E3761515-4A26-4F31-9F61-5A10B1FABBFC}" type="datetime1">
               <a:rPr lang="en-US" smtClean="0"/>
-              <a:t>12/8/21</a:t>
+              <a:t>12/8/2021</a:t>
             </a:fld>
             <a:endParaRPr lang="en-US"/>
           </a:p>
@@ -3402,7 +3442,7 @@
           <a:p>
             <a:fld id="{4A75DC65-7D1F-4BAB-9695-F7E734143E14}" type="datetime1">
               <a:rPr lang="en-US" smtClean="0"/>
-              <a:t>12/8/21</a:t>
+              <a:t>12/8/2021</a:t>
             </a:fld>
             <a:endParaRPr lang="en-US"/>
           </a:p>
@@ -3682,7 +3722,7 @@
           <a:p>
             <a:fld id="{7E624077-BD55-4036-8E92-6558FDF3B653}" type="datetime1">
               <a:rPr lang="en-US" smtClean="0"/>
-              <a:t>12/8/21</a:t>
+              <a:t>12/8/2021</a:t>
             </a:fld>
             <a:endParaRPr lang="en-US"/>
           </a:p>
@@ -3942,7 +3982,7 @@
           <a:p>
             <a:fld id="{804225F2-7107-4609-BCC2-77C63064A5E8}" type="datetime1">
               <a:rPr lang="en-US" smtClean="0"/>
-              <a:t>12/8/21</a:t>
+              <a:t>12/8/2021</a:t>
             </a:fld>
             <a:endParaRPr lang="en-US"/>
           </a:p>
@@ -4158,7 +4198,7 @@
           <a:p>
             <a:fld id="{D3FE42E8-8B57-452D-A122-4DCE9AC771EF}" type="datetime1">
               <a:rPr lang="en-US" smtClean="0"/>
-              <a:t>12/8/21</a:t>
+              <a:t>12/8/2021</a:t>
             </a:fld>
             <a:endParaRPr lang="en-US"/>
           </a:p>
@@ -9888,6 +9928,294 @@
 </p:sld>
 </file>
 
+<file path=ppt/slides/slide19.xml><?xml version="1.0" encoding="utf-8"?>
+<p:sld xmlns:a="http://schemas.openxmlformats.org/drawingml/2006/main" xmlns:r="http://schemas.openxmlformats.org/officeDocument/2006/relationships" xmlns:p="http://schemas.openxmlformats.org/presentationml/2006/main">
+  <p:cSld>
+    <p:spTree>
+      <p:nvGrpSpPr>
+        <p:cNvPr id="1" name=""/>
+        <p:cNvGrpSpPr/>
+        <p:nvPr/>
+      </p:nvGrpSpPr>
+      <p:grpSpPr>
+        <a:xfrm>
+          <a:off x="0" y="0"/>
+          <a:ext cx="0" cy="0"/>
+          <a:chOff x="0" y="0"/>
+          <a:chExt cx="0" cy="0"/>
+        </a:xfrm>
+      </p:grpSpPr>
+      <p:sp>
+        <p:nvSpPr>
+          <p:cNvPr id="5" name="Right Triangle 4">
+            <a:extLst>
+              <a:ext uri="{FF2B5EF4-FFF2-40B4-BE49-F238E27FC236}">
+                <a16:creationId xmlns:a16="http://schemas.microsoft.com/office/drawing/2014/main" id="{5488A745-4D79-6747-B65A-803B31C1F8B4}"/>
+              </a:ext>
+            </a:extLst>
+          </p:cNvPr>
+          <p:cNvSpPr/>
+          <p:nvPr/>
+        </p:nvSpPr>
+        <p:spPr>
+          <a:xfrm rot="13068536">
+            <a:off x="-809065" y="4275183"/>
+            <a:ext cx="1600200" cy="2061882"/>
+          </a:xfrm>
+          <a:prstGeom prst="rtTriangle">
+            <a:avLst/>
+          </a:prstGeom>
+          <a:solidFill>
+            <a:srgbClr val="44E4C4"/>
+          </a:solidFill>
+          <a:ln>
+            <a:solidFill>
+              <a:srgbClr val="44E4C4"/>
+            </a:solidFill>
+          </a:ln>
+        </p:spPr>
+        <p:style>
+          <a:lnRef idx="2">
+            <a:schemeClr val="accent1">
+              <a:shade val="50000"/>
+            </a:schemeClr>
+          </a:lnRef>
+          <a:fillRef idx="1">
+            <a:schemeClr val="accent1"/>
+          </a:fillRef>
+          <a:effectRef idx="0">
+            <a:schemeClr val="accent1"/>
+          </a:effectRef>
+          <a:fontRef idx="minor">
+            <a:schemeClr val="lt1"/>
+          </a:fontRef>
+        </p:style>
+        <p:txBody>
+          <a:bodyPr rtlCol="0" anchor="ctr"/>
+          <a:lstStyle/>
+          <a:p>
+            <a:pPr algn="ctr"/>
+            <a:endParaRPr lang="en-US"/>
+          </a:p>
+        </p:txBody>
+      </p:sp>
+      <p:sp>
+        <p:nvSpPr>
+          <p:cNvPr id="6" name="Rectangle 5">
+            <a:extLst>
+              <a:ext uri="{FF2B5EF4-FFF2-40B4-BE49-F238E27FC236}">
+                <a16:creationId xmlns:a16="http://schemas.microsoft.com/office/drawing/2014/main" id="{67C63295-B221-9A4E-BA44-2C4B26CF7FDE}"/>
+              </a:ext>
+            </a:extLst>
+          </p:cNvPr>
+          <p:cNvSpPr/>
+          <p:nvPr/>
+        </p:nvSpPr>
+        <p:spPr>
+          <a:xfrm rot="2351297">
+            <a:off x="281204" y="5024303"/>
+            <a:ext cx="880169" cy="978559"/>
+          </a:xfrm>
+          <a:prstGeom prst="rect">
+            <a:avLst/>
+          </a:prstGeom>
+          <a:solidFill>
+            <a:srgbClr val="2E27C7">
+              <a:alpha val="80000"/>
+            </a:srgbClr>
+          </a:solidFill>
+        </p:spPr>
+        <p:style>
+          <a:lnRef idx="2">
+            <a:schemeClr val="accent1">
+              <a:shade val="50000"/>
+            </a:schemeClr>
+          </a:lnRef>
+          <a:fillRef idx="1">
+            <a:schemeClr val="accent1"/>
+          </a:fillRef>
+          <a:effectRef idx="0">
+            <a:schemeClr val="accent1"/>
+          </a:effectRef>
+          <a:fontRef idx="minor">
+            <a:schemeClr val="lt1"/>
+          </a:fontRef>
+        </p:style>
+        <p:txBody>
+          <a:bodyPr rtlCol="0" anchor="ctr"/>
+          <a:lstStyle/>
+          <a:p>
+            <a:pPr algn="ctr"/>
+            <a:endParaRPr lang="en-US"/>
+          </a:p>
+        </p:txBody>
+      </p:sp>
+      <p:sp>
+        <p:nvSpPr>
+          <p:cNvPr id="7" name="Right Triangle 6">
+            <a:extLst>
+              <a:ext uri="{FF2B5EF4-FFF2-40B4-BE49-F238E27FC236}">
+                <a16:creationId xmlns:a16="http://schemas.microsoft.com/office/drawing/2014/main" id="{E9A9D123-E73C-5749-962A-D162E22D504C}"/>
+              </a:ext>
+            </a:extLst>
+          </p:cNvPr>
+          <p:cNvSpPr/>
+          <p:nvPr/>
+        </p:nvSpPr>
+        <p:spPr>
+          <a:xfrm rot="2259401">
+            <a:off x="11399428" y="428828"/>
+            <a:ext cx="1600200" cy="2066544"/>
+          </a:xfrm>
+          <a:prstGeom prst="rtTriangle">
+            <a:avLst/>
+          </a:prstGeom>
+          <a:solidFill>
+            <a:srgbClr val="2E27C7"/>
+          </a:solidFill>
+          <a:ln>
+            <a:solidFill>
+              <a:srgbClr val="2E27C7"/>
+            </a:solidFill>
+          </a:ln>
+        </p:spPr>
+        <p:style>
+          <a:lnRef idx="2">
+            <a:schemeClr val="accent1">
+              <a:shade val="50000"/>
+            </a:schemeClr>
+          </a:lnRef>
+          <a:fillRef idx="1">
+            <a:schemeClr val="accent1"/>
+          </a:fillRef>
+          <a:effectRef idx="0">
+            <a:schemeClr val="accent1"/>
+          </a:effectRef>
+          <a:fontRef idx="minor">
+            <a:schemeClr val="lt1"/>
+          </a:fontRef>
+        </p:style>
+        <p:txBody>
+          <a:bodyPr rtlCol="0" anchor="ctr"/>
+          <a:lstStyle/>
+          <a:p>
+            <a:pPr algn="ctr"/>
+            <a:endParaRPr lang="en-US"/>
+          </a:p>
+        </p:txBody>
+      </p:sp>
+      <p:sp>
+        <p:nvSpPr>
+          <p:cNvPr id="8" name="Rectangle 7">
+            <a:extLst>
+              <a:ext uri="{FF2B5EF4-FFF2-40B4-BE49-F238E27FC236}">
+                <a16:creationId xmlns:a16="http://schemas.microsoft.com/office/drawing/2014/main" id="{523C82C0-70C3-B347-A9AA-B75D37C19777}"/>
+              </a:ext>
+            </a:extLst>
+          </p:cNvPr>
+          <p:cNvSpPr/>
+          <p:nvPr/>
+        </p:nvSpPr>
+        <p:spPr>
+          <a:xfrm rot="13164033">
+            <a:off x="11030256" y="1657834"/>
+            <a:ext cx="880169" cy="978559"/>
+          </a:xfrm>
+          <a:prstGeom prst="rect">
+            <a:avLst/>
+          </a:prstGeom>
+          <a:solidFill>
+            <a:srgbClr val="44E4C4">
+              <a:alpha val="80000"/>
+            </a:srgbClr>
+          </a:solidFill>
+          <a:ln>
+            <a:solidFill>
+              <a:srgbClr val="44E4C4"/>
+            </a:solidFill>
+          </a:ln>
+        </p:spPr>
+        <p:style>
+          <a:lnRef idx="2">
+            <a:schemeClr val="accent1">
+              <a:shade val="50000"/>
+            </a:schemeClr>
+          </a:lnRef>
+          <a:fillRef idx="1">
+            <a:schemeClr val="accent1"/>
+          </a:fillRef>
+          <a:effectRef idx="0">
+            <a:schemeClr val="accent1"/>
+          </a:effectRef>
+          <a:fontRef idx="minor">
+            <a:schemeClr val="lt1"/>
+          </a:fontRef>
+        </p:style>
+        <p:txBody>
+          <a:bodyPr rtlCol="0" anchor="ctr"/>
+          <a:lstStyle/>
+          <a:p>
+            <a:pPr algn="ctr"/>
+            <a:endParaRPr lang="en-US"/>
+          </a:p>
+        </p:txBody>
+      </p:sp>
+      <p:sp>
+        <p:nvSpPr>
+          <p:cNvPr id="9" name="Title 1">
+            <a:extLst>
+              <a:ext uri="{FF2B5EF4-FFF2-40B4-BE49-F238E27FC236}">
+                <a16:creationId xmlns:a16="http://schemas.microsoft.com/office/drawing/2014/main" id="{DF4B9AD8-E4FC-FA40-8BCA-CF0480A9D206}"/>
+              </a:ext>
+            </a:extLst>
+          </p:cNvPr>
+          <p:cNvSpPr>
+            <a:spLocks noGrp="1"/>
+          </p:cNvSpPr>
+          <p:nvPr>
+            <p:ph type="title"/>
+          </p:nvPr>
+        </p:nvSpPr>
+        <p:spPr>
+          <a:xfrm>
+            <a:off x="643467" y="321735"/>
+            <a:ext cx="10905066" cy="634806"/>
+          </a:xfrm>
+        </p:spPr>
+        <p:txBody>
+          <a:bodyPr>
+            <a:normAutofit/>
+          </a:bodyPr>
+          <a:lstStyle/>
+          <a:p>
+            <a:pPr algn="ctr"/>
+            <a:r>
+              <a:rPr lang="en-US" sz="3600" b="1" dirty="0">
+                <a:latin typeface="Calibri" panose="020F0502020204030204" pitchFamily="34" charset="0"/>
+                <a:cs typeface="Calibri" panose="020F0502020204030204" pitchFamily="34" charset="0"/>
+              </a:rPr>
+              <a:t>Summary</a:t>
+            </a:r>
+            <a:endParaRPr lang="en-US" sz="3600" b="1" cap="none" dirty="0">
+              <a:latin typeface="Calibri" panose="020F0502020204030204" pitchFamily="34" charset="0"/>
+              <a:cs typeface="Calibri" panose="020F0502020204030204" pitchFamily="34" charset="0"/>
+            </a:endParaRPr>
+          </a:p>
+        </p:txBody>
+      </p:sp>
+    </p:spTree>
+    <p:extLst>
+      <p:ext uri="{BB962C8B-B14F-4D97-AF65-F5344CB8AC3E}">
+        <p14:creationId xmlns:p14="http://schemas.microsoft.com/office/powerpoint/2010/main" val="2642334168"/>
+      </p:ext>
+    </p:extLst>
+  </p:cSld>
+  <p:clrMapOvr>
+    <a:masterClrMapping/>
+  </p:clrMapOvr>
+</p:sld>
+</file>
+
 <file path=ppt/slides/slide2.xml><?xml version="1.0" encoding="utf-8"?>
 <p:sld xmlns:a="http://schemas.openxmlformats.org/drawingml/2006/main" xmlns:r="http://schemas.openxmlformats.org/officeDocument/2006/relationships" xmlns:p="http://schemas.openxmlformats.org/presentationml/2006/main">
   <p:cSld>
@@ -10504,6 +10832,294 @@
       </p:par>
     </p:tnLst>
   </p:timing>
+</p:sld>
+</file>
+
+<file path=ppt/slides/slide20.xml><?xml version="1.0" encoding="utf-8"?>
+<p:sld xmlns:a="http://schemas.openxmlformats.org/drawingml/2006/main" xmlns:r="http://schemas.openxmlformats.org/officeDocument/2006/relationships" xmlns:p="http://schemas.openxmlformats.org/presentationml/2006/main">
+  <p:cSld>
+    <p:spTree>
+      <p:nvGrpSpPr>
+        <p:cNvPr id="1" name=""/>
+        <p:cNvGrpSpPr/>
+        <p:nvPr/>
+      </p:nvGrpSpPr>
+      <p:grpSpPr>
+        <a:xfrm>
+          <a:off x="0" y="0"/>
+          <a:ext cx="0" cy="0"/>
+          <a:chOff x="0" y="0"/>
+          <a:chExt cx="0" cy="0"/>
+        </a:xfrm>
+      </p:grpSpPr>
+      <p:sp>
+        <p:nvSpPr>
+          <p:cNvPr id="5" name="Right Triangle 4">
+            <a:extLst>
+              <a:ext uri="{FF2B5EF4-FFF2-40B4-BE49-F238E27FC236}">
+                <a16:creationId xmlns:a16="http://schemas.microsoft.com/office/drawing/2014/main" id="{5488A745-4D79-6747-B65A-803B31C1F8B4}"/>
+              </a:ext>
+            </a:extLst>
+          </p:cNvPr>
+          <p:cNvSpPr/>
+          <p:nvPr/>
+        </p:nvSpPr>
+        <p:spPr>
+          <a:xfrm rot="13068536">
+            <a:off x="-809065" y="4275183"/>
+            <a:ext cx="1600200" cy="2061882"/>
+          </a:xfrm>
+          <a:prstGeom prst="rtTriangle">
+            <a:avLst/>
+          </a:prstGeom>
+          <a:solidFill>
+            <a:srgbClr val="44E4C4"/>
+          </a:solidFill>
+          <a:ln>
+            <a:solidFill>
+              <a:srgbClr val="44E4C4"/>
+            </a:solidFill>
+          </a:ln>
+        </p:spPr>
+        <p:style>
+          <a:lnRef idx="2">
+            <a:schemeClr val="accent1">
+              <a:shade val="50000"/>
+            </a:schemeClr>
+          </a:lnRef>
+          <a:fillRef idx="1">
+            <a:schemeClr val="accent1"/>
+          </a:fillRef>
+          <a:effectRef idx="0">
+            <a:schemeClr val="accent1"/>
+          </a:effectRef>
+          <a:fontRef idx="minor">
+            <a:schemeClr val="lt1"/>
+          </a:fontRef>
+        </p:style>
+        <p:txBody>
+          <a:bodyPr rtlCol="0" anchor="ctr"/>
+          <a:lstStyle/>
+          <a:p>
+            <a:pPr algn="ctr"/>
+            <a:endParaRPr lang="en-US"/>
+          </a:p>
+        </p:txBody>
+      </p:sp>
+      <p:sp>
+        <p:nvSpPr>
+          <p:cNvPr id="6" name="Rectangle 5">
+            <a:extLst>
+              <a:ext uri="{FF2B5EF4-FFF2-40B4-BE49-F238E27FC236}">
+                <a16:creationId xmlns:a16="http://schemas.microsoft.com/office/drawing/2014/main" id="{67C63295-B221-9A4E-BA44-2C4B26CF7FDE}"/>
+              </a:ext>
+            </a:extLst>
+          </p:cNvPr>
+          <p:cNvSpPr/>
+          <p:nvPr/>
+        </p:nvSpPr>
+        <p:spPr>
+          <a:xfrm rot="2351297">
+            <a:off x="281204" y="5024303"/>
+            <a:ext cx="880169" cy="978559"/>
+          </a:xfrm>
+          <a:prstGeom prst="rect">
+            <a:avLst/>
+          </a:prstGeom>
+          <a:solidFill>
+            <a:srgbClr val="2E27C7">
+              <a:alpha val="80000"/>
+            </a:srgbClr>
+          </a:solidFill>
+        </p:spPr>
+        <p:style>
+          <a:lnRef idx="2">
+            <a:schemeClr val="accent1">
+              <a:shade val="50000"/>
+            </a:schemeClr>
+          </a:lnRef>
+          <a:fillRef idx="1">
+            <a:schemeClr val="accent1"/>
+          </a:fillRef>
+          <a:effectRef idx="0">
+            <a:schemeClr val="accent1"/>
+          </a:effectRef>
+          <a:fontRef idx="minor">
+            <a:schemeClr val="lt1"/>
+          </a:fontRef>
+        </p:style>
+        <p:txBody>
+          <a:bodyPr rtlCol="0" anchor="ctr"/>
+          <a:lstStyle/>
+          <a:p>
+            <a:pPr algn="ctr"/>
+            <a:endParaRPr lang="en-US"/>
+          </a:p>
+        </p:txBody>
+      </p:sp>
+      <p:sp>
+        <p:nvSpPr>
+          <p:cNvPr id="7" name="Right Triangle 6">
+            <a:extLst>
+              <a:ext uri="{FF2B5EF4-FFF2-40B4-BE49-F238E27FC236}">
+                <a16:creationId xmlns:a16="http://schemas.microsoft.com/office/drawing/2014/main" id="{E9A9D123-E73C-5749-962A-D162E22D504C}"/>
+              </a:ext>
+            </a:extLst>
+          </p:cNvPr>
+          <p:cNvSpPr/>
+          <p:nvPr/>
+        </p:nvSpPr>
+        <p:spPr>
+          <a:xfrm rot="2259401">
+            <a:off x="11399428" y="428828"/>
+            <a:ext cx="1600200" cy="2066544"/>
+          </a:xfrm>
+          <a:prstGeom prst="rtTriangle">
+            <a:avLst/>
+          </a:prstGeom>
+          <a:solidFill>
+            <a:srgbClr val="2E27C7"/>
+          </a:solidFill>
+          <a:ln>
+            <a:solidFill>
+              <a:srgbClr val="2E27C7"/>
+            </a:solidFill>
+          </a:ln>
+        </p:spPr>
+        <p:style>
+          <a:lnRef idx="2">
+            <a:schemeClr val="accent1">
+              <a:shade val="50000"/>
+            </a:schemeClr>
+          </a:lnRef>
+          <a:fillRef idx="1">
+            <a:schemeClr val="accent1"/>
+          </a:fillRef>
+          <a:effectRef idx="0">
+            <a:schemeClr val="accent1"/>
+          </a:effectRef>
+          <a:fontRef idx="minor">
+            <a:schemeClr val="lt1"/>
+          </a:fontRef>
+        </p:style>
+        <p:txBody>
+          <a:bodyPr rtlCol="0" anchor="ctr"/>
+          <a:lstStyle/>
+          <a:p>
+            <a:pPr algn="ctr"/>
+            <a:endParaRPr lang="en-US"/>
+          </a:p>
+        </p:txBody>
+      </p:sp>
+      <p:sp>
+        <p:nvSpPr>
+          <p:cNvPr id="8" name="Rectangle 7">
+            <a:extLst>
+              <a:ext uri="{FF2B5EF4-FFF2-40B4-BE49-F238E27FC236}">
+                <a16:creationId xmlns:a16="http://schemas.microsoft.com/office/drawing/2014/main" id="{523C82C0-70C3-B347-A9AA-B75D37C19777}"/>
+              </a:ext>
+            </a:extLst>
+          </p:cNvPr>
+          <p:cNvSpPr/>
+          <p:nvPr/>
+        </p:nvSpPr>
+        <p:spPr>
+          <a:xfrm rot="13164033">
+            <a:off x="11030256" y="1657834"/>
+            <a:ext cx="880169" cy="978559"/>
+          </a:xfrm>
+          <a:prstGeom prst="rect">
+            <a:avLst/>
+          </a:prstGeom>
+          <a:solidFill>
+            <a:srgbClr val="44E4C4">
+              <a:alpha val="80000"/>
+            </a:srgbClr>
+          </a:solidFill>
+          <a:ln>
+            <a:solidFill>
+              <a:srgbClr val="44E4C4"/>
+            </a:solidFill>
+          </a:ln>
+        </p:spPr>
+        <p:style>
+          <a:lnRef idx="2">
+            <a:schemeClr val="accent1">
+              <a:shade val="50000"/>
+            </a:schemeClr>
+          </a:lnRef>
+          <a:fillRef idx="1">
+            <a:schemeClr val="accent1"/>
+          </a:fillRef>
+          <a:effectRef idx="0">
+            <a:schemeClr val="accent1"/>
+          </a:effectRef>
+          <a:fontRef idx="minor">
+            <a:schemeClr val="lt1"/>
+          </a:fontRef>
+        </p:style>
+        <p:txBody>
+          <a:bodyPr rtlCol="0" anchor="ctr"/>
+          <a:lstStyle/>
+          <a:p>
+            <a:pPr algn="ctr"/>
+            <a:endParaRPr lang="en-US"/>
+          </a:p>
+        </p:txBody>
+      </p:sp>
+      <p:sp>
+        <p:nvSpPr>
+          <p:cNvPr id="9" name="Title 1">
+            <a:extLst>
+              <a:ext uri="{FF2B5EF4-FFF2-40B4-BE49-F238E27FC236}">
+                <a16:creationId xmlns:a16="http://schemas.microsoft.com/office/drawing/2014/main" id="{DF4B9AD8-E4FC-FA40-8BCA-CF0480A9D206}"/>
+              </a:ext>
+            </a:extLst>
+          </p:cNvPr>
+          <p:cNvSpPr>
+            <a:spLocks noGrp="1"/>
+          </p:cNvSpPr>
+          <p:nvPr>
+            <p:ph type="title"/>
+          </p:nvPr>
+        </p:nvSpPr>
+        <p:spPr>
+          <a:xfrm>
+            <a:off x="643467" y="321735"/>
+            <a:ext cx="10905066" cy="634806"/>
+          </a:xfrm>
+        </p:spPr>
+        <p:txBody>
+          <a:bodyPr>
+            <a:normAutofit/>
+          </a:bodyPr>
+          <a:lstStyle/>
+          <a:p>
+            <a:pPr algn="ctr"/>
+            <a:r>
+              <a:rPr lang="en-US" sz="3600" b="1" dirty="0">
+                <a:latin typeface="Calibri" panose="020F0502020204030204" pitchFamily="34" charset="0"/>
+                <a:cs typeface="Calibri" panose="020F0502020204030204" pitchFamily="34" charset="0"/>
+              </a:rPr>
+              <a:t>Contact Information</a:t>
+            </a:r>
+            <a:endParaRPr lang="en-US" sz="3600" b="1" cap="none" dirty="0">
+              <a:latin typeface="Calibri" panose="020F0502020204030204" pitchFamily="34" charset="0"/>
+              <a:cs typeface="Calibri" panose="020F0502020204030204" pitchFamily="34" charset="0"/>
+            </a:endParaRPr>
+          </a:p>
+        </p:txBody>
+      </p:sp>
+    </p:spTree>
+    <p:extLst>
+      <p:ext uri="{BB962C8B-B14F-4D97-AF65-F5344CB8AC3E}">
+        <p14:creationId xmlns:p14="http://schemas.microsoft.com/office/powerpoint/2010/main" val="658250400"/>
+      </p:ext>
+    </p:extLst>
+  </p:cSld>
+  <p:clrMapOvr>
+    <a:masterClrMapping/>
+  </p:clrMapOvr>
 </p:sld>
 </file>
 

--- a/DDS_Project_2_Presentation.pptx
+++ b/DDS_Project_2_Presentation.pptx
@@ -134,7 +134,7 @@
 <file path=ppt/revisionInfo.xml><?xml version="1.0" encoding="utf-8"?>
 <p1510:revInfo xmlns:a="http://schemas.openxmlformats.org/drawingml/2006/main" xmlns:r="http://schemas.openxmlformats.org/officeDocument/2006/relationships" xmlns:p1510="http://schemas.microsoft.com/office/powerpoint/2015/10/main">
   <p1510:revLst>
-    <p1510:client id="{F72F3FB8-19C0-4758-9009-50FF7556B545}" v="90" dt="2021-12-09T03:18:19.928"/>
+    <p1510:client id="{F72F3FB8-19C0-4758-9009-50FF7556B545}" v="91" dt="2021-12-10T02:21:57.703"/>
   </p1510:revLst>
 </p1510:revInfo>
 </file>
@@ -144,7 +144,7 @@
   <pc:docChgLst>
     <pc:chgData name="Pandey, Shikha" userId="62b2c247-44c0-476d-a294-f01c5623c9dc" providerId="ADAL" clId="{F72F3FB8-19C0-4758-9009-50FF7556B545}"/>
     <pc:docChg chg="undo redo custSel addSld delSld modSld sldOrd">
-      <pc:chgData name="Pandey, Shikha" userId="62b2c247-44c0-476d-a294-f01c5623c9dc" providerId="ADAL" clId="{F72F3FB8-19C0-4758-9009-50FF7556B545}" dt="2021-12-09T04:59:14.130" v="1375" actId="20577"/>
+      <pc:chgData name="Pandey, Shikha" userId="62b2c247-44c0-476d-a294-f01c5623c9dc" providerId="ADAL" clId="{F72F3FB8-19C0-4758-9009-50FF7556B545}" dt="2021-12-10T02:25:50.408" v="1588" actId="20577"/>
       <pc:docMkLst>
         <pc:docMk/>
       </pc:docMkLst>
@@ -1662,6 +1662,192 @@
           <pc:docMk/>
           <pc:sldMk cId="776828111" sldId="284"/>
         </pc:sldMkLst>
+      </pc:sldChg>
+      <pc:sldChg chg="addSp modSp mod">
+        <pc:chgData name="Pandey, Shikha" userId="62b2c247-44c0-476d-a294-f01c5623c9dc" providerId="ADAL" clId="{F72F3FB8-19C0-4758-9009-50FF7556B545}" dt="2021-12-10T02:25:50.408" v="1588" actId="20577"/>
+        <pc:sldMkLst>
+          <pc:docMk/>
+          <pc:sldMk cId="2438839394" sldId="285"/>
+        </pc:sldMkLst>
+        <pc:spChg chg="add mod">
+          <ac:chgData name="Pandey, Shikha" userId="62b2c247-44c0-476d-a294-f01c5623c9dc" providerId="ADAL" clId="{F72F3FB8-19C0-4758-9009-50FF7556B545}" dt="2021-12-10T02:23:59.039" v="1568" actId="20577"/>
+          <ac:spMkLst>
+            <pc:docMk/>
+            <pc:sldMk cId="2438839394" sldId="285"/>
+            <ac:spMk id="2" creationId="{830C812C-0B4E-4DD0-9536-44B82B942203}"/>
+          </ac:spMkLst>
+        </pc:spChg>
+        <pc:spChg chg="mod">
+          <ac:chgData name="Pandey, Shikha" userId="62b2c247-44c0-476d-a294-f01c5623c9dc" providerId="ADAL" clId="{F72F3FB8-19C0-4758-9009-50FF7556B545}" dt="2021-12-10T02:25:50.408" v="1588" actId="20577"/>
+          <ac:spMkLst>
+            <pc:docMk/>
+            <pc:sldMk cId="2438839394" sldId="285"/>
+            <ac:spMk id="9" creationId="{8699B0BB-8ACF-4144-8B00-D4FD854FE289}"/>
+          </ac:spMkLst>
+        </pc:spChg>
+      </pc:sldChg>
+      <pc:sldChg chg="modSp modAnim">
+        <pc:chgData name="Pandey, Shikha" userId="62b2c247-44c0-476d-a294-f01c5623c9dc" providerId="ADAL" clId="{F72F3FB8-19C0-4758-9009-50FF7556B545}" dt="2021-12-10T01:22:50.553" v="1376" actId="20577"/>
+        <pc:sldMkLst>
+          <pc:docMk/>
+          <pc:sldMk cId="3948550493" sldId="286"/>
+        </pc:sldMkLst>
+        <pc:spChg chg="mod">
+          <ac:chgData name="Pandey, Shikha" userId="62b2c247-44c0-476d-a294-f01c5623c9dc" providerId="ADAL" clId="{F72F3FB8-19C0-4758-9009-50FF7556B545}" dt="2021-12-10T01:22:50.553" v="1376" actId="20577"/>
+          <ac:spMkLst>
+            <pc:docMk/>
+            <pc:sldMk cId="3948550493" sldId="286"/>
+            <ac:spMk id="11" creationId="{918861B3-77D0-8441-9695-4A944E64D8CB}"/>
+          </ac:spMkLst>
+        </pc:spChg>
+      </pc:sldChg>
+      <pc:sldChg chg="addSp delSp modSp mod modAnim">
+        <pc:chgData name="Pandey, Shikha" userId="62b2c247-44c0-476d-a294-f01c5623c9dc" providerId="ADAL" clId="{F72F3FB8-19C0-4758-9009-50FF7556B545}" dt="2021-12-10T02:00:43.334" v="1502"/>
+        <pc:sldMkLst>
+          <pc:docMk/>
+          <pc:sldMk cId="216170584" sldId="289"/>
+        </pc:sldMkLst>
+        <pc:spChg chg="add mod">
+          <ac:chgData name="Pandey, Shikha" userId="62b2c247-44c0-476d-a294-f01c5623c9dc" providerId="ADAL" clId="{F72F3FB8-19C0-4758-9009-50FF7556B545}" dt="2021-12-10T01:53:48.524" v="1460" actId="208"/>
+          <ac:spMkLst>
+            <pc:docMk/>
+            <pc:sldMk cId="216170584" sldId="289"/>
+            <ac:spMk id="2" creationId="{D3A6E07A-E13C-476D-A588-5AB1E17A5035}"/>
+          </ac:spMkLst>
+        </pc:spChg>
+        <pc:spChg chg="add del mod">
+          <ac:chgData name="Pandey, Shikha" userId="62b2c247-44c0-476d-a294-f01c5623c9dc" providerId="ADAL" clId="{F72F3FB8-19C0-4758-9009-50FF7556B545}" dt="2021-12-10T01:56:55.276" v="1483" actId="207"/>
+          <ac:spMkLst>
+            <pc:docMk/>
+            <pc:sldMk cId="216170584" sldId="289"/>
+            <ac:spMk id="4" creationId="{D9EEC7DF-EFE6-4C4E-8C0C-CB0E28717A0A}"/>
+          </ac:spMkLst>
+        </pc:spChg>
+        <pc:spChg chg="add mod">
+          <ac:chgData name="Pandey, Shikha" userId="62b2c247-44c0-476d-a294-f01c5623c9dc" providerId="ADAL" clId="{F72F3FB8-19C0-4758-9009-50FF7556B545}" dt="2021-12-10T01:58:24.386" v="1492" actId="208"/>
+          <ac:spMkLst>
+            <pc:docMk/>
+            <pc:sldMk cId="216170584" sldId="289"/>
+            <ac:spMk id="9" creationId="{34F14F9C-B97D-4A30-803F-EA9600784317}"/>
+          </ac:spMkLst>
+        </pc:spChg>
+        <pc:spChg chg="add mod">
+          <ac:chgData name="Pandey, Shikha" userId="62b2c247-44c0-476d-a294-f01c5623c9dc" providerId="ADAL" clId="{F72F3FB8-19C0-4758-9009-50FF7556B545}" dt="2021-12-10T01:59:02.666" v="1498" actId="208"/>
+          <ac:spMkLst>
+            <pc:docMk/>
+            <pc:sldMk cId="216170584" sldId="289"/>
+            <ac:spMk id="10" creationId="{3796E97E-BE5B-4E51-B4E3-9702DE2EC894}"/>
+          </ac:spMkLst>
+        </pc:spChg>
+        <pc:picChg chg="add del mod">
+          <ac:chgData name="Pandey, Shikha" userId="62b2c247-44c0-476d-a294-f01c5623c9dc" providerId="ADAL" clId="{F72F3FB8-19C0-4758-9009-50FF7556B545}" dt="2021-12-10T01:56:13.359" v="1468" actId="478"/>
+          <ac:picMkLst>
+            <pc:docMk/>
+            <pc:sldMk cId="216170584" sldId="289"/>
+            <ac:picMk id="3" creationId="{AF94A468-6A8E-4554-8D0C-575A9A743FA7}"/>
+          </ac:picMkLst>
+        </pc:picChg>
+      </pc:sldChg>
+      <pc:sldChg chg="modSp mod">
+        <pc:chgData name="Pandey, Shikha" userId="62b2c247-44c0-476d-a294-f01c5623c9dc" providerId="ADAL" clId="{F72F3FB8-19C0-4758-9009-50FF7556B545}" dt="2021-12-10T02:12:50.333" v="1529" actId="1076"/>
+        <pc:sldMkLst>
+          <pc:docMk/>
+          <pc:sldMk cId="2318606424" sldId="293"/>
+        </pc:sldMkLst>
+        <pc:picChg chg="mod">
+          <ac:chgData name="Pandey, Shikha" userId="62b2c247-44c0-476d-a294-f01c5623c9dc" providerId="ADAL" clId="{F72F3FB8-19C0-4758-9009-50FF7556B545}" dt="2021-12-10T02:12:33.039" v="1527" actId="1076"/>
+          <ac:picMkLst>
+            <pc:docMk/>
+            <pc:sldMk cId="2318606424" sldId="293"/>
+            <ac:picMk id="9" creationId="{EDF29913-CB86-0940-95A3-8ADBEFF5A51D}"/>
+          </ac:picMkLst>
+        </pc:picChg>
+        <pc:picChg chg="mod">
+          <ac:chgData name="Pandey, Shikha" userId="62b2c247-44c0-476d-a294-f01c5623c9dc" providerId="ADAL" clId="{F72F3FB8-19C0-4758-9009-50FF7556B545}" dt="2021-12-10T02:12:50.333" v="1529" actId="1076"/>
+          <ac:picMkLst>
+            <pc:docMk/>
+            <pc:sldMk cId="2318606424" sldId="293"/>
+            <ac:picMk id="10" creationId="{B1300F49-4245-E94C-9EAB-F93A9FA2B8F5}"/>
+          </ac:picMkLst>
+        </pc:picChg>
+      </pc:sldChg>
+      <pc:sldChg chg="addSp delSp modSp mod modAnim">
+        <pc:chgData name="Pandey, Shikha" userId="62b2c247-44c0-476d-a294-f01c5623c9dc" providerId="ADAL" clId="{F72F3FB8-19C0-4758-9009-50FF7556B545}" dt="2021-12-10T01:43:54.211" v="1438"/>
+        <pc:sldMkLst>
+          <pc:docMk/>
+          <pc:sldMk cId="153741263" sldId="296"/>
+        </pc:sldMkLst>
+        <pc:spChg chg="add mod">
+          <ac:chgData name="Pandey, Shikha" userId="62b2c247-44c0-476d-a294-f01c5623c9dc" providerId="ADAL" clId="{F72F3FB8-19C0-4758-9009-50FF7556B545}" dt="2021-12-10T01:37:26.166" v="1386" actId="208"/>
+          <ac:spMkLst>
+            <pc:docMk/>
+            <pc:sldMk cId="153741263" sldId="296"/>
+            <ac:spMk id="2" creationId="{91F281BA-7165-4483-96F6-593C189600AF}"/>
+          </ac:spMkLst>
+        </pc:spChg>
+        <pc:spChg chg="add del">
+          <ac:chgData name="Pandey, Shikha" userId="62b2c247-44c0-476d-a294-f01c5623c9dc" providerId="ADAL" clId="{F72F3FB8-19C0-4758-9009-50FF7556B545}" dt="2021-12-10T01:41:03.441" v="1421" actId="11529"/>
+          <ac:spMkLst>
+            <pc:docMk/>
+            <pc:sldMk cId="153741263" sldId="296"/>
+            <ac:spMk id="12" creationId="{29A2E48F-6D21-4C3E-9066-C6980C494C2F}"/>
+          </ac:spMkLst>
+        </pc:spChg>
+        <pc:spChg chg="add mod">
+          <ac:chgData name="Pandey, Shikha" userId="62b2c247-44c0-476d-a294-f01c5623c9dc" providerId="ADAL" clId="{F72F3FB8-19C0-4758-9009-50FF7556B545}" dt="2021-12-10T01:42:24.682" v="1435" actId="208"/>
+          <ac:spMkLst>
+            <pc:docMk/>
+            <pc:sldMk cId="153741263" sldId="296"/>
+            <ac:spMk id="13" creationId="{9A060227-8E02-4E0C-A133-A60D57F88A26}"/>
+          </ac:spMkLst>
+        </pc:spChg>
+        <pc:picChg chg="add mod">
+          <ac:chgData name="Pandey, Shikha" userId="62b2c247-44c0-476d-a294-f01c5623c9dc" providerId="ADAL" clId="{F72F3FB8-19C0-4758-9009-50FF7556B545}" dt="2021-12-10T01:38:58.792" v="1409" actId="14100"/>
+          <ac:picMkLst>
+            <pc:docMk/>
+            <pc:sldMk cId="153741263" sldId="296"/>
+            <ac:picMk id="3" creationId="{CB2E97DF-6763-4085-9783-B9AF69459BD8}"/>
+          </ac:picMkLst>
+        </pc:picChg>
+        <pc:picChg chg="add del">
+          <ac:chgData name="Pandey, Shikha" userId="62b2c247-44c0-476d-a294-f01c5623c9dc" providerId="ADAL" clId="{F72F3FB8-19C0-4758-9009-50FF7556B545}" dt="2021-12-10T01:39:31.807" v="1411" actId="478"/>
+          <ac:picMkLst>
+            <pc:docMk/>
+            <pc:sldMk cId="153741263" sldId="296"/>
+            <ac:picMk id="4" creationId="{08A9D5EE-28AB-485F-A758-5A30356F2AEB}"/>
+          </ac:picMkLst>
+        </pc:picChg>
+        <pc:picChg chg="add mod">
+          <ac:chgData name="Pandey, Shikha" userId="62b2c247-44c0-476d-a294-f01c5623c9dc" providerId="ADAL" clId="{F72F3FB8-19C0-4758-9009-50FF7556B545}" dt="2021-12-10T01:40:15.968" v="1419" actId="14100"/>
+          <ac:picMkLst>
+            <pc:docMk/>
+            <pc:sldMk cId="153741263" sldId="296"/>
+            <ac:picMk id="11" creationId="{1A7385C0-2E80-4A91-A44A-04802535D3D4}"/>
+          </ac:picMkLst>
+        </pc:picChg>
+      </pc:sldChg>
+      <pc:sldChg chg="addSp modSp mod modAnim">
+        <pc:chgData name="Pandey, Shikha" userId="62b2c247-44c0-476d-a294-f01c5623c9dc" providerId="ADAL" clId="{F72F3FB8-19C0-4758-9009-50FF7556B545}" dt="2021-12-10T02:11:03.901" v="1525"/>
+        <pc:sldMkLst>
+          <pc:docMk/>
+          <pc:sldMk cId="2006790794" sldId="302"/>
+        </pc:sldMkLst>
+        <pc:spChg chg="add mod">
+          <ac:chgData name="Pandey, Shikha" userId="62b2c247-44c0-476d-a294-f01c5623c9dc" providerId="ADAL" clId="{F72F3FB8-19C0-4758-9009-50FF7556B545}" dt="2021-12-10T02:08:32.273" v="1510" actId="208"/>
+          <ac:spMkLst>
+            <pc:docMk/>
+            <pc:sldMk cId="2006790794" sldId="302"/>
+            <ac:spMk id="2" creationId="{92EF747A-AF0E-44C1-8127-E6D7C6774AD5}"/>
+          </ac:spMkLst>
+        </pc:spChg>
+        <pc:spChg chg="add mod">
+          <ac:chgData name="Pandey, Shikha" userId="62b2c247-44c0-476d-a294-f01c5623c9dc" providerId="ADAL" clId="{F72F3FB8-19C0-4758-9009-50FF7556B545}" dt="2021-12-10T02:10:29.326" v="1522" actId="208"/>
+          <ac:spMkLst>
+            <pc:docMk/>
+            <pc:sldMk cId="2006790794" sldId="302"/>
+            <ac:spMk id="3" creationId="{9FA441EC-0FB7-4D49-A3FA-6E88846A69E7}"/>
+          </ac:spMkLst>
+        </pc:spChg>
       </pc:sldChg>
       <pc:sldChg chg="delSp modSp add mod">
         <pc:chgData name="Pandey, Shikha" userId="62b2c247-44c0-476d-a294-f01c5623c9dc" providerId="ADAL" clId="{F72F3FB8-19C0-4758-9009-50FF7556B545}" dt="2021-12-09T04:58:50.666" v="1355" actId="20577"/>
@@ -1837,7 +2023,7 @@
           <a:p>
             <a:fld id="{23FEA57E-7C1A-457B-A4CD-5DCEB057B502}" type="datetime1">
               <a:rPr lang="en-US" smtClean="0"/>
-              <a:t>12/8/2021</a:t>
+              <a:t>12/9/2021</a:t>
             </a:fld>
             <a:endParaRPr lang="en-US" dirty="0"/>
           </a:p>
@@ -2011,7 +2197,7 @@
           <a:p>
             <a:fld id="{11789749-A4CD-447F-8298-2B7988C91CEA}" type="datetime1">
               <a:rPr lang="en-US" smtClean="0"/>
-              <a:t>12/8/2021</a:t>
+              <a:t>12/9/2021</a:t>
             </a:fld>
             <a:endParaRPr lang="en-US"/>
           </a:p>
@@ -2195,7 +2381,7 @@
           <a:p>
             <a:fld id="{BA0444D3-C0BA-4587-A56C-581AB9F841BE}" type="datetime1">
               <a:rPr lang="en-US" smtClean="0"/>
-              <a:t>12/8/2021</a:t>
+              <a:t>12/9/2021</a:t>
             </a:fld>
             <a:endParaRPr lang="en-US"/>
           </a:p>
@@ -2368,7 +2554,7 @@
           <a:p>
             <a:fld id="{201AF2CE-4F37-411C-A3EE-BBBE223265BF}" type="datetime1">
               <a:rPr lang="en-US" smtClean="0"/>
-              <a:t>12/8/2021</a:t>
+              <a:t>12/9/2021</a:t>
             </a:fld>
             <a:endParaRPr lang="en-US"/>
           </a:p>
@@ -2617,7 +2803,7 @@
           <a:p>
             <a:fld id="{C96083D4-708C-4BB5-B4FD-30CE9FA12FD5}" type="datetime1">
               <a:rPr lang="en-US" smtClean="0"/>
-              <a:t>12/8/2021</a:t>
+              <a:t>12/9/2021</a:t>
             </a:fld>
             <a:endParaRPr lang="en-US"/>
           </a:p>
@@ -2853,7 +3039,7 @@
           <a:p>
             <a:fld id="{D0D239B2-65BC-4C2A-A62B-3EABFE9590E4}" type="datetime1">
               <a:rPr lang="en-US" smtClean="0"/>
-              <a:t>12/8/2021</a:t>
+              <a:t>12/9/2021</a:t>
             </a:fld>
             <a:endParaRPr lang="en-US"/>
           </a:p>
@@ -3223,7 +3409,7 @@
           <a:p>
             <a:fld id="{85E05F5A-E4A3-476F-A89E-C2B73F2431E4}" type="datetime1">
               <a:rPr lang="en-US" smtClean="0"/>
-              <a:t>12/8/2021</a:t>
+              <a:t>12/9/2021</a:t>
             </a:fld>
             <a:endParaRPr lang="en-US"/>
           </a:p>
@@ -3344,7 +3530,7 @@
           <a:p>
             <a:fld id="{E3761515-4A26-4F31-9F61-5A10B1FABBFC}" type="datetime1">
               <a:rPr lang="en-US" smtClean="0"/>
-              <a:t>12/8/2021</a:t>
+              <a:t>12/9/2021</a:t>
             </a:fld>
             <a:endParaRPr lang="en-US"/>
           </a:p>
@@ -3442,7 +3628,7 @@
           <a:p>
             <a:fld id="{4A75DC65-7D1F-4BAB-9695-F7E734143E14}" type="datetime1">
               <a:rPr lang="en-US" smtClean="0"/>
-              <a:t>12/8/2021</a:t>
+              <a:t>12/9/2021</a:t>
             </a:fld>
             <a:endParaRPr lang="en-US"/>
           </a:p>
@@ -3722,7 +3908,7 @@
           <a:p>
             <a:fld id="{7E624077-BD55-4036-8E92-6558FDF3B653}" type="datetime1">
               <a:rPr lang="en-US" smtClean="0"/>
-              <a:t>12/8/2021</a:t>
+              <a:t>12/9/2021</a:t>
             </a:fld>
             <a:endParaRPr lang="en-US"/>
           </a:p>
@@ -3982,7 +4168,7 @@
           <a:p>
             <a:fld id="{804225F2-7107-4609-BCC2-77C63064A5E8}" type="datetime1">
               <a:rPr lang="en-US" smtClean="0"/>
-              <a:t>12/8/2021</a:t>
+              <a:t>12/9/2021</a:t>
             </a:fld>
             <a:endParaRPr lang="en-US"/>
           </a:p>
@@ -4198,7 +4384,7 @@
           <a:p>
             <a:fld id="{D3FE42E8-8B57-452D-A122-4DCE9AC771EF}" type="datetime1">
               <a:rPr lang="en-US" smtClean="0"/>
-              <a:t>12/8/2021</a:t>
+              <a:t>12/9/2021</a:t>
             </a:fld>
             <a:endParaRPr lang="en-US"/>
           </a:p>
@@ -5195,6 +5381,126 @@
           </a:prstGeom>
         </p:spPr>
       </p:pic>
+      <p:sp>
+        <p:nvSpPr>
+          <p:cNvPr id="2" name="Frame 1">
+            <a:extLst>
+              <a:ext uri="{FF2B5EF4-FFF2-40B4-BE49-F238E27FC236}">
+                <a16:creationId xmlns:a16="http://schemas.microsoft.com/office/drawing/2014/main" id="{92EF747A-AF0E-44C1-8127-E6D7C6774AD5}"/>
+              </a:ext>
+            </a:extLst>
+          </p:cNvPr>
+          <p:cNvSpPr/>
+          <p:nvPr/>
+        </p:nvSpPr>
+        <p:spPr>
+          <a:xfrm>
+            <a:off x="2473569" y="3259015"/>
+            <a:ext cx="6611816" cy="1597263"/>
+          </a:xfrm>
+          <a:prstGeom prst="frame">
+            <a:avLst>
+              <a:gd name="adj1" fmla="val 3596"/>
+            </a:avLst>
+          </a:prstGeom>
+          <a:solidFill>
+            <a:srgbClr val="92D050"/>
+          </a:solidFill>
+          <a:ln>
+            <a:solidFill>
+              <a:srgbClr val="00B050"/>
+            </a:solidFill>
+          </a:ln>
+        </p:spPr>
+        <p:style>
+          <a:lnRef idx="2">
+            <a:schemeClr val="accent1">
+              <a:shade val="50000"/>
+            </a:schemeClr>
+          </a:lnRef>
+          <a:fillRef idx="1">
+            <a:schemeClr val="accent1"/>
+          </a:fillRef>
+          <a:effectRef idx="0">
+            <a:schemeClr val="accent1"/>
+          </a:effectRef>
+          <a:fontRef idx="minor">
+            <a:schemeClr val="lt1"/>
+          </a:fontRef>
+        </p:style>
+        <p:txBody>
+          <a:bodyPr rtlCol="0" anchor="ctr"/>
+          <a:lstStyle/>
+          <a:p>
+            <a:pPr algn="ctr"/>
+            <a:endParaRPr lang="en-US">
+              <a:solidFill>
+                <a:schemeClr val="tx1"/>
+              </a:solidFill>
+            </a:endParaRPr>
+          </a:p>
+        </p:txBody>
+      </p:sp>
+      <p:sp>
+        <p:nvSpPr>
+          <p:cNvPr id="3" name="Frame 2">
+            <a:extLst>
+              <a:ext uri="{FF2B5EF4-FFF2-40B4-BE49-F238E27FC236}">
+                <a16:creationId xmlns:a16="http://schemas.microsoft.com/office/drawing/2014/main" id="{9FA441EC-0FB7-4D49-A3FA-6E88846A69E7}"/>
+              </a:ext>
+            </a:extLst>
+          </p:cNvPr>
+          <p:cNvSpPr/>
+          <p:nvPr/>
+        </p:nvSpPr>
+        <p:spPr>
+          <a:xfrm>
+            <a:off x="4982308" y="1699847"/>
+            <a:ext cx="2039815" cy="1597264"/>
+          </a:xfrm>
+          <a:prstGeom prst="frame">
+            <a:avLst>
+              <a:gd name="adj1" fmla="val 4291"/>
+            </a:avLst>
+          </a:prstGeom>
+          <a:solidFill>
+            <a:schemeClr val="accent4"/>
+          </a:solidFill>
+          <a:ln>
+            <a:solidFill>
+              <a:schemeClr val="accent2"/>
+            </a:solidFill>
+          </a:ln>
+        </p:spPr>
+        <p:style>
+          <a:lnRef idx="2">
+            <a:schemeClr val="accent1">
+              <a:shade val="50000"/>
+            </a:schemeClr>
+          </a:lnRef>
+          <a:fillRef idx="1">
+            <a:schemeClr val="accent1"/>
+          </a:fillRef>
+          <a:effectRef idx="0">
+            <a:schemeClr val="accent1"/>
+          </a:effectRef>
+          <a:fontRef idx="minor">
+            <a:schemeClr val="lt1"/>
+          </a:fontRef>
+        </p:style>
+        <p:txBody>
+          <a:bodyPr rtlCol="0" anchor="ctr"/>
+          <a:lstStyle/>
+          <a:p>
+            <a:pPr algn="ctr"/>
+            <a:endParaRPr lang="en-US">
+              <a:solidFill>
+                <a:schemeClr val="tx1"/>
+              </a:solidFill>
+            </a:endParaRPr>
+          </a:p>
+        </p:txBody>
+      </p:sp>
     </p:spTree>
     <p:extLst>
       <p:ext uri="{BB962C8B-B14F-4D97-AF65-F5344CB8AC3E}">
@@ -5205,6 +5511,200 @@
   <p:clrMapOvr>
     <a:masterClrMapping/>
   </p:clrMapOvr>
+  <p:timing>
+    <p:tnLst>
+      <p:par>
+        <p:cTn id="1" dur="indefinite" restart="never" nodeType="tmRoot">
+          <p:childTnLst>
+            <p:seq concurrent="1" nextAc="seek">
+              <p:cTn id="2" dur="indefinite" nodeType="mainSeq">
+                <p:childTnLst>
+                  <p:par>
+                    <p:cTn id="3" fill="hold">
+                      <p:stCondLst>
+                        <p:cond delay="indefinite"/>
+                      </p:stCondLst>
+                      <p:childTnLst>
+                        <p:par>
+                          <p:cTn id="4" fill="hold">
+                            <p:stCondLst>
+                              <p:cond delay="0"/>
+                            </p:stCondLst>
+                            <p:childTnLst>
+                              <p:par>
+                                <p:cTn id="5" presetID="10" presetClass="entr" presetSubtype="0" fill="hold" grpId="0" nodeType="clickEffect">
+                                  <p:stCondLst>
+                                    <p:cond delay="0"/>
+                                  </p:stCondLst>
+                                  <p:childTnLst>
+                                    <p:set>
+                                      <p:cBhvr>
+                                        <p:cTn id="6" dur="1" fill="hold">
+                                          <p:stCondLst>
+                                            <p:cond delay="0"/>
+                                          </p:stCondLst>
+                                        </p:cTn>
+                                        <p:tgtEl>
+                                          <p:spTgt spid="2"/>
+                                        </p:tgtEl>
+                                        <p:attrNameLst>
+                                          <p:attrName>style.visibility</p:attrName>
+                                        </p:attrNameLst>
+                                      </p:cBhvr>
+                                      <p:to>
+                                        <p:strVal val="visible"/>
+                                      </p:to>
+                                    </p:set>
+                                    <p:animEffect transition="in" filter="fade">
+                                      <p:cBhvr>
+                                        <p:cTn id="7" dur="500"/>
+                                        <p:tgtEl>
+                                          <p:spTgt spid="2"/>
+                                        </p:tgtEl>
+                                      </p:cBhvr>
+                                    </p:animEffect>
+                                  </p:childTnLst>
+                                </p:cTn>
+                              </p:par>
+                            </p:childTnLst>
+                          </p:cTn>
+                        </p:par>
+                      </p:childTnLst>
+                    </p:cTn>
+                  </p:par>
+                  <p:par>
+                    <p:cTn id="8" fill="hold">
+                      <p:stCondLst>
+                        <p:cond delay="indefinite"/>
+                      </p:stCondLst>
+                      <p:childTnLst>
+                        <p:par>
+                          <p:cTn id="9" fill="hold">
+                            <p:stCondLst>
+                              <p:cond delay="0"/>
+                            </p:stCondLst>
+                            <p:childTnLst>
+                              <p:par>
+                                <p:cTn id="10" presetID="10" presetClass="exit" presetSubtype="0" fill="hold" grpId="1" nodeType="clickEffect">
+                                  <p:stCondLst>
+                                    <p:cond delay="0"/>
+                                  </p:stCondLst>
+                                  <p:childTnLst>
+                                    <p:animEffect transition="out" filter="fade">
+                                      <p:cBhvr>
+                                        <p:cTn id="11" dur="500"/>
+                                        <p:tgtEl>
+                                          <p:spTgt spid="2"/>
+                                        </p:tgtEl>
+                                      </p:cBhvr>
+                                    </p:animEffect>
+                                    <p:set>
+                                      <p:cBhvr>
+                                        <p:cTn id="12" dur="1" fill="hold">
+                                          <p:stCondLst>
+                                            <p:cond delay="499"/>
+                                          </p:stCondLst>
+                                        </p:cTn>
+                                        <p:tgtEl>
+                                          <p:spTgt spid="2"/>
+                                        </p:tgtEl>
+                                        <p:attrNameLst>
+                                          <p:attrName>style.visibility</p:attrName>
+                                        </p:attrNameLst>
+                                      </p:cBhvr>
+                                      <p:to>
+                                        <p:strVal val="hidden"/>
+                                      </p:to>
+                                    </p:set>
+                                  </p:childTnLst>
+                                </p:cTn>
+                              </p:par>
+                            </p:childTnLst>
+                          </p:cTn>
+                        </p:par>
+                      </p:childTnLst>
+                    </p:cTn>
+                  </p:par>
+                  <p:par>
+                    <p:cTn id="13" fill="hold">
+                      <p:stCondLst>
+                        <p:cond delay="indefinite"/>
+                      </p:stCondLst>
+                      <p:childTnLst>
+                        <p:par>
+                          <p:cTn id="14" fill="hold">
+                            <p:stCondLst>
+                              <p:cond delay="0"/>
+                            </p:stCondLst>
+                            <p:childTnLst>
+                              <p:par>
+                                <p:cTn id="15" presetID="10" presetClass="entr" presetSubtype="0" fill="hold" grpId="0" nodeType="clickEffect">
+                                  <p:stCondLst>
+                                    <p:cond delay="0"/>
+                                  </p:stCondLst>
+                                  <p:childTnLst>
+                                    <p:set>
+                                      <p:cBhvr>
+                                        <p:cTn id="16" dur="1" fill="hold">
+                                          <p:stCondLst>
+                                            <p:cond delay="0"/>
+                                          </p:stCondLst>
+                                        </p:cTn>
+                                        <p:tgtEl>
+                                          <p:spTgt spid="3"/>
+                                        </p:tgtEl>
+                                        <p:attrNameLst>
+                                          <p:attrName>style.visibility</p:attrName>
+                                        </p:attrNameLst>
+                                      </p:cBhvr>
+                                      <p:to>
+                                        <p:strVal val="visible"/>
+                                      </p:to>
+                                    </p:set>
+                                    <p:animEffect transition="in" filter="fade">
+                                      <p:cBhvr>
+                                        <p:cTn id="17" dur="500"/>
+                                        <p:tgtEl>
+                                          <p:spTgt spid="3"/>
+                                        </p:tgtEl>
+                                      </p:cBhvr>
+                                    </p:animEffect>
+                                  </p:childTnLst>
+                                </p:cTn>
+                              </p:par>
+                            </p:childTnLst>
+                          </p:cTn>
+                        </p:par>
+                      </p:childTnLst>
+                    </p:cTn>
+                  </p:par>
+                </p:childTnLst>
+              </p:cTn>
+              <p:prevCondLst>
+                <p:cond evt="onPrev" delay="0">
+                  <p:tgtEl>
+                    <p:sldTgt/>
+                  </p:tgtEl>
+                </p:cond>
+              </p:prevCondLst>
+              <p:nextCondLst>
+                <p:cond evt="onNext" delay="0">
+                  <p:tgtEl>
+                    <p:sldTgt/>
+                  </p:tgtEl>
+                </p:cond>
+              </p:nextCondLst>
+            </p:seq>
+          </p:childTnLst>
+        </p:cTn>
+      </p:par>
+    </p:tnLst>
+    <p:bldLst>
+      <p:bldP spid="2" grpId="0" animBg="1"/>
+      <p:bldP spid="2" grpId="1" animBg="1"/>
+      <p:bldP spid="3" grpId="0" animBg="1"/>
+    </p:bldLst>
+  </p:timing>
 </p:sld>
 </file>
 
@@ -5247,8 +5747,8 @@
         </p:blipFill>
         <p:spPr>
           <a:xfrm>
-            <a:off x="2337634" y="2348042"/>
-            <a:ext cx="4131224" cy="2958082"/>
+            <a:off x="1810097" y="2338168"/>
+            <a:ext cx="4644952" cy="3325927"/>
           </a:xfrm>
           <a:prstGeom prst="rect">
             <a:avLst/>
@@ -5277,8 +5777,8 @@
         </p:blipFill>
         <p:spPr>
           <a:xfrm>
-            <a:off x="6096000" y="2348042"/>
-            <a:ext cx="4091495" cy="2958082"/>
+            <a:off x="6060831" y="2338169"/>
+            <a:ext cx="4600283" cy="3325927"/>
           </a:xfrm>
           <a:prstGeom prst="rect">
             <a:avLst/>
@@ -6804,13 +7304,61 @@
             <a:pPr algn="ctr"/>
             <a:r>
               <a:rPr lang="en-US" sz="3600" b="1" cap="none" dirty="0">
-                <a:highlight>
-                  <a:srgbClr val="FF00FF"/>
-                </a:highlight>
                 <a:latin typeface="Calibri" panose="020F0502020204030204" pitchFamily="34" charset="0"/>
                 <a:cs typeface="Calibri" panose="020F0502020204030204" pitchFamily="34" charset="0"/>
               </a:rPr>
-              <a:t>Scatter Plots with Continuous Variables</a:t>
+              <a:t>Attrition </a:t>
+            </a:r>
+            <a:r>
+              <a:rPr lang="en-US" sz="3600" b="1" cap="none">
+                <a:latin typeface="Calibri" panose="020F0502020204030204" pitchFamily="34" charset="0"/>
+                <a:cs typeface="Calibri" panose="020F0502020204030204" pitchFamily="34" charset="0"/>
+              </a:rPr>
+              <a:t>based on Continuous </a:t>
+            </a:r>
+            <a:r>
+              <a:rPr lang="en-US" sz="3600" b="1" cap="none" dirty="0">
+                <a:latin typeface="Calibri" panose="020F0502020204030204" pitchFamily="34" charset="0"/>
+                <a:cs typeface="Calibri" panose="020F0502020204030204" pitchFamily="34" charset="0"/>
+              </a:rPr>
+              <a:t>Variables</a:t>
+            </a:r>
+          </a:p>
+        </p:txBody>
+      </p:sp>
+      <p:sp>
+        <p:nvSpPr>
+          <p:cNvPr id="2" name="TextBox 1">
+            <a:extLst>
+              <a:ext uri="{FF2B5EF4-FFF2-40B4-BE49-F238E27FC236}">
+                <a16:creationId xmlns:a16="http://schemas.microsoft.com/office/drawing/2014/main" id="{830C812C-0B4E-4DD0-9536-44B82B942203}"/>
+              </a:ext>
+            </a:extLst>
+          </p:cNvPr>
+          <p:cNvSpPr txBox="1"/>
+          <p:nvPr/>
+        </p:nvSpPr>
+        <p:spPr>
+          <a:xfrm>
+            <a:off x="8170985" y="3429000"/>
+            <a:ext cx="2239107" cy="1015663"/>
+          </a:xfrm>
+          <a:prstGeom prst="rect">
+            <a:avLst/>
+          </a:prstGeom>
+          <a:solidFill>
+            <a:schemeClr val="accent4"/>
+          </a:solidFill>
+        </p:spPr>
+        <p:txBody>
+          <a:bodyPr wrap="square" rtlCol="0">
+            <a:spAutoFit/>
+          </a:bodyPr>
+          <a:lstStyle/>
+          <a:p>
+            <a:r>
+              <a:rPr lang="en-US" sz="2000" dirty="0"/>
+              <a:t>Change it to Num of Companies Worked</a:t>
             </a:r>
           </a:p>
         </p:txBody>
@@ -10582,6 +11130,13 @@
               <a:t> on its existing employee data to predict employee turnover to help gain a competitive edge over its competition.</a:t>
             </a:r>
           </a:p>
+          <a:p>
+            <a:pPr lvl="1"/>
+            <a:endParaRPr lang="en-US" sz="2400" dirty="0">
+              <a:latin typeface="Calibri" panose="020F0502020204030204" pitchFamily="34" charset="0"/>
+              <a:cs typeface="Calibri" panose="020F0502020204030204" pitchFamily="34" charset="0"/>
+            </a:endParaRPr>
+          </a:p>
         </p:txBody>
       </p:sp>
     </p:spTree>
@@ -13137,6 +13692,186 @@
           </a:prstGeom>
         </p:spPr>
       </p:pic>
+      <p:sp>
+        <p:nvSpPr>
+          <p:cNvPr id="2" name="Frame 1">
+            <a:extLst>
+              <a:ext uri="{FF2B5EF4-FFF2-40B4-BE49-F238E27FC236}">
+                <a16:creationId xmlns:a16="http://schemas.microsoft.com/office/drawing/2014/main" id="{91F281BA-7165-4483-96F6-593C189600AF}"/>
+              </a:ext>
+            </a:extLst>
+          </p:cNvPr>
+          <p:cNvSpPr/>
+          <p:nvPr/>
+        </p:nvSpPr>
+        <p:spPr>
+          <a:xfrm>
+            <a:off x="6940062" y="1582615"/>
+            <a:ext cx="2227384" cy="1617785"/>
+          </a:xfrm>
+          <a:prstGeom prst="frame">
+            <a:avLst>
+              <a:gd name="adj1" fmla="val 4229"/>
+            </a:avLst>
+          </a:prstGeom>
+          <a:solidFill>
+            <a:srgbClr val="FF0000"/>
+          </a:solidFill>
+          <a:ln>
+            <a:solidFill>
+              <a:srgbClr val="C00000"/>
+            </a:solidFill>
+          </a:ln>
+        </p:spPr>
+        <p:style>
+          <a:lnRef idx="2">
+            <a:schemeClr val="accent1">
+              <a:shade val="50000"/>
+            </a:schemeClr>
+          </a:lnRef>
+          <a:fillRef idx="1">
+            <a:schemeClr val="accent1"/>
+          </a:fillRef>
+          <a:effectRef idx="0">
+            <a:schemeClr val="accent1"/>
+          </a:effectRef>
+          <a:fontRef idx="minor">
+            <a:schemeClr val="lt1"/>
+          </a:fontRef>
+        </p:style>
+        <p:txBody>
+          <a:bodyPr rtlCol="0" anchor="ctr"/>
+          <a:lstStyle/>
+          <a:p>
+            <a:pPr algn="ctr"/>
+            <a:endParaRPr lang="en-US">
+              <a:solidFill>
+                <a:schemeClr val="tx1"/>
+              </a:solidFill>
+            </a:endParaRPr>
+          </a:p>
+        </p:txBody>
+      </p:sp>
+      <p:pic>
+        <p:nvPicPr>
+          <p:cNvPr id="3" name="Picture 2">
+            <a:extLst>
+              <a:ext uri="{FF2B5EF4-FFF2-40B4-BE49-F238E27FC236}">
+                <a16:creationId xmlns:a16="http://schemas.microsoft.com/office/drawing/2014/main" id="{CB2E97DF-6763-4085-9783-B9AF69459BD8}"/>
+              </a:ext>
+            </a:extLst>
+          </p:cNvPr>
+          <p:cNvPicPr>
+            <a:picLocks noChangeAspect="1"/>
+          </p:cNvPicPr>
+          <p:nvPr/>
+        </p:nvPicPr>
+        <p:blipFill>
+          <a:blip r:embed="rId3"/>
+          <a:stretch>
+            <a:fillRect/>
+          </a:stretch>
+        </p:blipFill>
+        <p:spPr>
+          <a:xfrm>
+            <a:off x="6998679" y="4769396"/>
+            <a:ext cx="2227384" cy="1926705"/>
+          </a:xfrm>
+          <a:prstGeom prst="rect">
+            <a:avLst/>
+          </a:prstGeom>
+        </p:spPr>
+      </p:pic>
+      <p:pic>
+        <p:nvPicPr>
+          <p:cNvPr id="11" name="Picture 10">
+            <a:extLst>
+              <a:ext uri="{FF2B5EF4-FFF2-40B4-BE49-F238E27FC236}">
+                <a16:creationId xmlns:a16="http://schemas.microsoft.com/office/drawing/2014/main" id="{1A7385C0-2E80-4A91-A44A-04802535D3D4}"/>
+              </a:ext>
+            </a:extLst>
+          </p:cNvPr>
+          <p:cNvPicPr>
+            <a:picLocks noChangeAspect="1"/>
+          </p:cNvPicPr>
+          <p:nvPr/>
+        </p:nvPicPr>
+        <p:blipFill>
+          <a:blip r:embed="rId4"/>
+          <a:stretch>
+            <a:fillRect/>
+          </a:stretch>
+        </p:blipFill>
+        <p:spPr>
+          <a:xfrm>
+            <a:off x="2321560" y="4783016"/>
+            <a:ext cx="2602131" cy="1933128"/>
+          </a:xfrm>
+          <a:prstGeom prst="rect">
+            <a:avLst/>
+          </a:prstGeom>
+        </p:spPr>
+      </p:pic>
+      <p:sp>
+        <p:nvSpPr>
+          <p:cNvPr id="13" name="Frame 12">
+            <a:extLst>
+              <a:ext uri="{FF2B5EF4-FFF2-40B4-BE49-F238E27FC236}">
+                <a16:creationId xmlns:a16="http://schemas.microsoft.com/office/drawing/2014/main" id="{9A060227-8E02-4E0C-A133-A60D57F88A26}"/>
+              </a:ext>
+            </a:extLst>
+          </p:cNvPr>
+          <p:cNvSpPr/>
+          <p:nvPr/>
+        </p:nvSpPr>
+        <p:spPr>
+          <a:xfrm>
+            <a:off x="2426677" y="3141785"/>
+            <a:ext cx="6799386" cy="1688124"/>
+          </a:xfrm>
+          <a:prstGeom prst="frame">
+            <a:avLst>
+              <a:gd name="adj1" fmla="val 4288"/>
+            </a:avLst>
+          </a:prstGeom>
+          <a:solidFill>
+            <a:srgbClr val="92D050"/>
+          </a:solidFill>
+          <a:ln>
+            <a:solidFill>
+              <a:srgbClr val="00B050"/>
+            </a:solidFill>
+          </a:ln>
+        </p:spPr>
+        <p:style>
+          <a:lnRef idx="2">
+            <a:schemeClr val="accent1">
+              <a:shade val="50000"/>
+            </a:schemeClr>
+          </a:lnRef>
+          <a:fillRef idx="1">
+            <a:schemeClr val="accent1"/>
+          </a:fillRef>
+          <a:effectRef idx="0">
+            <a:schemeClr val="accent1"/>
+          </a:effectRef>
+          <a:fontRef idx="minor">
+            <a:schemeClr val="lt1"/>
+          </a:fontRef>
+        </p:style>
+        <p:txBody>
+          <a:bodyPr rtlCol="0" anchor="ctr"/>
+          <a:lstStyle/>
+          <a:p>
+            <a:pPr algn="ctr"/>
+            <a:endParaRPr lang="en-US">
+              <a:solidFill>
+                <a:schemeClr val="tx1"/>
+              </a:solidFill>
+            </a:endParaRPr>
+          </a:p>
+        </p:txBody>
+      </p:sp>
     </p:spTree>
     <p:extLst>
       <p:ext uri="{BB962C8B-B14F-4D97-AF65-F5344CB8AC3E}">
@@ -13147,6 +13882,340 @@
   <p:clrMapOvr>
     <a:masterClrMapping/>
   </p:clrMapOvr>
+  <p:timing>
+    <p:tnLst>
+      <p:par>
+        <p:cTn id="1" dur="indefinite" restart="never" nodeType="tmRoot">
+          <p:childTnLst>
+            <p:seq concurrent="1" nextAc="seek">
+              <p:cTn id="2" dur="indefinite" nodeType="mainSeq">
+                <p:childTnLst>
+                  <p:par>
+                    <p:cTn id="3" fill="hold">
+                      <p:stCondLst>
+                        <p:cond delay="indefinite"/>
+                      </p:stCondLst>
+                      <p:childTnLst>
+                        <p:par>
+                          <p:cTn id="4" fill="hold">
+                            <p:stCondLst>
+                              <p:cond delay="0"/>
+                            </p:stCondLst>
+                            <p:childTnLst>
+                              <p:par>
+                                <p:cTn id="5" presetID="10" presetClass="entr" presetSubtype="0" fill="hold" nodeType="clickEffect">
+                                  <p:stCondLst>
+                                    <p:cond delay="0"/>
+                                  </p:stCondLst>
+                                  <p:childTnLst>
+                                    <p:set>
+                                      <p:cBhvr>
+                                        <p:cTn id="6" dur="1" fill="hold">
+                                          <p:stCondLst>
+                                            <p:cond delay="0"/>
+                                          </p:stCondLst>
+                                        </p:cTn>
+                                        <p:tgtEl>
+                                          <p:spTgt spid="11"/>
+                                        </p:tgtEl>
+                                        <p:attrNameLst>
+                                          <p:attrName>style.visibility</p:attrName>
+                                        </p:attrNameLst>
+                                      </p:cBhvr>
+                                      <p:to>
+                                        <p:strVal val="visible"/>
+                                      </p:to>
+                                    </p:set>
+                                    <p:animEffect transition="in" filter="fade">
+                                      <p:cBhvr>
+                                        <p:cTn id="7" dur="500"/>
+                                        <p:tgtEl>
+                                          <p:spTgt spid="11"/>
+                                        </p:tgtEl>
+                                      </p:cBhvr>
+                                    </p:animEffect>
+                                  </p:childTnLst>
+                                </p:cTn>
+                              </p:par>
+                              <p:par>
+                                <p:cTn id="8" presetID="10" presetClass="entr" presetSubtype="0" fill="hold" nodeType="withEffect">
+                                  <p:stCondLst>
+                                    <p:cond delay="0"/>
+                                  </p:stCondLst>
+                                  <p:childTnLst>
+                                    <p:set>
+                                      <p:cBhvr>
+                                        <p:cTn id="9" dur="1" fill="hold">
+                                          <p:stCondLst>
+                                            <p:cond delay="0"/>
+                                          </p:stCondLst>
+                                        </p:cTn>
+                                        <p:tgtEl>
+                                          <p:spTgt spid="3"/>
+                                        </p:tgtEl>
+                                        <p:attrNameLst>
+                                          <p:attrName>style.visibility</p:attrName>
+                                        </p:attrNameLst>
+                                      </p:cBhvr>
+                                      <p:to>
+                                        <p:strVal val="visible"/>
+                                      </p:to>
+                                    </p:set>
+                                    <p:animEffect transition="in" filter="fade">
+                                      <p:cBhvr>
+                                        <p:cTn id="10" dur="500"/>
+                                        <p:tgtEl>
+                                          <p:spTgt spid="3"/>
+                                        </p:tgtEl>
+                                      </p:cBhvr>
+                                    </p:animEffect>
+                                  </p:childTnLst>
+                                </p:cTn>
+                              </p:par>
+                              <p:par>
+                                <p:cTn id="11" presetID="10" presetClass="entr" presetSubtype="0" fill="hold" grpId="0" nodeType="withEffect">
+                                  <p:stCondLst>
+                                    <p:cond delay="0"/>
+                                  </p:stCondLst>
+                                  <p:childTnLst>
+                                    <p:set>
+                                      <p:cBhvr>
+                                        <p:cTn id="12" dur="1" fill="hold">
+                                          <p:stCondLst>
+                                            <p:cond delay="0"/>
+                                          </p:stCondLst>
+                                        </p:cTn>
+                                        <p:tgtEl>
+                                          <p:spTgt spid="2"/>
+                                        </p:tgtEl>
+                                        <p:attrNameLst>
+                                          <p:attrName>style.visibility</p:attrName>
+                                        </p:attrNameLst>
+                                      </p:cBhvr>
+                                      <p:to>
+                                        <p:strVal val="visible"/>
+                                      </p:to>
+                                    </p:set>
+                                    <p:animEffect transition="in" filter="fade">
+                                      <p:cBhvr>
+                                        <p:cTn id="13" dur="500"/>
+                                        <p:tgtEl>
+                                          <p:spTgt spid="2"/>
+                                        </p:tgtEl>
+                                      </p:cBhvr>
+                                    </p:animEffect>
+                                  </p:childTnLst>
+                                </p:cTn>
+                              </p:par>
+                            </p:childTnLst>
+                          </p:cTn>
+                        </p:par>
+                      </p:childTnLst>
+                    </p:cTn>
+                  </p:par>
+                  <p:par>
+                    <p:cTn id="14" fill="hold">
+                      <p:stCondLst>
+                        <p:cond delay="indefinite"/>
+                      </p:stCondLst>
+                      <p:childTnLst>
+                        <p:par>
+                          <p:cTn id="15" fill="hold">
+                            <p:stCondLst>
+                              <p:cond delay="0"/>
+                            </p:stCondLst>
+                            <p:childTnLst>
+                              <p:par>
+                                <p:cTn id="16" presetID="10" presetClass="exit" presetSubtype="0" fill="hold" nodeType="clickEffect">
+                                  <p:stCondLst>
+                                    <p:cond delay="0"/>
+                                  </p:stCondLst>
+                                  <p:childTnLst>
+                                    <p:animEffect transition="out" filter="fade">
+                                      <p:cBhvr>
+                                        <p:cTn id="17" dur="500"/>
+                                        <p:tgtEl>
+                                          <p:spTgt spid="11"/>
+                                        </p:tgtEl>
+                                      </p:cBhvr>
+                                    </p:animEffect>
+                                    <p:set>
+                                      <p:cBhvr>
+                                        <p:cTn id="18" dur="1" fill="hold">
+                                          <p:stCondLst>
+                                            <p:cond delay="499"/>
+                                          </p:stCondLst>
+                                        </p:cTn>
+                                        <p:tgtEl>
+                                          <p:spTgt spid="11"/>
+                                        </p:tgtEl>
+                                        <p:attrNameLst>
+                                          <p:attrName>style.visibility</p:attrName>
+                                        </p:attrNameLst>
+                                      </p:cBhvr>
+                                      <p:to>
+                                        <p:strVal val="hidden"/>
+                                      </p:to>
+                                    </p:set>
+                                  </p:childTnLst>
+                                </p:cTn>
+                              </p:par>
+                              <p:par>
+                                <p:cTn id="19" presetID="10" presetClass="exit" presetSubtype="0" fill="hold" nodeType="withEffect">
+                                  <p:stCondLst>
+                                    <p:cond delay="0"/>
+                                  </p:stCondLst>
+                                  <p:childTnLst>
+                                    <p:animEffect transition="out" filter="fade">
+                                      <p:cBhvr>
+                                        <p:cTn id="20" dur="500"/>
+                                        <p:tgtEl>
+                                          <p:spTgt spid="3"/>
+                                        </p:tgtEl>
+                                      </p:cBhvr>
+                                    </p:animEffect>
+                                    <p:set>
+                                      <p:cBhvr>
+                                        <p:cTn id="21" dur="1" fill="hold">
+                                          <p:stCondLst>
+                                            <p:cond delay="499"/>
+                                          </p:stCondLst>
+                                        </p:cTn>
+                                        <p:tgtEl>
+                                          <p:spTgt spid="3"/>
+                                        </p:tgtEl>
+                                        <p:attrNameLst>
+                                          <p:attrName>style.visibility</p:attrName>
+                                        </p:attrNameLst>
+                                      </p:cBhvr>
+                                      <p:to>
+                                        <p:strVal val="hidden"/>
+                                      </p:to>
+                                    </p:set>
+                                  </p:childTnLst>
+                                </p:cTn>
+                              </p:par>
+                              <p:par>
+                                <p:cTn id="22" presetID="10" presetClass="exit" presetSubtype="0" fill="hold" grpId="1" nodeType="withEffect">
+                                  <p:stCondLst>
+                                    <p:cond delay="0"/>
+                                  </p:stCondLst>
+                                  <p:childTnLst>
+                                    <p:animEffect transition="out" filter="fade">
+                                      <p:cBhvr>
+                                        <p:cTn id="23" dur="500"/>
+                                        <p:tgtEl>
+                                          <p:spTgt spid="2"/>
+                                        </p:tgtEl>
+                                      </p:cBhvr>
+                                    </p:animEffect>
+                                    <p:set>
+                                      <p:cBhvr>
+                                        <p:cTn id="24" dur="1" fill="hold">
+                                          <p:stCondLst>
+                                            <p:cond delay="499"/>
+                                          </p:stCondLst>
+                                        </p:cTn>
+                                        <p:tgtEl>
+                                          <p:spTgt spid="2"/>
+                                        </p:tgtEl>
+                                        <p:attrNameLst>
+                                          <p:attrName>style.visibility</p:attrName>
+                                        </p:attrNameLst>
+                                      </p:cBhvr>
+                                      <p:to>
+                                        <p:strVal val="hidden"/>
+                                      </p:to>
+                                    </p:set>
+                                  </p:childTnLst>
+                                </p:cTn>
+                              </p:par>
+                            </p:childTnLst>
+                          </p:cTn>
+                        </p:par>
+                      </p:childTnLst>
+                    </p:cTn>
+                  </p:par>
+                  <p:par>
+                    <p:cTn id="25" fill="hold">
+                      <p:stCondLst>
+                        <p:cond delay="indefinite"/>
+                      </p:stCondLst>
+                      <p:childTnLst>
+                        <p:par>
+                          <p:cTn id="26" fill="hold">
+                            <p:stCondLst>
+                              <p:cond delay="0"/>
+                            </p:stCondLst>
+                            <p:childTnLst>
+                              <p:par>
+                                <p:cTn id="27" presetID="10" presetClass="entr" presetSubtype="0" fill="hold" grpId="0" nodeType="clickEffect">
+                                  <p:stCondLst>
+                                    <p:cond delay="0"/>
+                                  </p:stCondLst>
+                                  <p:childTnLst>
+                                    <p:set>
+                                      <p:cBhvr>
+                                        <p:cTn id="28" dur="1" fill="hold">
+                                          <p:stCondLst>
+                                            <p:cond delay="0"/>
+                                          </p:stCondLst>
+                                        </p:cTn>
+                                        <p:tgtEl>
+                                          <p:spTgt spid="13"/>
+                                        </p:tgtEl>
+                                        <p:attrNameLst>
+                                          <p:attrName>style.visibility</p:attrName>
+                                        </p:attrNameLst>
+                                      </p:cBhvr>
+                                      <p:to>
+                                        <p:strVal val="visible"/>
+                                      </p:to>
+                                    </p:set>
+                                    <p:animEffect transition="in" filter="fade">
+                                      <p:cBhvr>
+                                        <p:cTn id="29" dur="500"/>
+                                        <p:tgtEl>
+                                          <p:spTgt spid="13"/>
+                                        </p:tgtEl>
+                                      </p:cBhvr>
+                                    </p:animEffect>
+                                  </p:childTnLst>
+                                </p:cTn>
+                              </p:par>
+                            </p:childTnLst>
+                          </p:cTn>
+                        </p:par>
+                      </p:childTnLst>
+                    </p:cTn>
+                  </p:par>
+                </p:childTnLst>
+              </p:cTn>
+              <p:prevCondLst>
+                <p:cond evt="onPrev" delay="0">
+                  <p:tgtEl>
+                    <p:sldTgt/>
+                  </p:tgtEl>
+                </p:cond>
+              </p:prevCondLst>
+              <p:nextCondLst>
+                <p:cond evt="onNext" delay="0">
+                  <p:tgtEl>
+                    <p:sldTgt/>
+                  </p:tgtEl>
+                </p:cond>
+              </p:nextCondLst>
+            </p:seq>
+          </p:childTnLst>
+        </p:cTn>
+      </p:par>
+    </p:tnLst>
+    <p:bldLst>
+      <p:bldP spid="2" grpId="0" animBg="1"/>
+      <p:bldP spid="2" grpId="1" animBg="1"/>
+      <p:bldP spid="13" grpId="0" animBg="1"/>
+    </p:bldLst>
+  </p:timing>
 </p:sld>
 </file>
 
@@ -13451,6 +14520,246 @@
           </a:prstGeom>
         </p:spPr>
       </p:pic>
+      <p:sp>
+        <p:nvSpPr>
+          <p:cNvPr id="2" name="Frame 1">
+            <a:extLst>
+              <a:ext uri="{FF2B5EF4-FFF2-40B4-BE49-F238E27FC236}">
+                <a16:creationId xmlns:a16="http://schemas.microsoft.com/office/drawing/2014/main" id="{D3A6E07A-E13C-476D-A588-5AB1E17A5035}"/>
+              </a:ext>
+            </a:extLst>
+          </p:cNvPr>
+          <p:cNvSpPr/>
+          <p:nvPr/>
+        </p:nvSpPr>
+        <p:spPr>
+          <a:xfrm>
+            <a:off x="6963507" y="1641231"/>
+            <a:ext cx="2110155" cy="1664677"/>
+          </a:xfrm>
+          <a:prstGeom prst="frame">
+            <a:avLst>
+              <a:gd name="adj1" fmla="val 3135"/>
+            </a:avLst>
+          </a:prstGeom>
+          <a:solidFill>
+            <a:srgbClr val="FF0000"/>
+          </a:solidFill>
+          <a:ln>
+            <a:solidFill>
+              <a:srgbClr val="C00000"/>
+            </a:solidFill>
+          </a:ln>
+        </p:spPr>
+        <p:style>
+          <a:lnRef idx="2">
+            <a:schemeClr val="accent1">
+              <a:shade val="50000"/>
+            </a:schemeClr>
+          </a:lnRef>
+          <a:fillRef idx="1">
+            <a:schemeClr val="accent1"/>
+          </a:fillRef>
+          <a:effectRef idx="0">
+            <a:schemeClr val="accent1"/>
+          </a:effectRef>
+          <a:fontRef idx="minor">
+            <a:schemeClr val="lt1"/>
+          </a:fontRef>
+        </p:style>
+        <p:txBody>
+          <a:bodyPr rtlCol="0" anchor="ctr"/>
+          <a:lstStyle/>
+          <a:p>
+            <a:pPr algn="ctr"/>
+            <a:endParaRPr lang="en-US">
+              <a:solidFill>
+                <a:schemeClr val="tx1"/>
+              </a:solidFill>
+            </a:endParaRPr>
+          </a:p>
+        </p:txBody>
+      </p:sp>
+      <p:sp>
+        <p:nvSpPr>
+          <p:cNvPr id="4" name="Frame 3">
+            <a:extLst>
+              <a:ext uri="{FF2B5EF4-FFF2-40B4-BE49-F238E27FC236}">
+                <a16:creationId xmlns:a16="http://schemas.microsoft.com/office/drawing/2014/main" id="{D9EEC7DF-EFE6-4C4E-8C0C-CB0E28717A0A}"/>
+              </a:ext>
+            </a:extLst>
+          </p:cNvPr>
+          <p:cNvSpPr/>
+          <p:nvPr/>
+        </p:nvSpPr>
+        <p:spPr>
+          <a:xfrm>
+            <a:off x="6940061" y="4856278"/>
+            <a:ext cx="2133601" cy="1849322"/>
+          </a:xfrm>
+          <a:prstGeom prst="frame">
+            <a:avLst>
+              <a:gd name="adj1" fmla="val 3283"/>
+            </a:avLst>
+          </a:prstGeom>
+          <a:solidFill>
+            <a:srgbClr val="FF0000"/>
+          </a:solidFill>
+          <a:ln>
+            <a:solidFill>
+              <a:srgbClr val="C00000"/>
+            </a:solidFill>
+          </a:ln>
+        </p:spPr>
+        <p:style>
+          <a:lnRef idx="2">
+            <a:schemeClr val="accent1">
+              <a:shade val="50000"/>
+            </a:schemeClr>
+          </a:lnRef>
+          <a:fillRef idx="1">
+            <a:schemeClr val="accent1"/>
+          </a:fillRef>
+          <a:effectRef idx="0">
+            <a:schemeClr val="accent1"/>
+          </a:effectRef>
+          <a:fontRef idx="minor">
+            <a:schemeClr val="lt1"/>
+          </a:fontRef>
+        </p:style>
+        <p:txBody>
+          <a:bodyPr rtlCol="0" anchor="ctr"/>
+          <a:lstStyle/>
+          <a:p>
+            <a:pPr algn="ctr"/>
+            <a:endParaRPr lang="en-US">
+              <a:solidFill>
+                <a:schemeClr val="tx1"/>
+              </a:solidFill>
+            </a:endParaRPr>
+          </a:p>
+        </p:txBody>
+      </p:sp>
+      <p:sp>
+        <p:nvSpPr>
+          <p:cNvPr id="9" name="Frame 8">
+            <a:extLst>
+              <a:ext uri="{FF2B5EF4-FFF2-40B4-BE49-F238E27FC236}">
+                <a16:creationId xmlns:a16="http://schemas.microsoft.com/office/drawing/2014/main" id="{34F14F9C-B97D-4A30-803F-EA9600784317}"/>
+              </a:ext>
+            </a:extLst>
+          </p:cNvPr>
+          <p:cNvSpPr/>
+          <p:nvPr/>
+        </p:nvSpPr>
+        <p:spPr>
+          <a:xfrm>
+            <a:off x="4970585" y="1641231"/>
+            <a:ext cx="2110155" cy="1664677"/>
+          </a:xfrm>
+          <a:prstGeom prst="frame">
+            <a:avLst>
+              <a:gd name="adj1" fmla="val 3320"/>
+            </a:avLst>
+          </a:prstGeom>
+          <a:solidFill>
+            <a:srgbClr val="92D050"/>
+          </a:solidFill>
+          <a:ln>
+            <a:solidFill>
+              <a:srgbClr val="00B050"/>
+            </a:solidFill>
+          </a:ln>
+        </p:spPr>
+        <p:style>
+          <a:lnRef idx="2">
+            <a:schemeClr val="accent1">
+              <a:shade val="50000"/>
+            </a:schemeClr>
+          </a:lnRef>
+          <a:fillRef idx="1">
+            <a:schemeClr val="accent1"/>
+          </a:fillRef>
+          <a:effectRef idx="0">
+            <a:schemeClr val="accent1"/>
+          </a:effectRef>
+          <a:fontRef idx="minor">
+            <a:schemeClr val="lt1"/>
+          </a:fontRef>
+        </p:style>
+        <p:txBody>
+          <a:bodyPr rtlCol="0" anchor="ctr"/>
+          <a:lstStyle/>
+          <a:p>
+            <a:pPr algn="ctr"/>
+            <a:endParaRPr lang="en-US">
+              <a:solidFill>
+                <a:schemeClr val="tx1"/>
+              </a:solidFill>
+            </a:endParaRPr>
+          </a:p>
+        </p:txBody>
+      </p:sp>
+      <p:sp>
+        <p:nvSpPr>
+          <p:cNvPr id="10" name="Frame 9">
+            <a:extLst>
+              <a:ext uri="{FF2B5EF4-FFF2-40B4-BE49-F238E27FC236}">
+                <a16:creationId xmlns:a16="http://schemas.microsoft.com/office/drawing/2014/main" id="{3796E97E-BE5B-4E51-B4E3-9702DE2EC894}"/>
+              </a:ext>
+            </a:extLst>
+          </p:cNvPr>
+          <p:cNvSpPr/>
+          <p:nvPr/>
+        </p:nvSpPr>
+        <p:spPr>
+          <a:xfrm>
+            <a:off x="2473569" y="4856278"/>
+            <a:ext cx="4607171" cy="1849322"/>
+          </a:xfrm>
+          <a:prstGeom prst="frame">
+            <a:avLst>
+              <a:gd name="adj1" fmla="val 2936"/>
+            </a:avLst>
+          </a:prstGeom>
+          <a:solidFill>
+            <a:srgbClr val="92D050"/>
+          </a:solidFill>
+          <a:ln>
+            <a:solidFill>
+              <a:srgbClr val="00B050"/>
+            </a:solidFill>
+          </a:ln>
+        </p:spPr>
+        <p:style>
+          <a:lnRef idx="2">
+            <a:schemeClr val="accent1">
+              <a:shade val="50000"/>
+            </a:schemeClr>
+          </a:lnRef>
+          <a:fillRef idx="1">
+            <a:schemeClr val="accent1"/>
+          </a:fillRef>
+          <a:effectRef idx="0">
+            <a:schemeClr val="accent1"/>
+          </a:effectRef>
+          <a:fontRef idx="minor">
+            <a:schemeClr val="lt1"/>
+          </a:fontRef>
+        </p:style>
+        <p:txBody>
+          <a:bodyPr rtlCol="0" anchor="ctr"/>
+          <a:lstStyle/>
+          <a:p>
+            <a:pPr algn="ctr"/>
+            <a:endParaRPr lang="en-US">
+              <a:solidFill>
+                <a:schemeClr val="tx1"/>
+              </a:solidFill>
+            </a:endParaRPr>
+          </a:p>
+        </p:txBody>
+      </p:sp>
     </p:spTree>
     <p:extLst>
       <p:ext uri="{BB962C8B-B14F-4D97-AF65-F5344CB8AC3E}">
@@ -13461,6 +14770,308 @@
   <p:clrMapOvr>
     <a:masterClrMapping/>
   </p:clrMapOvr>
+  <p:timing>
+    <p:tnLst>
+      <p:par>
+        <p:cTn id="1" dur="indefinite" restart="never" nodeType="tmRoot">
+          <p:childTnLst>
+            <p:seq concurrent="1" nextAc="seek">
+              <p:cTn id="2" dur="indefinite" nodeType="mainSeq">
+                <p:childTnLst>
+                  <p:par>
+                    <p:cTn id="3" fill="hold">
+                      <p:stCondLst>
+                        <p:cond delay="indefinite"/>
+                      </p:stCondLst>
+                      <p:childTnLst>
+                        <p:par>
+                          <p:cTn id="4" fill="hold">
+                            <p:stCondLst>
+                              <p:cond delay="0"/>
+                            </p:stCondLst>
+                            <p:childTnLst>
+                              <p:par>
+                                <p:cTn id="5" presetID="10" presetClass="entr" presetSubtype="0" fill="hold" grpId="0" nodeType="clickEffect">
+                                  <p:stCondLst>
+                                    <p:cond delay="0"/>
+                                  </p:stCondLst>
+                                  <p:childTnLst>
+                                    <p:set>
+                                      <p:cBhvr>
+                                        <p:cTn id="6" dur="1" fill="hold">
+                                          <p:stCondLst>
+                                            <p:cond delay="0"/>
+                                          </p:stCondLst>
+                                        </p:cTn>
+                                        <p:tgtEl>
+                                          <p:spTgt spid="4"/>
+                                        </p:tgtEl>
+                                        <p:attrNameLst>
+                                          <p:attrName>style.visibility</p:attrName>
+                                        </p:attrNameLst>
+                                      </p:cBhvr>
+                                      <p:to>
+                                        <p:strVal val="visible"/>
+                                      </p:to>
+                                    </p:set>
+                                    <p:animEffect transition="in" filter="fade">
+                                      <p:cBhvr>
+                                        <p:cTn id="7" dur="500"/>
+                                        <p:tgtEl>
+                                          <p:spTgt spid="4"/>
+                                        </p:tgtEl>
+                                      </p:cBhvr>
+                                    </p:animEffect>
+                                  </p:childTnLst>
+                                </p:cTn>
+                              </p:par>
+                              <p:par>
+                                <p:cTn id="8" presetID="10" presetClass="entr" presetSubtype="0" fill="hold" grpId="0" nodeType="withEffect">
+                                  <p:stCondLst>
+                                    <p:cond delay="0"/>
+                                  </p:stCondLst>
+                                  <p:childTnLst>
+                                    <p:set>
+                                      <p:cBhvr>
+                                        <p:cTn id="9" dur="1" fill="hold">
+                                          <p:stCondLst>
+                                            <p:cond delay="0"/>
+                                          </p:stCondLst>
+                                        </p:cTn>
+                                        <p:tgtEl>
+                                          <p:spTgt spid="2"/>
+                                        </p:tgtEl>
+                                        <p:attrNameLst>
+                                          <p:attrName>style.visibility</p:attrName>
+                                        </p:attrNameLst>
+                                      </p:cBhvr>
+                                      <p:to>
+                                        <p:strVal val="visible"/>
+                                      </p:to>
+                                    </p:set>
+                                    <p:animEffect transition="in" filter="fade">
+                                      <p:cBhvr>
+                                        <p:cTn id="10" dur="500"/>
+                                        <p:tgtEl>
+                                          <p:spTgt spid="2"/>
+                                        </p:tgtEl>
+                                      </p:cBhvr>
+                                    </p:animEffect>
+                                  </p:childTnLst>
+                                </p:cTn>
+                              </p:par>
+                            </p:childTnLst>
+                          </p:cTn>
+                        </p:par>
+                      </p:childTnLst>
+                    </p:cTn>
+                  </p:par>
+                  <p:par>
+                    <p:cTn id="11" fill="hold">
+                      <p:stCondLst>
+                        <p:cond delay="indefinite"/>
+                      </p:stCondLst>
+                      <p:childTnLst>
+                        <p:par>
+                          <p:cTn id="12" fill="hold">
+                            <p:stCondLst>
+                              <p:cond delay="0"/>
+                            </p:stCondLst>
+                            <p:childTnLst>
+                              <p:par>
+                                <p:cTn id="13" presetID="10" presetClass="exit" presetSubtype="0" fill="hold" grpId="1" nodeType="clickEffect">
+                                  <p:stCondLst>
+                                    <p:cond delay="0"/>
+                                  </p:stCondLst>
+                                  <p:childTnLst>
+                                    <p:animEffect transition="out" filter="fade">
+                                      <p:cBhvr>
+                                        <p:cTn id="14" dur="500"/>
+                                        <p:tgtEl>
+                                          <p:spTgt spid="4"/>
+                                        </p:tgtEl>
+                                      </p:cBhvr>
+                                    </p:animEffect>
+                                    <p:set>
+                                      <p:cBhvr>
+                                        <p:cTn id="15" dur="1" fill="hold">
+                                          <p:stCondLst>
+                                            <p:cond delay="499"/>
+                                          </p:stCondLst>
+                                        </p:cTn>
+                                        <p:tgtEl>
+                                          <p:spTgt spid="4"/>
+                                        </p:tgtEl>
+                                        <p:attrNameLst>
+                                          <p:attrName>style.visibility</p:attrName>
+                                        </p:attrNameLst>
+                                      </p:cBhvr>
+                                      <p:to>
+                                        <p:strVal val="hidden"/>
+                                      </p:to>
+                                    </p:set>
+                                  </p:childTnLst>
+                                </p:cTn>
+                              </p:par>
+                              <p:par>
+                                <p:cTn id="16" presetID="10" presetClass="exit" presetSubtype="0" fill="hold" grpId="1" nodeType="withEffect">
+                                  <p:stCondLst>
+                                    <p:cond delay="0"/>
+                                  </p:stCondLst>
+                                  <p:childTnLst>
+                                    <p:animEffect transition="out" filter="fade">
+                                      <p:cBhvr>
+                                        <p:cTn id="17" dur="500"/>
+                                        <p:tgtEl>
+                                          <p:spTgt spid="2"/>
+                                        </p:tgtEl>
+                                      </p:cBhvr>
+                                    </p:animEffect>
+                                    <p:set>
+                                      <p:cBhvr>
+                                        <p:cTn id="18" dur="1" fill="hold">
+                                          <p:stCondLst>
+                                            <p:cond delay="499"/>
+                                          </p:stCondLst>
+                                        </p:cTn>
+                                        <p:tgtEl>
+                                          <p:spTgt spid="2"/>
+                                        </p:tgtEl>
+                                        <p:attrNameLst>
+                                          <p:attrName>style.visibility</p:attrName>
+                                        </p:attrNameLst>
+                                      </p:cBhvr>
+                                      <p:to>
+                                        <p:strVal val="hidden"/>
+                                      </p:to>
+                                    </p:set>
+                                  </p:childTnLst>
+                                </p:cTn>
+                              </p:par>
+                            </p:childTnLst>
+                          </p:cTn>
+                        </p:par>
+                      </p:childTnLst>
+                    </p:cTn>
+                  </p:par>
+                  <p:par>
+                    <p:cTn id="19" fill="hold">
+                      <p:stCondLst>
+                        <p:cond delay="indefinite"/>
+                      </p:stCondLst>
+                      <p:childTnLst>
+                        <p:par>
+                          <p:cTn id="20" fill="hold">
+                            <p:stCondLst>
+                              <p:cond delay="0"/>
+                            </p:stCondLst>
+                            <p:childTnLst>
+                              <p:par>
+                                <p:cTn id="21" presetID="10" presetClass="entr" presetSubtype="0" fill="hold" grpId="0" nodeType="clickEffect">
+                                  <p:stCondLst>
+                                    <p:cond delay="0"/>
+                                  </p:stCondLst>
+                                  <p:childTnLst>
+                                    <p:set>
+                                      <p:cBhvr>
+                                        <p:cTn id="22" dur="1" fill="hold">
+                                          <p:stCondLst>
+                                            <p:cond delay="0"/>
+                                          </p:stCondLst>
+                                        </p:cTn>
+                                        <p:tgtEl>
+                                          <p:spTgt spid="9"/>
+                                        </p:tgtEl>
+                                        <p:attrNameLst>
+                                          <p:attrName>style.visibility</p:attrName>
+                                        </p:attrNameLst>
+                                      </p:cBhvr>
+                                      <p:to>
+                                        <p:strVal val="visible"/>
+                                      </p:to>
+                                    </p:set>
+                                    <p:animEffect transition="in" filter="fade">
+                                      <p:cBhvr>
+                                        <p:cTn id="23" dur="500"/>
+                                        <p:tgtEl>
+                                          <p:spTgt spid="9"/>
+                                        </p:tgtEl>
+                                      </p:cBhvr>
+                                    </p:animEffect>
+                                  </p:childTnLst>
+                                </p:cTn>
+                              </p:par>
+                              <p:par>
+                                <p:cTn id="24" presetID="10" presetClass="entr" presetSubtype="0" fill="hold" grpId="0" nodeType="withEffect">
+                                  <p:stCondLst>
+                                    <p:cond delay="0"/>
+                                  </p:stCondLst>
+                                  <p:childTnLst>
+                                    <p:set>
+                                      <p:cBhvr>
+                                        <p:cTn id="25" dur="1" fill="hold">
+                                          <p:stCondLst>
+                                            <p:cond delay="0"/>
+                                          </p:stCondLst>
+                                        </p:cTn>
+                                        <p:tgtEl>
+                                          <p:spTgt spid="10"/>
+                                        </p:tgtEl>
+                                        <p:attrNameLst>
+                                          <p:attrName>style.visibility</p:attrName>
+                                        </p:attrNameLst>
+                                      </p:cBhvr>
+                                      <p:to>
+                                        <p:strVal val="visible"/>
+                                      </p:to>
+                                    </p:set>
+                                    <p:animEffect transition="in" filter="fade">
+                                      <p:cBhvr>
+                                        <p:cTn id="26" dur="500"/>
+                                        <p:tgtEl>
+                                          <p:spTgt spid="10"/>
+                                        </p:tgtEl>
+                                      </p:cBhvr>
+                                    </p:animEffect>
+                                  </p:childTnLst>
+                                </p:cTn>
+                              </p:par>
+                            </p:childTnLst>
+                          </p:cTn>
+                        </p:par>
+                      </p:childTnLst>
+                    </p:cTn>
+                  </p:par>
+                </p:childTnLst>
+              </p:cTn>
+              <p:prevCondLst>
+                <p:cond evt="onPrev" delay="0">
+                  <p:tgtEl>
+                    <p:sldTgt/>
+                  </p:tgtEl>
+                </p:cond>
+              </p:prevCondLst>
+              <p:nextCondLst>
+                <p:cond evt="onNext" delay="0">
+                  <p:tgtEl>
+                    <p:sldTgt/>
+                  </p:tgtEl>
+                </p:cond>
+              </p:nextCondLst>
+            </p:seq>
+          </p:childTnLst>
+        </p:cTn>
+      </p:par>
+    </p:tnLst>
+    <p:bldLst>
+      <p:bldP spid="2" grpId="0" animBg="1"/>
+      <p:bldP spid="2" grpId="1" animBg="1"/>
+      <p:bldP spid="4" grpId="0" animBg="1"/>
+      <p:bldP spid="4" grpId="1" animBg="1"/>
+      <p:bldP spid="9" grpId="0" animBg="1"/>
+      <p:bldP spid="10" grpId="0" animBg="1"/>
+    </p:bldLst>
+  </p:timing>
 </p:sld>
 </file>
 

--- a/DDS_Project_2_Presentation.pptx
+++ b/DDS_Project_2_Presentation.pptx
@@ -144,7 +144,7 @@
   <pc:docChgLst>
     <pc:chgData name="Pandey, Shikha" userId="62b2c247-44c0-476d-a294-f01c5623c9dc" providerId="ADAL" clId="{F72F3FB8-19C0-4758-9009-50FF7556B545}"/>
     <pc:docChg chg="undo redo custSel addSld delSld modSld sldOrd">
-      <pc:chgData name="Pandey, Shikha" userId="62b2c247-44c0-476d-a294-f01c5623c9dc" providerId="ADAL" clId="{F72F3FB8-19C0-4758-9009-50FF7556B545}" dt="2021-12-10T02:25:50.408" v="1588" actId="20577"/>
+      <pc:chgData name="Pandey, Shikha" userId="62b2c247-44c0-476d-a294-f01c5623c9dc" providerId="ADAL" clId="{F72F3FB8-19C0-4758-9009-50FF7556B545}" dt="2021-12-10T04:06:23.604" v="1654" actId="1076"/>
       <pc:docMkLst>
         <pc:docMk/>
       </pc:docMkLst>
@@ -1663,14 +1663,14 @@
           <pc:sldMk cId="776828111" sldId="284"/>
         </pc:sldMkLst>
       </pc:sldChg>
-      <pc:sldChg chg="addSp modSp mod">
-        <pc:chgData name="Pandey, Shikha" userId="62b2c247-44c0-476d-a294-f01c5623c9dc" providerId="ADAL" clId="{F72F3FB8-19C0-4758-9009-50FF7556B545}" dt="2021-12-10T02:25:50.408" v="1588" actId="20577"/>
+      <pc:sldChg chg="addSp delSp modSp mod">
+        <pc:chgData name="Pandey, Shikha" userId="62b2c247-44c0-476d-a294-f01c5623c9dc" providerId="ADAL" clId="{F72F3FB8-19C0-4758-9009-50FF7556B545}" dt="2021-12-10T03:26:51.284" v="1595" actId="1076"/>
         <pc:sldMkLst>
           <pc:docMk/>
           <pc:sldMk cId="2438839394" sldId="285"/>
         </pc:sldMkLst>
-        <pc:spChg chg="add mod">
-          <ac:chgData name="Pandey, Shikha" userId="62b2c247-44c0-476d-a294-f01c5623c9dc" providerId="ADAL" clId="{F72F3FB8-19C0-4758-9009-50FF7556B545}" dt="2021-12-10T02:23:59.039" v="1568" actId="20577"/>
+        <pc:spChg chg="add del mod">
+          <ac:chgData name="Pandey, Shikha" userId="62b2c247-44c0-476d-a294-f01c5623c9dc" providerId="ADAL" clId="{F72F3FB8-19C0-4758-9009-50FF7556B545}" dt="2021-12-10T03:26:01.502" v="1591" actId="478"/>
           <ac:spMkLst>
             <pc:docMk/>
             <pc:sldMk cId="2438839394" sldId="285"/>
@@ -1685,6 +1685,22 @@
             <ac:spMk id="9" creationId="{8699B0BB-8ACF-4144-8B00-D4FD854FE289}"/>
           </ac:spMkLst>
         </pc:spChg>
+        <pc:picChg chg="del">
+          <ac:chgData name="Pandey, Shikha" userId="62b2c247-44c0-476d-a294-f01c5623c9dc" providerId="ADAL" clId="{F72F3FB8-19C0-4758-9009-50FF7556B545}" dt="2021-12-10T03:25:55.345" v="1589" actId="478"/>
+          <ac:picMkLst>
+            <pc:docMk/>
+            <pc:sldMk cId="2438839394" sldId="285"/>
+            <ac:picMk id="4" creationId="{77310E7A-F5AA-EF4E-91B4-F48E15177EF5}"/>
+          </ac:picMkLst>
+        </pc:picChg>
+        <pc:picChg chg="add mod">
+          <ac:chgData name="Pandey, Shikha" userId="62b2c247-44c0-476d-a294-f01c5623c9dc" providerId="ADAL" clId="{F72F3FB8-19C0-4758-9009-50FF7556B545}" dt="2021-12-10T03:26:51.284" v="1595" actId="1076"/>
+          <ac:picMkLst>
+            <pc:docMk/>
+            <pc:sldMk cId="2438839394" sldId="285"/>
+            <ac:picMk id="10" creationId="{70C11E87-9976-415F-997C-9898568A4B01}"/>
+          </ac:picMkLst>
+        </pc:picChg>
       </pc:sldChg>
       <pc:sldChg chg="modSp modAnim">
         <pc:chgData name="Pandey, Shikha" userId="62b2c247-44c0-476d-a294-f01c5623c9dc" providerId="ADAL" clId="{F72F3FB8-19C0-4758-9009-50FF7556B545}" dt="2021-12-10T01:22:50.553" v="1376" actId="20577"/>
@@ -1701,6 +1717,29 @@
           </ac:spMkLst>
         </pc:spChg>
       </pc:sldChg>
+      <pc:sldChg chg="addSp delSp modSp mod">
+        <pc:chgData name="Pandey, Shikha" userId="62b2c247-44c0-476d-a294-f01c5623c9dc" providerId="ADAL" clId="{F72F3FB8-19C0-4758-9009-50FF7556B545}" dt="2021-12-10T03:36:21.281" v="1600" actId="1076"/>
+        <pc:sldMkLst>
+          <pc:docMk/>
+          <pc:sldMk cId="1075486083" sldId="287"/>
+        </pc:sldMkLst>
+        <pc:picChg chg="add mod">
+          <ac:chgData name="Pandey, Shikha" userId="62b2c247-44c0-476d-a294-f01c5623c9dc" providerId="ADAL" clId="{F72F3FB8-19C0-4758-9009-50FF7556B545}" dt="2021-12-10T03:36:21.281" v="1600" actId="1076"/>
+          <ac:picMkLst>
+            <pc:docMk/>
+            <pc:sldMk cId="1075486083" sldId="287"/>
+            <ac:picMk id="3" creationId="{AEF8C267-9C60-4776-B658-87BD45D17C1C}"/>
+          </ac:picMkLst>
+        </pc:picChg>
+        <pc:picChg chg="del">
+          <ac:chgData name="Pandey, Shikha" userId="62b2c247-44c0-476d-a294-f01c5623c9dc" providerId="ADAL" clId="{F72F3FB8-19C0-4758-9009-50FF7556B545}" dt="2021-12-10T03:35:49.079" v="1597" actId="478"/>
+          <ac:picMkLst>
+            <pc:docMk/>
+            <pc:sldMk cId="1075486083" sldId="287"/>
+            <ac:picMk id="10" creationId="{D38BDAFC-61F8-9F41-B91A-A4FA9226E751}"/>
+          </ac:picMkLst>
+        </pc:picChg>
+      </pc:sldChg>
       <pc:sldChg chg="addSp delSp modSp mod modAnim">
         <pc:chgData name="Pandey, Shikha" userId="62b2c247-44c0-476d-a294-f01c5623c9dc" providerId="ADAL" clId="{F72F3FB8-19C0-4758-9009-50FF7556B545}" dt="2021-12-10T02:00:43.334" v="1502"/>
         <pc:sldMkLst>
@@ -1747,6 +1786,13 @@
             <ac:picMk id="3" creationId="{AF94A468-6A8E-4554-8D0C-575A9A743FA7}"/>
           </ac:picMkLst>
         </pc:picChg>
+      </pc:sldChg>
+      <pc:sldChg chg="mod modShow">
+        <pc:chgData name="Pandey, Shikha" userId="62b2c247-44c0-476d-a294-f01c5623c9dc" providerId="ADAL" clId="{F72F3FB8-19C0-4758-9009-50FF7556B545}" dt="2021-12-10T03:27:13.379" v="1596" actId="729"/>
+        <pc:sldMkLst>
+          <pc:docMk/>
+          <pc:sldMk cId="95992096" sldId="291"/>
+        </pc:sldMkLst>
       </pc:sldChg>
       <pc:sldChg chg="modSp mod">
         <pc:chgData name="Pandey, Shikha" userId="62b2c247-44c0-476d-a294-f01c5623c9dc" providerId="ADAL" clId="{F72F3FB8-19C0-4758-9009-50FF7556B545}" dt="2021-12-10T02:12:50.333" v="1529" actId="1076"/>
@@ -1823,6 +1869,29 @@
             <pc:docMk/>
             <pc:sldMk cId="153741263" sldId="296"/>
             <ac:picMk id="11" creationId="{1A7385C0-2E80-4A91-A44A-04802535D3D4}"/>
+          </ac:picMkLst>
+        </pc:picChg>
+      </pc:sldChg>
+      <pc:sldChg chg="modSp mod">
+        <pc:chgData name="Pandey, Shikha" userId="62b2c247-44c0-476d-a294-f01c5623c9dc" providerId="ADAL" clId="{F72F3FB8-19C0-4758-9009-50FF7556B545}" dt="2021-12-10T04:06:23.604" v="1654" actId="1076"/>
+        <pc:sldMkLst>
+          <pc:docMk/>
+          <pc:sldMk cId="12617662" sldId="300"/>
+        </pc:sldMkLst>
+        <pc:picChg chg="mod ord">
+          <ac:chgData name="Pandey, Shikha" userId="62b2c247-44c0-476d-a294-f01c5623c9dc" providerId="ADAL" clId="{F72F3FB8-19C0-4758-9009-50FF7556B545}" dt="2021-12-10T04:06:23.604" v="1654" actId="1076"/>
+          <ac:picMkLst>
+            <pc:docMk/>
+            <pc:sldMk cId="12617662" sldId="300"/>
+            <ac:picMk id="13" creationId="{3BC82DD1-2147-EA49-BEC1-AAC22C33C9A1}"/>
+          </ac:picMkLst>
+        </pc:picChg>
+        <pc:picChg chg="mod">
+          <ac:chgData name="Pandey, Shikha" userId="62b2c247-44c0-476d-a294-f01c5623c9dc" providerId="ADAL" clId="{F72F3FB8-19C0-4758-9009-50FF7556B545}" dt="2021-12-10T04:06:23.604" v="1654" actId="1076"/>
+          <ac:picMkLst>
+            <pc:docMk/>
+            <pc:sldMk cId="12617662" sldId="300"/>
+            <ac:picMk id="15" creationId="{A144B46B-1A98-614B-9B2B-170D7FE9F501}"/>
           </ac:picMkLst>
         </pc:picChg>
       </pc:sldChg>
@@ -6698,7 +6767,7 @@
 </file>
 
 <file path=ppt/slides/slide13.xml><?xml version="1.0" encoding="utf-8"?>
-<p:sld xmlns:a="http://schemas.openxmlformats.org/drawingml/2006/main" xmlns:r="http://schemas.openxmlformats.org/officeDocument/2006/relationships" xmlns:p="http://schemas.openxmlformats.org/presentationml/2006/main">
+<p:sld xmlns:a="http://schemas.openxmlformats.org/drawingml/2006/main" xmlns:r="http://schemas.openxmlformats.org/officeDocument/2006/relationships" xmlns:p="http://schemas.openxmlformats.org/presentationml/2006/main" show="0">
   <p:cSld>
     <p:spTree>
       <p:nvGrpSpPr>
@@ -7243,36 +7312,6 @@
           </a:p>
         </p:txBody>
       </p:sp>
-      <p:pic>
-        <p:nvPicPr>
-          <p:cNvPr id="4" name="Picture 3">
-            <a:extLst>
-              <a:ext uri="{FF2B5EF4-FFF2-40B4-BE49-F238E27FC236}">
-                <a16:creationId xmlns:a16="http://schemas.microsoft.com/office/drawing/2014/main" id="{77310E7A-F5AA-EF4E-91B4-F48E15177EF5}"/>
-              </a:ext>
-            </a:extLst>
-          </p:cNvPr>
-          <p:cNvPicPr>
-            <a:picLocks noChangeAspect="1"/>
-          </p:cNvPicPr>
-          <p:nvPr/>
-        </p:nvPicPr>
-        <p:blipFill>
-          <a:blip r:embed="rId2"/>
-          <a:stretch>
-            <a:fillRect/>
-          </a:stretch>
-        </p:blipFill>
-        <p:spPr>
-          <a:xfrm>
-            <a:off x="2525083" y="1656037"/>
-            <a:ext cx="7141834" cy="4514850"/>
-          </a:xfrm>
-          <a:prstGeom prst="rect">
-            <a:avLst/>
-          </a:prstGeom>
-        </p:spPr>
-      </p:pic>
       <p:sp>
         <p:nvSpPr>
           <p:cNvPr id="9" name="Title 1">
@@ -7326,43 +7365,36 @@
           </a:p>
         </p:txBody>
       </p:sp>
-      <p:sp>
-        <p:nvSpPr>
-          <p:cNvPr id="2" name="TextBox 1">
+      <p:pic>
+        <p:nvPicPr>
+          <p:cNvPr id="10" name="Picture 9">
             <a:extLst>
               <a:ext uri="{FF2B5EF4-FFF2-40B4-BE49-F238E27FC236}">
-                <a16:creationId xmlns:a16="http://schemas.microsoft.com/office/drawing/2014/main" id="{830C812C-0B4E-4DD0-9536-44B82B942203}"/>
+                <a16:creationId xmlns:a16="http://schemas.microsoft.com/office/drawing/2014/main" id="{70C11E87-9976-415F-997C-9898568A4B01}"/>
               </a:ext>
             </a:extLst>
           </p:cNvPr>
-          <p:cNvSpPr txBox="1"/>
+          <p:cNvPicPr>
+            <a:picLocks noChangeAspect="1"/>
+          </p:cNvPicPr>
           <p:nvPr/>
-        </p:nvSpPr>
+        </p:nvPicPr>
+        <p:blipFill>
+          <a:blip r:embed="rId2"/>
+          <a:stretch>
+            <a:fillRect/>
+          </a:stretch>
+        </p:blipFill>
         <p:spPr>
           <a:xfrm>
-            <a:off x="8170985" y="3429000"/>
-            <a:ext cx="2239107" cy="1015663"/>
+            <a:off x="2570790" y="1462100"/>
+            <a:ext cx="7050419" cy="5074165"/>
           </a:xfrm>
           <a:prstGeom prst="rect">
             <a:avLst/>
           </a:prstGeom>
-          <a:solidFill>
-            <a:schemeClr val="accent4"/>
-          </a:solidFill>
-        </p:spPr>
-        <p:txBody>
-          <a:bodyPr wrap="square" rtlCol="0">
-            <a:spAutoFit/>
-          </a:bodyPr>
-          <a:lstStyle/>
-          <a:p>
-            <a:r>
-              <a:rPr lang="en-US" sz="2000" dirty="0"/>
-              <a:t>Change it to Num of Companies Worked</a:t>
-            </a:r>
-          </a:p>
-        </p:txBody>
-      </p:sp>
+        </p:spPr>
+      </p:pic>
     </p:spTree>
     <p:extLst>
       <p:ext uri="{BB962C8B-B14F-4D97-AF65-F5344CB8AC3E}">
@@ -10435,10 +10467,10 @@
       </p:sp>
       <p:pic>
         <p:nvPicPr>
-          <p:cNvPr id="10" name="Picture 9">
+          <p:cNvPr id="3" name="Picture 2">
             <a:extLst>
               <a:ext uri="{FF2B5EF4-FFF2-40B4-BE49-F238E27FC236}">
-                <a16:creationId xmlns:a16="http://schemas.microsoft.com/office/drawing/2014/main" id="{D38BDAFC-61F8-9F41-B91A-A4FA9226E751}"/>
+                <a16:creationId xmlns:a16="http://schemas.microsoft.com/office/drawing/2014/main" id="{AEF8C267-9C60-4776-B658-87BD45D17C1C}"/>
               </a:ext>
             </a:extLst>
           </p:cNvPr>
@@ -10455,8 +10487,8 @@
         </p:blipFill>
         <p:spPr>
           <a:xfrm>
-            <a:off x="2252059" y="1329957"/>
-            <a:ext cx="7687881" cy="5536205"/>
+            <a:off x="2313231" y="1325931"/>
+            <a:ext cx="7565538" cy="5350403"/>
           </a:xfrm>
           <a:prstGeom prst="rect">
             <a:avLst/>
@@ -12689,8 +12721,8 @@
         </p:blipFill>
         <p:spPr>
           <a:xfrm>
-            <a:off x="2268609" y="2147113"/>
-            <a:ext cx="4203765" cy="3017270"/>
+            <a:off x="1486682" y="2259554"/>
+            <a:ext cx="4852855" cy="3483157"/>
           </a:xfrm>
           <a:prstGeom prst="rect">
             <a:avLst/>
@@ -12973,8 +13005,8 @@
         </p:blipFill>
         <p:spPr>
           <a:xfrm>
-            <a:off x="6113025" y="2147113"/>
-            <a:ext cx="4215210" cy="3017270"/>
+            <a:off x="5884141" y="2259554"/>
+            <a:ext cx="4866067" cy="3483157"/>
           </a:xfrm>
           <a:prstGeom prst="rect">
             <a:avLst/>

--- a/DDS_Project_2_Presentation.pptx
+++ b/DDS_Project_2_Presentation.pptx
@@ -17,14 +17,16 @@
     <p:sldId id="302" r:id="rId11"/>
     <p:sldId id="293" r:id="rId12"/>
     <p:sldId id="292" r:id="rId13"/>
-    <p:sldId id="291" r:id="rId14"/>
-    <p:sldId id="285" r:id="rId15"/>
-    <p:sldId id="288" r:id="rId16"/>
+    <p:sldId id="285" r:id="rId14"/>
+    <p:sldId id="288" r:id="rId15"/>
+    <p:sldId id="306" r:id="rId16"/>
     <p:sldId id="284" r:id="rId17"/>
-    <p:sldId id="290" r:id="rId18"/>
-    <p:sldId id="287" r:id="rId19"/>
-    <p:sldId id="304" r:id="rId20"/>
-    <p:sldId id="305" r:id="rId21"/>
+    <p:sldId id="307" r:id="rId18"/>
+    <p:sldId id="290" r:id="rId19"/>
+    <p:sldId id="287" r:id="rId20"/>
+    <p:sldId id="304" r:id="rId21"/>
+    <p:sldId id="308" r:id="rId22"/>
+    <p:sldId id="309" r:id="rId23"/>
   </p:sldIdLst>
   <p:sldSz cx="12192000" cy="6858000"/>
   <p:notesSz cx="6858000" cy="9144000"/>
@@ -134,7 +136,7 @@
 <file path=ppt/revisionInfo.xml><?xml version="1.0" encoding="utf-8"?>
 <p1510:revInfo xmlns:a="http://schemas.openxmlformats.org/drawingml/2006/main" xmlns:r="http://schemas.openxmlformats.org/officeDocument/2006/relationships" xmlns:p1510="http://schemas.microsoft.com/office/powerpoint/2015/10/main">
   <p1510:revLst>
-    <p1510:client id="{F72F3FB8-19C0-4758-9009-50FF7556B545}" v="91" dt="2021-12-10T02:21:57.703"/>
+    <p1510:client id="{F72F3FB8-19C0-4758-9009-50FF7556B545}" v="678" dt="2021-12-11T04:16:25.889"/>
   </p1510:revLst>
 </p1510:revInfo>
 </file>
@@ -144,7 +146,7 @@
   <pc:docChgLst>
     <pc:chgData name="Pandey, Shikha" userId="62b2c247-44c0-476d-a294-f01c5623c9dc" providerId="ADAL" clId="{F72F3FB8-19C0-4758-9009-50FF7556B545}"/>
     <pc:docChg chg="undo redo custSel addSld delSld modSld sldOrd">
-      <pc:chgData name="Pandey, Shikha" userId="62b2c247-44c0-476d-a294-f01c5623c9dc" providerId="ADAL" clId="{F72F3FB8-19C0-4758-9009-50FF7556B545}" dt="2021-12-10T04:06:23.604" v="1654" actId="1076"/>
+      <pc:chgData name="Pandey, Shikha" userId="62b2c247-44c0-476d-a294-f01c5623c9dc" providerId="ADAL" clId="{F72F3FB8-19C0-4758-9009-50FF7556B545}" dt="2021-12-11T04:16:25.889" v="2592" actId="20577"/>
       <pc:docMkLst>
         <pc:docMk/>
       </pc:docMkLst>
@@ -1740,14 +1742,14 @@
           </ac:picMkLst>
         </pc:picChg>
       </pc:sldChg>
-      <pc:sldChg chg="addSp delSp modSp mod modAnim">
-        <pc:chgData name="Pandey, Shikha" userId="62b2c247-44c0-476d-a294-f01c5623c9dc" providerId="ADAL" clId="{F72F3FB8-19C0-4758-9009-50FF7556B545}" dt="2021-12-10T02:00:43.334" v="1502"/>
+      <pc:sldChg chg="addSp delSp modSp mod delAnim modAnim">
+        <pc:chgData name="Pandey, Shikha" userId="62b2c247-44c0-476d-a294-f01c5623c9dc" providerId="ADAL" clId="{F72F3FB8-19C0-4758-9009-50FF7556B545}" dt="2021-12-11T03:49:57.825" v="2128"/>
         <pc:sldMkLst>
           <pc:docMk/>
           <pc:sldMk cId="216170584" sldId="289"/>
         </pc:sldMkLst>
         <pc:spChg chg="add mod">
-          <ac:chgData name="Pandey, Shikha" userId="62b2c247-44c0-476d-a294-f01c5623c9dc" providerId="ADAL" clId="{F72F3FB8-19C0-4758-9009-50FF7556B545}" dt="2021-12-10T01:53:48.524" v="1460" actId="208"/>
+          <ac:chgData name="Pandey, Shikha" userId="62b2c247-44c0-476d-a294-f01c5623c9dc" providerId="ADAL" clId="{F72F3FB8-19C0-4758-9009-50FF7556B545}" dt="2021-12-11T03:49:40.644" v="2126" actId="14100"/>
           <ac:spMkLst>
             <pc:docMk/>
             <pc:sldMk cId="216170584" sldId="289"/>
@@ -1755,23 +1757,23 @@
           </ac:spMkLst>
         </pc:spChg>
         <pc:spChg chg="add del mod">
-          <ac:chgData name="Pandey, Shikha" userId="62b2c247-44c0-476d-a294-f01c5623c9dc" providerId="ADAL" clId="{F72F3FB8-19C0-4758-9009-50FF7556B545}" dt="2021-12-10T01:56:55.276" v="1483" actId="207"/>
+          <ac:chgData name="Pandey, Shikha" userId="62b2c247-44c0-476d-a294-f01c5623c9dc" providerId="ADAL" clId="{F72F3FB8-19C0-4758-9009-50FF7556B545}" dt="2021-12-11T03:49:26.120" v="2123" actId="14100"/>
           <ac:spMkLst>
             <pc:docMk/>
             <pc:sldMk cId="216170584" sldId="289"/>
             <ac:spMk id="4" creationId="{D9EEC7DF-EFE6-4C4E-8C0C-CB0E28717A0A}"/>
           </ac:spMkLst>
         </pc:spChg>
-        <pc:spChg chg="add mod">
-          <ac:chgData name="Pandey, Shikha" userId="62b2c247-44c0-476d-a294-f01c5623c9dc" providerId="ADAL" clId="{F72F3FB8-19C0-4758-9009-50FF7556B545}" dt="2021-12-10T01:58:24.386" v="1492" actId="208"/>
+        <pc:spChg chg="add del mod">
+          <ac:chgData name="Pandey, Shikha" userId="62b2c247-44c0-476d-a294-f01c5623c9dc" providerId="ADAL" clId="{F72F3FB8-19C0-4758-9009-50FF7556B545}" dt="2021-12-11T03:48:19.518" v="2105" actId="478"/>
           <ac:spMkLst>
             <pc:docMk/>
             <pc:sldMk cId="216170584" sldId="289"/>
             <ac:spMk id="9" creationId="{34F14F9C-B97D-4A30-803F-EA9600784317}"/>
           </ac:spMkLst>
         </pc:spChg>
-        <pc:spChg chg="add mod">
-          <ac:chgData name="Pandey, Shikha" userId="62b2c247-44c0-476d-a294-f01c5623c9dc" providerId="ADAL" clId="{F72F3FB8-19C0-4758-9009-50FF7556B545}" dt="2021-12-10T01:59:02.666" v="1498" actId="208"/>
+        <pc:spChg chg="add del mod">
+          <ac:chgData name="Pandey, Shikha" userId="62b2c247-44c0-476d-a294-f01c5623c9dc" providerId="ADAL" clId="{F72F3FB8-19C0-4758-9009-50FF7556B545}" dt="2021-12-11T03:48:23.939" v="2106" actId="478"/>
           <ac:spMkLst>
             <pc:docMk/>
             <pc:sldMk cId="216170584" sldId="289"/>
@@ -1786,9 +1788,25 @@
             <ac:picMk id="3" creationId="{AF94A468-6A8E-4554-8D0C-575A9A743FA7}"/>
           </ac:picMkLst>
         </pc:picChg>
+        <pc:picChg chg="add mod ord">
+          <ac:chgData name="Pandey, Shikha" userId="62b2c247-44c0-476d-a294-f01c5623c9dc" providerId="ADAL" clId="{F72F3FB8-19C0-4758-9009-50FF7556B545}" dt="2021-12-11T03:48:05.217" v="2102" actId="1076"/>
+          <ac:picMkLst>
+            <pc:docMk/>
+            <pc:sldMk cId="216170584" sldId="289"/>
+            <ac:picMk id="11" creationId="{E2C0D4C9-E479-48F1-A4D2-35AB3BA25D8D}"/>
+          </ac:picMkLst>
+        </pc:picChg>
+        <pc:picChg chg="del">
+          <ac:chgData name="Pandey, Shikha" userId="62b2c247-44c0-476d-a294-f01c5623c9dc" providerId="ADAL" clId="{F72F3FB8-19C0-4758-9009-50FF7556B545}" dt="2021-12-11T03:47:48.458" v="2097" actId="478"/>
+          <ac:picMkLst>
+            <pc:docMk/>
+            <pc:sldMk cId="216170584" sldId="289"/>
+            <ac:picMk id="17" creationId="{A1F69826-2388-A34C-BA65-A5D02C5B373D}"/>
+          </ac:picMkLst>
+        </pc:picChg>
       </pc:sldChg>
-      <pc:sldChg chg="mod modShow">
-        <pc:chgData name="Pandey, Shikha" userId="62b2c247-44c0-476d-a294-f01c5623c9dc" providerId="ADAL" clId="{F72F3FB8-19C0-4758-9009-50FF7556B545}" dt="2021-12-10T03:27:13.379" v="1596" actId="729"/>
+      <pc:sldChg chg="del mod modShow">
+        <pc:chgData name="Pandey, Shikha" userId="62b2c247-44c0-476d-a294-f01c5623c9dc" providerId="ADAL" clId="{F72F3FB8-19C0-4758-9009-50FF7556B545}" dt="2021-12-11T04:13:31.037" v="2579" actId="2696"/>
         <pc:sldMkLst>
           <pc:docMk/>
           <pc:sldMk cId="95992096" sldId="291"/>
@@ -1918,12 +1936,20 @@
           </ac:spMkLst>
         </pc:spChg>
       </pc:sldChg>
-      <pc:sldChg chg="delSp modSp add mod">
-        <pc:chgData name="Pandey, Shikha" userId="62b2c247-44c0-476d-a294-f01c5623c9dc" providerId="ADAL" clId="{F72F3FB8-19C0-4758-9009-50FF7556B545}" dt="2021-12-09T04:58:50.666" v="1355" actId="20577"/>
+      <pc:sldChg chg="addSp delSp modSp add mod modAnim">
+        <pc:chgData name="Pandey, Shikha" userId="62b2c247-44c0-476d-a294-f01c5623c9dc" providerId="ADAL" clId="{F72F3FB8-19C0-4758-9009-50FF7556B545}" dt="2021-12-11T04:07:03.857" v="2426" actId="5793"/>
         <pc:sldMkLst>
           <pc:docMk/>
           <pc:sldMk cId="2642334168" sldId="304"/>
         </pc:sldMkLst>
+        <pc:spChg chg="add del mod">
+          <ac:chgData name="Pandey, Shikha" userId="62b2c247-44c0-476d-a294-f01c5623c9dc" providerId="ADAL" clId="{F72F3FB8-19C0-4758-9009-50FF7556B545}" dt="2021-12-11T02:21:54.519" v="1759"/>
+          <ac:spMkLst>
+            <pc:docMk/>
+            <pc:sldMk cId="2642334168" sldId="304"/>
+            <ac:spMk id="2" creationId="{C435E615-37F6-4EB7-9F83-99DF1EC300C8}"/>
+          </ac:spMkLst>
+        </pc:spChg>
         <pc:spChg chg="mod">
           <ac:chgData name="Pandey, Shikha" userId="62b2c247-44c0-476d-a294-f01c5623c9dc" providerId="ADAL" clId="{F72F3FB8-19C0-4758-9009-50FF7556B545}" dt="2021-12-09T04:58:50.666" v="1355" actId="20577"/>
           <ac:spMkLst>
@@ -1932,6 +1958,22 @@
             <ac:spMk id="9" creationId="{DF4B9AD8-E4FC-FA40-8BCA-CF0480A9D206}"/>
           </ac:spMkLst>
         </pc:spChg>
+        <pc:spChg chg="add mod">
+          <ac:chgData name="Pandey, Shikha" userId="62b2c247-44c0-476d-a294-f01c5623c9dc" providerId="ADAL" clId="{F72F3FB8-19C0-4758-9009-50FF7556B545}" dt="2021-12-11T04:07:03.857" v="2426" actId="5793"/>
+          <ac:spMkLst>
+            <pc:docMk/>
+            <pc:sldMk cId="2642334168" sldId="304"/>
+            <ac:spMk id="10" creationId="{711207F1-4A36-4478-AAE1-4383ACC20005}"/>
+          </ac:spMkLst>
+        </pc:spChg>
+        <pc:picChg chg="add del">
+          <ac:chgData name="Pandey, Shikha" userId="62b2c247-44c0-476d-a294-f01c5623c9dc" providerId="ADAL" clId="{F72F3FB8-19C0-4758-9009-50FF7556B545}" dt="2021-12-11T02:22:21.080" v="1763"/>
+          <ac:picMkLst>
+            <pc:docMk/>
+            <pc:sldMk cId="2642334168" sldId="304"/>
+            <ac:picMk id="3" creationId="{E3B0BBEE-DE7D-4800-BBC7-CFBB90CED950}"/>
+          </ac:picMkLst>
+        </pc:picChg>
         <pc:picChg chg="del">
           <ac:chgData name="Pandey, Shikha" userId="62b2c247-44c0-476d-a294-f01c5623c9dc" providerId="ADAL" clId="{F72F3FB8-19C0-4758-9009-50FF7556B545}" dt="2021-12-09T04:58:46.291" v="1348" actId="478"/>
           <ac:picMkLst>
@@ -1941,8 +1983,8 @@
           </ac:picMkLst>
         </pc:picChg>
       </pc:sldChg>
-      <pc:sldChg chg="modSp add mod">
-        <pc:chgData name="Pandey, Shikha" userId="62b2c247-44c0-476d-a294-f01c5623c9dc" providerId="ADAL" clId="{F72F3FB8-19C0-4758-9009-50FF7556B545}" dt="2021-12-09T04:59:14.130" v="1375" actId="20577"/>
+      <pc:sldChg chg="modSp add del mod">
+        <pc:chgData name="Pandey, Shikha" userId="62b2c247-44c0-476d-a294-f01c5623c9dc" providerId="ADAL" clId="{F72F3FB8-19C0-4758-9009-50FF7556B545}" dt="2021-12-11T04:07:08.870" v="2427" actId="2696"/>
         <pc:sldMkLst>
           <pc:docMk/>
           <pc:sldMk cId="658250400" sldId="305"/>
@@ -1955,6 +1997,178 @@
             <ac:spMk id="9" creationId="{DF4B9AD8-E4FC-FA40-8BCA-CF0480A9D206}"/>
           </ac:spMkLst>
         </pc:spChg>
+      </pc:sldChg>
+      <pc:sldChg chg="addSp delSp modSp add mod ord">
+        <pc:chgData name="Pandey, Shikha" userId="62b2c247-44c0-476d-a294-f01c5623c9dc" providerId="ADAL" clId="{F72F3FB8-19C0-4758-9009-50FF7556B545}" dt="2021-12-11T02:11:47.927" v="1708"/>
+        <pc:sldMkLst>
+          <pc:docMk/>
+          <pc:sldMk cId="2812659350" sldId="306"/>
+        </pc:sldMkLst>
+        <pc:spChg chg="mod">
+          <ac:chgData name="Pandey, Shikha" userId="62b2c247-44c0-476d-a294-f01c5623c9dc" providerId="ADAL" clId="{F72F3FB8-19C0-4758-9009-50FF7556B545}" dt="2021-12-11T02:10:45.346" v="1703" actId="20577"/>
+          <ac:spMkLst>
+            <pc:docMk/>
+            <pc:sldMk cId="2812659350" sldId="306"/>
+            <ac:spMk id="9" creationId="{0102CC5F-E7D1-A54C-93CA-FC20B1FB2E73}"/>
+          </ac:spMkLst>
+        </pc:spChg>
+        <pc:picChg chg="add mod">
+          <ac:chgData name="Pandey, Shikha" userId="62b2c247-44c0-476d-a294-f01c5623c9dc" providerId="ADAL" clId="{F72F3FB8-19C0-4758-9009-50FF7556B545}" dt="2021-12-11T02:11:19.149" v="1706" actId="1076"/>
+          <ac:picMkLst>
+            <pc:docMk/>
+            <pc:sldMk cId="2812659350" sldId="306"/>
+            <ac:picMk id="3" creationId="{4ABDB5C7-80BA-4345-8A29-F80181326C43}"/>
+          </ac:picMkLst>
+        </pc:picChg>
+        <pc:picChg chg="del">
+          <ac:chgData name="Pandey, Shikha" userId="62b2c247-44c0-476d-a294-f01c5623c9dc" providerId="ADAL" clId="{F72F3FB8-19C0-4758-9009-50FF7556B545}" dt="2021-12-11T02:10:02.498" v="1656" actId="478"/>
+          <ac:picMkLst>
+            <pc:docMk/>
+            <pc:sldMk cId="2812659350" sldId="306"/>
+            <ac:picMk id="11" creationId="{1A7CA878-157F-1447-AD9F-04C223641CDA}"/>
+          </ac:picMkLst>
+        </pc:picChg>
+      </pc:sldChg>
+      <pc:sldChg chg="addSp delSp modSp add mod modAnim">
+        <pc:chgData name="Pandey, Shikha" userId="62b2c247-44c0-476d-a294-f01c5623c9dc" providerId="ADAL" clId="{F72F3FB8-19C0-4758-9009-50FF7556B545}" dt="2021-12-11T02:21:02.847" v="1753" actId="14100"/>
+        <pc:sldMkLst>
+          <pc:docMk/>
+          <pc:sldMk cId="2148364705" sldId="307"/>
+        </pc:sldMkLst>
+        <pc:spChg chg="mod">
+          <ac:chgData name="Pandey, Shikha" userId="62b2c247-44c0-476d-a294-f01c5623c9dc" providerId="ADAL" clId="{F72F3FB8-19C0-4758-9009-50FF7556B545}" dt="2021-12-11T02:13:41.986" v="1736" actId="20577"/>
+          <ac:spMkLst>
+            <pc:docMk/>
+            <pc:sldMk cId="2148364705" sldId="307"/>
+            <ac:spMk id="9" creationId="{0102CC5F-E7D1-A54C-93CA-FC20B1FB2E73}"/>
+          </ac:spMkLst>
+        </pc:spChg>
+        <pc:picChg chg="add mod">
+          <ac:chgData name="Pandey, Shikha" userId="62b2c247-44c0-476d-a294-f01c5623c9dc" providerId="ADAL" clId="{F72F3FB8-19C0-4758-9009-50FF7556B545}" dt="2021-12-11T02:21:02.847" v="1753" actId="14100"/>
+          <ac:picMkLst>
+            <pc:docMk/>
+            <pc:sldMk cId="2148364705" sldId="307"/>
+            <ac:picMk id="2" creationId="{55304A3E-F6A5-4CF9-B573-010E7C30C547}"/>
+          </ac:picMkLst>
+        </pc:picChg>
+        <pc:picChg chg="add mod">
+          <ac:chgData name="Pandey, Shikha" userId="62b2c247-44c0-476d-a294-f01c5623c9dc" providerId="ADAL" clId="{F72F3FB8-19C0-4758-9009-50FF7556B545}" dt="2021-12-11T02:20:45.134" v="1750" actId="14100"/>
+          <ac:picMkLst>
+            <pc:docMk/>
+            <pc:sldMk cId="2148364705" sldId="307"/>
+            <ac:picMk id="10" creationId="{A2B514E4-898A-4549-B1CB-EBBB9B0E081A}"/>
+          </ac:picMkLst>
+        </pc:picChg>
+        <pc:picChg chg="del">
+          <ac:chgData name="Pandey, Shikha" userId="62b2c247-44c0-476d-a294-f01c5623c9dc" providerId="ADAL" clId="{F72F3FB8-19C0-4758-9009-50FF7556B545}" dt="2021-12-11T02:12:53.098" v="1710" actId="478"/>
+          <ac:picMkLst>
+            <pc:docMk/>
+            <pc:sldMk cId="2148364705" sldId="307"/>
+            <ac:picMk id="11" creationId="{1A7CA878-157F-1447-AD9F-04C223641CDA}"/>
+          </ac:picMkLst>
+        </pc:picChg>
+        <pc:picChg chg="add mod">
+          <ac:chgData name="Pandey, Shikha" userId="62b2c247-44c0-476d-a294-f01c5623c9dc" providerId="ADAL" clId="{F72F3FB8-19C0-4758-9009-50FF7556B545}" dt="2021-12-11T02:20:49.176" v="1752" actId="14100"/>
+          <ac:picMkLst>
+            <pc:docMk/>
+            <pc:sldMk cId="2148364705" sldId="307"/>
+            <ac:picMk id="12" creationId="{3CDDE65B-C5F4-4DF6-BCD6-98B5930C7C93}"/>
+          </ac:picMkLst>
+        </pc:picChg>
+      </pc:sldChg>
+      <pc:sldChg chg="addSp delSp modSp add mod modAnim">
+        <pc:chgData name="Pandey, Shikha" userId="62b2c247-44c0-476d-a294-f01c5623c9dc" providerId="ADAL" clId="{F72F3FB8-19C0-4758-9009-50FF7556B545}" dt="2021-12-11T04:16:25.889" v="2592" actId="20577"/>
+        <pc:sldMkLst>
+          <pc:docMk/>
+          <pc:sldMk cId="2066871153" sldId="308"/>
+        </pc:sldMkLst>
+        <pc:spChg chg="add del">
+          <ac:chgData name="Pandey, Shikha" userId="62b2c247-44c0-476d-a294-f01c5623c9dc" providerId="ADAL" clId="{F72F3FB8-19C0-4758-9009-50FF7556B545}" dt="2021-12-11T04:03:42.937" v="2401"/>
+          <ac:spMkLst>
+            <pc:docMk/>
+            <pc:sldMk cId="2066871153" sldId="308"/>
+            <ac:spMk id="2" creationId="{685CF646-75A5-466B-A486-3C8FFE798696}"/>
+          </ac:spMkLst>
+        </pc:spChg>
+        <pc:spChg chg="mod">
+          <ac:chgData name="Pandey, Shikha" userId="62b2c247-44c0-476d-a294-f01c5623c9dc" providerId="ADAL" clId="{F72F3FB8-19C0-4758-9009-50FF7556B545}" dt="2021-12-11T03:59:18.103" v="2214" actId="255"/>
+          <ac:spMkLst>
+            <pc:docMk/>
+            <pc:sldMk cId="2066871153" sldId="308"/>
+            <ac:spMk id="9" creationId="{DF4B9AD8-E4FC-FA40-8BCA-CF0480A9D206}"/>
+          </ac:spMkLst>
+        </pc:spChg>
+        <pc:spChg chg="mod">
+          <ac:chgData name="Pandey, Shikha" userId="62b2c247-44c0-476d-a294-f01c5623c9dc" providerId="ADAL" clId="{F72F3FB8-19C0-4758-9009-50FF7556B545}" dt="2021-12-11T04:16:25.889" v="2592" actId="20577"/>
+          <ac:spMkLst>
+            <pc:docMk/>
+            <pc:sldMk cId="2066871153" sldId="308"/>
+            <ac:spMk id="10" creationId="{711207F1-4A36-4478-AAE1-4383ACC20005}"/>
+          </ac:spMkLst>
+        </pc:spChg>
+      </pc:sldChg>
+      <pc:sldChg chg="addSp delSp modSp add mod modAnim">
+        <pc:chgData name="Pandey, Shikha" userId="62b2c247-44c0-476d-a294-f01c5623c9dc" providerId="ADAL" clId="{F72F3FB8-19C0-4758-9009-50FF7556B545}" dt="2021-12-11T04:12:28.811" v="2578" actId="6549"/>
+        <pc:sldMkLst>
+          <pc:docMk/>
+          <pc:sldMk cId="987614894" sldId="309"/>
+        </pc:sldMkLst>
+        <pc:spChg chg="mod">
+          <ac:chgData name="Pandey, Shikha" userId="62b2c247-44c0-476d-a294-f01c5623c9dc" providerId="ADAL" clId="{F72F3FB8-19C0-4758-9009-50FF7556B545}" dt="2021-12-11T04:11:46.688" v="2554" actId="20577"/>
+          <ac:spMkLst>
+            <pc:docMk/>
+            <pc:sldMk cId="987614894" sldId="309"/>
+            <ac:spMk id="9" creationId="{DF4B9AD8-E4FC-FA40-8BCA-CF0480A9D206}"/>
+          </ac:spMkLst>
+        </pc:spChg>
+        <pc:spChg chg="add del mod">
+          <ac:chgData name="Pandey, Shikha" userId="62b2c247-44c0-476d-a294-f01c5623c9dc" providerId="ADAL" clId="{F72F3FB8-19C0-4758-9009-50FF7556B545}" dt="2021-12-11T04:12:28.811" v="2578" actId="6549"/>
+          <ac:spMkLst>
+            <pc:docMk/>
+            <pc:sldMk cId="987614894" sldId="309"/>
+            <ac:spMk id="10" creationId="{711207F1-4A36-4478-AAE1-4383ACC20005}"/>
+          </ac:spMkLst>
+        </pc:spChg>
+        <pc:graphicFrameChg chg="add del">
+          <ac:chgData name="Pandey, Shikha" userId="62b2c247-44c0-476d-a294-f01c5623c9dc" providerId="ADAL" clId="{F72F3FB8-19C0-4758-9009-50FF7556B545}" dt="2021-12-11T04:09:40.406" v="2533" actId="26606"/>
+          <ac:graphicFrameMkLst>
+            <pc:docMk/>
+            <pc:sldMk cId="987614894" sldId="309"/>
+            <ac:graphicFrameMk id="12" creationId="{5B13E9ED-E186-4663-A705-6107F7321340}"/>
+          </ac:graphicFrameMkLst>
+        </pc:graphicFrameChg>
+        <pc:graphicFrameChg chg="add del">
+          <ac:chgData name="Pandey, Shikha" userId="62b2c247-44c0-476d-a294-f01c5623c9dc" providerId="ADAL" clId="{F72F3FB8-19C0-4758-9009-50FF7556B545}" dt="2021-12-11T04:09:44.836" v="2535" actId="26606"/>
+          <ac:graphicFrameMkLst>
+            <pc:docMk/>
+            <pc:sldMk cId="987614894" sldId="309"/>
+            <ac:graphicFrameMk id="14" creationId="{6939BA02-9C97-4D96-8031-850B1B5ED96C}"/>
+          </ac:graphicFrameMkLst>
+        </pc:graphicFrameChg>
+        <pc:graphicFrameChg chg="add del">
+          <ac:chgData name="Pandey, Shikha" userId="62b2c247-44c0-476d-a294-f01c5623c9dc" providerId="ADAL" clId="{F72F3FB8-19C0-4758-9009-50FF7556B545}" dt="2021-12-11T04:09:47.200" v="2537" actId="26606"/>
+          <ac:graphicFrameMkLst>
+            <pc:docMk/>
+            <pc:sldMk cId="987614894" sldId="309"/>
+            <ac:graphicFrameMk id="16" creationId="{4459F8DF-84A1-4E34-9162-C25302EB052D}"/>
+          </ac:graphicFrameMkLst>
+        </pc:graphicFrameChg>
+        <pc:graphicFrameChg chg="add del">
+          <ac:chgData name="Pandey, Shikha" userId="62b2c247-44c0-476d-a294-f01c5623c9dc" providerId="ADAL" clId="{F72F3FB8-19C0-4758-9009-50FF7556B545}" dt="2021-12-11T04:09:58.398" v="2539" actId="26606"/>
+          <ac:graphicFrameMkLst>
+            <pc:docMk/>
+            <pc:sldMk cId="987614894" sldId="309"/>
+            <ac:graphicFrameMk id="18" creationId="{A5856628-E40A-43A9-9D3D-395011B0DB32}"/>
+          </ac:graphicFrameMkLst>
+        </pc:graphicFrameChg>
+        <pc:graphicFrameChg chg="add del">
+          <ac:chgData name="Pandey, Shikha" userId="62b2c247-44c0-476d-a294-f01c5623c9dc" providerId="ADAL" clId="{F72F3FB8-19C0-4758-9009-50FF7556B545}" dt="2021-12-11T04:10:07.317" v="2541" actId="26606"/>
+          <ac:graphicFrameMkLst>
+            <pc:docMk/>
+            <pc:sldMk cId="987614894" sldId="309"/>
+            <ac:graphicFrameMk id="20" creationId="{5B13E9ED-E186-4663-A705-6107F7321340}"/>
+          </ac:graphicFrameMkLst>
+        </pc:graphicFrameChg>
       </pc:sldChg>
     </pc:docChg>
   </pc:docChgLst>
@@ -2092,7 +2306,7 @@
           <a:p>
             <a:fld id="{23FEA57E-7C1A-457B-A4CD-5DCEB057B502}" type="datetime1">
               <a:rPr lang="en-US" smtClean="0"/>
-              <a:t>12/9/2021</a:t>
+              <a:t>12/10/2021</a:t>
             </a:fld>
             <a:endParaRPr lang="en-US" dirty="0"/>
           </a:p>
@@ -2266,7 +2480,7 @@
           <a:p>
             <a:fld id="{11789749-A4CD-447F-8298-2B7988C91CEA}" type="datetime1">
               <a:rPr lang="en-US" smtClean="0"/>
-              <a:t>12/9/2021</a:t>
+              <a:t>12/10/2021</a:t>
             </a:fld>
             <a:endParaRPr lang="en-US"/>
           </a:p>
@@ -2450,7 +2664,7 @@
           <a:p>
             <a:fld id="{BA0444D3-C0BA-4587-A56C-581AB9F841BE}" type="datetime1">
               <a:rPr lang="en-US" smtClean="0"/>
-              <a:t>12/9/2021</a:t>
+              <a:t>12/10/2021</a:t>
             </a:fld>
             <a:endParaRPr lang="en-US"/>
           </a:p>
@@ -2623,7 +2837,7 @@
           <a:p>
             <a:fld id="{201AF2CE-4F37-411C-A3EE-BBBE223265BF}" type="datetime1">
               <a:rPr lang="en-US" smtClean="0"/>
-              <a:t>12/9/2021</a:t>
+              <a:t>12/10/2021</a:t>
             </a:fld>
             <a:endParaRPr lang="en-US"/>
           </a:p>
@@ -2872,7 +3086,7 @@
           <a:p>
             <a:fld id="{C96083D4-708C-4BB5-B4FD-30CE9FA12FD5}" type="datetime1">
               <a:rPr lang="en-US" smtClean="0"/>
-              <a:t>12/9/2021</a:t>
+              <a:t>12/10/2021</a:t>
             </a:fld>
             <a:endParaRPr lang="en-US"/>
           </a:p>
@@ -3108,7 +3322,7 @@
           <a:p>
             <a:fld id="{D0D239B2-65BC-4C2A-A62B-3EABFE9590E4}" type="datetime1">
               <a:rPr lang="en-US" smtClean="0"/>
-              <a:t>12/9/2021</a:t>
+              <a:t>12/10/2021</a:t>
             </a:fld>
             <a:endParaRPr lang="en-US"/>
           </a:p>
@@ -3478,7 +3692,7 @@
           <a:p>
             <a:fld id="{85E05F5A-E4A3-476F-A89E-C2B73F2431E4}" type="datetime1">
               <a:rPr lang="en-US" smtClean="0"/>
-              <a:t>12/9/2021</a:t>
+              <a:t>12/10/2021</a:t>
             </a:fld>
             <a:endParaRPr lang="en-US"/>
           </a:p>
@@ -3599,7 +3813,7 @@
           <a:p>
             <a:fld id="{E3761515-4A26-4F31-9F61-5A10B1FABBFC}" type="datetime1">
               <a:rPr lang="en-US" smtClean="0"/>
-              <a:t>12/9/2021</a:t>
+              <a:t>12/10/2021</a:t>
             </a:fld>
             <a:endParaRPr lang="en-US"/>
           </a:p>
@@ -3697,7 +3911,7 @@
           <a:p>
             <a:fld id="{4A75DC65-7D1F-4BAB-9695-F7E734143E14}" type="datetime1">
               <a:rPr lang="en-US" smtClean="0"/>
-              <a:t>12/9/2021</a:t>
+              <a:t>12/10/2021</a:t>
             </a:fld>
             <a:endParaRPr lang="en-US"/>
           </a:p>
@@ -3977,7 +4191,7 @@
           <a:p>
             <a:fld id="{7E624077-BD55-4036-8E92-6558FDF3B653}" type="datetime1">
               <a:rPr lang="en-US" smtClean="0"/>
-              <a:t>12/9/2021</a:t>
+              <a:t>12/10/2021</a:t>
             </a:fld>
             <a:endParaRPr lang="en-US"/>
           </a:p>
@@ -4237,7 +4451,7 @@
           <a:p>
             <a:fld id="{804225F2-7107-4609-BCC2-77C63064A5E8}" type="datetime1">
               <a:rPr lang="en-US" smtClean="0"/>
-              <a:t>12/9/2021</a:t>
+              <a:t>12/10/2021</a:t>
             </a:fld>
             <a:endParaRPr lang="en-US"/>
           </a:p>
@@ -4453,7 +4667,7 @@
           <a:p>
             <a:fld id="{D3FE42E8-8B57-452D-A122-4DCE9AC771EF}" type="datetime1">
               <a:rPr lang="en-US" smtClean="0"/>
-              <a:t>12/9/2021</a:t>
+              <a:t>12/10/2021</a:t>
             </a:fld>
             <a:endParaRPr lang="en-US"/>
           </a:p>
@@ -6767,320 +6981,6 @@
 </file>
 
 <file path=ppt/slides/slide13.xml><?xml version="1.0" encoding="utf-8"?>
-<p:sld xmlns:a="http://schemas.openxmlformats.org/drawingml/2006/main" xmlns:r="http://schemas.openxmlformats.org/officeDocument/2006/relationships" xmlns:p="http://schemas.openxmlformats.org/presentationml/2006/main" show="0">
-  <p:cSld>
-    <p:spTree>
-      <p:nvGrpSpPr>
-        <p:cNvPr id="1" name=""/>
-        <p:cNvGrpSpPr/>
-        <p:nvPr/>
-      </p:nvGrpSpPr>
-      <p:grpSpPr>
-        <a:xfrm>
-          <a:off x="0" y="0"/>
-          <a:ext cx="0" cy="0"/>
-          <a:chOff x="0" y="0"/>
-          <a:chExt cx="0" cy="0"/>
-        </a:xfrm>
-      </p:grpSpPr>
-      <p:sp>
-        <p:nvSpPr>
-          <p:cNvPr id="5" name="Right Triangle 4">
-            <a:extLst>
-              <a:ext uri="{FF2B5EF4-FFF2-40B4-BE49-F238E27FC236}">
-                <a16:creationId xmlns:a16="http://schemas.microsoft.com/office/drawing/2014/main" id="{5488A745-4D79-6747-B65A-803B31C1F8B4}"/>
-              </a:ext>
-            </a:extLst>
-          </p:cNvPr>
-          <p:cNvSpPr/>
-          <p:nvPr/>
-        </p:nvSpPr>
-        <p:spPr>
-          <a:xfrm rot="13068536">
-            <a:off x="-809065" y="4275183"/>
-            <a:ext cx="1600200" cy="2061882"/>
-          </a:xfrm>
-          <a:prstGeom prst="rtTriangle">
-            <a:avLst/>
-          </a:prstGeom>
-          <a:solidFill>
-            <a:srgbClr val="44E4C4"/>
-          </a:solidFill>
-          <a:ln>
-            <a:solidFill>
-              <a:srgbClr val="44E4C4"/>
-            </a:solidFill>
-          </a:ln>
-        </p:spPr>
-        <p:style>
-          <a:lnRef idx="2">
-            <a:schemeClr val="accent1">
-              <a:shade val="50000"/>
-            </a:schemeClr>
-          </a:lnRef>
-          <a:fillRef idx="1">
-            <a:schemeClr val="accent1"/>
-          </a:fillRef>
-          <a:effectRef idx="0">
-            <a:schemeClr val="accent1"/>
-          </a:effectRef>
-          <a:fontRef idx="minor">
-            <a:schemeClr val="lt1"/>
-          </a:fontRef>
-        </p:style>
-        <p:txBody>
-          <a:bodyPr rtlCol="0" anchor="ctr"/>
-          <a:lstStyle/>
-          <a:p>
-            <a:pPr algn="ctr"/>
-            <a:endParaRPr lang="en-US"/>
-          </a:p>
-        </p:txBody>
-      </p:sp>
-      <p:sp>
-        <p:nvSpPr>
-          <p:cNvPr id="6" name="Rectangle 5">
-            <a:extLst>
-              <a:ext uri="{FF2B5EF4-FFF2-40B4-BE49-F238E27FC236}">
-                <a16:creationId xmlns:a16="http://schemas.microsoft.com/office/drawing/2014/main" id="{67C63295-B221-9A4E-BA44-2C4B26CF7FDE}"/>
-              </a:ext>
-            </a:extLst>
-          </p:cNvPr>
-          <p:cNvSpPr/>
-          <p:nvPr/>
-        </p:nvSpPr>
-        <p:spPr>
-          <a:xfrm rot="2351297">
-            <a:off x="281204" y="5024303"/>
-            <a:ext cx="880169" cy="978559"/>
-          </a:xfrm>
-          <a:prstGeom prst="rect">
-            <a:avLst/>
-          </a:prstGeom>
-          <a:solidFill>
-            <a:srgbClr val="2E27C7">
-              <a:alpha val="80000"/>
-            </a:srgbClr>
-          </a:solidFill>
-        </p:spPr>
-        <p:style>
-          <a:lnRef idx="2">
-            <a:schemeClr val="accent1">
-              <a:shade val="50000"/>
-            </a:schemeClr>
-          </a:lnRef>
-          <a:fillRef idx="1">
-            <a:schemeClr val="accent1"/>
-          </a:fillRef>
-          <a:effectRef idx="0">
-            <a:schemeClr val="accent1"/>
-          </a:effectRef>
-          <a:fontRef idx="minor">
-            <a:schemeClr val="lt1"/>
-          </a:fontRef>
-        </p:style>
-        <p:txBody>
-          <a:bodyPr rtlCol="0" anchor="ctr"/>
-          <a:lstStyle/>
-          <a:p>
-            <a:pPr algn="ctr"/>
-            <a:endParaRPr lang="en-US"/>
-          </a:p>
-        </p:txBody>
-      </p:sp>
-      <p:sp>
-        <p:nvSpPr>
-          <p:cNvPr id="7" name="Right Triangle 6">
-            <a:extLst>
-              <a:ext uri="{FF2B5EF4-FFF2-40B4-BE49-F238E27FC236}">
-                <a16:creationId xmlns:a16="http://schemas.microsoft.com/office/drawing/2014/main" id="{E9A9D123-E73C-5749-962A-D162E22D504C}"/>
-              </a:ext>
-            </a:extLst>
-          </p:cNvPr>
-          <p:cNvSpPr/>
-          <p:nvPr/>
-        </p:nvSpPr>
-        <p:spPr>
-          <a:xfrm rot="2259401">
-            <a:off x="11399428" y="428828"/>
-            <a:ext cx="1600200" cy="2066544"/>
-          </a:xfrm>
-          <a:prstGeom prst="rtTriangle">
-            <a:avLst/>
-          </a:prstGeom>
-          <a:solidFill>
-            <a:srgbClr val="2E27C7"/>
-          </a:solidFill>
-          <a:ln>
-            <a:solidFill>
-              <a:srgbClr val="2E27C7"/>
-            </a:solidFill>
-          </a:ln>
-        </p:spPr>
-        <p:style>
-          <a:lnRef idx="2">
-            <a:schemeClr val="accent1">
-              <a:shade val="50000"/>
-            </a:schemeClr>
-          </a:lnRef>
-          <a:fillRef idx="1">
-            <a:schemeClr val="accent1"/>
-          </a:fillRef>
-          <a:effectRef idx="0">
-            <a:schemeClr val="accent1"/>
-          </a:effectRef>
-          <a:fontRef idx="minor">
-            <a:schemeClr val="lt1"/>
-          </a:fontRef>
-        </p:style>
-        <p:txBody>
-          <a:bodyPr rtlCol="0" anchor="ctr"/>
-          <a:lstStyle/>
-          <a:p>
-            <a:pPr algn="ctr"/>
-            <a:endParaRPr lang="en-US"/>
-          </a:p>
-        </p:txBody>
-      </p:sp>
-      <p:sp>
-        <p:nvSpPr>
-          <p:cNvPr id="8" name="Rectangle 7">
-            <a:extLst>
-              <a:ext uri="{FF2B5EF4-FFF2-40B4-BE49-F238E27FC236}">
-                <a16:creationId xmlns:a16="http://schemas.microsoft.com/office/drawing/2014/main" id="{523C82C0-70C3-B347-A9AA-B75D37C19777}"/>
-              </a:ext>
-            </a:extLst>
-          </p:cNvPr>
-          <p:cNvSpPr/>
-          <p:nvPr/>
-        </p:nvSpPr>
-        <p:spPr>
-          <a:xfrm rot="13164033">
-            <a:off x="11030256" y="1657834"/>
-            <a:ext cx="880169" cy="978559"/>
-          </a:xfrm>
-          <a:prstGeom prst="rect">
-            <a:avLst/>
-          </a:prstGeom>
-          <a:solidFill>
-            <a:srgbClr val="44E4C4">
-              <a:alpha val="80000"/>
-            </a:srgbClr>
-          </a:solidFill>
-          <a:ln>
-            <a:solidFill>
-              <a:srgbClr val="44E4C4"/>
-            </a:solidFill>
-          </a:ln>
-        </p:spPr>
-        <p:style>
-          <a:lnRef idx="2">
-            <a:schemeClr val="accent1">
-              <a:shade val="50000"/>
-            </a:schemeClr>
-          </a:lnRef>
-          <a:fillRef idx="1">
-            <a:schemeClr val="accent1"/>
-          </a:fillRef>
-          <a:effectRef idx="0">
-            <a:schemeClr val="accent1"/>
-          </a:effectRef>
-          <a:fontRef idx="minor">
-            <a:schemeClr val="lt1"/>
-          </a:fontRef>
-        </p:style>
-        <p:txBody>
-          <a:bodyPr rtlCol="0" anchor="ctr"/>
-          <a:lstStyle/>
-          <a:p>
-            <a:pPr algn="ctr"/>
-            <a:endParaRPr lang="en-US"/>
-          </a:p>
-        </p:txBody>
-      </p:sp>
-      <p:pic>
-        <p:nvPicPr>
-          <p:cNvPr id="2" name="Picture 1">
-            <a:extLst>
-              <a:ext uri="{FF2B5EF4-FFF2-40B4-BE49-F238E27FC236}">
-                <a16:creationId xmlns:a16="http://schemas.microsoft.com/office/drawing/2014/main" id="{EE46A041-1E42-1940-A726-7DC7AB7D9F40}"/>
-              </a:ext>
-            </a:extLst>
-          </p:cNvPr>
-          <p:cNvPicPr>
-            <a:picLocks noChangeAspect="1"/>
-          </p:cNvPicPr>
-          <p:nvPr/>
-        </p:nvPicPr>
-        <p:blipFill>
-          <a:blip r:embed="rId2"/>
-          <a:stretch>
-            <a:fillRect/>
-          </a:stretch>
-        </p:blipFill>
-        <p:spPr>
-          <a:xfrm>
-            <a:off x="2514226" y="1642311"/>
-            <a:ext cx="7163547" cy="4528576"/>
-          </a:xfrm>
-          <a:prstGeom prst="rect">
-            <a:avLst/>
-          </a:prstGeom>
-        </p:spPr>
-      </p:pic>
-      <p:sp>
-        <p:nvSpPr>
-          <p:cNvPr id="9" name="Title 1">
-            <a:extLst>
-              <a:ext uri="{FF2B5EF4-FFF2-40B4-BE49-F238E27FC236}">
-                <a16:creationId xmlns:a16="http://schemas.microsoft.com/office/drawing/2014/main" id="{BCC51F52-4CFD-8D49-866C-EAC1BFB118A5}"/>
-              </a:ext>
-            </a:extLst>
-          </p:cNvPr>
-          <p:cNvSpPr>
-            <a:spLocks noGrp="1"/>
-          </p:cNvSpPr>
-          <p:nvPr>
-            <p:ph type="title"/>
-          </p:nvPr>
-        </p:nvSpPr>
-        <p:spPr>
-          <a:xfrm>
-            <a:off x="643467" y="321735"/>
-            <a:ext cx="10905066" cy="634806"/>
-          </a:xfrm>
-        </p:spPr>
-        <p:txBody>
-          <a:bodyPr>
-            <a:normAutofit/>
-          </a:bodyPr>
-          <a:lstStyle/>
-          <a:p>
-            <a:pPr algn="ctr"/>
-            <a:r>
-              <a:rPr lang="en-US" sz="3600" b="1" cap="none" dirty="0">
-                <a:latin typeface="Calibri" panose="020F0502020204030204" pitchFamily="34" charset="0"/>
-                <a:cs typeface="Calibri" panose="020F0502020204030204" pitchFamily="34" charset="0"/>
-              </a:rPr>
-              <a:t>Attrition based on Multiple Variables</a:t>
-            </a:r>
-          </a:p>
-        </p:txBody>
-      </p:sp>
-    </p:spTree>
-    <p:extLst>
-      <p:ext uri="{BB962C8B-B14F-4D97-AF65-F5344CB8AC3E}">
-        <p14:creationId xmlns:p14="http://schemas.microsoft.com/office/powerpoint/2010/main" val="95992096"/>
-      </p:ext>
-    </p:extLst>
-  </p:cSld>
-  <p:clrMapOvr>
-    <a:masterClrMapping/>
-  </p:clrMapOvr>
-</p:sld>
-</file>
-
-<file path=ppt/slides/slide14.xml><?xml version="1.0" encoding="utf-8"?>
 <p:sld xmlns:a="http://schemas.openxmlformats.org/drawingml/2006/main" xmlns:r="http://schemas.openxmlformats.org/officeDocument/2006/relationships" xmlns:p="http://schemas.openxmlformats.org/presentationml/2006/main">
   <p:cSld>
     <p:spTree>
@@ -7408,7 +7308,7 @@
 </p:sld>
 </file>
 
-<file path=ppt/slides/slide15.xml><?xml version="1.0" encoding="utf-8"?>
+<file path=ppt/slides/slide14.xml><?xml version="1.0" encoding="utf-8"?>
 <p:sld xmlns:a="http://schemas.openxmlformats.org/drawingml/2006/main" xmlns:r="http://schemas.openxmlformats.org/officeDocument/2006/relationships" xmlns:p="http://schemas.openxmlformats.org/presentationml/2006/main">
   <p:cSld>
     <p:spTree>
@@ -8431,6 +8331,324 @@
 </p:sld>
 </file>
 
+<file path=ppt/slides/slide15.xml><?xml version="1.0" encoding="utf-8"?>
+<p:sld xmlns:a="http://schemas.openxmlformats.org/drawingml/2006/main" xmlns:r="http://schemas.openxmlformats.org/officeDocument/2006/relationships" xmlns:p="http://schemas.openxmlformats.org/presentationml/2006/main">
+  <p:cSld>
+    <p:spTree>
+      <p:nvGrpSpPr>
+        <p:cNvPr id="1" name=""/>
+        <p:cNvGrpSpPr/>
+        <p:nvPr/>
+      </p:nvGrpSpPr>
+      <p:grpSpPr>
+        <a:xfrm>
+          <a:off x="0" y="0"/>
+          <a:ext cx="0" cy="0"/>
+          <a:chOff x="0" y="0"/>
+          <a:chExt cx="0" cy="0"/>
+        </a:xfrm>
+      </p:grpSpPr>
+      <p:sp>
+        <p:nvSpPr>
+          <p:cNvPr id="5" name="Right Triangle 4">
+            <a:extLst>
+              <a:ext uri="{FF2B5EF4-FFF2-40B4-BE49-F238E27FC236}">
+                <a16:creationId xmlns:a16="http://schemas.microsoft.com/office/drawing/2014/main" id="{5488A745-4D79-6747-B65A-803B31C1F8B4}"/>
+              </a:ext>
+            </a:extLst>
+          </p:cNvPr>
+          <p:cNvSpPr/>
+          <p:nvPr/>
+        </p:nvSpPr>
+        <p:spPr>
+          <a:xfrm rot="13068536">
+            <a:off x="-809065" y="4275183"/>
+            <a:ext cx="1600200" cy="2061882"/>
+          </a:xfrm>
+          <a:prstGeom prst="rtTriangle">
+            <a:avLst/>
+          </a:prstGeom>
+          <a:solidFill>
+            <a:srgbClr val="44E4C4"/>
+          </a:solidFill>
+          <a:ln>
+            <a:solidFill>
+              <a:srgbClr val="44E4C4"/>
+            </a:solidFill>
+          </a:ln>
+        </p:spPr>
+        <p:style>
+          <a:lnRef idx="2">
+            <a:schemeClr val="accent1">
+              <a:shade val="50000"/>
+            </a:schemeClr>
+          </a:lnRef>
+          <a:fillRef idx="1">
+            <a:schemeClr val="accent1"/>
+          </a:fillRef>
+          <a:effectRef idx="0">
+            <a:schemeClr val="accent1"/>
+          </a:effectRef>
+          <a:fontRef idx="minor">
+            <a:schemeClr val="lt1"/>
+          </a:fontRef>
+        </p:style>
+        <p:txBody>
+          <a:bodyPr rtlCol="0" anchor="ctr"/>
+          <a:lstStyle/>
+          <a:p>
+            <a:pPr algn="ctr"/>
+            <a:endParaRPr lang="en-US"/>
+          </a:p>
+        </p:txBody>
+      </p:sp>
+      <p:sp>
+        <p:nvSpPr>
+          <p:cNvPr id="6" name="Rectangle 5">
+            <a:extLst>
+              <a:ext uri="{FF2B5EF4-FFF2-40B4-BE49-F238E27FC236}">
+                <a16:creationId xmlns:a16="http://schemas.microsoft.com/office/drawing/2014/main" id="{67C63295-B221-9A4E-BA44-2C4B26CF7FDE}"/>
+              </a:ext>
+            </a:extLst>
+          </p:cNvPr>
+          <p:cNvSpPr/>
+          <p:nvPr/>
+        </p:nvSpPr>
+        <p:spPr>
+          <a:xfrm rot="2351297">
+            <a:off x="281204" y="5024303"/>
+            <a:ext cx="880169" cy="978559"/>
+          </a:xfrm>
+          <a:prstGeom prst="rect">
+            <a:avLst/>
+          </a:prstGeom>
+          <a:solidFill>
+            <a:srgbClr val="2E27C7">
+              <a:alpha val="80000"/>
+            </a:srgbClr>
+          </a:solidFill>
+        </p:spPr>
+        <p:style>
+          <a:lnRef idx="2">
+            <a:schemeClr val="accent1">
+              <a:shade val="50000"/>
+            </a:schemeClr>
+          </a:lnRef>
+          <a:fillRef idx="1">
+            <a:schemeClr val="accent1"/>
+          </a:fillRef>
+          <a:effectRef idx="0">
+            <a:schemeClr val="accent1"/>
+          </a:effectRef>
+          <a:fontRef idx="minor">
+            <a:schemeClr val="lt1"/>
+          </a:fontRef>
+        </p:style>
+        <p:txBody>
+          <a:bodyPr rtlCol="0" anchor="ctr"/>
+          <a:lstStyle/>
+          <a:p>
+            <a:pPr algn="ctr"/>
+            <a:endParaRPr lang="en-US"/>
+          </a:p>
+        </p:txBody>
+      </p:sp>
+      <p:sp>
+        <p:nvSpPr>
+          <p:cNvPr id="7" name="Right Triangle 6">
+            <a:extLst>
+              <a:ext uri="{FF2B5EF4-FFF2-40B4-BE49-F238E27FC236}">
+                <a16:creationId xmlns:a16="http://schemas.microsoft.com/office/drawing/2014/main" id="{E9A9D123-E73C-5749-962A-D162E22D504C}"/>
+              </a:ext>
+            </a:extLst>
+          </p:cNvPr>
+          <p:cNvSpPr/>
+          <p:nvPr/>
+        </p:nvSpPr>
+        <p:spPr>
+          <a:xfrm rot="2259401">
+            <a:off x="11399428" y="428828"/>
+            <a:ext cx="1600200" cy="2066544"/>
+          </a:xfrm>
+          <a:prstGeom prst="rtTriangle">
+            <a:avLst/>
+          </a:prstGeom>
+          <a:solidFill>
+            <a:srgbClr val="2E27C7"/>
+          </a:solidFill>
+          <a:ln>
+            <a:solidFill>
+              <a:srgbClr val="2E27C7"/>
+            </a:solidFill>
+          </a:ln>
+        </p:spPr>
+        <p:style>
+          <a:lnRef idx="2">
+            <a:schemeClr val="accent1">
+              <a:shade val="50000"/>
+            </a:schemeClr>
+          </a:lnRef>
+          <a:fillRef idx="1">
+            <a:schemeClr val="accent1"/>
+          </a:fillRef>
+          <a:effectRef idx="0">
+            <a:schemeClr val="accent1"/>
+          </a:effectRef>
+          <a:fontRef idx="minor">
+            <a:schemeClr val="lt1"/>
+          </a:fontRef>
+        </p:style>
+        <p:txBody>
+          <a:bodyPr rtlCol="0" anchor="ctr"/>
+          <a:lstStyle/>
+          <a:p>
+            <a:pPr algn="ctr"/>
+            <a:endParaRPr lang="en-US"/>
+          </a:p>
+        </p:txBody>
+      </p:sp>
+      <p:sp>
+        <p:nvSpPr>
+          <p:cNvPr id="8" name="Rectangle 7">
+            <a:extLst>
+              <a:ext uri="{FF2B5EF4-FFF2-40B4-BE49-F238E27FC236}">
+                <a16:creationId xmlns:a16="http://schemas.microsoft.com/office/drawing/2014/main" id="{523C82C0-70C3-B347-A9AA-B75D37C19777}"/>
+              </a:ext>
+            </a:extLst>
+          </p:cNvPr>
+          <p:cNvSpPr/>
+          <p:nvPr/>
+        </p:nvSpPr>
+        <p:spPr>
+          <a:xfrm rot="13164033">
+            <a:off x="11030256" y="1657834"/>
+            <a:ext cx="880169" cy="978559"/>
+          </a:xfrm>
+          <a:prstGeom prst="rect">
+            <a:avLst/>
+          </a:prstGeom>
+          <a:solidFill>
+            <a:srgbClr val="44E4C4">
+              <a:alpha val="80000"/>
+            </a:srgbClr>
+          </a:solidFill>
+          <a:ln>
+            <a:solidFill>
+              <a:srgbClr val="44E4C4"/>
+            </a:solidFill>
+          </a:ln>
+        </p:spPr>
+        <p:style>
+          <a:lnRef idx="2">
+            <a:schemeClr val="accent1">
+              <a:shade val="50000"/>
+            </a:schemeClr>
+          </a:lnRef>
+          <a:fillRef idx="1">
+            <a:schemeClr val="accent1"/>
+          </a:fillRef>
+          <a:effectRef idx="0">
+            <a:schemeClr val="accent1"/>
+          </a:effectRef>
+          <a:fontRef idx="minor">
+            <a:schemeClr val="lt1"/>
+          </a:fontRef>
+        </p:style>
+        <p:txBody>
+          <a:bodyPr rtlCol="0" anchor="ctr"/>
+          <a:lstStyle/>
+          <a:p>
+            <a:pPr algn="ctr"/>
+            <a:endParaRPr lang="en-US"/>
+          </a:p>
+        </p:txBody>
+      </p:sp>
+      <p:sp>
+        <p:nvSpPr>
+          <p:cNvPr id="9" name="Title 1">
+            <a:extLst>
+              <a:ext uri="{FF2B5EF4-FFF2-40B4-BE49-F238E27FC236}">
+                <a16:creationId xmlns:a16="http://schemas.microsoft.com/office/drawing/2014/main" id="{0102CC5F-E7D1-A54C-93CA-FC20B1FB2E73}"/>
+              </a:ext>
+            </a:extLst>
+          </p:cNvPr>
+          <p:cNvSpPr>
+            <a:spLocks noGrp="1"/>
+          </p:cNvSpPr>
+          <p:nvPr>
+            <p:ph type="title"/>
+          </p:nvPr>
+        </p:nvSpPr>
+        <p:spPr>
+          <a:xfrm>
+            <a:off x="643467" y="321735"/>
+            <a:ext cx="10905066" cy="634806"/>
+          </a:xfrm>
+        </p:spPr>
+        <p:txBody>
+          <a:bodyPr>
+            <a:normAutofit/>
+          </a:bodyPr>
+          <a:lstStyle/>
+          <a:p>
+            <a:pPr algn="ctr"/>
+            <a:r>
+              <a:rPr lang="en-US" sz="3600" b="1" dirty="0">
+                <a:latin typeface="Calibri" panose="020F0502020204030204" pitchFamily="34" charset="0"/>
+                <a:cs typeface="Calibri" panose="020F0502020204030204" pitchFamily="34" charset="0"/>
+              </a:rPr>
+              <a:t>Statistical Values for Multiple Train/Test Sets</a:t>
+            </a:r>
+            <a:endParaRPr lang="en-US" sz="3600" b="1" cap="none" dirty="0">
+              <a:latin typeface="Calibri" panose="020F0502020204030204" pitchFamily="34" charset="0"/>
+              <a:cs typeface="Calibri" panose="020F0502020204030204" pitchFamily="34" charset="0"/>
+            </a:endParaRPr>
+          </a:p>
+        </p:txBody>
+      </p:sp>
+      <p:pic>
+        <p:nvPicPr>
+          <p:cNvPr id="3" name="Picture 2">
+            <a:extLst>
+              <a:ext uri="{FF2B5EF4-FFF2-40B4-BE49-F238E27FC236}">
+                <a16:creationId xmlns:a16="http://schemas.microsoft.com/office/drawing/2014/main" id="{4ABDB5C7-80BA-4345-8A29-F80181326C43}"/>
+              </a:ext>
+            </a:extLst>
+          </p:cNvPr>
+          <p:cNvPicPr>
+            <a:picLocks noChangeAspect="1"/>
+          </p:cNvPicPr>
+          <p:nvPr/>
+        </p:nvPicPr>
+        <p:blipFill>
+          <a:blip r:embed="rId2"/>
+          <a:stretch>
+            <a:fillRect/>
+          </a:stretch>
+        </p:blipFill>
+        <p:spPr>
+          <a:xfrm>
+            <a:off x="2458058" y="1489695"/>
+            <a:ext cx="7275884" cy="5217502"/>
+          </a:xfrm>
+          <a:prstGeom prst="rect">
+            <a:avLst/>
+          </a:prstGeom>
+        </p:spPr>
+      </p:pic>
+    </p:spTree>
+    <p:extLst>
+      <p:ext uri="{BB962C8B-B14F-4D97-AF65-F5344CB8AC3E}">
+        <p14:creationId xmlns:p14="http://schemas.microsoft.com/office/powerpoint/2010/main" val="2812659350"/>
+      </p:ext>
+    </p:extLst>
+  </p:cSld>
+  <p:clrMapOvr>
+    <a:masterClrMapping/>
+  </p:clrMapOvr>
+</p:sld>
+</file>
+
 <file path=ppt/slides/slide16.xml><?xml version="1.0" encoding="utf-8"?>
 <p:sld xmlns:a="http://schemas.openxmlformats.org/drawingml/2006/main" xmlns:r="http://schemas.openxmlformats.org/officeDocument/2006/relationships" xmlns:p="http://schemas.openxmlformats.org/presentationml/2006/main">
   <p:cSld>
@@ -8750,6 +8968,384 @@
 </file>
 
 <file path=ppt/slides/slide17.xml><?xml version="1.0" encoding="utf-8"?>
+<p:sld xmlns:a="http://schemas.openxmlformats.org/drawingml/2006/main" xmlns:r="http://schemas.openxmlformats.org/officeDocument/2006/relationships" xmlns:p="http://schemas.openxmlformats.org/presentationml/2006/main">
+  <p:cSld>
+    <p:spTree>
+      <p:nvGrpSpPr>
+        <p:cNvPr id="1" name=""/>
+        <p:cNvGrpSpPr/>
+        <p:nvPr/>
+      </p:nvGrpSpPr>
+      <p:grpSpPr>
+        <a:xfrm>
+          <a:off x="0" y="0"/>
+          <a:ext cx="0" cy="0"/>
+          <a:chOff x="0" y="0"/>
+          <a:chExt cx="0" cy="0"/>
+        </a:xfrm>
+      </p:grpSpPr>
+      <p:sp>
+        <p:nvSpPr>
+          <p:cNvPr id="5" name="Right Triangle 4">
+            <a:extLst>
+              <a:ext uri="{FF2B5EF4-FFF2-40B4-BE49-F238E27FC236}">
+                <a16:creationId xmlns:a16="http://schemas.microsoft.com/office/drawing/2014/main" id="{5488A745-4D79-6747-B65A-803B31C1F8B4}"/>
+              </a:ext>
+            </a:extLst>
+          </p:cNvPr>
+          <p:cNvSpPr/>
+          <p:nvPr/>
+        </p:nvSpPr>
+        <p:spPr>
+          <a:xfrm rot="13068536">
+            <a:off x="-809065" y="4275183"/>
+            <a:ext cx="1600200" cy="2061882"/>
+          </a:xfrm>
+          <a:prstGeom prst="rtTriangle">
+            <a:avLst/>
+          </a:prstGeom>
+          <a:solidFill>
+            <a:srgbClr val="44E4C4"/>
+          </a:solidFill>
+          <a:ln>
+            <a:solidFill>
+              <a:srgbClr val="44E4C4"/>
+            </a:solidFill>
+          </a:ln>
+        </p:spPr>
+        <p:style>
+          <a:lnRef idx="2">
+            <a:schemeClr val="accent1">
+              <a:shade val="50000"/>
+            </a:schemeClr>
+          </a:lnRef>
+          <a:fillRef idx="1">
+            <a:schemeClr val="accent1"/>
+          </a:fillRef>
+          <a:effectRef idx="0">
+            <a:schemeClr val="accent1"/>
+          </a:effectRef>
+          <a:fontRef idx="minor">
+            <a:schemeClr val="lt1"/>
+          </a:fontRef>
+        </p:style>
+        <p:txBody>
+          <a:bodyPr rtlCol="0" anchor="ctr"/>
+          <a:lstStyle/>
+          <a:p>
+            <a:pPr algn="ctr"/>
+            <a:endParaRPr lang="en-US"/>
+          </a:p>
+        </p:txBody>
+      </p:sp>
+      <p:sp>
+        <p:nvSpPr>
+          <p:cNvPr id="6" name="Rectangle 5">
+            <a:extLst>
+              <a:ext uri="{FF2B5EF4-FFF2-40B4-BE49-F238E27FC236}">
+                <a16:creationId xmlns:a16="http://schemas.microsoft.com/office/drawing/2014/main" id="{67C63295-B221-9A4E-BA44-2C4B26CF7FDE}"/>
+              </a:ext>
+            </a:extLst>
+          </p:cNvPr>
+          <p:cNvSpPr/>
+          <p:nvPr/>
+        </p:nvSpPr>
+        <p:spPr>
+          <a:xfrm rot="2351297">
+            <a:off x="281204" y="5024303"/>
+            <a:ext cx="880169" cy="978559"/>
+          </a:xfrm>
+          <a:prstGeom prst="rect">
+            <a:avLst/>
+          </a:prstGeom>
+          <a:solidFill>
+            <a:srgbClr val="2E27C7">
+              <a:alpha val="80000"/>
+            </a:srgbClr>
+          </a:solidFill>
+        </p:spPr>
+        <p:style>
+          <a:lnRef idx="2">
+            <a:schemeClr val="accent1">
+              <a:shade val="50000"/>
+            </a:schemeClr>
+          </a:lnRef>
+          <a:fillRef idx="1">
+            <a:schemeClr val="accent1"/>
+          </a:fillRef>
+          <a:effectRef idx="0">
+            <a:schemeClr val="accent1"/>
+          </a:effectRef>
+          <a:fontRef idx="minor">
+            <a:schemeClr val="lt1"/>
+          </a:fontRef>
+        </p:style>
+        <p:txBody>
+          <a:bodyPr rtlCol="0" anchor="ctr"/>
+          <a:lstStyle/>
+          <a:p>
+            <a:pPr algn="ctr"/>
+            <a:endParaRPr lang="en-US"/>
+          </a:p>
+        </p:txBody>
+      </p:sp>
+      <p:sp>
+        <p:nvSpPr>
+          <p:cNvPr id="7" name="Right Triangle 6">
+            <a:extLst>
+              <a:ext uri="{FF2B5EF4-FFF2-40B4-BE49-F238E27FC236}">
+                <a16:creationId xmlns:a16="http://schemas.microsoft.com/office/drawing/2014/main" id="{E9A9D123-E73C-5749-962A-D162E22D504C}"/>
+              </a:ext>
+            </a:extLst>
+          </p:cNvPr>
+          <p:cNvSpPr/>
+          <p:nvPr/>
+        </p:nvSpPr>
+        <p:spPr>
+          <a:xfrm rot="2259401">
+            <a:off x="11399428" y="428828"/>
+            <a:ext cx="1600200" cy="2066544"/>
+          </a:xfrm>
+          <a:prstGeom prst="rtTriangle">
+            <a:avLst/>
+          </a:prstGeom>
+          <a:solidFill>
+            <a:srgbClr val="2E27C7"/>
+          </a:solidFill>
+          <a:ln>
+            <a:solidFill>
+              <a:srgbClr val="2E27C7"/>
+            </a:solidFill>
+          </a:ln>
+        </p:spPr>
+        <p:style>
+          <a:lnRef idx="2">
+            <a:schemeClr val="accent1">
+              <a:shade val="50000"/>
+            </a:schemeClr>
+          </a:lnRef>
+          <a:fillRef idx="1">
+            <a:schemeClr val="accent1"/>
+          </a:fillRef>
+          <a:effectRef idx="0">
+            <a:schemeClr val="accent1"/>
+          </a:effectRef>
+          <a:fontRef idx="minor">
+            <a:schemeClr val="lt1"/>
+          </a:fontRef>
+        </p:style>
+        <p:txBody>
+          <a:bodyPr rtlCol="0" anchor="ctr"/>
+          <a:lstStyle/>
+          <a:p>
+            <a:pPr algn="ctr"/>
+            <a:endParaRPr lang="en-US"/>
+          </a:p>
+        </p:txBody>
+      </p:sp>
+      <p:sp>
+        <p:nvSpPr>
+          <p:cNvPr id="8" name="Rectangle 7">
+            <a:extLst>
+              <a:ext uri="{FF2B5EF4-FFF2-40B4-BE49-F238E27FC236}">
+                <a16:creationId xmlns:a16="http://schemas.microsoft.com/office/drawing/2014/main" id="{523C82C0-70C3-B347-A9AA-B75D37C19777}"/>
+              </a:ext>
+            </a:extLst>
+          </p:cNvPr>
+          <p:cNvSpPr/>
+          <p:nvPr/>
+        </p:nvSpPr>
+        <p:spPr>
+          <a:xfrm rot="13164033">
+            <a:off x="11030256" y="1657834"/>
+            <a:ext cx="880169" cy="978559"/>
+          </a:xfrm>
+          <a:prstGeom prst="rect">
+            <a:avLst/>
+          </a:prstGeom>
+          <a:solidFill>
+            <a:srgbClr val="44E4C4">
+              <a:alpha val="80000"/>
+            </a:srgbClr>
+          </a:solidFill>
+          <a:ln>
+            <a:solidFill>
+              <a:srgbClr val="44E4C4"/>
+            </a:solidFill>
+          </a:ln>
+        </p:spPr>
+        <p:style>
+          <a:lnRef idx="2">
+            <a:schemeClr val="accent1">
+              <a:shade val="50000"/>
+            </a:schemeClr>
+          </a:lnRef>
+          <a:fillRef idx="1">
+            <a:schemeClr val="accent1"/>
+          </a:fillRef>
+          <a:effectRef idx="0">
+            <a:schemeClr val="accent1"/>
+          </a:effectRef>
+          <a:fontRef idx="minor">
+            <a:schemeClr val="lt1"/>
+          </a:fontRef>
+        </p:style>
+        <p:txBody>
+          <a:bodyPr rtlCol="0" anchor="ctr"/>
+          <a:lstStyle/>
+          <a:p>
+            <a:pPr algn="ctr"/>
+            <a:endParaRPr lang="en-US"/>
+          </a:p>
+        </p:txBody>
+      </p:sp>
+      <p:sp>
+        <p:nvSpPr>
+          <p:cNvPr id="9" name="Title 1">
+            <a:extLst>
+              <a:ext uri="{FF2B5EF4-FFF2-40B4-BE49-F238E27FC236}">
+                <a16:creationId xmlns:a16="http://schemas.microsoft.com/office/drawing/2014/main" id="{0102CC5F-E7D1-A54C-93CA-FC20B1FB2E73}"/>
+              </a:ext>
+            </a:extLst>
+          </p:cNvPr>
+          <p:cNvSpPr>
+            <a:spLocks noGrp="1"/>
+          </p:cNvSpPr>
+          <p:nvPr>
+            <p:ph type="title"/>
+          </p:nvPr>
+        </p:nvSpPr>
+        <p:spPr>
+          <a:xfrm>
+            <a:off x="643467" y="321735"/>
+            <a:ext cx="10905066" cy="634806"/>
+          </a:xfrm>
+        </p:spPr>
+        <p:txBody>
+          <a:bodyPr>
+            <a:normAutofit/>
+          </a:bodyPr>
+          <a:lstStyle/>
+          <a:p>
+            <a:pPr algn="ctr"/>
+            <a:r>
+              <a:rPr lang="en-US" sz="3600" b="1" dirty="0">
+                <a:latin typeface="Calibri" panose="020F0502020204030204" pitchFamily="34" charset="0"/>
+                <a:cs typeface="Calibri" panose="020F0502020204030204" pitchFamily="34" charset="0"/>
+              </a:rPr>
+              <a:t>Top 3 Factors for Turnover</a:t>
+            </a:r>
+            <a:endParaRPr lang="en-US" sz="3600" b="1" cap="none" dirty="0">
+              <a:latin typeface="Calibri" panose="020F0502020204030204" pitchFamily="34" charset="0"/>
+              <a:cs typeface="Calibri" panose="020F0502020204030204" pitchFamily="34" charset="0"/>
+            </a:endParaRPr>
+          </a:p>
+        </p:txBody>
+      </p:sp>
+      <p:pic>
+        <p:nvPicPr>
+          <p:cNvPr id="10" name="Picture 9">
+            <a:extLst>
+              <a:ext uri="{FF2B5EF4-FFF2-40B4-BE49-F238E27FC236}">
+                <a16:creationId xmlns:a16="http://schemas.microsoft.com/office/drawing/2014/main" id="{A2B514E4-898A-4549-B1CB-EBBB9B0E081A}"/>
+              </a:ext>
+            </a:extLst>
+          </p:cNvPr>
+          <p:cNvPicPr>
+            <a:picLocks noChangeAspect="1"/>
+          </p:cNvPicPr>
+          <p:nvPr/>
+        </p:nvPicPr>
+        <p:blipFill>
+          <a:blip r:embed="rId2"/>
+          <a:stretch>
+            <a:fillRect/>
+          </a:stretch>
+        </p:blipFill>
+        <p:spPr>
+          <a:xfrm>
+            <a:off x="1944467" y="1080291"/>
+            <a:ext cx="3606393" cy="2588503"/>
+          </a:xfrm>
+          <a:prstGeom prst="rect">
+            <a:avLst/>
+          </a:prstGeom>
+        </p:spPr>
+      </p:pic>
+      <p:pic>
+        <p:nvPicPr>
+          <p:cNvPr id="12" name="Picture 11">
+            <a:extLst>
+              <a:ext uri="{FF2B5EF4-FFF2-40B4-BE49-F238E27FC236}">
+                <a16:creationId xmlns:a16="http://schemas.microsoft.com/office/drawing/2014/main" id="{3CDDE65B-C5F4-4DF6-BCD6-98B5930C7C93}"/>
+              </a:ext>
+            </a:extLst>
+          </p:cNvPr>
+          <p:cNvPicPr>
+            <a:picLocks noChangeAspect="1"/>
+          </p:cNvPicPr>
+          <p:nvPr/>
+        </p:nvPicPr>
+        <p:blipFill>
+          <a:blip r:embed="rId3"/>
+          <a:stretch>
+            <a:fillRect/>
+          </a:stretch>
+        </p:blipFill>
+        <p:spPr>
+          <a:xfrm>
+            <a:off x="6095999" y="1093108"/>
+            <a:ext cx="3598305" cy="2575686"/>
+          </a:xfrm>
+          <a:prstGeom prst="rect">
+            <a:avLst/>
+          </a:prstGeom>
+        </p:spPr>
+      </p:pic>
+      <p:pic>
+        <p:nvPicPr>
+          <p:cNvPr id="2" name="Picture 1">
+            <a:extLst>
+              <a:ext uri="{FF2B5EF4-FFF2-40B4-BE49-F238E27FC236}">
+                <a16:creationId xmlns:a16="http://schemas.microsoft.com/office/drawing/2014/main" id="{55304A3E-F6A5-4CF9-B573-010E7C30C547}"/>
+              </a:ext>
+            </a:extLst>
+          </p:cNvPr>
+          <p:cNvPicPr>
+            <a:picLocks noChangeAspect="1"/>
+          </p:cNvPicPr>
+          <p:nvPr/>
+        </p:nvPicPr>
+        <p:blipFill>
+          <a:blip r:embed="rId4"/>
+          <a:stretch>
+            <a:fillRect/>
+          </a:stretch>
+        </p:blipFill>
+        <p:spPr>
+          <a:xfrm>
+            <a:off x="3770982" y="3816908"/>
+            <a:ext cx="4083479" cy="2954422"/>
+          </a:xfrm>
+          <a:prstGeom prst="rect">
+            <a:avLst/>
+          </a:prstGeom>
+        </p:spPr>
+      </p:pic>
+    </p:spTree>
+    <p:extLst>
+      <p:ext uri="{BB962C8B-B14F-4D97-AF65-F5344CB8AC3E}">
+        <p14:creationId xmlns:p14="http://schemas.microsoft.com/office/powerpoint/2010/main" val="2148364705"/>
+      </p:ext>
+    </p:extLst>
+  </p:cSld>
+  <p:clrMapOvr>
+    <a:masterClrMapping/>
+  </p:clrMapOvr>
+</p:sld>
+</file>
+
+<file path=ppt/slides/slide18.xml><?xml version="1.0" encoding="utf-8"?>
 <p:sld xmlns:a="http://schemas.openxmlformats.org/drawingml/2006/main" xmlns:r="http://schemas.openxmlformats.org/officeDocument/2006/relationships" xmlns:p="http://schemas.openxmlformats.org/presentationml/2006/main">
   <p:cSld>
     <p:spTree>
@@ -10190,7 +10786,7 @@
 </p:sld>
 </file>
 
-<file path=ppt/slides/slide18.xml><?xml version="1.0" encoding="utf-8"?>
+<file path=ppt/slides/slide19.xml><?xml version="1.0" encoding="utf-8"?>
 <p:sld xmlns:a="http://schemas.openxmlformats.org/drawingml/2006/main" xmlns:r="http://schemas.openxmlformats.org/officeDocument/2006/relationships" xmlns:p="http://schemas.openxmlformats.org/presentationml/2006/main">
   <p:cSld>
     <p:spTree>
@@ -10499,294 +11095,6 @@
     <p:extLst>
       <p:ext uri="{BB962C8B-B14F-4D97-AF65-F5344CB8AC3E}">
         <p14:creationId xmlns:p14="http://schemas.microsoft.com/office/powerpoint/2010/main" val="1075486083"/>
-      </p:ext>
-    </p:extLst>
-  </p:cSld>
-  <p:clrMapOvr>
-    <a:masterClrMapping/>
-  </p:clrMapOvr>
-</p:sld>
-</file>
-
-<file path=ppt/slides/slide19.xml><?xml version="1.0" encoding="utf-8"?>
-<p:sld xmlns:a="http://schemas.openxmlformats.org/drawingml/2006/main" xmlns:r="http://schemas.openxmlformats.org/officeDocument/2006/relationships" xmlns:p="http://schemas.openxmlformats.org/presentationml/2006/main">
-  <p:cSld>
-    <p:spTree>
-      <p:nvGrpSpPr>
-        <p:cNvPr id="1" name=""/>
-        <p:cNvGrpSpPr/>
-        <p:nvPr/>
-      </p:nvGrpSpPr>
-      <p:grpSpPr>
-        <a:xfrm>
-          <a:off x="0" y="0"/>
-          <a:ext cx="0" cy="0"/>
-          <a:chOff x="0" y="0"/>
-          <a:chExt cx="0" cy="0"/>
-        </a:xfrm>
-      </p:grpSpPr>
-      <p:sp>
-        <p:nvSpPr>
-          <p:cNvPr id="5" name="Right Triangle 4">
-            <a:extLst>
-              <a:ext uri="{FF2B5EF4-FFF2-40B4-BE49-F238E27FC236}">
-                <a16:creationId xmlns:a16="http://schemas.microsoft.com/office/drawing/2014/main" id="{5488A745-4D79-6747-B65A-803B31C1F8B4}"/>
-              </a:ext>
-            </a:extLst>
-          </p:cNvPr>
-          <p:cNvSpPr/>
-          <p:nvPr/>
-        </p:nvSpPr>
-        <p:spPr>
-          <a:xfrm rot="13068536">
-            <a:off x="-809065" y="4275183"/>
-            <a:ext cx="1600200" cy="2061882"/>
-          </a:xfrm>
-          <a:prstGeom prst="rtTriangle">
-            <a:avLst/>
-          </a:prstGeom>
-          <a:solidFill>
-            <a:srgbClr val="44E4C4"/>
-          </a:solidFill>
-          <a:ln>
-            <a:solidFill>
-              <a:srgbClr val="44E4C4"/>
-            </a:solidFill>
-          </a:ln>
-        </p:spPr>
-        <p:style>
-          <a:lnRef idx="2">
-            <a:schemeClr val="accent1">
-              <a:shade val="50000"/>
-            </a:schemeClr>
-          </a:lnRef>
-          <a:fillRef idx="1">
-            <a:schemeClr val="accent1"/>
-          </a:fillRef>
-          <a:effectRef idx="0">
-            <a:schemeClr val="accent1"/>
-          </a:effectRef>
-          <a:fontRef idx="minor">
-            <a:schemeClr val="lt1"/>
-          </a:fontRef>
-        </p:style>
-        <p:txBody>
-          <a:bodyPr rtlCol="0" anchor="ctr"/>
-          <a:lstStyle/>
-          <a:p>
-            <a:pPr algn="ctr"/>
-            <a:endParaRPr lang="en-US"/>
-          </a:p>
-        </p:txBody>
-      </p:sp>
-      <p:sp>
-        <p:nvSpPr>
-          <p:cNvPr id="6" name="Rectangle 5">
-            <a:extLst>
-              <a:ext uri="{FF2B5EF4-FFF2-40B4-BE49-F238E27FC236}">
-                <a16:creationId xmlns:a16="http://schemas.microsoft.com/office/drawing/2014/main" id="{67C63295-B221-9A4E-BA44-2C4B26CF7FDE}"/>
-              </a:ext>
-            </a:extLst>
-          </p:cNvPr>
-          <p:cNvSpPr/>
-          <p:nvPr/>
-        </p:nvSpPr>
-        <p:spPr>
-          <a:xfrm rot="2351297">
-            <a:off x="281204" y="5024303"/>
-            <a:ext cx="880169" cy="978559"/>
-          </a:xfrm>
-          <a:prstGeom prst="rect">
-            <a:avLst/>
-          </a:prstGeom>
-          <a:solidFill>
-            <a:srgbClr val="2E27C7">
-              <a:alpha val="80000"/>
-            </a:srgbClr>
-          </a:solidFill>
-        </p:spPr>
-        <p:style>
-          <a:lnRef idx="2">
-            <a:schemeClr val="accent1">
-              <a:shade val="50000"/>
-            </a:schemeClr>
-          </a:lnRef>
-          <a:fillRef idx="1">
-            <a:schemeClr val="accent1"/>
-          </a:fillRef>
-          <a:effectRef idx="0">
-            <a:schemeClr val="accent1"/>
-          </a:effectRef>
-          <a:fontRef idx="minor">
-            <a:schemeClr val="lt1"/>
-          </a:fontRef>
-        </p:style>
-        <p:txBody>
-          <a:bodyPr rtlCol="0" anchor="ctr"/>
-          <a:lstStyle/>
-          <a:p>
-            <a:pPr algn="ctr"/>
-            <a:endParaRPr lang="en-US"/>
-          </a:p>
-        </p:txBody>
-      </p:sp>
-      <p:sp>
-        <p:nvSpPr>
-          <p:cNvPr id="7" name="Right Triangle 6">
-            <a:extLst>
-              <a:ext uri="{FF2B5EF4-FFF2-40B4-BE49-F238E27FC236}">
-                <a16:creationId xmlns:a16="http://schemas.microsoft.com/office/drawing/2014/main" id="{E9A9D123-E73C-5749-962A-D162E22D504C}"/>
-              </a:ext>
-            </a:extLst>
-          </p:cNvPr>
-          <p:cNvSpPr/>
-          <p:nvPr/>
-        </p:nvSpPr>
-        <p:spPr>
-          <a:xfrm rot="2259401">
-            <a:off x="11399428" y="428828"/>
-            <a:ext cx="1600200" cy="2066544"/>
-          </a:xfrm>
-          <a:prstGeom prst="rtTriangle">
-            <a:avLst/>
-          </a:prstGeom>
-          <a:solidFill>
-            <a:srgbClr val="2E27C7"/>
-          </a:solidFill>
-          <a:ln>
-            <a:solidFill>
-              <a:srgbClr val="2E27C7"/>
-            </a:solidFill>
-          </a:ln>
-        </p:spPr>
-        <p:style>
-          <a:lnRef idx="2">
-            <a:schemeClr val="accent1">
-              <a:shade val="50000"/>
-            </a:schemeClr>
-          </a:lnRef>
-          <a:fillRef idx="1">
-            <a:schemeClr val="accent1"/>
-          </a:fillRef>
-          <a:effectRef idx="0">
-            <a:schemeClr val="accent1"/>
-          </a:effectRef>
-          <a:fontRef idx="minor">
-            <a:schemeClr val="lt1"/>
-          </a:fontRef>
-        </p:style>
-        <p:txBody>
-          <a:bodyPr rtlCol="0" anchor="ctr"/>
-          <a:lstStyle/>
-          <a:p>
-            <a:pPr algn="ctr"/>
-            <a:endParaRPr lang="en-US"/>
-          </a:p>
-        </p:txBody>
-      </p:sp>
-      <p:sp>
-        <p:nvSpPr>
-          <p:cNvPr id="8" name="Rectangle 7">
-            <a:extLst>
-              <a:ext uri="{FF2B5EF4-FFF2-40B4-BE49-F238E27FC236}">
-                <a16:creationId xmlns:a16="http://schemas.microsoft.com/office/drawing/2014/main" id="{523C82C0-70C3-B347-A9AA-B75D37C19777}"/>
-              </a:ext>
-            </a:extLst>
-          </p:cNvPr>
-          <p:cNvSpPr/>
-          <p:nvPr/>
-        </p:nvSpPr>
-        <p:spPr>
-          <a:xfrm rot="13164033">
-            <a:off x="11030256" y="1657834"/>
-            <a:ext cx="880169" cy="978559"/>
-          </a:xfrm>
-          <a:prstGeom prst="rect">
-            <a:avLst/>
-          </a:prstGeom>
-          <a:solidFill>
-            <a:srgbClr val="44E4C4">
-              <a:alpha val="80000"/>
-            </a:srgbClr>
-          </a:solidFill>
-          <a:ln>
-            <a:solidFill>
-              <a:srgbClr val="44E4C4"/>
-            </a:solidFill>
-          </a:ln>
-        </p:spPr>
-        <p:style>
-          <a:lnRef idx="2">
-            <a:schemeClr val="accent1">
-              <a:shade val="50000"/>
-            </a:schemeClr>
-          </a:lnRef>
-          <a:fillRef idx="1">
-            <a:schemeClr val="accent1"/>
-          </a:fillRef>
-          <a:effectRef idx="0">
-            <a:schemeClr val="accent1"/>
-          </a:effectRef>
-          <a:fontRef idx="minor">
-            <a:schemeClr val="lt1"/>
-          </a:fontRef>
-        </p:style>
-        <p:txBody>
-          <a:bodyPr rtlCol="0" anchor="ctr"/>
-          <a:lstStyle/>
-          <a:p>
-            <a:pPr algn="ctr"/>
-            <a:endParaRPr lang="en-US"/>
-          </a:p>
-        </p:txBody>
-      </p:sp>
-      <p:sp>
-        <p:nvSpPr>
-          <p:cNvPr id="9" name="Title 1">
-            <a:extLst>
-              <a:ext uri="{FF2B5EF4-FFF2-40B4-BE49-F238E27FC236}">
-                <a16:creationId xmlns:a16="http://schemas.microsoft.com/office/drawing/2014/main" id="{DF4B9AD8-E4FC-FA40-8BCA-CF0480A9D206}"/>
-              </a:ext>
-            </a:extLst>
-          </p:cNvPr>
-          <p:cNvSpPr>
-            <a:spLocks noGrp="1"/>
-          </p:cNvSpPr>
-          <p:nvPr>
-            <p:ph type="title"/>
-          </p:nvPr>
-        </p:nvSpPr>
-        <p:spPr>
-          <a:xfrm>
-            <a:off x="643467" y="321735"/>
-            <a:ext cx="10905066" cy="634806"/>
-          </a:xfrm>
-        </p:spPr>
-        <p:txBody>
-          <a:bodyPr>
-            <a:normAutofit/>
-          </a:bodyPr>
-          <a:lstStyle/>
-          <a:p>
-            <a:pPr algn="ctr"/>
-            <a:r>
-              <a:rPr lang="en-US" sz="3600" b="1" dirty="0">
-                <a:latin typeface="Calibri" panose="020F0502020204030204" pitchFamily="34" charset="0"/>
-                <a:cs typeface="Calibri" panose="020F0502020204030204" pitchFamily="34" charset="0"/>
-              </a:rPr>
-              <a:t>Summary</a:t>
-            </a:r>
-            <a:endParaRPr lang="en-US" sz="3600" b="1" cap="none" dirty="0">
-              <a:latin typeface="Calibri" panose="020F0502020204030204" pitchFamily="34" charset="0"/>
-              <a:cs typeface="Calibri" panose="020F0502020204030204" pitchFamily="34" charset="0"/>
-            </a:endParaRPr>
-          </a:p>
-        </p:txBody>
-      </p:sp>
-    </p:spTree>
-    <p:extLst>
-      <p:ext uri="{BB962C8B-B14F-4D97-AF65-F5344CB8AC3E}">
-        <p14:creationId xmlns:p14="http://schemas.microsoft.com/office/powerpoint/2010/main" val="2642334168"/>
       </p:ext>
     </p:extLst>
   </p:cSld>
@@ -11688,7 +11996,7 @@
                 <a:latin typeface="Calibri" panose="020F0502020204030204" pitchFamily="34" charset="0"/>
                 <a:cs typeface="Calibri" panose="020F0502020204030204" pitchFamily="34" charset="0"/>
               </a:rPr>
-              <a:t>Contact Information</a:t>
+              <a:t>Summary</a:t>
             </a:r>
             <a:endParaRPr lang="en-US" sz="3600" b="1" cap="none" dirty="0">
               <a:latin typeface="Calibri" panose="020F0502020204030204" pitchFamily="34" charset="0"/>
@@ -11697,10 +12005,1167 @@
           </a:p>
         </p:txBody>
       </p:sp>
+      <p:sp>
+        <p:nvSpPr>
+          <p:cNvPr id="10" name="Content Placeholder 3">
+            <a:extLst>
+              <a:ext uri="{FF2B5EF4-FFF2-40B4-BE49-F238E27FC236}">
+                <a16:creationId xmlns:a16="http://schemas.microsoft.com/office/drawing/2014/main" id="{711207F1-4A36-4478-AAE1-4383ACC20005}"/>
+              </a:ext>
+            </a:extLst>
+          </p:cNvPr>
+          <p:cNvSpPr>
+            <a:spLocks noGrp="1"/>
+          </p:cNvSpPr>
+          <p:nvPr>
+            <p:ph idx="1"/>
+          </p:nvPr>
+        </p:nvSpPr>
+        <p:spPr>
+          <a:xfrm>
+            <a:off x="1379787" y="1670241"/>
+            <a:ext cx="9486901" cy="4324272"/>
+          </a:xfrm>
+        </p:spPr>
+        <p:txBody>
+          <a:bodyPr/>
+          <a:lstStyle/>
+          <a:p>
+            <a:r>
+              <a:rPr lang="en-US" dirty="0">
+                <a:latin typeface="Calibri" panose="020F0502020204030204" pitchFamily="34" charset="0"/>
+                <a:cs typeface="Calibri" panose="020F0502020204030204" pitchFamily="34" charset="0"/>
+              </a:rPr>
+              <a:t>Top 3 factors that contribute to employee turnover are Age, Monthly Income, and Job Role.</a:t>
+            </a:r>
+          </a:p>
+          <a:p>
+            <a:pPr marL="0" indent="0">
+              <a:buNone/>
+            </a:pPr>
+            <a:endParaRPr lang="en-US" dirty="0">
+              <a:latin typeface="Calibri" panose="020F0502020204030204" pitchFamily="34" charset="0"/>
+              <a:cs typeface="Calibri" panose="020F0502020204030204" pitchFamily="34" charset="0"/>
+            </a:endParaRPr>
+          </a:p>
+          <a:p>
+            <a:r>
+              <a:rPr lang="en-US" dirty="0">
+                <a:latin typeface="Calibri" panose="020F0502020204030204" pitchFamily="34" charset="0"/>
+                <a:cs typeface="Calibri" panose="020F0502020204030204" pitchFamily="34" charset="0"/>
+              </a:rPr>
+              <a:t>Sales Representative have the highest turnover.</a:t>
+            </a:r>
+          </a:p>
+          <a:p>
+            <a:pPr marL="0" indent="0">
+              <a:buNone/>
+            </a:pPr>
+            <a:endParaRPr lang="en-US" dirty="0">
+              <a:latin typeface="Calibri" panose="020F0502020204030204" pitchFamily="34" charset="0"/>
+              <a:cs typeface="Calibri" panose="020F0502020204030204" pitchFamily="34" charset="0"/>
+            </a:endParaRPr>
+          </a:p>
+          <a:p>
+            <a:r>
+              <a:rPr lang="en-US" dirty="0">
+                <a:latin typeface="Calibri" panose="020F0502020204030204" pitchFamily="34" charset="0"/>
+                <a:cs typeface="Calibri" panose="020F0502020204030204" pitchFamily="34" charset="0"/>
+              </a:rPr>
+              <a:t>Manufacturing Director, Research Director and Managers are the oldest, have most income and have the least amount of turnover.</a:t>
+            </a:r>
+          </a:p>
+          <a:p>
+            <a:endParaRPr lang="en-US" dirty="0">
+              <a:latin typeface="Calibri" panose="020F0502020204030204" pitchFamily="34" charset="0"/>
+              <a:cs typeface="Calibri" panose="020F0502020204030204" pitchFamily="34" charset="0"/>
+            </a:endParaRPr>
+          </a:p>
+          <a:p>
+            <a:pPr marL="457200" lvl="1" indent="0">
+              <a:buNone/>
+            </a:pPr>
+            <a:endParaRPr lang="en-US" sz="2800" dirty="0">
+              <a:latin typeface="Calibri" panose="020F0502020204030204" pitchFamily="34" charset="0"/>
+              <a:cs typeface="Calibri" panose="020F0502020204030204" pitchFamily="34" charset="0"/>
+            </a:endParaRPr>
+          </a:p>
+          <a:p>
+            <a:endParaRPr lang="en-US" dirty="0">
+              <a:latin typeface="Calibri" panose="020F0502020204030204" pitchFamily="34" charset="0"/>
+              <a:cs typeface="Calibri" panose="020F0502020204030204" pitchFamily="34" charset="0"/>
+            </a:endParaRPr>
+          </a:p>
+          <a:p>
+            <a:pPr marL="457200" lvl="1" indent="0">
+              <a:buNone/>
+            </a:pPr>
+            <a:endParaRPr lang="en-US" sz="2400" dirty="0">
+              <a:latin typeface="Calibri" panose="020F0502020204030204" pitchFamily="34" charset="0"/>
+              <a:cs typeface="Calibri" panose="020F0502020204030204" pitchFamily="34" charset="0"/>
+            </a:endParaRPr>
+          </a:p>
+        </p:txBody>
+      </p:sp>
     </p:spTree>
     <p:extLst>
       <p:ext uri="{BB962C8B-B14F-4D97-AF65-F5344CB8AC3E}">
-        <p14:creationId xmlns:p14="http://schemas.microsoft.com/office/powerpoint/2010/main" val="658250400"/>
+        <p14:creationId xmlns:p14="http://schemas.microsoft.com/office/powerpoint/2010/main" val="2642334168"/>
+      </p:ext>
+    </p:extLst>
+  </p:cSld>
+  <p:clrMapOvr>
+    <a:masterClrMapping/>
+  </p:clrMapOvr>
+  <p:timing>
+    <p:tnLst>
+      <p:par>
+        <p:cTn id="1" dur="indefinite" restart="never" nodeType="tmRoot">
+          <p:childTnLst>
+            <p:seq concurrent="1" nextAc="seek">
+              <p:cTn id="2" dur="indefinite" nodeType="mainSeq">
+                <p:childTnLst>
+                  <p:par>
+                    <p:cTn id="3" fill="hold">
+                      <p:stCondLst>
+                        <p:cond delay="indefinite"/>
+                      </p:stCondLst>
+                      <p:childTnLst>
+                        <p:par>
+                          <p:cTn id="4" fill="hold">
+                            <p:stCondLst>
+                              <p:cond delay="0"/>
+                            </p:stCondLst>
+                            <p:childTnLst>
+                              <p:par>
+                                <p:cTn id="5" presetID="10" presetClass="entr" presetSubtype="0" fill="hold" nodeType="clickEffect">
+                                  <p:stCondLst>
+                                    <p:cond delay="0"/>
+                                  </p:stCondLst>
+                                  <p:childTnLst>
+                                    <p:set>
+                                      <p:cBhvr>
+                                        <p:cTn id="6" dur="1" fill="hold">
+                                          <p:stCondLst>
+                                            <p:cond delay="0"/>
+                                          </p:stCondLst>
+                                        </p:cTn>
+                                        <p:tgtEl>
+                                          <p:spTgt spid="10">
+                                            <p:txEl>
+                                              <p:pRg st="2" end="2"/>
+                                            </p:txEl>
+                                          </p:spTgt>
+                                        </p:tgtEl>
+                                        <p:attrNameLst>
+                                          <p:attrName>style.visibility</p:attrName>
+                                        </p:attrNameLst>
+                                      </p:cBhvr>
+                                      <p:to>
+                                        <p:strVal val="visible"/>
+                                      </p:to>
+                                    </p:set>
+                                    <p:animEffect transition="in" filter="fade">
+                                      <p:cBhvr>
+                                        <p:cTn id="7" dur="500"/>
+                                        <p:tgtEl>
+                                          <p:spTgt spid="10">
+                                            <p:txEl>
+                                              <p:pRg st="2" end="2"/>
+                                            </p:txEl>
+                                          </p:spTgt>
+                                        </p:tgtEl>
+                                      </p:cBhvr>
+                                    </p:animEffect>
+                                  </p:childTnLst>
+                                </p:cTn>
+                              </p:par>
+                            </p:childTnLst>
+                          </p:cTn>
+                        </p:par>
+                      </p:childTnLst>
+                    </p:cTn>
+                  </p:par>
+                  <p:par>
+                    <p:cTn id="8" fill="hold">
+                      <p:stCondLst>
+                        <p:cond delay="indefinite"/>
+                      </p:stCondLst>
+                      <p:childTnLst>
+                        <p:par>
+                          <p:cTn id="9" fill="hold">
+                            <p:stCondLst>
+                              <p:cond delay="0"/>
+                            </p:stCondLst>
+                            <p:childTnLst>
+                              <p:par>
+                                <p:cTn id="10" presetID="10" presetClass="entr" presetSubtype="0" fill="hold" nodeType="clickEffect">
+                                  <p:stCondLst>
+                                    <p:cond delay="0"/>
+                                  </p:stCondLst>
+                                  <p:childTnLst>
+                                    <p:set>
+                                      <p:cBhvr>
+                                        <p:cTn id="11" dur="1" fill="hold">
+                                          <p:stCondLst>
+                                            <p:cond delay="0"/>
+                                          </p:stCondLst>
+                                        </p:cTn>
+                                        <p:tgtEl>
+                                          <p:spTgt spid="10">
+                                            <p:txEl>
+                                              <p:pRg st="4" end="4"/>
+                                            </p:txEl>
+                                          </p:spTgt>
+                                        </p:tgtEl>
+                                        <p:attrNameLst>
+                                          <p:attrName>style.visibility</p:attrName>
+                                        </p:attrNameLst>
+                                      </p:cBhvr>
+                                      <p:to>
+                                        <p:strVal val="visible"/>
+                                      </p:to>
+                                    </p:set>
+                                    <p:animEffect transition="in" filter="fade">
+                                      <p:cBhvr>
+                                        <p:cTn id="12" dur="500"/>
+                                        <p:tgtEl>
+                                          <p:spTgt spid="10">
+                                            <p:txEl>
+                                              <p:pRg st="4" end="4"/>
+                                            </p:txEl>
+                                          </p:spTgt>
+                                        </p:tgtEl>
+                                      </p:cBhvr>
+                                    </p:animEffect>
+                                  </p:childTnLst>
+                                </p:cTn>
+                              </p:par>
+                            </p:childTnLst>
+                          </p:cTn>
+                        </p:par>
+                      </p:childTnLst>
+                    </p:cTn>
+                  </p:par>
+                </p:childTnLst>
+              </p:cTn>
+              <p:prevCondLst>
+                <p:cond evt="onPrev" delay="0">
+                  <p:tgtEl>
+                    <p:sldTgt/>
+                  </p:tgtEl>
+                </p:cond>
+              </p:prevCondLst>
+              <p:nextCondLst>
+                <p:cond evt="onNext" delay="0">
+                  <p:tgtEl>
+                    <p:sldTgt/>
+                  </p:tgtEl>
+                </p:cond>
+              </p:nextCondLst>
+            </p:seq>
+          </p:childTnLst>
+        </p:cTn>
+      </p:par>
+    </p:tnLst>
+  </p:timing>
+</p:sld>
+</file>
+
+<file path=ppt/slides/slide21.xml><?xml version="1.0" encoding="utf-8"?>
+<p:sld xmlns:a="http://schemas.openxmlformats.org/drawingml/2006/main" xmlns:r="http://schemas.openxmlformats.org/officeDocument/2006/relationships" xmlns:p="http://schemas.openxmlformats.org/presentationml/2006/main">
+  <p:cSld>
+    <p:spTree>
+      <p:nvGrpSpPr>
+        <p:cNvPr id="1" name=""/>
+        <p:cNvGrpSpPr/>
+        <p:nvPr/>
+      </p:nvGrpSpPr>
+      <p:grpSpPr>
+        <a:xfrm>
+          <a:off x="0" y="0"/>
+          <a:ext cx="0" cy="0"/>
+          <a:chOff x="0" y="0"/>
+          <a:chExt cx="0" cy="0"/>
+        </a:xfrm>
+      </p:grpSpPr>
+      <p:sp>
+        <p:nvSpPr>
+          <p:cNvPr id="5" name="Right Triangle 4">
+            <a:extLst>
+              <a:ext uri="{FF2B5EF4-FFF2-40B4-BE49-F238E27FC236}">
+                <a16:creationId xmlns:a16="http://schemas.microsoft.com/office/drawing/2014/main" id="{5488A745-4D79-6747-B65A-803B31C1F8B4}"/>
+              </a:ext>
+            </a:extLst>
+          </p:cNvPr>
+          <p:cNvSpPr/>
+          <p:nvPr/>
+        </p:nvSpPr>
+        <p:spPr>
+          <a:xfrm rot="13068536">
+            <a:off x="-809065" y="4275183"/>
+            <a:ext cx="1600200" cy="2061882"/>
+          </a:xfrm>
+          <a:prstGeom prst="rtTriangle">
+            <a:avLst/>
+          </a:prstGeom>
+          <a:solidFill>
+            <a:srgbClr val="44E4C4"/>
+          </a:solidFill>
+          <a:ln>
+            <a:solidFill>
+              <a:srgbClr val="44E4C4"/>
+            </a:solidFill>
+          </a:ln>
+        </p:spPr>
+        <p:style>
+          <a:lnRef idx="2">
+            <a:schemeClr val="accent1">
+              <a:shade val="50000"/>
+            </a:schemeClr>
+          </a:lnRef>
+          <a:fillRef idx="1">
+            <a:schemeClr val="accent1"/>
+          </a:fillRef>
+          <a:effectRef idx="0">
+            <a:schemeClr val="accent1"/>
+          </a:effectRef>
+          <a:fontRef idx="minor">
+            <a:schemeClr val="lt1"/>
+          </a:fontRef>
+        </p:style>
+        <p:txBody>
+          <a:bodyPr rtlCol="0" anchor="ctr"/>
+          <a:lstStyle/>
+          <a:p>
+            <a:pPr algn="ctr"/>
+            <a:endParaRPr lang="en-US"/>
+          </a:p>
+        </p:txBody>
+      </p:sp>
+      <p:sp>
+        <p:nvSpPr>
+          <p:cNvPr id="6" name="Rectangle 5">
+            <a:extLst>
+              <a:ext uri="{FF2B5EF4-FFF2-40B4-BE49-F238E27FC236}">
+                <a16:creationId xmlns:a16="http://schemas.microsoft.com/office/drawing/2014/main" id="{67C63295-B221-9A4E-BA44-2C4B26CF7FDE}"/>
+              </a:ext>
+            </a:extLst>
+          </p:cNvPr>
+          <p:cNvSpPr/>
+          <p:nvPr/>
+        </p:nvSpPr>
+        <p:spPr>
+          <a:xfrm rot="2351297">
+            <a:off x="281204" y="5024303"/>
+            <a:ext cx="880169" cy="978559"/>
+          </a:xfrm>
+          <a:prstGeom prst="rect">
+            <a:avLst/>
+          </a:prstGeom>
+          <a:solidFill>
+            <a:srgbClr val="2E27C7">
+              <a:alpha val="80000"/>
+            </a:srgbClr>
+          </a:solidFill>
+        </p:spPr>
+        <p:style>
+          <a:lnRef idx="2">
+            <a:schemeClr val="accent1">
+              <a:shade val="50000"/>
+            </a:schemeClr>
+          </a:lnRef>
+          <a:fillRef idx="1">
+            <a:schemeClr val="accent1"/>
+          </a:fillRef>
+          <a:effectRef idx="0">
+            <a:schemeClr val="accent1"/>
+          </a:effectRef>
+          <a:fontRef idx="minor">
+            <a:schemeClr val="lt1"/>
+          </a:fontRef>
+        </p:style>
+        <p:txBody>
+          <a:bodyPr rtlCol="0" anchor="ctr"/>
+          <a:lstStyle/>
+          <a:p>
+            <a:pPr algn="ctr"/>
+            <a:endParaRPr lang="en-US"/>
+          </a:p>
+        </p:txBody>
+      </p:sp>
+      <p:sp>
+        <p:nvSpPr>
+          <p:cNvPr id="7" name="Right Triangle 6">
+            <a:extLst>
+              <a:ext uri="{FF2B5EF4-FFF2-40B4-BE49-F238E27FC236}">
+                <a16:creationId xmlns:a16="http://schemas.microsoft.com/office/drawing/2014/main" id="{E9A9D123-E73C-5749-962A-D162E22D504C}"/>
+              </a:ext>
+            </a:extLst>
+          </p:cNvPr>
+          <p:cNvSpPr/>
+          <p:nvPr/>
+        </p:nvSpPr>
+        <p:spPr>
+          <a:xfrm rot="2259401">
+            <a:off x="11399428" y="428828"/>
+            <a:ext cx="1600200" cy="2066544"/>
+          </a:xfrm>
+          <a:prstGeom prst="rtTriangle">
+            <a:avLst/>
+          </a:prstGeom>
+          <a:solidFill>
+            <a:srgbClr val="2E27C7"/>
+          </a:solidFill>
+          <a:ln>
+            <a:solidFill>
+              <a:srgbClr val="2E27C7"/>
+            </a:solidFill>
+          </a:ln>
+        </p:spPr>
+        <p:style>
+          <a:lnRef idx="2">
+            <a:schemeClr val="accent1">
+              <a:shade val="50000"/>
+            </a:schemeClr>
+          </a:lnRef>
+          <a:fillRef idx="1">
+            <a:schemeClr val="accent1"/>
+          </a:fillRef>
+          <a:effectRef idx="0">
+            <a:schemeClr val="accent1"/>
+          </a:effectRef>
+          <a:fontRef idx="minor">
+            <a:schemeClr val="lt1"/>
+          </a:fontRef>
+        </p:style>
+        <p:txBody>
+          <a:bodyPr rtlCol="0" anchor="ctr"/>
+          <a:lstStyle/>
+          <a:p>
+            <a:pPr algn="ctr"/>
+            <a:endParaRPr lang="en-US"/>
+          </a:p>
+        </p:txBody>
+      </p:sp>
+      <p:sp>
+        <p:nvSpPr>
+          <p:cNvPr id="8" name="Rectangle 7">
+            <a:extLst>
+              <a:ext uri="{FF2B5EF4-FFF2-40B4-BE49-F238E27FC236}">
+                <a16:creationId xmlns:a16="http://schemas.microsoft.com/office/drawing/2014/main" id="{523C82C0-70C3-B347-A9AA-B75D37C19777}"/>
+              </a:ext>
+            </a:extLst>
+          </p:cNvPr>
+          <p:cNvSpPr/>
+          <p:nvPr/>
+        </p:nvSpPr>
+        <p:spPr>
+          <a:xfrm rot="13164033">
+            <a:off x="11030256" y="1657834"/>
+            <a:ext cx="880169" cy="978559"/>
+          </a:xfrm>
+          <a:prstGeom prst="rect">
+            <a:avLst/>
+          </a:prstGeom>
+          <a:solidFill>
+            <a:srgbClr val="44E4C4">
+              <a:alpha val="80000"/>
+            </a:srgbClr>
+          </a:solidFill>
+          <a:ln>
+            <a:solidFill>
+              <a:srgbClr val="44E4C4"/>
+            </a:solidFill>
+          </a:ln>
+        </p:spPr>
+        <p:style>
+          <a:lnRef idx="2">
+            <a:schemeClr val="accent1">
+              <a:shade val="50000"/>
+            </a:schemeClr>
+          </a:lnRef>
+          <a:fillRef idx="1">
+            <a:schemeClr val="accent1"/>
+          </a:fillRef>
+          <a:effectRef idx="0">
+            <a:schemeClr val="accent1"/>
+          </a:effectRef>
+          <a:fontRef idx="minor">
+            <a:schemeClr val="lt1"/>
+          </a:fontRef>
+        </p:style>
+        <p:txBody>
+          <a:bodyPr rtlCol="0" anchor="ctr"/>
+          <a:lstStyle/>
+          <a:p>
+            <a:pPr algn="ctr"/>
+            <a:endParaRPr lang="en-US"/>
+          </a:p>
+        </p:txBody>
+      </p:sp>
+      <p:sp>
+        <p:nvSpPr>
+          <p:cNvPr id="9" name="Title 1">
+            <a:extLst>
+              <a:ext uri="{FF2B5EF4-FFF2-40B4-BE49-F238E27FC236}">
+                <a16:creationId xmlns:a16="http://schemas.microsoft.com/office/drawing/2014/main" id="{DF4B9AD8-E4FC-FA40-8BCA-CF0480A9D206}"/>
+              </a:ext>
+            </a:extLst>
+          </p:cNvPr>
+          <p:cNvSpPr>
+            <a:spLocks noGrp="1"/>
+          </p:cNvSpPr>
+          <p:nvPr>
+            <p:ph type="title"/>
+          </p:nvPr>
+        </p:nvSpPr>
+        <p:spPr>
+          <a:xfrm>
+            <a:off x="643467" y="321735"/>
+            <a:ext cx="10905066" cy="634806"/>
+          </a:xfrm>
+        </p:spPr>
+        <p:txBody>
+          <a:bodyPr>
+            <a:normAutofit/>
+          </a:bodyPr>
+          <a:lstStyle/>
+          <a:p>
+            <a:pPr algn="ctr"/>
+            <a:r>
+              <a:rPr lang="en-US" sz="3600" b="1" dirty="0">
+                <a:latin typeface="Calibri" panose="020F0502020204030204" pitchFamily="34" charset="0"/>
+                <a:cs typeface="Calibri" panose="020F0502020204030204" pitchFamily="34" charset="0"/>
+              </a:rPr>
+              <a:t>Summary</a:t>
+            </a:r>
+            <a:r>
+              <a:rPr lang="en-US" sz="1800" b="1" dirty="0">
+                <a:latin typeface="Calibri" panose="020F0502020204030204" pitchFamily="34" charset="0"/>
+                <a:cs typeface="Calibri" panose="020F0502020204030204" pitchFamily="34" charset="0"/>
+              </a:rPr>
+              <a:t>(Contd.)</a:t>
+            </a:r>
+            <a:endParaRPr lang="en-US" sz="1800" b="1" cap="none" dirty="0">
+              <a:latin typeface="Calibri" panose="020F0502020204030204" pitchFamily="34" charset="0"/>
+              <a:cs typeface="Calibri" panose="020F0502020204030204" pitchFamily="34" charset="0"/>
+            </a:endParaRPr>
+          </a:p>
+        </p:txBody>
+      </p:sp>
+      <p:sp>
+        <p:nvSpPr>
+          <p:cNvPr id="10" name="Content Placeholder 3">
+            <a:extLst>
+              <a:ext uri="{FF2B5EF4-FFF2-40B4-BE49-F238E27FC236}">
+                <a16:creationId xmlns:a16="http://schemas.microsoft.com/office/drawing/2014/main" id="{711207F1-4A36-4478-AAE1-4383ACC20005}"/>
+              </a:ext>
+            </a:extLst>
+          </p:cNvPr>
+          <p:cNvSpPr>
+            <a:spLocks noGrp="1"/>
+          </p:cNvSpPr>
+          <p:nvPr>
+            <p:ph idx="1"/>
+          </p:nvPr>
+        </p:nvSpPr>
+        <p:spPr>
+          <a:xfrm>
+            <a:off x="1379787" y="1670241"/>
+            <a:ext cx="9486901" cy="4324272"/>
+          </a:xfrm>
+        </p:spPr>
+        <p:txBody>
+          <a:bodyPr/>
+          <a:lstStyle/>
+          <a:p>
+            <a:r>
+              <a:rPr lang="en-US" dirty="0">
+                <a:latin typeface="Calibri" panose="020F0502020204030204" pitchFamily="34" charset="0"/>
+                <a:cs typeface="Calibri" panose="020F0502020204030204" pitchFamily="34" charset="0"/>
+              </a:rPr>
+              <a:t>We built a model to predict attrition that had an 87% Accuracy, 90% Sensitivity and 75% Specificity.</a:t>
+            </a:r>
+          </a:p>
+          <a:p>
+            <a:pPr marL="0" indent="0">
+              <a:buNone/>
+            </a:pPr>
+            <a:endParaRPr lang="en-US" dirty="0">
+              <a:latin typeface="Calibri" panose="020F0502020204030204" pitchFamily="34" charset="0"/>
+              <a:cs typeface="Calibri" panose="020F0502020204030204" pitchFamily="34" charset="0"/>
+            </a:endParaRPr>
+          </a:p>
+          <a:p>
+            <a:r>
+              <a:rPr lang="en-US">
+                <a:latin typeface="Calibri" panose="020F0502020204030204" pitchFamily="34" charset="0"/>
+                <a:cs typeface="Calibri" panose="020F0502020204030204" pitchFamily="34" charset="0"/>
+              </a:rPr>
+              <a:t>We built a model </a:t>
+            </a:r>
+            <a:r>
+              <a:rPr lang="en-US" dirty="0">
+                <a:latin typeface="Calibri" panose="020F0502020204030204" pitchFamily="34" charset="0"/>
+                <a:cs typeface="Calibri" panose="020F0502020204030204" pitchFamily="34" charset="0"/>
+              </a:rPr>
+              <a:t>to predict salary had an RMSE of 1080 and P-Value of &lt; 2.2e-16</a:t>
+            </a:r>
+          </a:p>
+          <a:p>
+            <a:pPr marL="457200" lvl="1" indent="0">
+              <a:buNone/>
+            </a:pPr>
+            <a:endParaRPr lang="en-US" sz="2800" dirty="0">
+              <a:latin typeface="Calibri" panose="020F0502020204030204" pitchFamily="34" charset="0"/>
+              <a:cs typeface="Calibri" panose="020F0502020204030204" pitchFamily="34" charset="0"/>
+            </a:endParaRPr>
+          </a:p>
+          <a:p>
+            <a:endParaRPr lang="en-US" dirty="0">
+              <a:latin typeface="Calibri" panose="020F0502020204030204" pitchFamily="34" charset="0"/>
+              <a:cs typeface="Calibri" panose="020F0502020204030204" pitchFamily="34" charset="0"/>
+            </a:endParaRPr>
+          </a:p>
+          <a:p>
+            <a:pPr marL="457200" lvl="1" indent="0">
+              <a:buNone/>
+            </a:pPr>
+            <a:endParaRPr lang="en-US" sz="2400" dirty="0">
+              <a:latin typeface="Calibri" panose="020F0502020204030204" pitchFamily="34" charset="0"/>
+              <a:cs typeface="Calibri" panose="020F0502020204030204" pitchFamily="34" charset="0"/>
+            </a:endParaRPr>
+          </a:p>
+        </p:txBody>
+      </p:sp>
+    </p:spTree>
+    <p:extLst>
+      <p:ext uri="{BB962C8B-B14F-4D97-AF65-F5344CB8AC3E}">
+        <p14:creationId xmlns:p14="http://schemas.microsoft.com/office/powerpoint/2010/main" val="2066871153"/>
+      </p:ext>
+    </p:extLst>
+  </p:cSld>
+  <p:clrMapOvr>
+    <a:masterClrMapping/>
+  </p:clrMapOvr>
+  <p:timing>
+    <p:tnLst>
+      <p:par>
+        <p:cTn id="1" dur="indefinite" restart="never" nodeType="tmRoot">
+          <p:childTnLst>
+            <p:seq concurrent="1" nextAc="seek">
+              <p:cTn id="2" dur="indefinite" nodeType="mainSeq">
+                <p:childTnLst>
+                  <p:par>
+                    <p:cTn id="3" fill="hold">
+                      <p:stCondLst>
+                        <p:cond delay="indefinite"/>
+                      </p:stCondLst>
+                      <p:childTnLst>
+                        <p:par>
+                          <p:cTn id="4" fill="hold">
+                            <p:stCondLst>
+                              <p:cond delay="0"/>
+                            </p:stCondLst>
+                            <p:childTnLst>
+                              <p:par>
+                                <p:cTn id="5" presetID="10" presetClass="entr" presetSubtype="0" fill="hold" nodeType="clickEffect">
+                                  <p:stCondLst>
+                                    <p:cond delay="0"/>
+                                  </p:stCondLst>
+                                  <p:childTnLst>
+                                    <p:set>
+                                      <p:cBhvr>
+                                        <p:cTn id="6" dur="1" fill="hold">
+                                          <p:stCondLst>
+                                            <p:cond delay="0"/>
+                                          </p:stCondLst>
+                                        </p:cTn>
+                                        <p:tgtEl>
+                                          <p:spTgt spid="10">
+                                            <p:txEl>
+                                              <p:pRg st="2" end="2"/>
+                                            </p:txEl>
+                                          </p:spTgt>
+                                        </p:tgtEl>
+                                        <p:attrNameLst>
+                                          <p:attrName>style.visibility</p:attrName>
+                                        </p:attrNameLst>
+                                      </p:cBhvr>
+                                      <p:to>
+                                        <p:strVal val="visible"/>
+                                      </p:to>
+                                    </p:set>
+                                    <p:animEffect transition="in" filter="fade">
+                                      <p:cBhvr>
+                                        <p:cTn id="7" dur="500"/>
+                                        <p:tgtEl>
+                                          <p:spTgt spid="10">
+                                            <p:txEl>
+                                              <p:pRg st="2" end="2"/>
+                                            </p:txEl>
+                                          </p:spTgt>
+                                        </p:tgtEl>
+                                      </p:cBhvr>
+                                    </p:animEffect>
+                                  </p:childTnLst>
+                                </p:cTn>
+                              </p:par>
+                            </p:childTnLst>
+                          </p:cTn>
+                        </p:par>
+                      </p:childTnLst>
+                    </p:cTn>
+                  </p:par>
+                </p:childTnLst>
+              </p:cTn>
+              <p:prevCondLst>
+                <p:cond evt="onPrev" delay="0">
+                  <p:tgtEl>
+                    <p:sldTgt/>
+                  </p:tgtEl>
+                </p:cond>
+              </p:prevCondLst>
+              <p:nextCondLst>
+                <p:cond evt="onNext" delay="0">
+                  <p:tgtEl>
+                    <p:sldTgt/>
+                  </p:tgtEl>
+                </p:cond>
+              </p:nextCondLst>
+            </p:seq>
+          </p:childTnLst>
+        </p:cTn>
+      </p:par>
+    </p:tnLst>
+  </p:timing>
+</p:sld>
+</file>
+
+<file path=ppt/slides/slide22.xml><?xml version="1.0" encoding="utf-8"?>
+<p:sld xmlns:a="http://schemas.openxmlformats.org/drawingml/2006/main" xmlns:r="http://schemas.openxmlformats.org/officeDocument/2006/relationships" xmlns:p="http://schemas.openxmlformats.org/presentationml/2006/main">
+  <p:cSld>
+    <p:spTree>
+      <p:nvGrpSpPr>
+        <p:cNvPr id="1" name=""/>
+        <p:cNvGrpSpPr/>
+        <p:nvPr/>
+      </p:nvGrpSpPr>
+      <p:grpSpPr>
+        <a:xfrm>
+          <a:off x="0" y="0"/>
+          <a:ext cx="0" cy="0"/>
+          <a:chOff x="0" y="0"/>
+          <a:chExt cx="0" cy="0"/>
+        </a:xfrm>
+      </p:grpSpPr>
+      <p:sp>
+        <p:nvSpPr>
+          <p:cNvPr id="5" name="Right Triangle 4">
+            <a:extLst>
+              <a:ext uri="{FF2B5EF4-FFF2-40B4-BE49-F238E27FC236}">
+                <a16:creationId xmlns:a16="http://schemas.microsoft.com/office/drawing/2014/main" id="{5488A745-4D79-6747-B65A-803B31C1F8B4}"/>
+              </a:ext>
+            </a:extLst>
+          </p:cNvPr>
+          <p:cNvSpPr/>
+          <p:nvPr/>
+        </p:nvSpPr>
+        <p:spPr>
+          <a:xfrm rot="13068536">
+            <a:off x="-809065" y="4275183"/>
+            <a:ext cx="1600200" cy="2061882"/>
+          </a:xfrm>
+          <a:prstGeom prst="rtTriangle">
+            <a:avLst/>
+          </a:prstGeom>
+          <a:solidFill>
+            <a:srgbClr val="44E4C4"/>
+          </a:solidFill>
+          <a:ln>
+            <a:solidFill>
+              <a:srgbClr val="44E4C4"/>
+            </a:solidFill>
+          </a:ln>
+        </p:spPr>
+        <p:style>
+          <a:lnRef idx="2">
+            <a:schemeClr val="accent1">
+              <a:shade val="50000"/>
+            </a:schemeClr>
+          </a:lnRef>
+          <a:fillRef idx="1">
+            <a:schemeClr val="accent1"/>
+          </a:fillRef>
+          <a:effectRef idx="0">
+            <a:schemeClr val="accent1"/>
+          </a:effectRef>
+          <a:fontRef idx="minor">
+            <a:schemeClr val="lt1"/>
+          </a:fontRef>
+        </p:style>
+        <p:txBody>
+          <a:bodyPr rtlCol="0" anchor="ctr"/>
+          <a:lstStyle/>
+          <a:p>
+            <a:pPr algn="ctr"/>
+            <a:endParaRPr lang="en-US"/>
+          </a:p>
+        </p:txBody>
+      </p:sp>
+      <p:sp>
+        <p:nvSpPr>
+          <p:cNvPr id="6" name="Rectangle 5">
+            <a:extLst>
+              <a:ext uri="{FF2B5EF4-FFF2-40B4-BE49-F238E27FC236}">
+                <a16:creationId xmlns:a16="http://schemas.microsoft.com/office/drawing/2014/main" id="{67C63295-B221-9A4E-BA44-2C4B26CF7FDE}"/>
+              </a:ext>
+            </a:extLst>
+          </p:cNvPr>
+          <p:cNvSpPr/>
+          <p:nvPr/>
+        </p:nvSpPr>
+        <p:spPr>
+          <a:xfrm rot="2351297">
+            <a:off x="281204" y="5024303"/>
+            <a:ext cx="880169" cy="978559"/>
+          </a:xfrm>
+          <a:prstGeom prst="rect">
+            <a:avLst/>
+          </a:prstGeom>
+          <a:solidFill>
+            <a:srgbClr val="2E27C7">
+              <a:alpha val="80000"/>
+            </a:srgbClr>
+          </a:solidFill>
+        </p:spPr>
+        <p:style>
+          <a:lnRef idx="2">
+            <a:schemeClr val="accent1">
+              <a:shade val="50000"/>
+            </a:schemeClr>
+          </a:lnRef>
+          <a:fillRef idx="1">
+            <a:schemeClr val="accent1"/>
+          </a:fillRef>
+          <a:effectRef idx="0">
+            <a:schemeClr val="accent1"/>
+          </a:effectRef>
+          <a:fontRef idx="minor">
+            <a:schemeClr val="lt1"/>
+          </a:fontRef>
+        </p:style>
+        <p:txBody>
+          <a:bodyPr rtlCol="0" anchor="ctr"/>
+          <a:lstStyle/>
+          <a:p>
+            <a:pPr algn="ctr"/>
+            <a:endParaRPr lang="en-US"/>
+          </a:p>
+        </p:txBody>
+      </p:sp>
+      <p:sp>
+        <p:nvSpPr>
+          <p:cNvPr id="7" name="Right Triangle 6">
+            <a:extLst>
+              <a:ext uri="{FF2B5EF4-FFF2-40B4-BE49-F238E27FC236}">
+                <a16:creationId xmlns:a16="http://schemas.microsoft.com/office/drawing/2014/main" id="{E9A9D123-E73C-5749-962A-D162E22D504C}"/>
+              </a:ext>
+            </a:extLst>
+          </p:cNvPr>
+          <p:cNvSpPr/>
+          <p:nvPr/>
+        </p:nvSpPr>
+        <p:spPr>
+          <a:xfrm rot="2259401">
+            <a:off x="11399428" y="428828"/>
+            <a:ext cx="1600200" cy="2066544"/>
+          </a:xfrm>
+          <a:prstGeom prst="rtTriangle">
+            <a:avLst/>
+          </a:prstGeom>
+          <a:solidFill>
+            <a:srgbClr val="2E27C7"/>
+          </a:solidFill>
+          <a:ln>
+            <a:solidFill>
+              <a:srgbClr val="2E27C7"/>
+            </a:solidFill>
+          </a:ln>
+        </p:spPr>
+        <p:style>
+          <a:lnRef idx="2">
+            <a:schemeClr val="accent1">
+              <a:shade val="50000"/>
+            </a:schemeClr>
+          </a:lnRef>
+          <a:fillRef idx="1">
+            <a:schemeClr val="accent1"/>
+          </a:fillRef>
+          <a:effectRef idx="0">
+            <a:schemeClr val="accent1"/>
+          </a:effectRef>
+          <a:fontRef idx="minor">
+            <a:schemeClr val="lt1"/>
+          </a:fontRef>
+        </p:style>
+        <p:txBody>
+          <a:bodyPr rtlCol="0" anchor="ctr"/>
+          <a:lstStyle/>
+          <a:p>
+            <a:pPr algn="ctr"/>
+            <a:endParaRPr lang="en-US"/>
+          </a:p>
+        </p:txBody>
+      </p:sp>
+      <p:sp>
+        <p:nvSpPr>
+          <p:cNvPr id="8" name="Rectangle 7">
+            <a:extLst>
+              <a:ext uri="{FF2B5EF4-FFF2-40B4-BE49-F238E27FC236}">
+                <a16:creationId xmlns:a16="http://schemas.microsoft.com/office/drawing/2014/main" id="{523C82C0-70C3-B347-A9AA-B75D37C19777}"/>
+              </a:ext>
+            </a:extLst>
+          </p:cNvPr>
+          <p:cNvSpPr/>
+          <p:nvPr/>
+        </p:nvSpPr>
+        <p:spPr>
+          <a:xfrm rot="13164033">
+            <a:off x="11030256" y="1657834"/>
+            <a:ext cx="880169" cy="978559"/>
+          </a:xfrm>
+          <a:prstGeom prst="rect">
+            <a:avLst/>
+          </a:prstGeom>
+          <a:solidFill>
+            <a:srgbClr val="44E4C4">
+              <a:alpha val="80000"/>
+            </a:srgbClr>
+          </a:solidFill>
+          <a:ln>
+            <a:solidFill>
+              <a:srgbClr val="44E4C4"/>
+            </a:solidFill>
+          </a:ln>
+        </p:spPr>
+        <p:style>
+          <a:lnRef idx="2">
+            <a:schemeClr val="accent1">
+              <a:shade val="50000"/>
+            </a:schemeClr>
+          </a:lnRef>
+          <a:fillRef idx="1">
+            <a:schemeClr val="accent1"/>
+          </a:fillRef>
+          <a:effectRef idx="0">
+            <a:schemeClr val="accent1"/>
+          </a:effectRef>
+          <a:fontRef idx="minor">
+            <a:schemeClr val="lt1"/>
+          </a:fontRef>
+        </p:style>
+        <p:txBody>
+          <a:bodyPr rtlCol="0" anchor="ctr"/>
+          <a:lstStyle/>
+          <a:p>
+            <a:pPr algn="ctr"/>
+            <a:endParaRPr lang="en-US"/>
+          </a:p>
+        </p:txBody>
+      </p:sp>
+      <p:sp>
+        <p:nvSpPr>
+          <p:cNvPr id="9" name="Title 1">
+            <a:extLst>
+              <a:ext uri="{FF2B5EF4-FFF2-40B4-BE49-F238E27FC236}">
+                <a16:creationId xmlns:a16="http://schemas.microsoft.com/office/drawing/2014/main" id="{DF4B9AD8-E4FC-FA40-8BCA-CF0480A9D206}"/>
+              </a:ext>
+            </a:extLst>
+          </p:cNvPr>
+          <p:cNvSpPr>
+            <a:spLocks noGrp="1"/>
+          </p:cNvSpPr>
+          <p:nvPr>
+            <p:ph type="title"/>
+          </p:nvPr>
+        </p:nvSpPr>
+        <p:spPr>
+          <a:xfrm>
+            <a:off x="643467" y="321735"/>
+            <a:ext cx="10905066" cy="634806"/>
+          </a:xfrm>
+        </p:spPr>
+        <p:txBody>
+          <a:bodyPr>
+            <a:normAutofit/>
+          </a:bodyPr>
+          <a:lstStyle/>
+          <a:p>
+            <a:pPr algn="ctr"/>
+            <a:r>
+              <a:rPr lang="en-US" sz="3600" b="1" dirty="0">
+                <a:latin typeface="Calibri" panose="020F0502020204030204" pitchFamily="34" charset="0"/>
+                <a:cs typeface="Calibri" panose="020F0502020204030204" pitchFamily="34" charset="0"/>
+              </a:rPr>
+              <a:t>Thank you!!</a:t>
+            </a:r>
+            <a:endParaRPr lang="en-US" sz="1800" b="1" cap="none" dirty="0">
+              <a:latin typeface="Calibri" panose="020F0502020204030204" pitchFamily="34" charset="0"/>
+              <a:cs typeface="Calibri" panose="020F0502020204030204" pitchFamily="34" charset="0"/>
+            </a:endParaRPr>
+          </a:p>
+        </p:txBody>
+      </p:sp>
+      <p:sp>
+        <p:nvSpPr>
+          <p:cNvPr id="10" name="Content Placeholder 3">
+            <a:extLst>
+              <a:ext uri="{FF2B5EF4-FFF2-40B4-BE49-F238E27FC236}">
+                <a16:creationId xmlns:a16="http://schemas.microsoft.com/office/drawing/2014/main" id="{711207F1-4A36-4478-AAE1-4383ACC20005}"/>
+              </a:ext>
+            </a:extLst>
+          </p:cNvPr>
+          <p:cNvSpPr>
+            <a:spLocks noGrp="1"/>
+          </p:cNvSpPr>
+          <p:nvPr>
+            <p:ph idx="1"/>
+          </p:nvPr>
+        </p:nvSpPr>
+        <p:spPr>
+          <a:xfrm>
+            <a:off x="1379787" y="1670241"/>
+            <a:ext cx="9486901" cy="4324272"/>
+          </a:xfrm>
+        </p:spPr>
+        <p:txBody>
+          <a:bodyPr/>
+          <a:lstStyle/>
+          <a:p>
+            <a:pPr marL="457200" lvl="1" indent="0">
+              <a:buNone/>
+            </a:pPr>
+            <a:endParaRPr lang="en-US" sz="2800" dirty="0">
+              <a:latin typeface="Calibri" panose="020F0502020204030204" pitchFamily="34" charset="0"/>
+              <a:cs typeface="Calibri" panose="020F0502020204030204" pitchFamily="34" charset="0"/>
+            </a:endParaRPr>
+          </a:p>
+          <a:p>
+            <a:pPr marL="0" indent="0" algn="ctr">
+              <a:buNone/>
+            </a:pPr>
+            <a:r>
+              <a:rPr lang="en-US" sz="2400" dirty="0">
+                <a:latin typeface="Calibri" panose="020F0502020204030204" pitchFamily="34" charset="0"/>
+                <a:cs typeface="Calibri" panose="020F0502020204030204" pitchFamily="34" charset="0"/>
+              </a:rPr>
+              <a:t>Name: Kevin Boyd</a:t>
+            </a:r>
+          </a:p>
+          <a:p>
+            <a:pPr marL="0" indent="0" algn="ctr">
+              <a:buNone/>
+            </a:pPr>
+            <a:r>
+              <a:rPr lang="en-US" sz="2400" dirty="0">
+                <a:latin typeface="Calibri" panose="020F0502020204030204" pitchFamily="34" charset="0"/>
+                <a:cs typeface="Calibri" panose="020F0502020204030204" pitchFamily="34" charset="0"/>
+              </a:rPr>
+              <a:t>Email: </a:t>
+            </a:r>
+            <a:r>
+              <a:rPr lang="en-US" sz="2400" dirty="0">
+                <a:latin typeface="Calibri" panose="020F0502020204030204" pitchFamily="34" charset="0"/>
+                <a:cs typeface="Calibri" panose="020F0502020204030204" pitchFamily="34" charset="0"/>
+                <a:hlinkClick r:id="rId2"/>
+              </a:rPr>
+              <a:t>kevinboyd@smu.edu</a:t>
+            </a:r>
+            <a:endParaRPr lang="en-US" sz="2400" dirty="0">
+              <a:latin typeface="Calibri" panose="020F0502020204030204" pitchFamily="34" charset="0"/>
+              <a:cs typeface="Calibri" panose="020F0502020204030204" pitchFamily="34" charset="0"/>
+            </a:endParaRPr>
+          </a:p>
+          <a:p>
+            <a:pPr marL="0" indent="0" algn="ctr">
+              <a:buNone/>
+            </a:pPr>
+            <a:endParaRPr lang="en-US" sz="2400" dirty="0">
+              <a:latin typeface="Calibri" panose="020F0502020204030204" pitchFamily="34" charset="0"/>
+              <a:cs typeface="Calibri" panose="020F0502020204030204" pitchFamily="34" charset="0"/>
+            </a:endParaRPr>
+          </a:p>
+          <a:p>
+            <a:pPr marL="0" indent="0" algn="ctr">
+              <a:buNone/>
+            </a:pPr>
+            <a:endParaRPr lang="en-US" sz="2400" dirty="0">
+              <a:latin typeface="Calibri" panose="020F0502020204030204" pitchFamily="34" charset="0"/>
+              <a:cs typeface="Calibri" panose="020F0502020204030204" pitchFamily="34" charset="0"/>
+            </a:endParaRPr>
+          </a:p>
+          <a:p>
+            <a:pPr marL="0" indent="0" algn="ctr">
+              <a:buNone/>
+            </a:pPr>
+            <a:r>
+              <a:rPr lang="en-US" sz="2400" dirty="0">
+                <a:latin typeface="Calibri" panose="020F0502020204030204" pitchFamily="34" charset="0"/>
+                <a:cs typeface="Calibri" panose="020F0502020204030204" pitchFamily="34" charset="0"/>
+              </a:rPr>
+              <a:t>Name: Shikha Pandey</a:t>
+            </a:r>
+          </a:p>
+          <a:p>
+            <a:pPr marL="0" indent="0" algn="ctr">
+              <a:buNone/>
+            </a:pPr>
+            <a:r>
+              <a:rPr lang="en-US" sz="2400" dirty="0">
+                <a:latin typeface="Calibri" panose="020F0502020204030204" pitchFamily="34" charset="0"/>
+                <a:cs typeface="Calibri" panose="020F0502020204030204" pitchFamily="34" charset="0"/>
+              </a:rPr>
+              <a:t>Email: </a:t>
+            </a:r>
+            <a:r>
+              <a:rPr lang="en-US" sz="2400" dirty="0">
+                <a:latin typeface="Calibri" panose="020F0502020204030204" pitchFamily="34" charset="0"/>
+                <a:cs typeface="Calibri" panose="020F0502020204030204" pitchFamily="34" charset="0"/>
+                <a:hlinkClick r:id="rId3"/>
+              </a:rPr>
+              <a:t>pandeys@smu.edu</a:t>
+            </a:r>
+            <a:endParaRPr lang="en-US" sz="2400" dirty="0">
+              <a:latin typeface="Calibri" panose="020F0502020204030204" pitchFamily="34" charset="0"/>
+              <a:cs typeface="Calibri" panose="020F0502020204030204" pitchFamily="34" charset="0"/>
+            </a:endParaRPr>
+          </a:p>
+          <a:p>
+            <a:pPr marL="0" indent="0">
+              <a:buNone/>
+            </a:pPr>
+            <a:endParaRPr lang="en-US" dirty="0">
+              <a:latin typeface="Calibri" panose="020F0502020204030204" pitchFamily="34" charset="0"/>
+              <a:cs typeface="Calibri" panose="020F0502020204030204" pitchFamily="34" charset="0"/>
+            </a:endParaRPr>
+          </a:p>
+          <a:p>
+            <a:pPr marL="457200" lvl="1" indent="0">
+              <a:buNone/>
+            </a:pPr>
+            <a:endParaRPr lang="en-US" sz="2400" dirty="0">
+              <a:latin typeface="Calibri" panose="020F0502020204030204" pitchFamily="34" charset="0"/>
+              <a:cs typeface="Calibri" panose="020F0502020204030204" pitchFamily="34" charset="0"/>
+            </a:endParaRPr>
+          </a:p>
+        </p:txBody>
+      </p:sp>
+    </p:spTree>
+    <p:extLst>
+      <p:ext uri="{BB962C8B-B14F-4D97-AF65-F5344CB8AC3E}">
+        <p14:creationId xmlns:p14="http://schemas.microsoft.com/office/powerpoint/2010/main" val="987614894"/>
       </p:ext>
     </p:extLst>
   </p:cSld>
@@ -14268,266 +15733,12 @@
           <a:chExt cx="0" cy="0"/>
         </a:xfrm>
       </p:grpSpPr>
-      <p:sp>
-        <p:nvSpPr>
-          <p:cNvPr id="5" name="Right Triangle 4">
+      <p:pic>
+        <p:nvPicPr>
+          <p:cNvPr id="11" name="Picture 10">
             <a:extLst>
               <a:ext uri="{FF2B5EF4-FFF2-40B4-BE49-F238E27FC236}">
-                <a16:creationId xmlns:a16="http://schemas.microsoft.com/office/drawing/2014/main" id="{5488A745-4D79-6747-B65A-803B31C1F8B4}"/>
-              </a:ext>
-            </a:extLst>
-          </p:cNvPr>
-          <p:cNvSpPr/>
-          <p:nvPr/>
-        </p:nvSpPr>
-        <p:spPr>
-          <a:xfrm rot="13068536">
-            <a:off x="-809065" y="4275183"/>
-            <a:ext cx="1600200" cy="2061882"/>
-          </a:xfrm>
-          <a:prstGeom prst="rtTriangle">
-            <a:avLst/>
-          </a:prstGeom>
-          <a:solidFill>
-            <a:srgbClr val="44E4C4"/>
-          </a:solidFill>
-          <a:ln>
-            <a:solidFill>
-              <a:srgbClr val="44E4C4"/>
-            </a:solidFill>
-          </a:ln>
-        </p:spPr>
-        <p:style>
-          <a:lnRef idx="2">
-            <a:schemeClr val="accent1">
-              <a:shade val="50000"/>
-            </a:schemeClr>
-          </a:lnRef>
-          <a:fillRef idx="1">
-            <a:schemeClr val="accent1"/>
-          </a:fillRef>
-          <a:effectRef idx="0">
-            <a:schemeClr val="accent1"/>
-          </a:effectRef>
-          <a:fontRef idx="minor">
-            <a:schemeClr val="lt1"/>
-          </a:fontRef>
-        </p:style>
-        <p:txBody>
-          <a:bodyPr rtlCol="0" anchor="ctr"/>
-          <a:lstStyle/>
-          <a:p>
-            <a:pPr algn="ctr"/>
-            <a:endParaRPr lang="en-US"/>
-          </a:p>
-        </p:txBody>
-      </p:sp>
-      <p:sp>
-        <p:nvSpPr>
-          <p:cNvPr id="6" name="Rectangle 5">
-            <a:extLst>
-              <a:ext uri="{FF2B5EF4-FFF2-40B4-BE49-F238E27FC236}">
-                <a16:creationId xmlns:a16="http://schemas.microsoft.com/office/drawing/2014/main" id="{67C63295-B221-9A4E-BA44-2C4B26CF7FDE}"/>
-              </a:ext>
-            </a:extLst>
-          </p:cNvPr>
-          <p:cNvSpPr/>
-          <p:nvPr/>
-        </p:nvSpPr>
-        <p:spPr>
-          <a:xfrm rot="2351297">
-            <a:off x="281204" y="5024303"/>
-            <a:ext cx="880169" cy="978559"/>
-          </a:xfrm>
-          <a:prstGeom prst="rect">
-            <a:avLst/>
-          </a:prstGeom>
-          <a:solidFill>
-            <a:srgbClr val="2E27C7">
-              <a:alpha val="80000"/>
-            </a:srgbClr>
-          </a:solidFill>
-        </p:spPr>
-        <p:style>
-          <a:lnRef idx="2">
-            <a:schemeClr val="accent1">
-              <a:shade val="50000"/>
-            </a:schemeClr>
-          </a:lnRef>
-          <a:fillRef idx="1">
-            <a:schemeClr val="accent1"/>
-          </a:fillRef>
-          <a:effectRef idx="0">
-            <a:schemeClr val="accent1"/>
-          </a:effectRef>
-          <a:fontRef idx="minor">
-            <a:schemeClr val="lt1"/>
-          </a:fontRef>
-        </p:style>
-        <p:txBody>
-          <a:bodyPr rtlCol="0" anchor="ctr"/>
-          <a:lstStyle/>
-          <a:p>
-            <a:pPr algn="ctr"/>
-            <a:endParaRPr lang="en-US"/>
-          </a:p>
-        </p:txBody>
-      </p:sp>
-      <p:sp>
-        <p:nvSpPr>
-          <p:cNvPr id="7" name="Right Triangle 6">
-            <a:extLst>
-              <a:ext uri="{FF2B5EF4-FFF2-40B4-BE49-F238E27FC236}">
-                <a16:creationId xmlns:a16="http://schemas.microsoft.com/office/drawing/2014/main" id="{E9A9D123-E73C-5749-962A-D162E22D504C}"/>
-              </a:ext>
-            </a:extLst>
-          </p:cNvPr>
-          <p:cNvSpPr/>
-          <p:nvPr/>
-        </p:nvSpPr>
-        <p:spPr>
-          <a:xfrm rot="2259401">
-            <a:off x="11399428" y="428828"/>
-            <a:ext cx="1600200" cy="2066544"/>
-          </a:xfrm>
-          <a:prstGeom prst="rtTriangle">
-            <a:avLst/>
-          </a:prstGeom>
-          <a:solidFill>
-            <a:srgbClr val="2E27C7"/>
-          </a:solidFill>
-          <a:ln>
-            <a:solidFill>
-              <a:srgbClr val="2E27C7"/>
-            </a:solidFill>
-          </a:ln>
-        </p:spPr>
-        <p:style>
-          <a:lnRef idx="2">
-            <a:schemeClr val="accent1">
-              <a:shade val="50000"/>
-            </a:schemeClr>
-          </a:lnRef>
-          <a:fillRef idx="1">
-            <a:schemeClr val="accent1"/>
-          </a:fillRef>
-          <a:effectRef idx="0">
-            <a:schemeClr val="accent1"/>
-          </a:effectRef>
-          <a:fontRef idx="minor">
-            <a:schemeClr val="lt1"/>
-          </a:fontRef>
-        </p:style>
-        <p:txBody>
-          <a:bodyPr rtlCol="0" anchor="ctr"/>
-          <a:lstStyle/>
-          <a:p>
-            <a:pPr algn="ctr"/>
-            <a:endParaRPr lang="en-US"/>
-          </a:p>
-        </p:txBody>
-      </p:sp>
-      <p:sp>
-        <p:nvSpPr>
-          <p:cNvPr id="8" name="Rectangle 7">
-            <a:extLst>
-              <a:ext uri="{FF2B5EF4-FFF2-40B4-BE49-F238E27FC236}">
-                <a16:creationId xmlns:a16="http://schemas.microsoft.com/office/drawing/2014/main" id="{523C82C0-70C3-B347-A9AA-B75D37C19777}"/>
-              </a:ext>
-            </a:extLst>
-          </p:cNvPr>
-          <p:cNvSpPr/>
-          <p:nvPr/>
-        </p:nvSpPr>
-        <p:spPr>
-          <a:xfrm rot="13164033">
-            <a:off x="11030256" y="1657834"/>
-            <a:ext cx="880169" cy="978559"/>
-          </a:xfrm>
-          <a:prstGeom prst="rect">
-            <a:avLst/>
-          </a:prstGeom>
-          <a:solidFill>
-            <a:srgbClr val="44E4C4">
-              <a:alpha val="80000"/>
-            </a:srgbClr>
-          </a:solidFill>
-          <a:ln>
-            <a:solidFill>
-              <a:srgbClr val="44E4C4"/>
-            </a:solidFill>
-          </a:ln>
-        </p:spPr>
-        <p:style>
-          <a:lnRef idx="2">
-            <a:schemeClr val="accent1">
-              <a:shade val="50000"/>
-            </a:schemeClr>
-          </a:lnRef>
-          <a:fillRef idx="1">
-            <a:schemeClr val="accent1"/>
-          </a:fillRef>
-          <a:effectRef idx="0">
-            <a:schemeClr val="accent1"/>
-          </a:effectRef>
-          <a:fontRef idx="minor">
-            <a:schemeClr val="lt1"/>
-          </a:fontRef>
-        </p:style>
-        <p:txBody>
-          <a:bodyPr rtlCol="0" anchor="ctr"/>
-          <a:lstStyle/>
-          <a:p>
-            <a:pPr algn="ctr"/>
-            <a:endParaRPr lang="en-US"/>
-          </a:p>
-        </p:txBody>
-      </p:sp>
-      <p:sp>
-        <p:nvSpPr>
-          <p:cNvPr id="16" name="Title 1">
-            <a:extLst>
-              <a:ext uri="{FF2B5EF4-FFF2-40B4-BE49-F238E27FC236}">
-                <a16:creationId xmlns:a16="http://schemas.microsoft.com/office/drawing/2014/main" id="{2F529C30-57C4-DE42-8CC6-5E655718A816}"/>
-              </a:ext>
-            </a:extLst>
-          </p:cNvPr>
-          <p:cNvSpPr>
-            <a:spLocks noGrp="1"/>
-          </p:cNvSpPr>
-          <p:nvPr>
-            <p:ph type="title"/>
-          </p:nvPr>
-        </p:nvSpPr>
-        <p:spPr>
-          <a:xfrm>
-            <a:off x="643467" y="321735"/>
-            <a:ext cx="10905066" cy="634806"/>
-          </a:xfrm>
-        </p:spPr>
-        <p:txBody>
-          <a:bodyPr>
-            <a:normAutofit/>
-          </a:bodyPr>
-          <a:lstStyle/>
-          <a:p>
-            <a:pPr algn="ctr"/>
-            <a:r>
-              <a:rPr lang="en-US" sz="3600" b="1" cap="none" dirty="0">
-                <a:latin typeface="Calibri" panose="020F0502020204030204" pitchFamily="34" charset="0"/>
-                <a:cs typeface="Calibri" panose="020F0502020204030204" pitchFamily="34" charset="0"/>
-              </a:rPr>
-              <a:t>Attrition based on Job Role and Job Satisfaction</a:t>
-            </a:r>
-          </a:p>
-        </p:txBody>
-      </p:sp>
-      <p:pic>
-        <p:nvPicPr>
-          <p:cNvPr id="17" name="Picture 16">
-            <a:extLst>
-              <a:ext uri="{FF2B5EF4-FFF2-40B4-BE49-F238E27FC236}">
-                <a16:creationId xmlns:a16="http://schemas.microsoft.com/office/drawing/2014/main" id="{A1F69826-2388-A34C-BA65-A5D02C5B373D}"/>
+                <a16:creationId xmlns:a16="http://schemas.microsoft.com/office/drawing/2014/main" id="{E2C0D4C9-E479-48F1-A4D2-35AB3BA25D8D}"/>
               </a:ext>
             </a:extLst>
           </p:cNvPr>
@@ -14544,14 +15755,268 @@
         </p:blipFill>
         <p:spPr>
           <a:xfrm>
-            <a:off x="2310917" y="1396420"/>
-            <a:ext cx="7570165" cy="5461580"/>
+            <a:off x="2026840" y="1290061"/>
+            <a:ext cx="8138320" cy="5422143"/>
           </a:xfrm>
           <a:prstGeom prst="rect">
             <a:avLst/>
           </a:prstGeom>
         </p:spPr>
       </p:pic>
+      <p:sp>
+        <p:nvSpPr>
+          <p:cNvPr id="5" name="Right Triangle 4">
+            <a:extLst>
+              <a:ext uri="{FF2B5EF4-FFF2-40B4-BE49-F238E27FC236}">
+                <a16:creationId xmlns:a16="http://schemas.microsoft.com/office/drawing/2014/main" id="{5488A745-4D79-6747-B65A-803B31C1F8B4}"/>
+              </a:ext>
+            </a:extLst>
+          </p:cNvPr>
+          <p:cNvSpPr/>
+          <p:nvPr/>
+        </p:nvSpPr>
+        <p:spPr>
+          <a:xfrm rot="13068536">
+            <a:off x="-809065" y="4275183"/>
+            <a:ext cx="1600200" cy="2061882"/>
+          </a:xfrm>
+          <a:prstGeom prst="rtTriangle">
+            <a:avLst/>
+          </a:prstGeom>
+          <a:solidFill>
+            <a:srgbClr val="44E4C4"/>
+          </a:solidFill>
+          <a:ln>
+            <a:solidFill>
+              <a:srgbClr val="44E4C4"/>
+            </a:solidFill>
+          </a:ln>
+        </p:spPr>
+        <p:style>
+          <a:lnRef idx="2">
+            <a:schemeClr val="accent1">
+              <a:shade val="50000"/>
+            </a:schemeClr>
+          </a:lnRef>
+          <a:fillRef idx="1">
+            <a:schemeClr val="accent1"/>
+          </a:fillRef>
+          <a:effectRef idx="0">
+            <a:schemeClr val="accent1"/>
+          </a:effectRef>
+          <a:fontRef idx="minor">
+            <a:schemeClr val="lt1"/>
+          </a:fontRef>
+        </p:style>
+        <p:txBody>
+          <a:bodyPr rtlCol="0" anchor="ctr"/>
+          <a:lstStyle/>
+          <a:p>
+            <a:pPr algn="ctr"/>
+            <a:endParaRPr lang="en-US"/>
+          </a:p>
+        </p:txBody>
+      </p:sp>
+      <p:sp>
+        <p:nvSpPr>
+          <p:cNvPr id="6" name="Rectangle 5">
+            <a:extLst>
+              <a:ext uri="{FF2B5EF4-FFF2-40B4-BE49-F238E27FC236}">
+                <a16:creationId xmlns:a16="http://schemas.microsoft.com/office/drawing/2014/main" id="{67C63295-B221-9A4E-BA44-2C4B26CF7FDE}"/>
+              </a:ext>
+            </a:extLst>
+          </p:cNvPr>
+          <p:cNvSpPr/>
+          <p:nvPr/>
+        </p:nvSpPr>
+        <p:spPr>
+          <a:xfrm rot="2351297">
+            <a:off x="281204" y="5024303"/>
+            <a:ext cx="880169" cy="978559"/>
+          </a:xfrm>
+          <a:prstGeom prst="rect">
+            <a:avLst/>
+          </a:prstGeom>
+          <a:solidFill>
+            <a:srgbClr val="2E27C7">
+              <a:alpha val="80000"/>
+            </a:srgbClr>
+          </a:solidFill>
+        </p:spPr>
+        <p:style>
+          <a:lnRef idx="2">
+            <a:schemeClr val="accent1">
+              <a:shade val="50000"/>
+            </a:schemeClr>
+          </a:lnRef>
+          <a:fillRef idx="1">
+            <a:schemeClr val="accent1"/>
+          </a:fillRef>
+          <a:effectRef idx="0">
+            <a:schemeClr val="accent1"/>
+          </a:effectRef>
+          <a:fontRef idx="minor">
+            <a:schemeClr val="lt1"/>
+          </a:fontRef>
+        </p:style>
+        <p:txBody>
+          <a:bodyPr rtlCol="0" anchor="ctr"/>
+          <a:lstStyle/>
+          <a:p>
+            <a:pPr algn="ctr"/>
+            <a:endParaRPr lang="en-US"/>
+          </a:p>
+        </p:txBody>
+      </p:sp>
+      <p:sp>
+        <p:nvSpPr>
+          <p:cNvPr id="7" name="Right Triangle 6">
+            <a:extLst>
+              <a:ext uri="{FF2B5EF4-FFF2-40B4-BE49-F238E27FC236}">
+                <a16:creationId xmlns:a16="http://schemas.microsoft.com/office/drawing/2014/main" id="{E9A9D123-E73C-5749-962A-D162E22D504C}"/>
+              </a:ext>
+            </a:extLst>
+          </p:cNvPr>
+          <p:cNvSpPr/>
+          <p:nvPr/>
+        </p:nvSpPr>
+        <p:spPr>
+          <a:xfrm rot="2259401">
+            <a:off x="11399428" y="428828"/>
+            <a:ext cx="1600200" cy="2066544"/>
+          </a:xfrm>
+          <a:prstGeom prst="rtTriangle">
+            <a:avLst/>
+          </a:prstGeom>
+          <a:solidFill>
+            <a:srgbClr val="2E27C7"/>
+          </a:solidFill>
+          <a:ln>
+            <a:solidFill>
+              <a:srgbClr val="2E27C7"/>
+            </a:solidFill>
+          </a:ln>
+        </p:spPr>
+        <p:style>
+          <a:lnRef idx="2">
+            <a:schemeClr val="accent1">
+              <a:shade val="50000"/>
+            </a:schemeClr>
+          </a:lnRef>
+          <a:fillRef idx="1">
+            <a:schemeClr val="accent1"/>
+          </a:fillRef>
+          <a:effectRef idx="0">
+            <a:schemeClr val="accent1"/>
+          </a:effectRef>
+          <a:fontRef idx="minor">
+            <a:schemeClr val="lt1"/>
+          </a:fontRef>
+        </p:style>
+        <p:txBody>
+          <a:bodyPr rtlCol="0" anchor="ctr"/>
+          <a:lstStyle/>
+          <a:p>
+            <a:pPr algn="ctr"/>
+            <a:endParaRPr lang="en-US"/>
+          </a:p>
+        </p:txBody>
+      </p:sp>
+      <p:sp>
+        <p:nvSpPr>
+          <p:cNvPr id="8" name="Rectangle 7">
+            <a:extLst>
+              <a:ext uri="{FF2B5EF4-FFF2-40B4-BE49-F238E27FC236}">
+                <a16:creationId xmlns:a16="http://schemas.microsoft.com/office/drawing/2014/main" id="{523C82C0-70C3-B347-A9AA-B75D37C19777}"/>
+              </a:ext>
+            </a:extLst>
+          </p:cNvPr>
+          <p:cNvSpPr/>
+          <p:nvPr/>
+        </p:nvSpPr>
+        <p:spPr>
+          <a:xfrm rot="13164033">
+            <a:off x="11030256" y="1657834"/>
+            <a:ext cx="880169" cy="978559"/>
+          </a:xfrm>
+          <a:prstGeom prst="rect">
+            <a:avLst/>
+          </a:prstGeom>
+          <a:solidFill>
+            <a:srgbClr val="44E4C4">
+              <a:alpha val="80000"/>
+            </a:srgbClr>
+          </a:solidFill>
+          <a:ln>
+            <a:solidFill>
+              <a:srgbClr val="44E4C4"/>
+            </a:solidFill>
+          </a:ln>
+        </p:spPr>
+        <p:style>
+          <a:lnRef idx="2">
+            <a:schemeClr val="accent1">
+              <a:shade val="50000"/>
+            </a:schemeClr>
+          </a:lnRef>
+          <a:fillRef idx="1">
+            <a:schemeClr val="accent1"/>
+          </a:fillRef>
+          <a:effectRef idx="0">
+            <a:schemeClr val="accent1"/>
+          </a:effectRef>
+          <a:fontRef idx="minor">
+            <a:schemeClr val="lt1"/>
+          </a:fontRef>
+        </p:style>
+        <p:txBody>
+          <a:bodyPr rtlCol="0" anchor="ctr"/>
+          <a:lstStyle/>
+          <a:p>
+            <a:pPr algn="ctr"/>
+            <a:endParaRPr lang="en-US"/>
+          </a:p>
+        </p:txBody>
+      </p:sp>
+      <p:sp>
+        <p:nvSpPr>
+          <p:cNvPr id="16" name="Title 1">
+            <a:extLst>
+              <a:ext uri="{FF2B5EF4-FFF2-40B4-BE49-F238E27FC236}">
+                <a16:creationId xmlns:a16="http://schemas.microsoft.com/office/drawing/2014/main" id="{2F529C30-57C4-DE42-8CC6-5E655718A816}"/>
+              </a:ext>
+            </a:extLst>
+          </p:cNvPr>
+          <p:cNvSpPr>
+            <a:spLocks noGrp="1"/>
+          </p:cNvSpPr>
+          <p:nvPr>
+            <p:ph type="title"/>
+          </p:nvPr>
+        </p:nvSpPr>
+        <p:spPr>
+          <a:xfrm>
+            <a:off x="643467" y="321735"/>
+            <a:ext cx="10905066" cy="634806"/>
+          </a:xfrm>
+        </p:spPr>
+        <p:txBody>
+          <a:bodyPr>
+            <a:normAutofit/>
+          </a:bodyPr>
+          <a:lstStyle/>
+          <a:p>
+            <a:pPr algn="ctr"/>
+            <a:r>
+              <a:rPr lang="en-US" sz="3600" b="1" cap="none" dirty="0">
+                <a:latin typeface="Calibri" panose="020F0502020204030204" pitchFamily="34" charset="0"/>
+                <a:cs typeface="Calibri" panose="020F0502020204030204" pitchFamily="34" charset="0"/>
+              </a:rPr>
+              <a:t>Attrition based on Job Role and Job Satisfaction</a:t>
+            </a:r>
+          </a:p>
+        </p:txBody>
+      </p:sp>
       <p:sp>
         <p:nvSpPr>
           <p:cNvPr id="2" name="Frame 1">
@@ -14566,8 +16031,8 @@
         </p:nvSpPr>
         <p:spPr>
           <a:xfrm>
-            <a:off x="6963507" y="1641231"/>
-            <a:ext cx="2110155" cy="1664677"/>
+            <a:off x="7019365" y="1620312"/>
+            <a:ext cx="2299447" cy="1566641"/>
           </a:xfrm>
           <a:prstGeom prst="frame">
             <a:avLst>
@@ -14626,8 +16091,8 @@
         </p:nvSpPr>
         <p:spPr>
           <a:xfrm>
-            <a:off x="6940061" y="4856278"/>
-            <a:ext cx="2133601" cy="1849322"/>
+            <a:off x="2143228" y="4666129"/>
+            <a:ext cx="7175584" cy="1828800"/>
           </a:xfrm>
           <a:prstGeom prst="frame">
             <a:avLst>
@@ -14640,126 +16105,6 @@
           <a:ln>
             <a:solidFill>
               <a:srgbClr val="C00000"/>
-            </a:solidFill>
-          </a:ln>
-        </p:spPr>
-        <p:style>
-          <a:lnRef idx="2">
-            <a:schemeClr val="accent1">
-              <a:shade val="50000"/>
-            </a:schemeClr>
-          </a:lnRef>
-          <a:fillRef idx="1">
-            <a:schemeClr val="accent1"/>
-          </a:fillRef>
-          <a:effectRef idx="0">
-            <a:schemeClr val="accent1"/>
-          </a:effectRef>
-          <a:fontRef idx="minor">
-            <a:schemeClr val="lt1"/>
-          </a:fontRef>
-        </p:style>
-        <p:txBody>
-          <a:bodyPr rtlCol="0" anchor="ctr"/>
-          <a:lstStyle/>
-          <a:p>
-            <a:pPr algn="ctr"/>
-            <a:endParaRPr lang="en-US">
-              <a:solidFill>
-                <a:schemeClr val="tx1"/>
-              </a:solidFill>
-            </a:endParaRPr>
-          </a:p>
-        </p:txBody>
-      </p:sp>
-      <p:sp>
-        <p:nvSpPr>
-          <p:cNvPr id="9" name="Frame 8">
-            <a:extLst>
-              <a:ext uri="{FF2B5EF4-FFF2-40B4-BE49-F238E27FC236}">
-                <a16:creationId xmlns:a16="http://schemas.microsoft.com/office/drawing/2014/main" id="{34F14F9C-B97D-4A30-803F-EA9600784317}"/>
-              </a:ext>
-            </a:extLst>
-          </p:cNvPr>
-          <p:cNvSpPr/>
-          <p:nvPr/>
-        </p:nvSpPr>
-        <p:spPr>
-          <a:xfrm>
-            <a:off x="4970585" y="1641231"/>
-            <a:ext cx="2110155" cy="1664677"/>
-          </a:xfrm>
-          <a:prstGeom prst="frame">
-            <a:avLst>
-              <a:gd name="adj1" fmla="val 3320"/>
-            </a:avLst>
-          </a:prstGeom>
-          <a:solidFill>
-            <a:srgbClr val="92D050"/>
-          </a:solidFill>
-          <a:ln>
-            <a:solidFill>
-              <a:srgbClr val="00B050"/>
-            </a:solidFill>
-          </a:ln>
-        </p:spPr>
-        <p:style>
-          <a:lnRef idx="2">
-            <a:schemeClr val="accent1">
-              <a:shade val="50000"/>
-            </a:schemeClr>
-          </a:lnRef>
-          <a:fillRef idx="1">
-            <a:schemeClr val="accent1"/>
-          </a:fillRef>
-          <a:effectRef idx="0">
-            <a:schemeClr val="accent1"/>
-          </a:effectRef>
-          <a:fontRef idx="minor">
-            <a:schemeClr val="lt1"/>
-          </a:fontRef>
-        </p:style>
-        <p:txBody>
-          <a:bodyPr rtlCol="0" anchor="ctr"/>
-          <a:lstStyle/>
-          <a:p>
-            <a:pPr algn="ctr"/>
-            <a:endParaRPr lang="en-US">
-              <a:solidFill>
-                <a:schemeClr val="tx1"/>
-              </a:solidFill>
-            </a:endParaRPr>
-          </a:p>
-        </p:txBody>
-      </p:sp>
-      <p:sp>
-        <p:nvSpPr>
-          <p:cNvPr id="10" name="Frame 9">
-            <a:extLst>
-              <a:ext uri="{FF2B5EF4-FFF2-40B4-BE49-F238E27FC236}">
-                <a16:creationId xmlns:a16="http://schemas.microsoft.com/office/drawing/2014/main" id="{3796E97E-BE5B-4E51-B4E3-9702DE2EC894}"/>
-              </a:ext>
-            </a:extLst>
-          </p:cNvPr>
-          <p:cNvSpPr/>
-          <p:nvPr/>
-        </p:nvSpPr>
-        <p:spPr>
-          <a:xfrm>
-            <a:off x="2473569" y="4856278"/>
-            <a:ext cx="4607171" cy="1849322"/>
-          </a:xfrm>
-          <a:prstGeom prst="frame">
-            <a:avLst>
-              <a:gd name="adj1" fmla="val 2936"/>
-            </a:avLst>
-          </a:prstGeom>
-          <a:solidFill>
-            <a:srgbClr val="92D050"/>
-          </a:solidFill>
-          <a:ln>
-            <a:solidFill>
-              <a:srgbClr val="00B050"/>
             </a:solidFill>
           </a:ln>
         </p:spPr>
@@ -14898,182 +16243,6 @@
                       </p:childTnLst>
                     </p:cTn>
                   </p:par>
-                  <p:par>
-                    <p:cTn id="11" fill="hold">
-                      <p:stCondLst>
-                        <p:cond delay="indefinite"/>
-                      </p:stCondLst>
-                      <p:childTnLst>
-                        <p:par>
-                          <p:cTn id="12" fill="hold">
-                            <p:stCondLst>
-                              <p:cond delay="0"/>
-                            </p:stCondLst>
-                            <p:childTnLst>
-                              <p:par>
-                                <p:cTn id="13" presetID="10" presetClass="exit" presetSubtype="0" fill="hold" grpId="1" nodeType="clickEffect">
-                                  <p:stCondLst>
-                                    <p:cond delay="0"/>
-                                  </p:stCondLst>
-                                  <p:childTnLst>
-                                    <p:animEffect transition="out" filter="fade">
-                                      <p:cBhvr>
-                                        <p:cTn id="14" dur="500"/>
-                                        <p:tgtEl>
-                                          <p:spTgt spid="4"/>
-                                        </p:tgtEl>
-                                      </p:cBhvr>
-                                    </p:animEffect>
-                                    <p:set>
-                                      <p:cBhvr>
-                                        <p:cTn id="15" dur="1" fill="hold">
-                                          <p:stCondLst>
-                                            <p:cond delay="499"/>
-                                          </p:stCondLst>
-                                        </p:cTn>
-                                        <p:tgtEl>
-                                          <p:spTgt spid="4"/>
-                                        </p:tgtEl>
-                                        <p:attrNameLst>
-                                          <p:attrName>style.visibility</p:attrName>
-                                        </p:attrNameLst>
-                                      </p:cBhvr>
-                                      <p:to>
-                                        <p:strVal val="hidden"/>
-                                      </p:to>
-                                    </p:set>
-                                  </p:childTnLst>
-                                </p:cTn>
-                              </p:par>
-                              <p:par>
-                                <p:cTn id="16" presetID="10" presetClass="exit" presetSubtype="0" fill="hold" grpId="1" nodeType="withEffect">
-                                  <p:stCondLst>
-                                    <p:cond delay="0"/>
-                                  </p:stCondLst>
-                                  <p:childTnLst>
-                                    <p:animEffect transition="out" filter="fade">
-                                      <p:cBhvr>
-                                        <p:cTn id="17" dur="500"/>
-                                        <p:tgtEl>
-                                          <p:spTgt spid="2"/>
-                                        </p:tgtEl>
-                                      </p:cBhvr>
-                                    </p:animEffect>
-                                    <p:set>
-                                      <p:cBhvr>
-                                        <p:cTn id="18" dur="1" fill="hold">
-                                          <p:stCondLst>
-                                            <p:cond delay="499"/>
-                                          </p:stCondLst>
-                                        </p:cTn>
-                                        <p:tgtEl>
-                                          <p:spTgt spid="2"/>
-                                        </p:tgtEl>
-                                        <p:attrNameLst>
-                                          <p:attrName>style.visibility</p:attrName>
-                                        </p:attrNameLst>
-                                      </p:cBhvr>
-                                      <p:to>
-                                        <p:strVal val="hidden"/>
-                                      </p:to>
-                                    </p:set>
-                                  </p:childTnLst>
-                                </p:cTn>
-                              </p:par>
-                            </p:childTnLst>
-                          </p:cTn>
-                        </p:par>
-                      </p:childTnLst>
-                    </p:cTn>
-                  </p:par>
-                  <p:par>
-                    <p:cTn id="19" fill="hold">
-                      <p:stCondLst>
-                        <p:cond delay="indefinite"/>
-                      </p:stCondLst>
-                      <p:childTnLst>
-                        <p:par>
-                          <p:cTn id="20" fill="hold">
-                            <p:stCondLst>
-                              <p:cond delay="0"/>
-                            </p:stCondLst>
-                            <p:childTnLst>
-                              <p:par>
-                                <p:cTn id="21" presetID="10" presetClass="entr" presetSubtype="0" fill="hold" grpId="0" nodeType="clickEffect">
-                                  <p:stCondLst>
-                                    <p:cond delay="0"/>
-                                  </p:stCondLst>
-                                  <p:childTnLst>
-                                    <p:set>
-                                      <p:cBhvr>
-                                        <p:cTn id="22" dur="1" fill="hold">
-                                          <p:stCondLst>
-                                            <p:cond delay="0"/>
-                                          </p:stCondLst>
-                                        </p:cTn>
-                                        <p:tgtEl>
-                                          <p:spTgt spid="9"/>
-                                        </p:tgtEl>
-                                        <p:attrNameLst>
-                                          <p:attrName>style.visibility</p:attrName>
-                                        </p:attrNameLst>
-                                      </p:cBhvr>
-                                      <p:to>
-                                        <p:strVal val="visible"/>
-                                      </p:to>
-                                    </p:set>
-                                    <p:animEffect transition="in" filter="fade">
-                                      <p:cBhvr>
-                                        <p:cTn id="23" dur="500"/>
-                                        <p:tgtEl>
-                                          <p:spTgt spid="9"/>
-                                        </p:tgtEl>
-                                      </p:cBhvr>
-                                    </p:animEffect>
-                                  </p:childTnLst>
-                                </p:cTn>
-                              </p:par>
-                              <p:par>
-                                <p:cTn id="24" presetID="10" presetClass="entr" presetSubtype="0" fill="hold" grpId="0" nodeType="withEffect">
-                                  <p:stCondLst>
-                                    <p:cond delay="0"/>
-                                  </p:stCondLst>
-                                  <p:childTnLst>
-                                    <p:set>
-                                      <p:cBhvr>
-                                        <p:cTn id="25" dur="1" fill="hold">
-                                          <p:stCondLst>
-                                            <p:cond delay="0"/>
-                                          </p:stCondLst>
-                                        </p:cTn>
-                                        <p:tgtEl>
-                                          <p:spTgt spid="10"/>
-                                        </p:tgtEl>
-                                        <p:attrNameLst>
-                                          <p:attrName>style.visibility</p:attrName>
-                                        </p:attrNameLst>
-                                      </p:cBhvr>
-                                      <p:to>
-                                        <p:strVal val="visible"/>
-                                      </p:to>
-                                    </p:set>
-                                    <p:animEffect transition="in" filter="fade">
-                                      <p:cBhvr>
-                                        <p:cTn id="26" dur="500"/>
-                                        <p:tgtEl>
-                                          <p:spTgt spid="10"/>
-                                        </p:tgtEl>
-                                      </p:cBhvr>
-                                    </p:animEffect>
-                                  </p:childTnLst>
-                                </p:cTn>
-                              </p:par>
-                            </p:childTnLst>
-                          </p:cTn>
-                        </p:par>
-                      </p:childTnLst>
-                    </p:cTn>
-                  </p:par>
                 </p:childTnLst>
               </p:cTn>
               <p:prevCondLst>
@@ -15097,11 +16266,7 @@
     </p:tnLst>
     <p:bldLst>
       <p:bldP spid="2" grpId="0" animBg="1"/>
-      <p:bldP spid="2" grpId="1" animBg="1"/>
       <p:bldP spid="4" grpId="0" animBg="1"/>
-      <p:bldP spid="4" grpId="1" animBg="1"/>
-      <p:bldP spid="9" grpId="0" animBg="1"/>
-      <p:bldP spid="10" grpId="0" animBg="1"/>
     </p:bldLst>
   </p:timing>
 </p:sld>

--- a/DDS_Project_2_Presentation.pptx
+++ b/DDS_Project_2_Presentation.pptx
@@ -136,7 +136,7 @@
 <file path=ppt/revisionInfo.xml><?xml version="1.0" encoding="utf-8"?>
 <p1510:revInfo xmlns:a="http://schemas.openxmlformats.org/drawingml/2006/main" xmlns:r="http://schemas.openxmlformats.org/officeDocument/2006/relationships" xmlns:p1510="http://schemas.microsoft.com/office/powerpoint/2015/10/main">
   <p1510:revLst>
-    <p1510:client id="{F72F3FB8-19C0-4758-9009-50FF7556B545}" v="678" dt="2021-12-11T04:16:25.889"/>
+    <p1510:client id="{F72F3FB8-19C0-4758-9009-50FF7556B545}" v="679" dt="2021-12-11T04:21:55.248"/>
   </p1510:revLst>
 </p1510:revInfo>
 </file>
@@ -146,7 +146,7 @@
   <pc:docChgLst>
     <pc:chgData name="Pandey, Shikha" userId="62b2c247-44c0-476d-a294-f01c5623c9dc" providerId="ADAL" clId="{F72F3FB8-19C0-4758-9009-50FF7556B545}"/>
     <pc:docChg chg="undo redo custSel addSld delSld modSld sldOrd">
-      <pc:chgData name="Pandey, Shikha" userId="62b2c247-44c0-476d-a294-f01c5623c9dc" providerId="ADAL" clId="{F72F3FB8-19C0-4758-9009-50FF7556B545}" dt="2021-12-11T04:16:25.889" v="2592" actId="20577"/>
+      <pc:chgData name="Pandey, Shikha" userId="62b2c247-44c0-476d-a294-f01c5623c9dc" providerId="ADAL" clId="{F72F3FB8-19C0-4758-9009-50FF7556B545}" dt="2021-12-11T04:21:55.248" v="2593" actId="20577"/>
       <pc:docMkLst>
         <pc:docMk/>
       </pc:docMkLst>
@@ -2077,7 +2077,7 @@
         </pc:picChg>
       </pc:sldChg>
       <pc:sldChg chg="addSp delSp modSp add mod modAnim">
-        <pc:chgData name="Pandey, Shikha" userId="62b2c247-44c0-476d-a294-f01c5623c9dc" providerId="ADAL" clId="{F72F3FB8-19C0-4758-9009-50FF7556B545}" dt="2021-12-11T04:16:25.889" v="2592" actId="20577"/>
+        <pc:chgData name="Pandey, Shikha" userId="62b2c247-44c0-476d-a294-f01c5623c9dc" providerId="ADAL" clId="{F72F3FB8-19C0-4758-9009-50FF7556B545}" dt="2021-12-11T04:21:55.248" v="2593" actId="20577"/>
         <pc:sldMkLst>
           <pc:docMk/>
           <pc:sldMk cId="2066871153" sldId="308"/>
@@ -2099,7 +2099,7 @@
           </ac:spMkLst>
         </pc:spChg>
         <pc:spChg chg="mod">
-          <ac:chgData name="Pandey, Shikha" userId="62b2c247-44c0-476d-a294-f01c5623c9dc" providerId="ADAL" clId="{F72F3FB8-19C0-4758-9009-50FF7556B545}" dt="2021-12-11T04:16:25.889" v="2592" actId="20577"/>
+          <ac:chgData name="Pandey, Shikha" userId="62b2c247-44c0-476d-a294-f01c5623c9dc" providerId="ADAL" clId="{F72F3FB8-19C0-4758-9009-50FF7556B545}" dt="2021-12-11T04:21:55.248" v="2593" actId="20577"/>
           <ac:spMkLst>
             <pc:docMk/>
             <pc:sldMk cId="2066871153" sldId="308"/>
@@ -12610,8 +12610,19 @@
                 <a:latin typeface="Calibri" panose="020F0502020204030204" pitchFamily="34" charset="0"/>
                 <a:cs typeface="Calibri" panose="020F0502020204030204" pitchFamily="34" charset="0"/>
               </a:rPr>
-              <a:t>to predict salary had an RMSE of 1080 and P-Value of &lt; 2.2e-16</a:t>
+              <a:t>to predict salary had an RMSE of 1080 and P-Value of </a:t>
             </a:r>
+            <a:r>
+              <a:rPr lang="en-US">
+                <a:latin typeface="Calibri" panose="020F0502020204030204" pitchFamily="34" charset="0"/>
+                <a:cs typeface="Calibri" panose="020F0502020204030204" pitchFamily="34" charset="0"/>
+              </a:rPr>
+              <a:t>&lt; 2.2e-16.</a:t>
+            </a:r>
+            <a:endParaRPr lang="en-US" dirty="0">
+              <a:latin typeface="Calibri" panose="020F0502020204030204" pitchFamily="34" charset="0"/>
+              <a:cs typeface="Calibri" panose="020F0502020204030204" pitchFamily="34" charset="0"/>
+            </a:endParaRPr>
           </a:p>
           <a:p>
             <a:pPr marL="457200" lvl="1" indent="0">

--- a/DDS_Project_2_Presentation.pptx
+++ b/DDS_Project_2_Presentation.pptx
@@ -2306,7 +2306,7 @@
           <a:p>
             <a:fld id="{23FEA57E-7C1A-457B-A4CD-5DCEB057B502}" type="datetime1">
               <a:rPr lang="en-US" smtClean="0"/>
-              <a:t>12/10/2021</a:t>
+              <a:t>12/11/21</a:t>
             </a:fld>
             <a:endParaRPr lang="en-US" dirty="0"/>
           </a:p>
@@ -2480,7 +2480,7 @@
           <a:p>
             <a:fld id="{11789749-A4CD-447F-8298-2B7988C91CEA}" type="datetime1">
               <a:rPr lang="en-US" smtClean="0"/>
-              <a:t>12/10/2021</a:t>
+              <a:t>12/11/21</a:t>
             </a:fld>
             <a:endParaRPr lang="en-US"/>
           </a:p>
@@ -2664,7 +2664,7 @@
           <a:p>
             <a:fld id="{BA0444D3-C0BA-4587-A56C-581AB9F841BE}" type="datetime1">
               <a:rPr lang="en-US" smtClean="0"/>
-              <a:t>12/10/2021</a:t>
+              <a:t>12/11/21</a:t>
             </a:fld>
             <a:endParaRPr lang="en-US"/>
           </a:p>
@@ -2837,7 +2837,7 @@
           <a:p>
             <a:fld id="{201AF2CE-4F37-411C-A3EE-BBBE223265BF}" type="datetime1">
               <a:rPr lang="en-US" smtClean="0"/>
-              <a:t>12/10/2021</a:t>
+              <a:t>12/11/21</a:t>
             </a:fld>
             <a:endParaRPr lang="en-US"/>
           </a:p>
@@ -3086,7 +3086,7 @@
           <a:p>
             <a:fld id="{C96083D4-708C-4BB5-B4FD-30CE9FA12FD5}" type="datetime1">
               <a:rPr lang="en-US" smtClean="0"/>
-              <a:t>12/10/2021</a:t>
+              <a:t>12/11/21</a:t>
             </a:fld>
             <a:endParaRPr lang="en-US"/>
           </a:p>
@@ -3322,7 +3322,7 @@
           <a:p>
             <a:fld id="{D0D239B2-65BC-4C2A-A62B-3EABFE9590E4}" type="datetime1">
               <a:rPr lang="en-US" smtClean="0"/>
-              <a:t>12/10/2021</a:t>
+              <a:t>12/11/21</a:t>
             </a:fld>
             <a:endParaRPr lang="en-US"/>
           </a:p>
@@ -3692,7 +3692,7 @@
           <a:p>
             <a:fld id="{85E05F5A-E4A3-476F-A89E-C2B73F2431E4}" type="datetime1">
               <a:rPr lang="en-US" smtClean="0"/>
-              <a:t>12/10/2021</a:t>
+              <a:t>12/11/21</a:t>
             </a:fld>
             <a:endParaRPr lang="en-US"/>
           </a:p>
@@ -3813,7 +3813,7 @@
           <a:p>
             <a:fld id="{E3761515-4A26-4F31-9F61-5A10B1FABBFC}" type="datetime1">
               <a:rPr lang="en-US" smtClean="0"/>
-              <a:t>12/10/2021</a:t>
+              <a:t>12/11/21</a:t>
             </a:fld>
             <a:endParaRPr lang="en-US"/>
           </a:p>
@@ -3911,7 +3911,7 @@
           <a:p>
             <a:fld id="{4A75DC65-7D1F-4BAB-9695-F7E734143E14}" type="datetime1">
               <a:rPr lang="en-US" smtClean="0"/>
-              <a:t>12/10/2021</a:t>
+              <a:t>12/11/21</a:t>
             </a:fld>
             <a:endParaRPr lang="en-US"/>
           </a:p>
@@ -4191,7 +4191,7 @@
           <a:p>
             <a:fld id="{7E624077-BD55-4036-8E92-6558FDF3B653}" type="datetime1">
               <a:rPr lang="en-US" smtClean="0"/>
-              <a:t>12/10/2021</a:t>
+              <a:t>12/11/21</a:t>
             </a:fld>
             <a:endParaRPr lang="en-US"/>
           </a:p>
@@ -4451,7 +4451,7 @@
           <a:p>
             <a:fld id="{804225F2-7107-4609-BCC2-77C63064A5E8}" type="datetime1">
               <a:rPr lang="en-US" smtClean="0"/>
-              <a:t>12/10/2021</a:t>
+              <a:t>12/11/21</a:t>
             </a:fld>
             <a:endParaRPr lang="en-US"/>
           </a:p>
@@ -4667,7 +4667,7 @@
           <a:p>
             <a:fld id="{D3FE42E8-8B57-452D-A122-4DCE9AC771EF}" type="datetime1">
               <a:rPr lang="en-US" smtClean="0"/>
-              <a:t>12/10/2021</a:t>
+              <a:t>12/11/21</a:t>
             </a:fld>
             <a:endParaRPr lang="en-US"/>
           </a:p>
@@ -5064,6 +5064,17 @@
 <file path=ppt/slides/slide1.xml><?xml version="1.0" encoding="utf-8"?>
 <p:sld xmlns:a="http://schemas.openxmlformats.org/drawingml/2006/main" xmlns:r="http://schemas.openxmlformats.org/officeDocument/2006/relationships" xmlns:p="http://schemas.openxmlformats.org/presentationml/2006/main">
   <p:cSld>
+    <p:bg>
+      <p:bgPr>
+        <a:solidFill>
+          <a:schemeClr val="bg1">
+            <a:tint val="95000"/>
+            <a:satMod val="170000"/>
+          </a:schemeClr>
+        </a:solidFill>
+        <a:effectLst/>
+      </p:bgPr>
+    </p:bg>
     <p:spTree>
       <p:nvGrpSpPr>
         <p:cNvPr id="1" name=""/>
@@ -5078,74 +5089,91 @@
           <a:chExt cx="0" cy="0"/>
         </a:xfrm>
       </p:grpSpPr>
-      <p:pic>
-        <p:nvPicPr>
-          <p:cNvPr id="4" name="Picture 3" descr="Digital financial graph">
+      <p:sp>
+        <p:nvSpPr>
+          <p:cNvPr id="2" name="Title 1">
             <a:extLst>
               <a:ext uri="{FF2B5EF4-FFF2-40B4-BE49-F238E27FC236}">
-                <a16:creationId xmlns:a16="http://schemas.microsoft.com/office/drawing/2014/main" id="{744A3A76-5E31-4CB8-B7CA-3A49A5C8B7A5}"/>
+                <a16:creationId xmlns:a16="http://schemas.microsoft.com/office/drawing/2014/main" id="{73D37183-0856-4915-B9D2-E2787D0BA4B6}"/>
               </a:ext>
             </a:extLst>
           </p:cNvPr>
-          <p:cNvPicPr>
-            <a:picLocks noChangeAspect="1"/>
-          </p:cNvPicPr>
-          <p:nvPr/>
-        </p:nvPicPr>
-        <p:blipFill rotWithShape="1">
-          <a:blip r:embed="rId2"/>
-          <a:srcRect l="36697" t="9091" r="10227" b="-1"/>
-          <a:stretch/>
-        </p:blipFill>
+          <p:cNvSpPr>
+            <a:spLocks noGrp="1"/>
+          </p:cNvSpPr>
+          <p:nvPr>
+            <p:ph type="ctrTitle"/>
+          </p:nvPr>
+        </p:nvSpPr>
         <p:spPr>
           <a:xfrm>
-            <a:off x="20" y="584909"/>
-            <a:ext cx="5718616" cy="5509675"/>
-          </a:xfrm>
-          <a:custGeom>
-            <a:avLst/>
-            <a:gdLst/>
-            <a:ahLst/>
-            <a:cxnLst/>
-            <a:rect l="l" t="t" r="r" b="b"/>
-            <a:pathLst>
-              <a:path w="5718636" h="5509675">
-                <a:moveTo>
-                  <a:pt x="0" y="0"/>
-                </a:moveTo>
-                <a:lnTo>
-                  <a:pt x="2672821" y="0"/>
-                </a:lnTo>
-                <a:lnTo>
-                  <a:pt x="2673116" y="639"/>
-                </a:lnTo>
-                <a:lnTo>
-                  <a:pt x="3175662" y="639"/>
-                </a:lnTo>
-                <a:lnTo>
-                  <a:pt x="5718636" y="5509675"/>
-                </a:lnTo>
-                <a:lnTo>
-                  <a:pt x="502842" y="5509675"/>
-                </a:lnTo>
-                <a:lnTo>
-                  <a:pt x="502842" y="5509036"/>
-                </a:lnTo>
-                <a:lnTo>
-                  <a:pt x="0" y="5509036"/>
-                </a:lnTo>
-                <a:close/>
-              </a:path>
-            </a:pathLst>
-          </a:custGeom>
-        </p:spPr>
-      </p:pic>
-      <p:sp>
-        <p:nvSpPr>
-          <p:cNvPr id="33" name="Freeform: Shape 8">
+            <a:off x="6230271" y="3149443"/>
+            <a:ext cx="5242259" cy="1922251"/>
+          </a:xfrm>
+        </p:spPr>
+        <p:txBody>
+          <a:bodyPr anchor="t">
+            <a:normAutofit/>
+          </a:bodyPr>
+          <a:lstStyle/>
+          <a:p>
+            <a:pPr algn="l"/>
+            <a:r>
+              <a:rPr lang="en-US" sz="4800" b="1" cap="none" dirty="0"/>
+              <a:t>Project 2: Attrition Case Study</a:t>
+            </a:r>
+          </a:p>
+        </p:txBody>
+      </p:sp>
+      <p:sp>
+        <p:nvSpPr>
+          <p:cNvPr id="3" name="Subtitle 2">
             <a:extLst>
               <a:ext uri="{FF2B5EF4-FFF2-40B4-BE49-F238E27FC236}">
-                <a16:creationId xmlns:a16="http://schemas.microsoft.com/office/drawing/2014/main" id="{17CDB40A-75BB-4498-A20B-59C3984A3A94}"/>
+                <a16:creationId xmlns:a16="http://schemas.microsoft.com/office/drawing/2014/main" id="{9F4E3209-0930-4C8F-8474-9666A52C03A2}"/>
+              </a:ext>
+            </a:extLst>
+          </p:cNvPr>
+          <p:cNvSpPr>
+            <a:spLocks noGrp="1"/>
+          </p:cNvSpPr>
+          <p:nvPr>
+            <p:ph type="subTitle" idx="1"/>
+          </p:nvPr>
+        </p:nvSpPr>
+        <p:spPr>
+          <a:xfrm>
+            <a:off x="6310924" y="5071694"/>
+            <a:ext cx="5161606" cy="972180"/>
+          </a:xfrm>
+        </p:spPr>
+        <p:txBody>
+          <a:bodyPr anchor="b">
+            <a:normAutofit/>
+          </a:bodyPr>
+          <a:lstStyle/>
+          <a:p>
+            <a:pPr algn="l"/>
+            <a:r>
+              <a:rPr lang="en-US" sz="2000" dirty="0"/>
+              <a:t>Presented by: </a:t>
+            </a:r>
+          </a:p>
+          <a:p>
+            <a:pPr algn="l"/>
+            <a:r>
+              <a:rPr lang="en-US" sz="2000" dirty="0"/>
+              <a:t>Kevin Boyd and Shikha Pandey</a:t>
+            </a:r>
+          </a:p>
+        </p:txBody>
+      </p:sp>
+      <p:sp>
+        <p:nvSpPr>
+          <p:cNvPr id="38" name="Freeform: Shape 37">
+            <a:extLst>
+              <a:ext uri="{FF2B5EF4-FFF2-40B4-BE49-F238E27FC236}">
+                <a16:creationId xmlns:a16="http://schemas.microsoft.com/office/drawing/2014/main" id="{60B21A5C-062F-46C2-8389-53D40F46AA26}"/>
               </a:ext>
               <a:ext uri="{C183D7F6-B498-43B3-948B-1728B52AA6E4}">
                 <adec:decorative xmlns:adec="http://schemas.microsoft.com/office/drawing/2017/decorative" val="1"/>
@@ -5164,21 +5192,35 @@
           </p:nvPr>
         </p:nvSpPr>
         <p:spPr>
-          <a:xfrm flipH="1">
-            <a:off x="3842619" y="585526"/>
-            <a:ext cx="8349381" cy="5509038"/>
+          <a:xfrm>
+            <a:off x="1" y="483466"/>
+            <a:ext cx="5549037" cy="6374535"/>
           </a:xfrm>
           <a:custGeom>
             <a:avLst/>
             <a:gdLst>
-              <a:gd name="connsiteX0" fmla="*/ 0 w 8349381"/>
-              <a:gd name="connsiteY0" fmla="*/ 0 h 5509038"/>
-              <a:gd name="connsiteX1" fmla="*/ 8349381 w 8349381"/>
-              <a:gd name="connsiteY1" fmla="*/ 0 h 5509038"/>
-              <a:gd name="connsiteX2" fmla="*/ 5806407 w 8349381"/>
-              <a:gd name="connsiteY2" fmla="*/ 5509038 h 5509038"/>
-              <a:gd name="connsiteX3" fmla="*/ 0 w 8349381"/>
-              <a:gd name="connsiteY3" fmla="*/ 5509038 h 5509038"/>
+              <a:gd name="connsiteX0" fmla="*/ 2203019 w 5549037"/>
+              <a:gd name="connsiteY0" fmla="*/ 0 h 6374535"/>
+              <a:gd name="connsiteX1" fmla="*/ 5549037 w 5549037"/>
+              <a:gd name="connsiteY1" fmla="*/ 3346018 h 6374535"/>
+              <a:gd name="connsiteX2" fmla="*/ 3797930 w 5549037"/>
+              <a:gd name="connsiteY2" fmla="*/ 6288190 h 6374535"/>
+              <a:gd name="connsiteX3" fmla="*/ 3618689 w 5549037"/>
+              <a:gd name="connsiteY3" fmla="*/ 6374535 h 6374535"/>
+              <a:gd name="connsiteX4" fmla="*/ 779546 w 5549037"/>
+              <a:gd name="connsiteY4" fmla="*/ 6374535 h 6374535"/>
+              <a:gd name="connsiteX5" fmla="*/ 537516 w 5549037"/>
+              <a:gd name="connsiteY5" fmla="*/ 6248727 h 6374535"/>
+              <a:gd name="connsiteX6" fmla="*/ 74641 w 5549037"/>
+              <a:gd name="connsiteY6" fmla="*/ 5927968 h 6374535"/>
+              <a:gd name="connsiteX7" fmla="*/ 0 w 5549037"/>
+              <a:gd name="connsiteY7" fmla="*/ 5860130 h 6374535"/>
+              <a:gd name="connsiteX8" fmla="*/ 0 w 5549037"/>
+              <a:gd name="connsiteY8" fmla="*/ 831906 h 6374535"/>
+              <a:gd name="connsiteX9" fmla="*/ 74641 w 5549037"/>
+              <a:gd name="connsiteY9" fmla="*/ 764068 h 6374535"/>
+              <a:gd name="connsiteX10" fmla="*/ 2203019 w 5549037"/>
+              <a:gd name="connsiteY10" fmla="*/ 0 h 6374535"/>
             </a:gdLst>
             <a:ahLst/>
             <a:cxnLst>
@@ -5194,28 +5236,80 @@
               <a:cxn ang="0">
                 <a:pos x="connsiteX3" y="connsiteY3"/>
               </a:cxn>
+              <a:cxn ang="0">
+                <a:pos x="connsiteX4" y="connsiteY4"/>
+              </a:cxn>
+              <a:cxn ang="0">
+                <a:pos x="connsiteX5" y="connsiteY5"/>
+              </a:cxn>
+              <a:cxn ang="0">
+                <a:pos x="connsiteX6" y="connsiteY6"/>
+              </a:cxn>
+              <a:cxn ang="0">
+                <a:pos x="connsiteX7" y="connsiteY7"/>
+              </a:cxn>
+              <a:cxn ang="0">
+                <a:pos x="connsiteX8" y="connsiteY8"/>
+              </a:cxn>
+              <a:cxn ang="0">
+                <a:pos x="connsiteX9" y="connsiteY9"/>
+              </a:cxn>
+              <a:cxn ang="0">
+                <a:pos x="connsiteX10" y="connsiteY10"/>
+              </a:cxn>
             </a:cxnLst>
             <a:rect l="l" t="t" r="r" b="b"/>
             <a:pathLst>
-              <a:path w="8349381" h="5509038">
+              <a:path w="5549037" h="6374535">
                 <a:moveTo>
-                  <a:pt x="0" y="0"/>
+                  <a:pt x="2203019" y="0"/>
                 </a:moveTo>
+                <a:cubicBezTo>
+                  <a:pt x="4050974" y="0"/>
+                  <a:pt x="5549037" y="1498063"/>
+                  <a:pt x="5549037" y="3346018"/>
+                </a:cubicBezTo>
+                <a:cubicBezTo>
+                  <a:pt x="5549037" y="4616487"/>
+                  <a:pt x="4840968" y="5721578"/>
+                  <a:pt x="3797930" y="6288190"/>
+                </a:cubicBezTo>
                 <a:lnTo>
-                  <a:pt x="8349381" y="0"/>
+                  <a:pt x="3618689" y="6374535"/>
                 </a:lnTo>
                 <a:lnTo>
-                  <a:pt x="5806407" y="5509038"/>
+                  <a:pt x="779546" y="6374535"/>
                 </a:lnTo>
                 <a:lnTo>
-                  <a:pt x="0" y="5509038"/>
+                  <a:pt x="537516" y="6248727"/>
                 </a:lnTo>
+                <a:cubicBezTo>
+                  <a:pt x="374031" y="6154721"/>
+                  <a:pt x="219238" y="6047301"/>
+                  <a:pt x="74641" y="5927968"/>
+                </a:cubicBezTo>
+                <a:lnTo>
+                  <a:pt x="0" y="5860130"/>
+                </a:lnTo>
+                <a:lnTo>
+                  <a:pt x="0" y="831906"/>
+                </a:lnTo>
+                <a:lnTo>
+                  <a:pt x="74641" y="764068"/>
+                </a:lnTo>
+                <a:cubicBezTo>
+                  <a:pt x="653030" y="286739"/>
+                  <a:pt x="1394539" y="0"/>
+                  <a:pt x="2203019" y="0"/>
+                </a:cubicBezTo>
                 <a:close/>
               </a:path>
             </a:pathLst>
           </a:custGeom>
           <a:solidFill>
-            <a:srgbClr val="262626"/>
+            <a:srgbClr val="FFFFFF">
+              <a:alpha val="80000"/>
+            </a:srgbClr>
           </a:solidFill>
           <a:ln>
             <a:noFill/>
@@ -5238,118 +5332,374 @@
           </a:fontRef>
         </p:style>
         <p:txBody>
-          <a:bodyPr wrap="square" rtlCol="0" anchor="ctr">
-            <a:noAutofit/>
-          </a:bodyPr>
+          <a:bodyPr rtlCol="0" anchor="ctr"/>
           <a:lstStyle/>
           <a:p>
-            <a:pPr algn="ctr"/>
-            <a:endParaRPr lang="en-US">
+            <a:pPr marL="0" marR="0" lvl="0" indent="0" algn="ctr" defTabSz="914400" rtl="0" eaLnBrk="1" fontAlgn="auto" latinLnBrk="0" hangingPunct="1">
+              <a:lnSpc>
+                <a:spcPct val="100000"/>
+              </a:lnSpc>
+              <a:spcBef>
+                <a:spcPts val="0"/>
+              </a:spcBef>
+              <a:spcAft>
+                <a:spcPts val="0"/>
+              </a:spcAft>
+              <a:buClrTx/>
+              <a:buSzTx/>
+              <a:buFontTx/>
+              <a:buNone/>
+              <a:tabLst/>
+              <a:defRPr/>
+            </a:pPr>
+            <a:endParaRPr kumimoji="0" lang="en-US" sz="1800" b="0" i="0" u="none" strike="noStrike" kern="1200" cap="none" spc="0" normalizeH="0" baseline="0" noProof="0">
+              <a:ln>
+                <a:noFill/>
+              </a:ln>
               <a:solidFill>
-                <a:schemeClr val="bg1">
-                  <a:lumMod val="95000"/>
-                </a:schemeClr>
+                <a:prstClr val="white"/>
               </a:solidFill>
+              <a:effectLst/>
+              <a:uLnTx/>
+              <a:uFillTx/>
+              <a:latin typeface="Calibri" panose="020F0502020204030204"/>
+              <a:ea typeface="+mn-ea"/>
+              <a:cs typeface="+mn-cs"/>
             </a:endParaRPr>
           </a:p>
         </p:txBody>
       </p:sp>
-      <p:sp>
-        <p:nvSpPr>
-          <p:cNvPr id="3" name="Subtitle 2">
+      <p:pic>
+        <p:nvPicPr>
+          <p:cNvPr id="4" name="Picture 3" descr="Digital financial graph">
             <a:extLst>
               <a:ext uri="{FF2B5EF4-FFF2-40B4-BE49-F238E27FC236}">
-                <a16:creationId xmlns:a16="http://schemas.microsoft.com/office/drawing/2014/main" id="{9F4E3209-0930-4C8F-8474-9666A52C03A2}"/>
+                <a16:creationId xmlns:a16="http://schemas.microsoft.com/office/drawing/2014/main" id="{744A3A76-5E31-4CB8-B7CA-3A49A5C8B7A5}"/>
+              </a:ext>
+            </a:extLst>
+          </p:cNvPr>
+          <p:cNvPicPr>
+            <a:picLocks noChangeAspect="1"/>
+          </p:cNvPicPr>
+          <p:nvPr/>
+        </p:nvPicPr>
+        <p:blipFill rotWithShape="1">
+          <a:blip r:embed="rId2"/>
+          <a:srcRect l="38848" r="12379" b="1"/>
+          <a:stretch/>
+        </p:blipFill>
+        <p:spPr>
+          <a:xfrm>
+            <a:off x="1" y="647373"/>
+            <a:ext cx="5385130" cy="6210629"/>
+          </a:xfrm>
+          <a:custGeom>
+            <a:avLst/>
+            <a:gdLst/>
+            <a:ahLst/>
+            <a:cxnLst/>
+            <a:rect l="l" t="t" r="r" b="b"/>
+            <a:pathLst>
+              <a:path w="5385130" h="6210629">
+                <a:moveTo>
+                  <a:pt x="2203018" y="0"/>
+                </a:moveTo>
+                <a:cubicBezTo>
+                  <a:pt x="3960450" y="0"/>
+                  <a:pt x="5385130" y="1424680"/>
+                  <a:pt x="5385130" y="3182112"/>
+                </a:cubicBezTo>
+                <a:cubicBezTo>
+                  <a:pt x="5385130" y="4500186"/>
+                  <a:pt x="4583748" y="5631087"/>
+                  <a:pt x="3441640" y="6114158"/>
+                </a:cubicBezTo>
+                <a:lnTo>
+                  <a:pt x="3178061" y="6210629"/>
+                </a:lnTo>
+                <a:lnTo>
+                  <a:pt x="1233206" y="6210629"/>
+                </a:lnTo>
+                <a:lnTo>
+                  <a:pt x="1108901" y="6171135"/>
+                </a:lnTo>
+                <a:cubicBezTo>
+                  <a:pt x="767738" y="6046219"/>
+                  <a:pt x="453928" y="5864559"/>
+                  <a:pt x="178899" y="5637585"/>
+                </a:cubicBezTo>
+                <a:lnTo>
+                  <a:pt x="0" y="5474990"/>
+                </a:lnTo>
+                <a:lnTo>
+                  <a:pt x="0" y="889234"/>
+                </a:lnTo>
+                <a:lnTo>
+                  <a:pt x="178899" y="726640"/>
+                </a:lnTo>
+                <a:cubicBezTo>
+                  <a:pt x="728956" y="272693"/>
+                  <a:pt x="1434142" y="0"/>
+                  <a:pt x="2203018" y="0"/>
+                </a:cubicBezTo>
+                <a:close/>
+              </a:path>
+            </a:pathLst>
+          </a:custGeom>
+        </p:spPr>
+      </p:pic>
+      <p:sp>
+        <p:nvSpPr>
+          <p:cNvPr id="40" name="Freeform: Shape 39">
+            <a:extLst>
+              <a:ext uri="{FF2B5EF4-FFF2-40B4-BE49-F238E27FC236}">
+                <a16:creationId xmlns:a16="http://schemas.microsoft.com/office/drawing/2014/main" id="{8A177BCC-4208-4795-8572-4D623BA1E2A0}"/>
+              </a:ext>
+              <a:ext uri="{C183D7F6-B498-43B3-948B-1728B52AA6E4}">
+                <adec:decorative xmlns:adec="http://schemas.microsoft.com/office/drawing/2017/decorative" val="1"/>
               </a:ext>
             </a:extLst>
           </p:cNvPr>
           <p:cNvSpPr>
-            <a:spLocks noGrp="1"/>
+            <a:spLocks noGrp="1" noRot="1" noChangeAspect="1" noMove="1" noResize="1" noEditPoints="1" noAdjustHandles="1" noChangeArrowheads="1" noChangeShapeType="1" noTextEdit="1"/>
           </p:cNvSpPr>
           <p:nvPr>
-            <p:ph type="subTitle" idx="1"/>
+            <p:extLst>
+              <p:ext uri="{386F3935-93C4-4BCD-93E2-E3B085C9AB24}">
+                <p16:designElem xmlns:p16="http://schemas.microsoft.com/office/powerpoint/2015/main" val="1"/>
+              </p:ext>
+            </p:extLst>
           </p:nvPr>
         </p:nvSpPr>
         <p:spPr>
           <a:xfrm>
-            <a:off x="5986272" y="3651047"/>
-            <a:ext cx="5370576" cy="911117"/>
-          </a:xfrm>
-        </p:spPr>
-        <p:txBody>
-          <a:bodyPr>
-            <a:normAutofit/>
-          </a:bodyPr>
+            <a:off x="5233763" y="1"/>
+            <a:ext cx="4480560" cy="2513993"/>
+          </a:xfrm>
+          <a:custGeom>
+            <a:avLst/>
+            <a:gdLst>
+              <a:gd name="connsiteX0" fmla="*/ 18382 w 4480560"/>
+              <a:gd name="connsiteY0" fmla="*/ 0 h 2513993"/>
+              <a:gd name="connsiteX1" fmla="*/ 4462178 w 4480560"/>
+              <a:gd name="connsiteY1" fmla="*/ 0 h 2513993"/>
+              <a:gd name="connsiteX2" fmla="*/ 4468994 w 4480560"/>
+              <a:gd name="connsiteY2" fmla="*/ 44657 h 2513993"/>
+              <a:gd name="connsiteX3" fmla="*/ 4480560 w 4480560"/>
+              <a:gd name="connsiteY3" fmla="*/ 273713 h 2513993"/>
+              <a:gd name="connsiteX4" fmla="*/ 2240280 w 4480560"/>
+              <a:gd name="connsiteY4" fmla="*/ 2513993 h 2513993"/>
+              <a:gd name="connsiteX5" fmla="*/ 0 w 4480560"/>
+              <a:gd name="connsiteY5" fmla="*/ 273713 h 2513993"/>
+              <a:gd name="connsiteX6" fmla="*/ 11567 w 4480560"/>
+              <a:gd name="connsiteY6" fmla="*/ 44657 h 2513993"/>
+            </a:gdLst>
+            <a:ahLst/>
+            <a:cxnLst>
+              <a:cxn ang="0">
+                <a:pos x="connsiteX0" y="connsiteY0"/>
+              </a:cxn>
+              <a:cxn ang="0">
+                <a:pos x="connsiteX1" y="connsiteY1"/>
+              </a:cxn>
+              <a:cxn ang="0">
+                <a:pos x="connsiteX2" y="connsiteY2"/>
+              </a:cxn>
+              <a:cxn ang="0">
+                <a:pos x="connsiteX3" y="connsiteY3"/>
+              </a:cxn>
+              <a:cxn ang="0">
+                <a:pos x="connsiteX4" y="connsiteY4"/>
+              </a:cxn>
+              <a:cxn ang="0">
+                <a:pos x="connsiteX5" y="connsiteY5"/>
+              </a:cxn>
+              <a:cxn ang="0">
+                <a:pos x="connsiteX6" y="connsiteY6"/>
+              </a:cxn>
+            </a:cxnLst>
+            <a:rect l="l" t="t" r="r" b="b"/>
+            <a:pathLst>
+              <a:path w="4480560" h="2513993">
+                <a:moveTo>
+                  <a:pt x="18382" y="0"/>
+                </a:moveTo>
+                <a:lnTo>
+                  <a:pt x="4462178" y="0"/>
+                </a:lnTo>
+                <a:lnTo>
+                  <a:pt x="4468994" y="44657"/>
+                </a:lnTo>
+                <a:cubicBezTo>
+                  <a:pt x="4476642" y="119969"/>
+                  <a:pt x="4480560" y="196384"/>
+                  <a:pt x="4480560" y="273713"/>
+                </a:cubicBezTo>
+                <a:cubicBezTo>
+                  <a:pt x="4480560" y="1510985"/>
+                  <a:pt x="3477552" y="2513993"/>
+                  <a:pt x="2240280" y="2513993"/>
+                </a:cubicBezTo>
+                <a:cubicBezTo>
+                  <a:pt x="1003008" y="2513993"/>
+                  <a:pt x="0" y="1510985"/>
+                  <a:pt x="0" y="273713"/>
+                </a:cubicBezTo>
+                <a:cubicBezTo>
+                  <a:pt x="0" y="196384"/>
+                  <a:pt x="3918" y="119969"/>
+                  <a:pt x="11567" y="44657"/>
+                </a:cubicBezTo>
+                <a:close/>
+              </a:path>
+            </a:pathLst>
+          </a:custGeom>
+          <a:solidFill>
+            <a:srgbClr val="FFFFFF">
+              <a:alpha val="80000"/>
+            </a:srgbClr>
+          </a:solidFill>
+          <a:ln>
+            <a:noFill/>
+          </a:ln>
+        </p:spPr>
+        <p:style>
+          <a:lnRef idx="2">
+            <a:schemeClr val="accent1">
+              <a:shade val="50000"/>
+            </a:schemeClr>
+          </a:lnRef>
+          <a:fillRef idx="1">
+            <a:schemeClr val="accent1"/>
+          </a:fillRef>
+          <a:effectRef idx="0">
+            <a:schemeClr val="accent1"/>
+          </a:effectRef>
+          <a:fontRef idx="minor">
+            <a:schemeClr val="lt1"/>
+          </a:fontRef>
+        </p:style>
+        <p:txBody>
+          <a:bodyPr rtlCol="0" anchor="ctr"/>
           <a:lstStyle/>
           <a:p>
-            <a:pPr algn="l"/>
-            <a:r>
-              <a:rPr lang="en-US" sz="2000" dirty="0">
+            <a:pPr marL="0" marR="0" lvl="0" indent="0" algn="ctr" defTabSz="914400" rtl="0" eaLnBrk="1" fontAlgn="auto" latinLnBrk="0" hangingPunct="1">
+              <a:lnSpc>
+                <a:spcPct val="100000"/>
+              </a:lnSpc>
+              <a:spcBef>
+                <a:spcPts val="0"/>
+              </a:spcBef>
+              <a:spcAft>
+                <a:spcPts val="0"/>
+              </a:spcAft>
+              <a:buClrTx/>
+              <a:buSzTx/>
+              <a:buFontTx/>
+              <a:buNone/>
+              <a:tabLst/>
+              <a:defRPr/>
+            </a:pPr>
+            <a:endParaRPr kumimoji="0" lang="en-US" sz="1800" b="0" i="0" u="none" strike="noStrike" kern="1200" cap="none" spc="0" normalizeH="0" baseline="0" noProof="0">
+              <a:ln>
+                <a:noFill/>
+              </a:ln>
+              <a:solidFill>
+                <a:prstClr val="white"/>
+              </a:solidFill>
+              <a:effectLst/>
+              <a:uLnTx/>
+              <a:uFillTx/>
+              <a:latin typeface="Calibri" panose="020F0502020204030204"/>
+              <a:ea typeface="+mn-ea"/>
+              <a:cs typeface="+mn-cs"/>
+            </a:endParaRPr>
+          </a:p>
+        </p:txBody>
+      </p:sp>
+      <p:pic>
+        <p:nvPicPr>
+          <p:cNvPr id="6" name="Picture 2" descr="Home | FritoLay">
+            <a:extLst>
+              <a:ext uri="{FF2B5EF4-FFF2-40B4-BE49-F238E27FC236}">
+                <a16:creationId xmlns:a16="http://schemas.microsoft.com/office/drawing/2014/main" id="{03A1FB7C-F1DF-AF49-84E0-C4F3FB4D1A35}"/>
+              </a:ext>
+            </a:extLst>
+          </p:cNvPr>
+          <p:cNvPicPr>
+            <a:picLocks noChangeAspect="1" noChangeArrowheads="1"/>
+          </p:cNvPicPr>
+          <p:nvPr/>
+        </p:nvPicPr>
+        <p:blipFill rotWithShape="1">
+          <a:blip r:embed="rId3">
+            <a:extLst>
+              <a:ext uri="{28A0092B-C50C-407E-A947-70E740481C1C}">
+                <a14:useLocalDpi xmlns:a14="http://schemas.microsoft.com/office/drawing/2010/main" val="0"/>
+              </a:ext>
+            </a:extLst>
+          </a:blip>
+          <a:srcRect l="2425" r="4811" b="3"/>
+          <a:stretch/>
+        </p:blipFill>
+        <p:spPr bwMode="auto">
+          <a:xfrm>
+            <a:off x="5398355" y="1"/>
+            <a:ext cx="4151376" cy="2349401"/>
+          </a:xfrm>
+          <a:custGeom>
+            <a:avLst/>
+            <a:gdLst/>
+            <a:ahLst/>
+            <a:cxnLst/>
+            <a:rect l="l" t="t" r="r" b="b"/>
+            <a:pathLst>
+              <a:path w="4151376" h="2349401">
+                <a:moveTo>
+                  <a:pt x="20101" y="0"/>
+                </a:moveTo>
+                <a:lnTo>
+                  <a:pt x="4131276" y="0"/>
+                </a:lnTo>
+                <a:lnTo>
+                  <a:pt x="4140659" y="61486"/>
+                </a:lnTo>
+                <a:cubicBezTo>
+                  <a:pt x="4147746" y="131265"/>
+                  <a:pt x="4151376" y="202065"/>
+                  <a:pt x="4151376" y="273713"/>
+                </a:cubicBezTo>
+                <a:cubicBezTo>
+                  <a:pt x="4151376" y="1420084"/>
+                  <a:pt x="3222059" y="2349401"/>
+                  <a:pt x="2075688" y="2349401"/>
+                </a:cubicBezTo>
+                <a:cubicBezTo>
+                  <a:pt x="929317" y="2349401"/>
+                  <a:pt x="0" y="1420084"/>
+                  <a:pt x="0" y="273713"/>
+                </a:cubicBezTo>
+                <a:cubicBezTo>
+                  <a:pt x="0" y="202065"/>
+                  <a:pt x="3630" y="131265"/>
+                  <a:pt x="10717" y="61486"/>
+                </a:cubicBezTo>
+                <a:close/>
+              </a:path>
+            </a:pathLst>
+          </a:custGeom>
+          <a:noFill/>
+          <a:extLst>
+            <a:ext uri="{909E8E84-426E-40DD-AFC4-6F175D3DCCD1}">
+              <a14:hiddenFill xmlns:a14="http://schemas.microsoft.com/office/drawing/2010/main">
                 <a:solidFill>
                   <a:srgbClr val="FFFFFF"/>
                 </a:solidFill>
-              </a:rPr>
-              <a:t>Presented by: </a:t>
-            </a:r>
-          </a:p>
-          <a:p>
-            <a:pPr algn="l"/>
-            <a:r>
-              <a:rPr lang="en-US" sz="2000" dirty="0">
-                <a:solidFill>
-                  <a:srgbClr val="FFFFFF"/>
-                </a:solidFill>
-              </a:rPr>
-              <a:t>Kevin Boyd and Shikha Pandey</a:t>
-            </a:r>
-          </a:p>
-        </p:txBody>
-      </p:sp>
-      <p:sp>
-        <p:nvSpPr>
-          <p:cNvPr id="2" name="Title 1">
-            <a:extLst>
-              <a:ext uri="{FF2B5EF4-FFF2-40B4-BE49-F238E27FC236}">
-                <a16:creationId xmlns:a16="http://schemas.microsoft.com/office/drawing/2014/main" id="{73D37183-0856-4915-B9D2-E2787D0BA4B6}"/>
-              </a:ext>
-            </a:extLst>
-          </p:cNvPr>
-          <p:cNvSpPr>
-            <a:spLocks noGrp="1"/>
-          </p:cNvSpPr>
-          <p:nvPr>
-            <p:ph type="ctrTitle"/>
-          </p:nvPr>
-        </p:nvSpPr>
-        <p:spPr>
-          <a:xfrm>
-            <a:off x="5673747" y="1408814"/>
-            <a:ext cx="5683102" cy="2235277"/>
-          </a:xfrm>
-        </p:spPr>
-        <p:txBody>
-          <a:bodyPr>
-            <a:normAutofit/>
-          </a:bodyPr>
-          <a:lstStyle/>
-          <a:p>
-            <a:pPr algn="l"/>
-            <a:r>
-              <a:rPr lang="en-US" sz="5400" b="1" cap="none">
-                <a:solidFill>
-                  <a:srgbClr val="FFFFFF"/>
-                </a:solidFill>
-              </a:rPr>
-              <a:t>Project 2: Attrition Case Study</a:t>
-            </a:r>
-            <a:endParaRPr lang="en-US" sz="5400" b="1" cap="none" dirty="0">
-              <a:solidFill>
-                <a:srgbClr val="FFFFFF"/>
-              </a:solidFill>
-            </a:endParaRPr>
-          </a:p>
-        </p:txBody>
-      </p:sp>
+              </a14:hiddenFill>
+            </a:ext>
+          </a:extLst>
+        </p:spPr>
+      </p:pic>
     </p:spTree>
     <p:extLst>
       <p:ext uri="{BB962C8B-B14F-4D97-AF65-F5344CB8AC3E}">
@@ -5358,7 +5708,7 @@
     </p:extLst>
   </p:cSld>
   <p:clrMapOvr>
-    <a:masterClrMapping/>
+    <a:overrideClrMapping bg1="dk1" tx1="lt1" bg2="dk2" tx2="lt2" accent1="accent1" accent2="accent2" accent3="accent3" accent4="accent4" accent5="accent5" accent6="accent6" hlink="hlink" folHlink="folHlink"/>
   </p:clrMapOvr>
 </p:sld>
 </file>
@@ -5784,6 +6134,53 @@
           </a:p>
         </p:txBody>
       </p:sp>
+      <p:pic>
+        <p:nvPicPr>
+          <p:cNvPr id="12" name="Picture 2" descr="Home | FritoLay">
+            <a:extLst>
+              <a:ext uri="{FF2B5EF4-FFF2-40B4-BE49-F238E27FC236}">
+                <a16:creationId xmlns:a16="http://schemas.microsoft.com/office/drawing/2014/main" id="{F6794587-E2CB-8941-A386-ED15BD7ADE32}"/>
+              </a:ext>
+            </a:extLst>
+          </p:cNvPr>
+          <p:cNvPicPr>
+            <a:picLocks noChangeAspect="1" noChangeArrowheads="1"/>
+          </p:cNvPicPr>
+          <p:nvPr/>
+        </p:nvPicPr>
+        <p:blipFill>
+          <a:blip r:embed="rId3">
+            <a:extLst>
+              <a:ext uri="{28A0092B-C50C-407E-A947-70E740481C1C}">
+                <a14:useLocalDpi xmlns:a14="http://schemas.microsoft.com/office/drawing/2010/main" val="0"/>
+              </a:ext>
+            </a:extLst>
+          </a:blip>
+          <a:srcRect/>
+          <a:stretch>
+            <a:fillRect/>
+          </a:stretch>
+        </p:blipFill>
+        <p:spPr bwMode="auto">
+          <a:xfrm>
+            <a:off x="10778771" y="6104958"/>
+            <a:ext cx="1383137" cy="726147"/>
+          </a:xfrm>
+          <a:prstGeom prst="rect">
+            <a:avLst/>
+          </a:prstGeom>
+          <a:noFill/>
+          <a:extLst>
+            <a:ext uri="{909E8E84-426E-40DD-AFC4-6F175D3DCCD1}">
+              <a14:hiddenFill xmlns:a14="http://schemas.microsoft.com/office/drawing/2010/main">
+                <a:solidFill>
+                  <a:srgbClr val="FFFFFF"/>
+                </a:solidFill>
+              </a14:hiddenFill>
+            </a:ext>
+          </a:extLst>
+        </p:spPr>
+      </p:pic>
     </p:spTree>
     <p:extLst>
       <p:ext uri="{BB962C8B-B14F-4D97-AF65-F5344CB8AC3E}">
@@ -6322,6 +6719,53 @@
           </a:p>
         </p:txBody>
       </p:sp>
+      <p:pic>
+        <p:nvPicPr>
+          <p:cNvPr id="12" name="Picture 2" descr="Home | FritoLay">
+            <a:extLst>
+              <a:ext uri="{FF2B5EF4-FFF2-40B4-BE49-F238E27FC236}">
+                <a16:creationId xmlns:a16="http://schemas.microsoft.com/office/drawing/2014/main" id="{9EB7D186-F60D-CC46-8FDD-BD250283CBB1}"/>
+              </a:ext>
+            </a:extLst>
+          </p:cNvPr>
+          <p:cNvPicPr>
+            <a:picLocks noChangeAspect="1" noChangeArrowheads="1"/>
+          </p:cNvPicPr>
+          <p:nvPr/>
+        </p:nvPicPr>
+        <p:blipFill>
+          <a:blip r:embed="rId4">
+            <a:extLst>
+              <a:ext uri="{28A0092B-C50C-407E-A947-70E740481C1C}">
+                <a14:useLocalDpi xmlns:a14="http://schemas.microsoft.com/office/drawing/2010/main" val="0"/>
+              </a:ext>
+            </a:extLst>
+          </a:blip>
+          <a:srcRect/>
+          <a:stretch>
+            <a:fillRect/>
+          </a:stretch>
+        </p:blipFill>
+        <p:spPr bwMode="auto">
+          <a:xfrm>
+            <a:off x="10778771" y="6104958"/>
+            <a:ext cx="1383137" cy="726147"/>
+          </a:xfrm>
+          <a:prstGeom prst="rect">
+            <a:avLst/>
+          </a:prstGeom>
+          <a:noFill/>
+          <a:extLst>
+            <a:ext uri="{909E8E84-426E-40DD-AFC4-6F175D3DCCD1}">
+              <a14:hiddenFill xmlns:a14="http://schemas.microsoft.com/office/drawing/2010/main">
+                <a:solidFill>
+                  <a:srgbClr val="FFFFFF"/>
+                </a:solidFill>
+              </a14:hiddenFill>
+            </a:ext>
+          </a:extLst>
+        </p:spPr>
+      </p:pic>
     </p:spTree>
     <p:extLst>
       <p:ext uri="{BB962C8B-B14F-4D97-AF65-F5344CB8AC3E}">
@@ -6827,6 +7271,53 @@
           </a:p>
         </p:txBody>
       </p:sp>
+      <p:pic>
+        <p:nvPicPr>
+          <p:cNvPr id="12" name="Picture 2" descr="Home | FritoLay">
+            <a:extLst>
+              <a:ext uri="{FF2B5EF4-FFF2-40B4-BE49-F238E27FC236}">
+                <a16:creationId xmlns:a16="http://schemas.microsoft.com/office/drawing/2014/main" id="{7F1655C9-DC6C-6D40-9B48-E3FC37423FD9}"/>
+              </a:ext>
+            </a:extLst>
+          </p:cNvPr>
+          <p:cNvPicPr>
+            <a:picLocks noChangeAspect="1" noChangeArrowheads="1"/>
+          </p:cNvPicPr>
+          <p:nvPr/>
+        </p:nvPicPr>
+        <p:blipFill>
+          <a:blip r:embed="rId3">
+            <a:extLst>
+              <a:ext uri="{28A0092B-C50C-407E-A947-70E740481C1C}">
+                <a14:useLocalDpi xmlns:a14="http://schemas.microsoft.com/office/drawing/2010/main" val="0"/>
+              </a:ext>
+            </a:extLst>
+          </a:blip>
+          <a:srcRect/>
+          <a:stretch>
+            <a:fillRect/>
+          </a:stretch>
+        </p:blipFill>
+        <p:spPr bwMode="auto">
+          <a:xfrm>
+            <a:off x="10778771" y="6104958"/>
+            <a:ext cx="1383137" cy="726147"/>
+          </a:xfrm>
+          <a:prstGeom prst="rect">
+            <a:avLst/>
+          </a:prstGeom>
+          <a:noFill/>
+          <a:extLst>
+            <a:ext uri="{909E8E84-426E-40DD-AFC4-6F175D3DCCD1}">
+              <a14:hiddenFill xmlns:a14="http://schemas.microsoft.com/office/drawing/2010/main">
+                <a:solidFill>
+                  <a:srgbClr val="FFFFFF"/>
+                </a:solidFill>
+              </a14:hiddenFill>
+            </a:ext>
+          </a:extLst>
+        </p:spPr>
+      </p:pic>
     </p:spTree>
     <p:extLst>
       <p:ext uri="{BB962C8B-B14F-4D97-AF65-F5344CB8AC3E}">
@@ -7293,6 +7784,53 @@
           <a:prstGeom prst="rect">
             <a:avLst/>
           </a:prstGeom>
+        </p:spPr>
+      </p:pic>
+      <p:pic>
+        <p:nvPicPr>
+          <p:cNvPr id="11" name="Picture 2" descr="Home | FritoLay">
+            <a:extLst>
+              <a:ext uri="{FF2B5EF4-FFF2-40B4-BE49-F238E27FC236}">
+                <a16:creationId xmlns:a16="http://schemas.microsoft.com/office/drawing/2014/main" id="{8D560293-C09D-404E-A66B-D598F9049A02}"/>
+              </a:ext>
+            </a:extLst>
+          </p:cNvPr>
+          <p:cNvPicPr>
+            <a:picLocks noChangeAspect="1" noChangeArrowheads="1"/>
+          </p:cNvPicPr>
+          <p:nvPr/>
+        </p:nvPicPr>
+        <p:blipFill>
+          <a:blip r:embed="rId3">
+            <a:extLst>
+              <a:ext uri="{28A0092B-C50C-407E-A947-70E740481C1C}">
+                <a14:useLocalDpi xmlns:a14="http://schemas.microsoft.com/office/drawing/2010/main" val="0"/>
+              </a:ext>
+            </a:extLst>
+          </a:blip>
+          <a:srcRect/>
+          <a:stretch>
+            <a:fillRect/>
+          </a:stretch>
+        </p:blipFill>
+        <p:spPr bwMode="auto">
+          <a:xfrm>
+            <a:off x="10778771" y="6104958"/>
+            <a:ext cx="1383137" cy="726147"/>
+          </a:xfrm>
+          <a:prstGeom prst="rect">
+            <a:avLst/>
+          </a:prstGeom>
+          <a:noFill/>
+          <a:extLst>
+            <a:ext uri="{909E8E84-426E-40DD-AFC4-6F175D3DCCD1}">
+              <a14:hiddenFill xmlns:a14="http://schemas.microsoft.com/office/drawing/2010/main">
+                <a:solidFill>
+                  <a:srgbClr val="FFFFFF"/>
+                </a:solidFill>
+              </a14:hiddenFill>
+            </a:ext>
+          </a:extLst>
         </p:spPr>
       </p:pic>
     </p:spTree>
@@ -8197,6 +8735,53 @@
           </a:p>
         </p:txBody>
       </p:sp>
+      <p:pic>
+        <p:nvPicPr>
+          <p:cNvPr id="14" name="Picture 2" descr="Home | FritoLay">
+            <a:extLst>
+              <a:ext uri="{FF2B5EF4-FFF2-40B4-BE49-F238E27FC236}">
+                <a16:creationId xmlns:a16="http://schemas.microsoft.com/office/drawing/2014/main" id="{1330F072-95D8-914D-B6FC-B0150385EC26}"/>
+              </a:ext>
+            </a:extLst>
+          </p:cNvPr>
+          <p:cNvPicPr>
+            <a:picLocks noChangeAspect="1" noChangeArrowheads="1"/>
+          </p:cNvPicPr>
+          <p:nvPr/>
+        </p:nvPicPr>
+        <p:blipFill>
+          <a:blip r:embed="rId2">
+            <a:extLst>
+              <a:ext uri="{28A0092B-C50C-407E-A947-70E740481C1C}">
+                <a14:useLocalDpi xmlns:a14="http://schemas.microsoft.com/office/drawing/2010/main" val="0"/>
+              </a:ext>
+            </a:extLst>
+          </a:blip>
+          <a:srcRect/>
+          <a:stretch>
+            <a:fillRect/>
+          </a:stretch>
+        </p:blipFill>
+        <p:spPr bwMode="auto">
+          <a:xfrm>
+            <a:off x="10778771" y="6104958"/>
+            <a:ext cx="1383137" cy="726147"/>
+          </a:xfrm>
+          <a:prstGeom prst="rect">
+            <a:avLst/>
+          </a:prstGeom>
+          <a:noFill/>
+          <a:extLst>
+            <a:ext uri="{909E8E84-426E-40DD-AFC4-6F175D3DCCD1}">
+              <a14:hiddenFill xmlns:a14="http://schemas.microsoft.com/office/drawing/2010/main">
+                <a:solidFill>
+                  <a:srgbClr val="FFFFFF"/>
+                </a:solidFill>
+              </a14:hiddenFill>
+            </a:ext>
+          </a:extLst>
+        </p:spPr>
+      </p:pic>
     </p:spTree>
     <p:extLst>
       <p:ext uri="{BB962C8B-B14F-4D97-AF65-F5344CB8AC3E}">
@@ -8636,6 +9221,53 @@
           </a:prstGeom>
         </p:spPr>
       </p:pic>
+      <p:pic>
+        <p:nvPicPr>
+          <p:cNvPr id="10" name="Picture 2" descr="Home | FritoLay">
+            <a:extLst>
+              <a:ext uri="{FF2B5EF4-FFF2-40B4-BE49-F238E27FC236}">
+                <a16:creationId xmlns:a16="http://schemas.microsoft.com/office/drawing/2014/main" id="{6B83B70A-686C-8A49-BFB2-BFFE4BBCDC08}"/>
+              </a:ext>
+            </a:extLst>
+          </p:cNvPr>
+          <p:cNvPicPr>
+            <a:picLocks noChangeAspect="1" noChangeArrowheads="1"/>
+          </p:cNvPicPr>
+          <p:nvPr/>
+        </p:nvPicPr>
+        <p:blipFill>
+          <a:blip r:embed="rId3">
+            <a:extLst>
+              <a:ext uri="{28A0092B-C50C-407E-A947-70E740481C1C}">
+                <a14:useLocalDpi xmlns:a14="http://schemas.microsoft.com/office/drawing/2010/main" val="0"/>
+              </a:ext>
+            </a:extLst>
+          </a:blip>
+          <a:srcRect/>
+          <a:stretch>
+            <a:fillRect/>
+          </a:stretch>
+        </p:blipFill>
+        <p:spPr bwMode="auto">
+          <a:xfrm>
+            <a:off x="10778771" y="6104958"/>
+            <a:ext cx="1383137" cy="726147"/>
+          </a:xfrm>
+          <a:prstGeom prst="rect">
+            <a:avLst/>
+          </a:prstGeom>
+          <a:noFill/>
+          <a:extLst>
+            <a:ext uri="{909E8E84-426E-40DD-AFC4-6F175D3DCCD1}">
+              <a14:hiddenFill xmlns:a14="http://schemas.microsoft.com/office/drawing/2010/main">
+                <a:solidFill>
+                  <a:srgbClr val="FFFFFF"/>
+                </a:solidFill>
+              </a14:hiddenFill>
+            </a:ext>
+          </a:extLst>
+        </p:spPr>
+      </p:pic>
     </p:spTree>
     <p:extLst>
       <p:ext uri="{BB962C8B-B14F-4D97-AF65-F5344CB8AC3E}">
@@ -8952,6 +9584,53 @@
           <a:prstGeom prst="rect">
             <a:avLst/>
           </a:prstGeom>
+        </p:spPr>
+      </p:pic>
+      <p:pic>
+        <p:nvPicPr>
+          <p:cNvPr id="10" name="Picture 2" descr="Home | FritoLay">
+            <a:extLst>
+              <a:ext uri="{FF2B5EF4-FFF2-40B4-BE49-F238E27FC236}">
+                <a16:creationId xmlns:a16="http://schemas.microsoft.com/office/drawing/2014/main" id="{21B9B82C-7C5C-7345-A49B-01CB1B67CCBB}"/>
+              </a:ext>
+            </a:extLst>
+          </p:cNvPr>
+          <p:cNvPicPr>
+            <a:picLocks noChangeAspect="1" noChangeArrowheads="1"/>
+          </p:cNvPicPr>
+          <p:nvPr/>
+        </p:nvPicPr>
+        <p:blipFill>
+          <a:blip r:embed="rId3">
+            <a:extLst>
+              <a:ext uri="{28A0092B-C50C-407E-A947-70E740481C1C}">
+                <a14:useLocalDpi xmlns:a14="http://schemas.microsoft.com/office/drawing/2010/main" val="0"/>
+              </a:ext>
+            </a:extLst>
+          </a:blip>
+          <a:srcRect/>
+          <a:stretch>
+            <a:fillRect/>
+          </a:stretch>
+        </p:blipFill>
+        <p:spPr bwMode="auto">
+          <a:xfrm>
+            <a:off x="10778771" y="6104958"/>
+            <a:ext cx="1383137" cy="726147"/>
+          </a:xfrm>
+          <a:prstGeom prst="rect">
+            <a:avLst/>
+          </a:prstGeom>
+          <a:noFill/>
+          <a:extLst>
+            <a:ext uri="{909E8E84-426E-40DD-AFC4-6F175D3DCCD1}">
+              <a14:hiddenFill xmlns:a14="http://schemas.microsoft.com/office/drawing/2010/main">
+                <a:solidFill>
+                  <a:srgbClr val="FFFFFF"/>
+                </a:solidFill>
+              </a14:hiddenFill>
+            </a:ext>
+          </a:extLst>
         </p:spPr>
       </p:pic>
     </p:spTree>
@@ -9330,6 +10009,53 @@
           <a:prstGeom prst="rect">
             <a:avLst/>
           </a:prstGeom>
+        </p:spPr>
+      </p:pic>
+      <p:pic>
+        <p:nvPicPr>
+          <p:cNvPr id="11" name="Picture 2" descr="Home | FritoLay">
+            <a:extLst>
+              <a:ext uri="{FF2B5EF4-FFF2-40B4-BE49-F238E27FC236}">
+                <a16:creationId xmlns:a16="http://schemas.microsoft.com/office/drawing/2014/main" id="{D6890BB7-18F3-9E41-92E0-E8F5A5DDFC01}"/>
+              </a:ext>
+            </a:extLst>
+          </p:cNvPr>
+          <p:cNvPicPr>
+            <a:picLocks noChangeAspect="1" noChangeArrowheads="1"/>
+          </p:cNvPicPr>
+          <p:nvPr/>
+        </p:nvPicPr>
+        <p:blipFill>
+          <a:blip r:embed="rId5">
+            <a:extLst>
+              <a:ext uri="{28A0092B-C50C-407E-A947-70E740481C1C}">
+                <a14:useLocalDpi xmlns:a14="http://schemas.microsoft.com/office/drawing/2010/main" val="0"/>
+              </a:ext>
+            </a:extLst>
+          </a:blip>
+          <a:srcRect/>
+          <a:stretch>
+            <a:fillRect/>
+          </a:stretch>
+        </p:blipFill>
+        <p:spPr bwMode="auto">
+          <a:xfrm>
+            <a:off x="10778771" y="6104958"/>
+            <a:ext cx="1383137" cy="726147"/>
+          </a:xfrm>
+          <a:prstGeom prst="rect">
+            <a:avLst/>
+          </a:prstGeom>
+          <a:noFill/>
+          <a:extLst>
+            <a:ext uri="{909E8E84-426E-40DD-AFC4-6F175D3DCCD1}">
+              <a14:hiddenFill xmlns:a14="http://schemas.microsoft.com/office/drawing/2010/main">
+                <a:solidFill>
+                  <a:srgbClr val="FFFFFF"/>
+                </a:solidFill>
+              </a14:hiddenFill>
+            </a:ext>
+          </a:extLst>
         </p:spPr>
       </p:pic>
     </p:spTree>
@@ -10562,6 +11288,53 @@
           </a:p>
         </p:txBody>
       </p:sp>
+      <p:pic>
+        <p:nvPicPr>
+          <p:cNvPr id="14" name="Picture 2" descr="Home | FritoLay">
+            <a:extLst>
+              <a:ext uri="{FF2B5EF4-FFF2-40B4-BE49-F238E27FC236}">
+                <a16:creationId xmlns:a16="http://schemas.microsoft.com/office/drawing/2014/main" id="{7E1FF387-EA70-584B-B442-F66E590D9C1A}"/>
+              </a:ext>
+            </a:extLst>
+          </p:cNvPr>
+          <p:cNvPicPr>
+            <a:picLocks noChangeAspect="1" noChangeArrowheads="1"/>
+          </p:cNvPicPr>
+          <p:nvPr/>
+        </p:nvPicPr>
+        <p:blipFill>
+          <a:blip r:embed="rId2">
+            <a:extLst>
+              <a:ext uri="{28A0092B-C50C-407E-A947-70E740481C1C}">
+                <a14:useLocalDpi xmlns:a14="http://schemas.microsoft.com/office/drawing/2010/main" val="0"/>
+              </a:ext>
+            </a:extLst>
+          </a:blip>
+          <a:srcRect/>
+          <a:stretch>
+            <a:fillRect/>
+          </a:stretch>
+        </p:blipFill>
+        <p:spPr bwMode="auto">
+          <a:xfrm>
+            <a:off x="10778771" y="6104958"/>
+            <a:ext cx="1383137" cy="726147"/>
+          </a:xfrm>
+          <a:prstGeom prst="rect">
+            <a:avLst/>
+          </a:prstGeom>
+          <a:noFill/>
+          <a:extLst>
+            <a:ext uri="{909E8E84-426E-40DD-AFC4-6F175D3DCCD1}">
+              <a14:hiddenFill xmlns:a14="http://schemas.microsoft.com/office/drawing/2010/main">
+                <a:solidFill>
+                  <a:srgbClr val="FFFFFF"/>
+                </a:solidFill>
+              </a14:hiddenFill>
+            </a:ext>
+          </a:extLst>
+        </p:spPr>
+      </p:pic>
     </p:spTree>
     <p:extLst>
       <p:ext uri="{BB962C8B-B14F-4D97-AF65-F5344CB8AC3E}">
@@ -11091,6 +11864,53 @@
           </a:prstGeom>
         </p:spPr>
       </p:pic>
+      <p:pic>
+        <p:nvPicPr>
+          <p:cNvPr id="10" name="Picture 2" descr="Home | FritoLay">
+            <a:extLst>
+              <a:ext uri="{FF2B5EF4-FFF2-40B4-BE49-F238E27FC236}">
+                <a16:creationId xmlns:a16="http://schemas.microsoft.com/office/drawing/2014/main" id="{262D3DCA-6286-B349-8AAD-F55C5404E300}"/>
+              </a:ext>
+            </a:extLst>
+          </p:cNvPr>
+          <p:cNvPicPr>
+            <a:picLocks noChangeAspect="1" noChangeArrowheads="1"/>
+          </p:cNvPicPr>
+          <p:nvPr/>
+        </p:nvPicPr>
+        <p:blipFill>
+          <a:blip r:embed="rId3">
+            <a:extLst>
+              <a:ext uri="{28A0092B-C50C-407E-A947-70E740481C1C}">
+                <a14:useLocalDpi xmlns:a14="http://schemas.microsoft.com/office/drawing/2010/main" val="0"/>
+              </a:ext>
+            </a:extLst>
+          </a:blip>
+          <a:srcRect/>
+          <a:stretch>
+            <a:fillRect/>
+          </a:stretch>
+        </p:blipFill>
+        <p:spPr bwMode="auto">
+          <a:xfrm>
+            <a:off x="10778771" y="6104958"/>
+            <a:ext cx="1383137" cy="726147"/>
+          </a:xfrm>
+          <a:prstGeom prst="rect">
+            <a:avLst/>
+          </a:prstGeom>
+          <a:noFill/>
+          <a:extLst>
+            <a:ext uri="{909E8E84-426E-40DD-AFC4-6F175D3DCCD1}">
+              <a14:hiddenFill xmlns:a14="http://schemas.microsoft.com/office/drawing/2010/main">
+                <a:solidFill>
+                  <a:srgbClr val="FFFFFF"/>
+                </a:solidFill>
+              </a14:hiddenFill>
+            </a:ext>
+          </a:extLst>
+        </p:spPr>
+      </p:pic>
     </p:spTree>
     <p:extLst>
       <p:ext uri="{BB962C8B-B14F-4D97-AF65-F5344CB8AC3E}">
@@ -11429,15 +12249,6 @@
             </a:endParaRPr>
           </a:p>
           <a:p>
-            <a:pPr marL="457200" lvl="1" indent="0">
-              <a:buNone/>
-            </a:pPr>
-            <a:endParaRPr lang="en-US" sz="2400" dirty="0">
-              <a:latin typeface="Calibri" panose="020F0502020204030204" pitchFamily="34" charset="0"/>
-              <a:cs typeface="Calibri" panose="020F0502020204030204" pitchFamily="34" charset="0"/>
-            </a:endParaRPr>
-          </a:p>
-          <a:p>
             <a:r>
               <a:rPr lang="en-US" sz="3200" dirty="0">
                 <a:latin typeface="Calibri" panose="020F0502020204030204" pitchFamily="34" charset="0"/>
@@ -11453,21 +12264,7 @@
                 <a:latin typeface="Calibri" panose="020F0502020204030204" pitchFamily="34" charset="0"/>
                 <a:cs typeface="Calibri" panose="020F0502020204030204" pitchFamily="34" charset="0"/>
               </a:rPr>
-              <a:t>Conduct an analysis for </a:t>
-            </a:r>
-            <a:r>
-              <a:rPr lang="en-US" sz="2400" dirty="0" err="1">
-                <a:latin typeface="Calibri" panose="020F0502020204030204" pitchFamily="34" charset="0"/>
-                <a:cs typeface="Calibri" panose="020F0502020204030204" pitchFamily="34" charset="0"/>
-              </a:rPr>
-              <a:t>DDSAnalytics</a:t>
-            </a:r>
-            <a:r>
-              <a:rPr lang="en-US" sz="2400" dirty="0">
-                <a:latin typeface="Calibri" panose="020F0502020204030204" pitchFamily="34" charset="0"/>
-                <a:cs typeface="Calibri" panose="020F0502020204030204" pitchFamily="34" charset="0"/>
-              </a:rPr>
-              <a:t> on its existing employee data to predict employee turnover to help gain a competitive edge over its competition.</a:t>
+              <a:t>Conduct an analysis for Frito Lay on its existing employee data to predict employee turnover to help gain a competitive edge over its competition.</a:t>
             </a:r>
           </a:p>
           <a:p>
@@ -11479,6 +12276,53 @@
           </a:p>
         </p:txBody>
       </p:sp>
+      <p:pic>
+        <p:nvPicPr>
+          <p:cNvPr id="1026" name="Picture 2" descr="Home | FritoLay">
+            <a:extLst>
+              <a:ext uri="{FF2B5EF4-FFF2-40B4-BE49-F238E27FC236}">
+                <a16:creationId xmlns:a16="http://schemas.microsoft.com/office/drawing/2014/main" id="{DA03A7AE-BDED-774B-B9D7-793DC8640B77}"/>
+              </a:ext>
+            </a:extLst>
+          </p:cNvPr>
+          <p:cNvPicPr>
+            <a:picLocks noChangeAspect="1" noChangeArrowheads="1"/>
+          </p:cNvPicPr>
+          <p:nvPr/>
+        </p:nvPicPr>
+        <p:blipFill>
+          <a:blip r:embed="rId2">
+            <a:extLst>
+              <a:ext uri="{28A0092B-C50C-407E-A947-70E740481C1C}">
+                <a14:useLocalDpi xmlns:a14="http://schemas.microsoft.com/office/drawing/2010/main" val="0"/>
+              </a:ext>
+            </a:extLst>
+          </a:blip>
+          <a:srcRect/>
+          <a:stretch>
+            <a:fillRect/>
+          </a:stretch>
+        </p:blipFill>
+        <p:spPr bwMode="auto">
+          <a:xfrm>
+            <a:off x="10778771" y="6104958"/>
+            <a:ext cx="1383137" cy="726147"/>
+          </a:xfrm>
+          <a:prstGeom prst="rect">
+            <a:avLst/>
+          </a:prstGeom>
+          <a:noFill/>
+          <a:extLst>
+            <a:ext uri="{909E8E84-426E-40DD-AFC4-6F175D3DCCD1}">
+              <a14:hiddenFill xmlns:a14="http://schemas.microsoft.com/office/drawing/2010/main">
+                <a:solidFill>
+                  <a:srgbClr val="FFFFFF"/>
+                </a:solidFill>
+              </a14:hiddenFill>
+            </a:ext>
+          </a:extLst>
+        </p:spPr>
+      </p:pic>
     </p:spTree>
     <p:extLst>
       <p:ext uri="{BB962C8B-B14F-4D97-AF65-F5344CB8AC3E}">
@@ -11629,7 +12473,7 @@
                                         <p:tgtEl>
                                           <p:spTgt spid="11">
                                             <p:txEl>
-                                              <p:pRg st="4" end="4"/>
+                                              <p:pRg st="3" end="3"/>
                                             </p:txEl>
                                           </p:spTgt>
                                         </p:tgtEl>
@@ -11647,7 +12491,7 @@
                                         <p:tgtEl>
                                           <p:spTgt spid="11">
                                             <p:txEl>
-                                              <p:pRg st="4" end="4"/>
+                                              <p:pRg st="3" end="3"/>
                                             </p:txEl>
                                           </p:spTgt>
                                         </p:tgtEl>
@@ -11672,7 +12516,7 @@
                                         <p:tgtEl>
                                           <p:spTgt spid="11">
                                             <p:txEl>
-                                              <p:pRg st="5" end="5"/>
+                                              <p:pRg st="4" end="4"/>
                                             </p:txEl>
                                           </p:spTgt>
                                         </p:tgtEl>
@@ -11690,7 +12534,7 @@
                                         <p:tgtEl>
                                           <p:spTgt spid="11">
                                             <p:txEl>
-                                              <p:pRg st="5" end="5"/>
+                                              <p:pRg st="4" end="4"/>
                                             </p:txEl>
                                           </p:spTgt>
                                         </p:tgtEl>
@@ -12107,6 +12951,53 @@
           </a:p>
         </p:txBody>
       </p:sp>
+      <p:pic>
+        <p:nvPicPr>
+          <p:cNvPr id="11" name="Picture 2" descr="Home | FritoLay">
+            <a:extLst>
+              <a:ext uri="{FF2B5EF4-FFF2-40B4-BE49-F238E27FC236}">
+                <a16:creationId xmlns:a16="http://schemas.microsoft.com/office/drawing/2014/main" id="{AD633D6F-CB9D-7548-BDF2-799AA2B9EDDF}"/>
+              </a:ext>
+            </a:extLst>
+          </p:cNvPr>
+          <p:cNvPicPr>
+            <a:picLocks noChangeAspect="1" noChangeArrowheads="1"/>
+          </p:cNvPicPr>
+          <p:nvPr/>
+        </p:nvPicPr>
+        <p:blipFill>
+          <a:blip r:embed="rId2">
+            <a:extLst>
+              <a:ext uri="{28A0092B-C50C-407E-A947-70E740481C1C}">
+                <a14:useLocalDpi xmlns:a14="http://schemas.microsoft.com/office/drawing/2010/main" val="0"/>
+              </a:ext>
+            </a:extLst>
+          </a:blip>
+          <a:srcRect/>
+          <a:stretch>
+            <a:fillRect/>
+          </a:stretch>
+        </p:blipFill>
+        <p:spPr bwMode="auto">
+          <a:xfrm>
+            <a:off x="10778771" y="6104958"/>
+            <a:ext cx="1383137" cy="726147"/>
+          </a:xfrm>
+          <a:prstGeom prst="rect">
+            <a:avLst/>
+          </a:prstGeom>
+          <a:noFill/>
+          <a:extLst>
+            <a:ext uri="{909E8E84-426E-40DD-AFC4-6F175D3DCCD1}">
+              <a14:hiddenFill xmlns:a14="http://schemas.microsoft.com/office/drawing/2010/main">
+                <a:solidFill>
+                  <a:srgbClr val="FFFFFF"/>
+                </a:solidFill>
+              </a14:hiddenFill>
+            </a:ext>
+          </a:extLst>
+        </p:spPr>
+      </p:pic>
     </p:spTree>
     <p:extLst>
       <p:ext uri="{BB962C8B-B14F-4D97-AF65-F5344CB8AC3E}">
@@ -12650,6 +13541,53 @@
           </a:p>
         </p:txBody>
       </p:sp>
+      <p:pic>
+        <p:nvPicPr>
+          <p:cNvPr id="11" name="Picture 2" descr="Home | FritoLay">
+            <a:extLst>
+              <a:ext uri="{FF2B5EF4-FFF2-40B4-BE49-F238E27FC236}">
+                <a16:creationId xmlns:a16="http://schemas.microsoft.com/office/drawing/2014/main" id="{071CEEB8-AB9A-3842-B0C4-D437241205AB}"/>
+              </a:ext>
+            </a:extLst>
+          </p:cNvPr>
+          <p:cNvPicPr>
+            <a:picLocks noChangeAspect="1" noChangeArrowheads="1"/>
+          </p:cNvPicPr>
+          <p:nvPr/>
+        </p:nvPicPr>
+        <p:blipFill>
+          <a:blip r:embed="rId2">
+            <a:extLst>
+              <a:ext uri="{28A0092B-C50C-407E-A947-70E740481C1C}">
+                <a14:useLocalDpi xmlns:a14="http://schemas.microsoft.com/office/drawing/2010/main" val="0"/>
+              </a:ext>
+            </a:extLst>
+          </a:blip>
+          <a:srcRect/>
+          <a:stretch>
+            <a:fillRect/>
+          </a:stretch>
+        </p:blipFill>
+        <p:spPr bwMode="auto">
+          <a:xfrm>
+            <a:off x="10778771" y="6104958"/>
+            <a:ext cx="1383137" cy="726147"/>
+          </a:xfrm>
+          <a:prstGeom prst="rect">
+            <a:avLst/>
+          </a:prstGeom>
+          <a:noFill/>
+          <a:extLst>
+            <a:ext uri="{909E8E84-426E-40DD-AFC4-6F175D3DCCD1}">
+              <a14:hiddenFill xmlns:a14="http://schemas.microsoft.com/office/drawing/2010/main">
+                <a:solidFill>
+                  <a:srgbClr val="FFFFFF"/>
+                </a:solidFill>
+              </a14:hiddenFill>
+            </a:ext>
+          </a:extLst>
+        </p:spPr>
+      </p:pic>
     </p:spTree>
     <p:extLst>
       <p:ext uri="{BB962C8B-B14F-4D97-AF65-F5344CB8AC3E}">
@@ -13047,8 +13985,8 @@
         </p:nvSpPr>
         <p:spPr>
           <a:xfrm>
-            <a:off x="1379787" y="1670241"/>
-            <a:ext cx="9486901" cy="4324272"/>
+            <a:off x="1352549" y="1123007"/>
+            <a:ext cx="9486901" cy="3627900"/>
           </a:xfrm>
         </p:spPr>
         <p:txBody>
@@ -13173,6 +14111,53 @@
           </a:p>
         </p:txBody>
       </p:sp>
+      <p:pic>
+        <p:nvPicPr>
+          <p:cNvPr id="11" name="Picture 2" descr="Home | FritoLay">
+            <a:extLst>
+              <a:ext uri="{FF2B5EF4-FFF2-40B4-BE49-F238E27FC236}">
+                <a16:creationId xmlns:a16="http://schemas.microsoft.com/office/drawing/2014/main" id="{985B7B24-6156-8C41-8D43-BF0F722BCABF}"/>
+              </a:ext>
+            </a:extLst>
+          </p:cNvPr>
+          <p:cNvPicPr>
+            <a:picLocks noChangeAspect="1" noChangeArrowheads="1"/>
+          </p:cNvPicPr>
+          <p:nvPr/>
+        </p:nvPicPr>
+        <p:blipFill>
+          <a:blip r:embed="rId4">
+            <a:extLst>
+              <a:ext uri="{28A0092B-C50C-407E-A947-70E740481C1C}">
+                <a14:useLocalDpi xmlns:a14="http://schemas.microsoft.com/office/drawing/2010/main" val="0"/>
+              </a:ext>
+            </a:extLst>
+          </a:blip>
+          <a:srcRect/>
+          <a:stretch>
+            <a:fillRect/>
+          </a:stretch>
+        </p:blipFill>
+        <p:spPr bwMode="auto">
+          <a:xfrm>
+            <a:off x="10778771" y="6104958"/>
+            <a:ext cx="1383137" cy="726147"/>
+          </a:xfrm>
+          <a:prstGeom prst="rect">
+            <a:avLst/>
+          </a:prstGeom>
+          <a:noFill/>
+          <a:extLst>
+            <a:ext uri="{909E8E84-426E-40DD-AFC4-6F175D3DCCD1}">
+              <a14:hiddenFill xmlns:a14="http://schemas.microsoft.com/office/drawing/2010/main">
+                <a:solidFill>
+                  <a:srgbClr val="FFFFFF"/>
+                </a:solidFill>
+              </a14:hiddenFill>
+            </a:ext>
+          </a:extLst>
+        </p:spPr>
+      </p:pic>
     </p:spTree>
     <p:extLst>
       <p:ext uri="{BB962C8B-B14F-4D97-AF65-F5344CB8AC3E}">
@@ -13517,6 +14502,53 @@
           </a:prstGeom>
         </p:spPr>
       </p:pic>
+      <p:pic>
+        <p:nvPicPr>
+          <p:cNvPr id="11" name="Picture 2" descr="Home | FritoLay">
+            <a:extLst>
+              <a:ext uri="{FF2B5EF4-FFF2-40B4-BE49-F238E27FC236}">
+                <a16:creationId xmlns:a16="http://schemas.microsoft.com/office/drawing/2014/main" id="{4286BD11-4EFB-AE4E-AC0A-313C0C69E3F0}"/>
+              </a:ext>
+            </a:extLst>
+          </p:cNvPr>
+          <p:cNvPicPr>
+            <a:picLocks noChangeAspect="1" noChangeArrowheads="1"/>
+          </p:cNvPicPr>
+          <p:nvPr/>
+        </p:nvPicPr>
+        <p:blipFill>
+          <a:blip r:embed="rId3">
+            <a:extLst>
+              <a:ext uri="{28A0092B-C50C-407E-A947-70E740481C1C}">
+                <a14:useLocalDpi xmlns:a14="http://schemas.microsoft.com/office/drawing/2010/main" val="0"/>
+              </a:ext>
+            </a:extLst>
+          </a:blip>
+          <a:srcRect/>
+          <a:stretch>
+            <a:fillRect/>
+          </a:stretch>
+        </p:blipFill>
+        <p:spPr bwMode="auto">
+          <a:xfrm>
+            <a:off x="10778771" y="6104958"/>
+            <a:ext cx="1383137" cy="726147"/>
+          </a:xfrm>
+          <a:prstGeom prst="rect">
+            <a:avLst/>
+          </a:prstGeom>
+          <a:noFill/>
+          <a:extLst>
+            <a:ext uri="{909E8E84-426E-40DD-AFC4-6F175D3DCCD1}">
+              <a14:hiddenFill xmlns:a14="http://schemas.microsoft.com/office/drawing/2010/main">
+                <a:solidFill>
+                  <a:srgbClr val="FFFFFF"/>
+                </a:solidFill>
+              </a14:hiddenFill>
+            </a:ext>
+          </a:extLst>
+        </p:spPr>
+      </p:pic>
     </p:spTree>
     <p:extLst>
       <p:ext uri="{BB962C8B-B14F-4D97-AF65-F5344CB8AC3E}">
@@ -13829,6 +14861,53 @@
           <a:prstGeom prst="rect">
             <a:avLst/>
           </a:prstGeom>
+        </p:spPr>
+      </p:pic>
+      <p:pic>
+        <p:nvPicPr>
+          <p:cNvPr id="9" name="Picture 2" descr="Home | FritoLay">
+            <a:extLst>
+              <a:ext uri="{FF2B5EF4-FFF2-40B4-BE49-F238E27FC236}">
+                <a16:creationId xmlns:a16="http://schemas.microsoft.com/office/drawing/2014/main" id="{3D34AB25-59E7-5742-8C52-1681124729AD}"/>
+              </a:ext>
+            </a:extLst>
+          </p:cNvPr>
+          <p:cNvPicPr>
+            <a:picLocks noChangeAspect="1" noChangeArrowheads="1"/>
+          </p:cNvPicPr>
+          <p:nvPr/>
+        </p:nvPicPr>
+        <p:blipFill>
+          <a:blip r:embed="rId3">
+            <a:extLst>
+              <a:ext uri="{28A0092B-C50C-407E-A947-70E740481C1C}">
+                <a14:useLocalDpi xmlns:a14="http://schemas.microsoft.com/office/drawing/2010/main" val="0"/>
+              </a:ext>
+            </a:extLst>
+          </a:blip>
+          <a:srcRect/>
+          <a:stretch>
+            <a:fillRect/>
+          </a:stretch>
+        </p:blipFill>
+        <p:spPr bwMode="auto">
+          <a:xfrm>
+            <a:off x="10778771" y="6104958"/>
+            <a:ext cx="1383137" cy="726147"/>
+          </a:xfrm>
+          <a:prstGeom prst="rect">
+            <a:avLst/>
+          </a:prstGeom>
+          <a:noFill/>
+          <a:extLst>
+            <a:ext uri="{909E8E84-426E-40DD-AFC4-6F175D3DCCD1}">
+              <a14:hiddenFill xmlns:a14="http://schemas.microsoft.com/office/drawing/2010/main">
+                <a:solidFill>
+                  <a:srgbClr val="FFFFFF"/>
+                </a:solidFill>
+              </a14:hiddenFill>
+            </a:ext>
+          </a:extLst>
         </p:spPr>
       </p:pic>
     </p:spTree>
@@ -14143,6 +15222,53 @@
           <a:prstGeom prst="rect">
             <a:avLst/>
           </a:prstGeom>
+        </p:spPr>
+      </p:pic>
+      <p:pic>
+        <p:nvPicPr>
+          <p:cNvPr id="9" name="Picture 2" descr="Home | FritoLay">
+            <a:extLst>
+              <a:ext uri="{FF2B5EF4-FFF2-40B4-BE49-F238E27FC236}">
+                <a16:creationId xmlns:a16="http://schemas.microsoft.com/office/drawing/2014/main" id="{42C89B9E-0AE2-D94C-8282-B03641D7F9EB}"/>
+              </a:ext>
+            </a:extLst>
+          </p:cNvPr>
+          <p:cNvPicPr>
+            <a:picLocks noChangeAspect="1" noChangeArrowheads="1"/>
+          </p:cNvPicPr>
+          <p:nvPr/>
+        </p:nvPicPr>
+        <p:blipFill>
+          <a:blip r:embed="rId3">
+            <a:extLst>
+              <a:ext uri="{28A0092B-C50C-407E-A947-70E740481C1C}">
+                <a14:useLocalDpi xmlns:a14="http://schemas.microsoft.com/office/drawing/2010/main" val="0"/>
+              </a:ext>
+            </a:extLst>
+          </a:blip>
+          <a:srcRect/>
+          <a:stretch>
+            <a:fillRect/>
+          </a:stretch>
+        </p:blipFill>
+        <p:spPr bwMode="auto">
+          <a:xfrm>
+            <a:off x="10778771" y="6104958"/>
+            <a:ext cx="1383137" cy="726147"/>
+          </a:xfrm>
+          <a:prstGeom prst="rect">
+            <a:avLst/>
+          </a:prstGeom>
+          <a:noFill/>
+          <a:extLst>
+            <a:ext uri="{909E8E84-426E-40DD-AFC4-6F175D3DCCD1}">
+              <a14:hiddenFill xmlns:a14="http://schemas.microsoft.com/office/drawing/2010/main">
+                <a:solidFill>
+                  <a:srgbClr val="FFFFFF"/>
+                </a:solidFill>
+              </a14:hiddenFill>
+            </a:ext>
+          </a:extLst>
         </p:spPr>
       </p:pic>
     </p:spTree>
@@ -14487,6 +15613,53 @@
           <a:prstGeom prst="rect">
             <a:avLst/>
           </a:prstGeom>
+        </p:spPr>
+      </p:pic>
+      <p:pic>
+        <p:nvPicPr>
+          <p:cNvPr id="9" name="Picture 2" descr="Home | FritoLay">
+            <a:extLst>
+              <a:ext uri="{FF2B5EF4-FFF2-40B4-BE49-F238E27FC236}">
+                <a16:creationId xmlns:a16="http://schemas.microsoft.com/office/drawing/2014/main" id="{C11DDC88-5DF0-B849-9C52-F9DC2563D691}"/>
+              </a:ext>
+            </a:extLst>
+          </p:cNvPr>
+          <p:cNvPicPr>
+            <a:picLocks noChangeAspect="1" noChangeArrowheads="1"/>
+          </p:cNvPicPr>
+          <p:nvPr/>
+        </p:nvPicPr>
+        <p:blipFill>
+          <a:blip r:embed="rId4">
+            <a:extLst>
+              <a:ext uri="{28A0092B-C50C-407E-A947-70E740481C1C}">
+                <a14:useLocalDpi xmlns:a14="http://schemas.microsoft.com/office/drawing/2010/main" val="0"/>
+              </a:ext>
+            </a:extLst>
+          </a:blip>
+          <a:srcRect/>
+          <a:stretch>
+            <a:fillRect/>
+          </a:stretch>
+        </p:blipFill>
+        <p:spPr bwMode="auto">
+          <a:xfrm>
+            <a:off x="10778771" y="6104958"/>
+            <a:ext cx="1383137" cy="726147"/>
+          </a:xfrm>
+          <a:prstGeom prst="rect">
+            <a:avLst/>
+          </a:prstGeom>
+          <a:noFill/>
+          <a:extLst>
+            <a:ext uri="{909E8E84-426E-40DD-AFC4-6F175D3DCCD1}">
+              <a14:hiddenFill xmlns:a14="http://schemas.microsoft.com/office/drawing/2010/main">
+                <a:solidFill>
+                  <a:srgbClr val="FFFFFF"/>
+                </a:solidFill>
+              </a14:hiddenFill>
+            </a:ext>
+          </a:extLst>
         </p:spPr>
       </p:pic>
     </p:spTree>
@@ -14886,6 +16059,53 @@
           </a:prstGeom>
         </p:spPr>
       </p:pic>
+      <p:pic>
+        <p:nvPicPr>
+          <p:cNvPr id="9" name="Picture 2" descr="Home | FritoLay">
+            <a:extLst>
+              <a:ext uri="{FF2B5EF4-FFF2-40B4-BE49-F238E27FC236}">
+                <a16:creationId xmlns:a16="http://schemas.microsoft.com/office/drawing/2014/main" id="{ABEA6125-B2CB-E04C-B5A2-58A456F6BCBC}"/>
+              </a:ext>
+            </a:extLst>
+          </p:cNvPr>
+          <p:cNvPicPr>
+            <a:picLocks noChangeAspect="1" noChangeArrowheads="1"/>
+          </p:cNvPicPr>
+          <p:nvPr/>
+        </p:nvPicPr>
+        <p:blipFill>
+          <a:blip r:embed="rId3">
+            <a:extLst>
+              <a:ext uri="{28A0092B-C50C-407E-A947-70E740481C1C}">
+                <a14:useLocalDpi xmlns:a14="http://schemas.microsoft.com/office/drawing/2010/main" val="0"/>
+              </a:ext>
+            </a:extLst>
+          </a:blip>
+          <a:srcRect/>
+          <a:stretch>
+            <a:fillRect/>
+          </a:stretch>
+        </p:blipFill>
+        <p:spPr bwMode="auto">
+          <a:xfrm>
+            <a:off x="10778771" y="6104958"/>
+            <a:ext cx="1383137" cy="726147"/>
+          </a:xfrm>
+          <a:prstGeom prst="rect">
+            <a:avLst/>
+          </a:prstGeom>
+          <a:noFill/>
+          <a:extLst>
+            <a:ext uri="{909E8E84-426E-40DD-AFC4-6F175D3DCCD1}">
+              <a14:hiddenFill xmlns:a14="http://schemas.microsoft.com/office/drawing/2010/main">
+                <a:solidFill>
+                  <a:srgbClr val="FFFFFF"/>
+                </a:solidFill>
+              </a14:hiddenFill>
+            </a:ext>
+          </a:extLst>
+        </p:spPr>
+      </p:pic>
     </p:spTree>
     <p:extLst>
       <p:ext uri="{BB962C8B-B14F-4D97-AF65-F5344CB8AC3E}">
@@ -15380,6 +16600,53 @@
           </a:p>
         </p:txBody>
       </p:sp>
+      <p:pic>
+        <p:nvPicPr>
+          <p:cNvPr id="12" name="Picture 2" descr="Home | FritoLay">
+            <a:extLst>
+              <a:ext uri="{FF2B5EF4-FFF2-40B4-BE49-F238E27FC236}">
+                <a16:creationId xmlns:a16="http://schemas.microsoft.com/office/drawing/2014/main" id="{B20CBF8D-06CF-4549-BD21-C4E49B147EC5}"/>
+              </a:ext>
+            </a:extLst>
+          </p:cNvPr>
+          <p:cNvPicPr>
+            <a:picLocks noChangeAspect="1" noChangeArrowheads="1"/>
+          </p:cNvPicPr>
+          <p:nvPr/>
+        </p:nvPicPr>
+        <p:blipFill>
+          <a:blip r:embed="rId5">
+            <a:extLst>
+              <a:ext uri="{28A0092B-C50C-407E-A947-70E740481C1C}">
+                <a14:useLocalDpi xmlns:a14="http://schemas.microsoft.com/office/drawing/2010/main" val="0"/>
+              </a:ext>
+            </a:extLst>
+          </a:blip>
+          <a:srcRect/>
+          <a:stretch>
+            <a:fillRect/>
+          </a:stretch>
+        </p:blipFill>
+        <p:spPr bwMode="auto">
+          <a:xfrm>
+            <a:off x="10778771" y="6104958"/>
+            <a:ext cx="1383137" cy="726147"/>
+          </a:xfrm>
+          <a:prstGeom prst="rect">
+            <a:avLst/>
+          </a:prstGeom>
+          <a:noFill/>
+          <a:extLst>
+            <a:ext uri="{909E8E84-426E-40DD-AFC4-6F175D3DCCD1}">
+              <a14:hiddenFill xmlns:a14="http://schemas.microsoft.com/office/drawing/2010/main">
+                <a:solidFill>
+                  <a:srgbClr val="FFFFFF"/>
+                </a:solidFill>
+              </a14:hiddenFill>
+            </a:ext>
+          </a:extLst>
+        </p:spPr>
+      </p:pic>
     </p:spTree>
     <p:extLst>
       <p:ext uri="{BB962C8B-B14F-4D97-AF65-F5344CB8AC3E}">
@@ -16148,6 +17415,53 @@
           </a:p>
         </p:txBody>
       </p:sp>
+      <p:pic>
+        <p:nvPicPr>
+          <p:cNvPr id="10" name="Picture 2" descr="Home | FritoLay">
+            <a:extLst>
+              <a:ext uri="{FF2B5EF4-FFF2-40B4-BE49-F238E27FC236}">
+                <a16:creationId xmlns:a16="http://schemas.microsoft.com/office/drawing/2014/main" id="{58C160A4-1C02-FA4C-86A0-10D1F6097A59}"/>
+              </a:ext>
+            </a:extLst>
+          </p:cNvPr>
+          <p:cNvPicPr>
+            <a:picLocks noChangeAspect="1" noChangeArrowheads="1"/>
+          </p:cNvPicPr>
+          <p:nvPr/>
+        </p:nvPicPr>
+        <p:blipFill>
+          <a:blip r:embed="rId3">
+            <a:extLst>
+              <a:ext uri="{28A0092B-C50C-407E-A947-70E740481C1C}">
+                <a14:useLocalDpi xmlns:a14="http://schemas.microsoft.com/office/drawing/2010/main" val="0"/>
+              </a:ext>
+            </a:extLst>
+          </a:blip>
+          <a:srcRect/>
+          <a:stretch>
+            <a:fillRect/>
+          </a:stretch>
+        </p:blipFill>
+        <p:spPr bwMode="auto">
+          <a:xfrm>
+            <a:off x="10778771" y="6104958"/>
+            <a:ext cx="1383137" cy="726147"/>
+          </a:xfrm>
+          <a:prstGeom prst="rect">
+            <a:avLst/>
+          </a:prstGeom>
+          <a:noFill/>
+          <a:extLst>
+            <a:ext uri="{909E8E84-426E-40DD-AFC4-6F175D3DCCD1}">
+              <a14:hiddenFill xmlns:a14="http://schemas.microsoft.com/office/drawing/2010/main">
+                <a:solidFill>
+                  <a:srgbClr val="FFFFFF"/>
+                </a:solidFill>
+              </a14:hiddenFill>
+            </a:ext>
+          </a:extLst>
+        </p:spPr>
+      </p:pic>
     </p:spTree>
     <p:extLst>
       <p:ext uri="{BB962C8B-B14F-4D97-AF65-F5344CB8AC3E}">

--- a/DDS_Project_2_Presentation.pptx
+++ b/DDS_Project_2_Presentation.pptx
@@ -4,6 +4,9 @@
   <p:sldMasterIdLst>
     <p:sldMasterId id="2147483712" r:id="rId1"/>
   </p:sldMasterIdLst>
+  <p:notesMasterIdLst>
+    <p:notesMasterId r:id="rId24"/>
+  </p:notesMasterIdLst>
   <p:sldIdLst>
     <p:sldId id="303" r:id="rId2"/>
     <p:sldId id="286" r:id="rId3"/>
@@ -136,7 +139,7 @@
 <file path=ppt/revisionInfo.xml><?xml version="1.0" encoding="utf-8"?>
 <p1510:revInfo xmlns:a="http://schemas.openxmlformats.org/drawingml/2006/main" xmlns:r="http://schemas.openxmlformats.org/officeDocument/2006/relationships" xmlns:p1510="http://schemas.microsoft.com/office/powerpoint/2015/10/main">
   <p1510:revLst>
-    <p1510:client id="{F72F3FB8-19C0-4758-9009-50FF7556B545}" v="679" dt="2021-12-11T04:21:55.248"/>
+    <p1510:client id="{F72F3FB8-19C0-4758-9009-50FF7556B545}" v="691" dt="2021-12-11T19:18:36.602"/>
   </p1510:revLst>
 </p1510:revInfo>
 </file>
@@ -146,7 +149,7 @@
   <pc:docChgLst>
     <pc:chgData name="Pandey, Shikha" userId="62b2c247-44c0-476d-a294-f01c5623c9dc" providerId="ADAL" clId="{F72F3FB8-19C0-4758-9009-50FF7556B545}"/>
     <pc:docChg chg="undo redo custSel addSld delSld modSld sldOrd">
-      <pc:chgData name="Pandey, Shikha" userId="62b2c247-44c0-476d-a294-f01c5623c9dc" providerId="ADAL" clId="{F72F3FB8-19C0-4758-9009-50FF7556B545}" dt="2021-12-11T04:21:55.248" v="2593" actId="20577"/>
+      <pc:chgData name="Pandey, Shikha" userId="62b2c247-44c0-476d-a294-f01c5623c9dc" providerId="ADAL" clId="{F72F3FB8-19C0-4758-9009-50FF7556B545}" dt="2021-12-11T19:19:55.660" v="5852" actId="255"/>
       <pc:docMkLst>
         <pc:docMk/>
       </pc:docMkLst>
@@ -1665,6 +1668,29 @@
           <pc:sldMk cId="776828111" sldId="284"/>
         </pc:sldMkLst>
       </pc:sldChg>
+      <pc:sldChg chg="addSp modSp mod">
+        <pc:chgData name="Pandey, Shikha" userId="62b2c247-44c0-476d-a294-f01c5623c9dc" providerId="ADAL" clId="{F72F3FB8-19C0-4758-9009-50FF7556B545}" dt="2021-12-11T19:19:55.660" v="5852" actId="255"/>
+        <pc:sldMkLst>
+          <pc:docMk/>
+          <pc:sldMk cId="2611356337" sldId="284"/>
+        </pc:sldMkLst>
+        <pc:spChg chg="add mod">
+          <ac:chgData name="Pandey, Shikha" userId="62b2c247-44c0-476d-a294-f01c5623c9dc" providerId="ADAL" clId="{F72F3FB8-19C0-4758-9009-50FF7556B545}" dt="2021-12-11T19:19:55.660" v="5852" actId="255"/>
+          <ac:spMkLst>
+            <pc:docMk/>
+            <pc:sldMk cId="2611356337" sldId="284"/>
+            <ac:spMk id="2" creationId="{008FE737-485E-44FB-9A58-A87ABE4E52C6}"/>
+          </ac:spMkLst>
+        </pc:spChg>
+        <pc:spChg chg="add mod">
+          <ac:chgData name="Pandey, Shikha" userId="62b2c247-44c0-476d-a294-f01c5623c9dc" providerId="ADAL" clId="{F72F3FB8-19C0-4758-9009-50FF7556B545}" dt="2021-12-11T19:19:43.264" v="5851" actId="1035"/>
+          <ac:spMkLst>
+            <pc:docMk/>
+            <pc:sldMk cId="2611356337" sldId="284"/>
+            <ac:spMk id="3" creationId="{56543DF3-5E6E-4248-9F99-D4E714F46A31}"/>
+          </ac:spMkLst>
+        </pc:spChg>
+      </pc:sldChg>
       <pc:sldChg chg="addSp delSp modSp mod">
         <pc:chgData name="Pandey, Shikha" userId="62b2c247-44c0-476d-a294-f01c5623c9dc" providerId="ADAL" clId="{F72F3FB8-19C0-4758-9009-50FF7556B545}" dt="2021-12-10T03:26:51.284" v="1595" actId="1076"/>
         <pc:sldMkLst>
@@ -1704,14 +1730,14 @@
           </ac:picMkLst>
         </pc:picChg>
       </pc:sldChg>
-      <pc:sldChg chg="modSp modAnim">
-        <pc:chgData name="Pandey, Shikha" userId="62b2c247-44c0-476d-a294-f01c5623c9dc" providerId="ADAL" clId="{F72F3FB8-19C0-4758-9009-50FF7556B545}" dt="2021-12-10T01:22:50.553" v="1376" actId="20577"/>
+      <pc:sldChg chg="modSp modAnim modNotesTx">
+        <pc:chgData name="Pandey, Shikha" userId="62b2c247-44c0-476d-a294-f01c5623c9dc" providerId="ADAL" clId="{F72F3FB8-19C0-4758-9009-50FF7556B545}" dt="2021-12-11T16:59:40.450" v="3147"/>
         <pc:sldMkLst>
           <pc:docMk/>
           <pc:sldMk cId="3948550493" sldId="286"/>
         </pc:sldMkLst>
         <pc:spChg chg="mod">
-          <ac:chgData name="Pandey, Shikha" userId="62b2c247-44c0-476d-a294-f01c5623c9dc" providerId="ADAL" clId="{F72F3FB8-19C0-4758-9009-50FF7556B545}" dt="2021-12-10T01:22:50.553" v="1376" actId="20577"/>
+          <ac:chgData name="Pandey, Shikha" userId="62b2c247-44c0-476d-a294-f01c5623c9dc" providerId="ADAL" clId="{F72F3FB8-19C0-4758-9009-50FF7556B545}" dt="2021-12-11T16:58:11.533" v="3070" actId="20577"/>
           <ac:spMkLst>
             <pc:docMk/>
             <pc:sldMk cId="3948550493" sldId="286"/>
@@ -1742,8 +1768,8 @@
           </ac:picMkLst>
         </pc:picChg>
       </pc:sldChg>
-      <pc:sldChg chg="addSp delSp modSp mod delAnim modAnim">
-        <pc:chgData name="Pandey, Shikha" userId="62b2c247-44c0-476d-a294-f01c5623c9dc" providerId="ADAL" clId="{F72F3FB8-19C0-4758-9009-50FF7556B545}" dt="2021-12-11T03:49:57.825" v="2128"/>
+      <pc:sldChg chg="addSp delSp modSp mod delAnim modAnim modNotesTx">
+        <pc:chgData name="Pandey, Shikha" userId="62b2c247-44c0-476d-a294-f01c5623c9dc" providerId="ADAL" clId="{F72F3FB8-19C0-4758-9009-50FF7556B545}" dt="2021-12-11T18:55:22.300" v="5250" actId="20577"/>
         <pc:sldMkLst>
           <pc:docMk/>
           <pc:sldMk cId="216170584" sldId="289"/>
@@ -1835,8 +1861,15 @@
           </ac:picMkLst>
         </pc:picChg>
       </pc:sldChg>
-      <pc:sldChg chg="addSp delSp modSp mod modAnim">
-        <pc:chgData name="Pandey, Shikha" userId="62b2c247-44c0-476d-a294-f01c5623c9dc" providerId="ADAL" clId="{F72F3FB8-19C0-4758-9009-50FF7556B545}" dt="2021-12-10T01:43:54.211" v="1438"/>
+      <pc:sldChg chg="modNotesTx">
+        <pc:chgData name="Pandey, Shikha" userId="62b2c247-44c0-476d-a294-f01c5623c9dc" providerId="ADAL" clId="{F72F3FB8-19C0-4758-9009-50FF7556B545}" dt="2021-12-11T18:27:05.448" v="3351" actId="20577"/>
+        <pc:sldMkLst>
+          <pc:docMk/>
+          <pc:sldMk cId="1945880248" sldId="294"/>
+        </pc:sldMkLst>
+      </pc:sldChg>
+      <pc:sldChg chg="addSp delSp modSp mod modAnim modNotesTx">
+        <pc:chgData name="Pandey, Shikha" userId="62b2c247-44c0-476d-a294-f01c5623c9dc" providerId="ADAL" clId="{F72F3FB8-19C0-4758-9009-50FF7556B545}" dt="2021-12-11T18:52:36.749" v="4971" actId="20577"/>
         <pc:sldMkLst>
           <pc:docMk/>
           <pc:sldMk cId="153741263" sldId="296"/>
@@ -1890,8 +1923,22 @@
           </ac:picMkLst>
         </pc:picChg>
       </pc:sldChg>
-      <pc:sldChg chg="modSp mod">
-        <pc:chgData name="Pandey, Shikha" userId="62b2c247-44c0-476d-a294-f01c5623c9dc" providerId="ADAL" clId="{F72F3FB8-19C0-4758-9009-50FF7556B545}" dt="2021-12-10T04:06:23.604" v="1654" actId="1076"/>
+      <pc:sldChg chg="modNotesTx">
+        <pc:chgData name="Pandey, Shikha" userId="62b2c247-44c0-476d-a294-f01c5623c9dc" providerId="ADAL" clId="{F72F3FB8-19C0-4758-9009-50FF7556B545}" dt="2021-12-11T18:34:53.807" v="3717" actId="6549"/>
+        <pc:sldMkLst>
+          <pc:docMk/>
+          <pc:sldMk cId="4096914000" sldId="297"/>
+        </pc:sldMkLst>
+      </pc:sldChg>
+      <pc:sldChg chg="modNotesTx">
+        <pc:chgData name="Pandey, Shikha" userId="62b2c247-44c0-476d-a294-f01c5623c9dc" providerId="ADAL" clId="{F72F3FB8-19C0-4758-9009-50FF7556B545}" dt="2021-12-11T18:39:51.797" v="4017" actId="20577"/>
+        <pc:sldMkLst>
+          <pc:docMk/>
+          <pc:sldMk cId="383410763" sldId="299"/>
+        </pc:sldMkLst>
+      </pc:sldChg>
+      <pc:sldChg chg="modSp mod modNotesTx">
+        <pc:chgData name="Pandey, Shikha" userId="62b2c247-44c0-476d-a294-f01c5623c9dc" providerId="ADAL" clId="{F72F3FB8-19C0-4758-9009-50FF7556B545}" dt="2021-12-11T18:45:15.390" v="4413" actId="20577"/>
         <pc:sldMkLst>
           <pc:docMk/>
           <pc:sldMk cId="12617662" sldId="300"/>
@@ -1913,8 +1960,15 @@
           </ac:picMkLst>
         </pc:picChg>
       </pc:sldChg>
-      <pc:sldChg chg="addSp modSp mod modAnim">
-        <pc:chgData name="Pandey, Shikha" userId="62b2c247-44c0-476d-a294-f01c5623c9dc" providerId="ADAL" clId="{F72F3FB8-19C0-4758-9009-50FF7556B545}" dt="2021-12-10T02:11:03.901" v="1525"/>
+      <pc:sldChg chg="modNotesTx">
+        <pc:chgData name="Pandey, Shikha" userId="62b2c247-44c0-476d-a294-f01c5623c9dc" providerId="ADAL" clId="{F72F3FB8-19C0-4758-9009-50FF7556B545}" dt="2021-12-11T18:48:49.457" v="4696" actId="20577"/>
+        <pc:sldMkLst>
+          <pc:docMk/>
+          <pc:sldMk cId="3390263981" sldId="301"/>
+        </pc:sldMkLst>
+      </pc:sldChg>
+      <pc:sldChg chg="addSp modSp mod modAnim modNotesTx">
+        <pc:chgData name="Pandey, Shikha" userId="62b2c247-44c0-476d-a294-f01c5623c9dc" providerId="ADAL" clId="{F72F3FB8-19C0-4758-9009-50FF7556B545}" dt="2021-12-11T19:02:36.475" v="5706" actId="20577"/>
         <pc:sldMkLst>
           <pc:docMk/>
           <pc:sldMk cId="2006790794" sldId="302"/>
@@ -1935,6 +1989,13 @@
             <ac:spMk id="3" creationId="{9FA441EC-0FB7-4D49-A3FA-6E88846A69E7}"/>
           </ac:spMkLst>
         </pc:spChg>
+      </pc:sldChg>
+      <pc:sldChg chg="modNotesTx">
+        <pc:chgData name="Pandey, Shikha" userId="62b2c247-44c0-476d-a294-f01c5623c9dc" providerId="ADAL" clId="{F72F3FB8-19C0-4758-9009-50FF7556B545}" dt="2021-12-11T16:59:31.829" v="3145" actId="20577"/>
+        <pc:sldMkLst>
+          <pc:docMk/>
+          <pc:sldMk cId="3116656816" sldId="303"/>
+        </pc:sldMkLst>
       </pc:sldChg>
       <pc:sldChg chg="addSp delSp modSp add mod modAnim">
         <pc:chgData name="Pandey, Shikha" userId="62b2c247-44c0-476d-a294-f01c5623c9dc" providerId="ADAL" clId="{F72F3FB8-19C0-4758-9009-50FF7556B545}" dt="2021-12-11T04:07:03.857" v="2426" actId="5793"/>
@@ -1999,7 +2060,7 @@
         </pc:spChg>
       </pc:sldChg>
       <pc:sldChg chg="addSp delSp modSp add mod ord">
-        <pc:chgData name="Pandey, Shikha" userId="62b2c247-44c0-476d-a294-f01c5623c9dc" providerId="ADAL" clId="{F72F3FB8-19C0-4758-9009-50FF7556B545}" dt="2021-12-11T02:11:47.927" v="1708"/>
+        <pc:chgData name="Pandey, Shikha" userId="62b2c247-44c0-476d-a294-f01c5623c9dc" providerId="ADAL" clId="{F72F3FB8-19C0-4758-9009-50FF7556B545}" dt="2021-12-11T19:16:44.715" v="5832" actId="122"/>
         <pc:sldMkLst>
           <pc:docMk/>
           <pc:sldMk cId="2812659350" sldId="306"/>
@@ -2012,8 +2073,16 @@
             <ac:spMk id="9" creationId="{0102CC5F-E7D1-A54C-93CA-FC20B1FB2E73}"/>
           </ac:spMkLst>
         </pc:spChg>
-        <pc:picChg chg="add mod">
-          <ac:chgData name="Pandey, Shikha" userId="62b2c247-44c0-476d-a294-f01c5623c9dc" providerId="ADAL" clId="{F72F3FB8-19C0-4758-9009-50FF7556B545}" dt="2021-12-11T02:11:19.149" v="1706" actId="1076"/>
+        <pc:graphicFrameChg chg="add mod modGraphic">
+          <ac:chgData name="Pandey, Shikha" userId="62b2c247-44c0-476d-a294-f01c5623c9dc" providerId="ADAL" clId="{F72F3FB8-19C0-4758-9009-50FF7556B545}" dt="2021-12-11T19:16:44.715" v="5832" actId="122"/>
+          <ac:graphicFrameMkLst>
+            <pc:docMk/>
+            <pc:sldMk cId="2812659350" sldId="306"/>
+            <ac:graphicFrameMk id="2" creationId="{3BEE60FD-72FD-407D-8963-7C3BFC1FFC6C}"/>
+          </ac:graphicFrameMkLst>
+        </pc:graphicFrameChg>
+        <pc:picChg chg="add mod ord">
+          <ac:chgData name="Pandey, Shikha" userId="62b2c247-44c0-476d-a294-f01c5623c9dc" providerId="ADAL" clId="{F72F3FB8-19C0-4758-9009-50FF7556B545}" dt="2021-12-11T19:15:42.725" v="5816" actId="1076"/>
           <ac:picMkLst>
             <pc:docMk/>
             <pc:sldMk cId="2812659350" sldId="306"/>
@@ -2173,6 +2242,1335 @@
     </pc:docChg>
   </pc:docChgLst>
 </pc:chgInfo>
+</file>
+
+<file path=ppt/notesMasters/notesMaster1.xml><?xml version="1.0" encoding="utf-8"?>
+<p:notesMaster xmlns:a="http://schemas.openxmlformats.org/drawingml/2006/main" xmlns:r="http://schemas.openxmlformats.org/officeDocument/2006/relationships" xmlns:p="http://schemas.openxmlformats.org/presentationml/2006/main">
+  <p:cSld>
+    <p:bg>
+      <p:bgRef idx="1001">
+        <a:schemeClr val="bg1"/>
+      </p:bgRef>
+    </p:bg>
+    <p:spTree>
+      <p:nvGrpSpPr>
+        <p:cNvPr id="1" name=""/>
+        <p:cNvGrpSpPr/>
+        <p:nvPr/>
+      </p:nvGrpSpPr>
+      <p:grpSpPr>
+        <a:xfrm>
+          <a:off x="0" y="0"/>
+          <a:ext cx="0" cy="0"/>
+          <a:chOff x="0" y="0"/>
+          <a:chExt cx="0" cy="0"/>
+        </a:xfrm>
+      </p:grpSpPr>
+      <p:sp>
+        <p:nvSpPr>
+          <p:cNvPr id="2" name="Header Placeholder 1"/>
+          <p:cNvSpPr>
+            <a:spLocks noGrp="1"/>
+          </p:cNvSpPr>
+          <p:nvPr>
+            <p:ph type="hdr" sz="quarter"/>
+          </p:nvPr>
+        </p:nvSpPr>
+        <p:spPr>
+          <a:xfrm>
+            <a:off x="0" y="0"/>
+            <a:ext cx="2971800" cy="458788"/>
+          </a:xfrm>
+          <a:prstGeom prst="rect">
+            <a:avLst/>
+          </a:prstGeom>
+        </p:spPr>
+        <p:txBody>
+          <a:bodyPr vert="horz" lIns="91440" tIns="45720" rIns="91440" bIns="45720" rtlCol="0"/>
+          <a:lstStyle>
+            <a:lvl1pPr algn="l">
+              <a:defRPr sz="1200"/>
+            </a:lvl1pPr>
+          </a:lstStyle>
+          <a:p>
+            <a:endParaRPr lang="en-US"/>
+          </a:p>
+        </p:txBody>
+      </p:sp>
+      <p:sp>
+        <p:nvSpPr>
+          <p:cNvPr id="3" name="Date Placeholder 2"/>
+          <p:cNvSpPr>
+            <a:spLocks noGrp="1"/>
+          </p:cNvSpPr>
+          <p:nvPr>
+            <p:ph type="dt" idx="1"/>
+          </p:nvPr>
+        </p:nvSpPr>
+        <p:spPr>
+          <a:xfrm>
+            <a:off x="3884613" y="0"/>
+            <a:ext cx="2971800" cy="458788"/>
+          </a:xfrm>
+          <a:prstGeom prst="rect">
+            <a:avLst/>
+          </a:prstGeom>
+        </p:spPr>
+        <p:txBody>
+          <a:bodyPr vert="horz" lIns="91440" tIns="45720" rIns="91440" bIns="45720" rtlCol="0"/>
+          <a:lstStyle>
+            <a:lvl1pPr algn="r">
+              <a:defRPr sz="1200"/>
+            </a:lvl1pPr>
+          </a:lstStyle>
+          <a:p>
+            <a:fld id="{0E3E0A65-D66A-4F29-B0E0-760002A6D007}" type="datetimeFigureOut">
+              <a:rPr lang="en-US" smtClean="0"/>
+              <a:t>12/11/2021</a:t>
+            </a:fld>
+            <a:endParaRPr lang="en-US"/>
+          </a:p>
+        </p:txBody>
+      </p:sp>
+      <p:sp>
+        <p:nvSpPr>
+          <p:cNvPr id="4" name="Slide Image Placeholder 3"/>
+          <p:cNvSpPr>
+            <a:spLocks noGrp="1" noRot="1" noChangeAspect="1"/>
+          </p:cNvSpPr>
+          <p:nvPr>
+            <p:ph type="sldImg" idx="2"/>
+          </p:nvPr>
+        </p:nvSpPr>
+        <p:spPr>
+          <a:xfrm>
+            <a:off x="685800" y="1143000"/>
+            <a:ext cx="5486400" cy="3086100"/>
+          </a:xfrm>
+          <a:prstGeom prst="rect">
+            <a:avLst/>
+          </a:prstGeom>
+          <a:noFill/>
+          <a:ln w="12700">
+            <a:solidFill>
+              <a:prstClr val="black"/>
+            </a:solidFill>
+          </a:ln>
+        </p:spPr>
+        <p:txBody>
+          <a:bodyPr vert="horz" lIns="91440" tIns="45720" rIns="91440" bIns="45720" rtlCol="0" anchor="ctr"/>
+          <a:lstStyle/>
+          <a:p>
+            <a:endParaRPr lang="en-US"/>
+          </a:p>
+        </p:txBody>
+      </p:sp>
+      <p:sp>
+        <p:nvSpPr>
+          <p:cNvPr id="5" name="Notes Placeholder 4"/>
+          <p:cNvSpPr>
+            <a:spLocks noGrp="1"/>
+          </p:cNvSpPr>
+          <p:nvPr>
+            <p:ph type="body" sz="quarter" idx="3"/>
+          </p:nvPr>
+        </p:nvSpPr>
+        <p:spPr>
+          <a:xfrm>
+            <a:off x="685800" y="4400550"/>
+            <a:ext cx="5486400" cy="3600450"/>
+          </a:xfrm>
+          <a:prstGeom prst="rect">
+            <a:avLst/>
+          </a:prstGeom>
+        </p:spPr>
+        <p:txBody>
+          <a:bodyPr vert="horz" lIns="91440" tIns="45720" rIns="91440" bIns="45720" rtlCol="0"/>
+          <a:lstStyle/>
+          <a:p>
+            <a:pPr lvl="0"/>
+            <a:r>
+              <a:rPr lang="en-US"/>
+              <a:t>Click to edit Master text styles</a:t>
+            </a:r>
+          </a:p>
+          <a:p>
+            <a:pPr lvl="1"/>
+            <a:r>
+              <a:rPr lang="en-US"/>
+              <a:t>Second level</a:t>
+            </a:r>
+          </a:p>
+          <a:p>
+            <a:pPr lvl="2"/>
+            <a:r>
+              <a:rPr lang="en-US"/>
+              <a:t>Third level</a:t>
+            </a:r>
+          </a:p>
+          <a:p>
+            <a:pPr lvl="3"/>
+            <a:r>
+              <a:rPr lang="en-US"/>
+              <a:t>Fourth level</a:t>
+            </a:r>
+          </a:p>
+          <a:p>
+            <a:pPr lvl="4"/>
+            <a:r>
+              <a:rPr lang="en-US"/>
+              <a:t>Fifth level</a:t>
+            </a:r>
+          </a:p>
+        </p:txBody>
+      </p:sp>
+      <p:sp>
+        <p:nvSpPr>
+          <p:cNvPr id="6" name="Footer Placeholder 5"/>
+          <p:cNvSpPr>
+            <a:spLocks noGrp="1"/>
+          </p:cNvSpPr>
+          <p:nvPr>
+            <p:ph type="ftr" sz="quarter" idx="4"/>
+          </p:nvPr>
+        </p:nvSpPr>
+        <p:spPr>
+          <a:xfrm>
+            <a:off x="0" y="8685213"/>
+            <a:ext cx="2971800" cy="458787"/>
+          </a:xfrm>
+          <a:prstGeom prst="rect">
+            <a:avLst/>
+          </a:prstGeom>
+        </p:spPr>
+        <p:txBody>
+          <a:bodyPr vert="horz" lIns="91440" tIns="45720" rIns="91440" bIns="45720" rtlCol="0" anchor="b"/>
+          <a:lstStyle>
+            <a:lvl1pPr algn="l">
+              <a:defRPr sz="1200"/>
+            </a:lvl1pPr>
+          </a:lstStyle>
+          <a:p>
+            <a:endParaRPr lang="en-US"/>
+          </a:p>
+        </p:txBody>
+      </p:sp>
+      <p:sp>
+        <p:nvSpPr>
+          <p:cNvPr id="7" name="Slide Number Placeholder 6"/>
+          <p:cNvSpPr>
+            <a:spLocks noGrp="1"/>
+          </p:cNvSpPr>
+          <p:nvPr>
+            <p:ph type="sldNum" sz="quarter" idx="5"/>
+          </p:nvPr>
+        </p:nvSpPr>
+        <p:spPr>
+          <a:xfrm>
+            <a:off x="3884613" y="8685213"/>
+            <a:ext cx="2971800" cy="458787"/>
+          </a:xfrm>
+          <a:prstGeom prst="rect">
+            <a:avLst/>
+          </a:prstGeom>
+        </p:spPr>
+        <p:txBody>
+          <a:bodyPr vert="horz" lIns="91440" tIns="45720" rIns="91440" bIns="45720" rtlCol="0" anchor="b"/>
+          <a:lstStyle>
+            <a:lvl1pPr algn="r">
+              <a:defRPr sz="1200"/>
+            </a:lvl1pPr>
+          </a:lstStyle>
+          <a:p>
+            <a:fld id="{1B207458-7E2D-440E-BAE2-709FB3C8E638}" type="slidenum">
+              <a:rPr lang="en-US" smtClean="0"/>
+              <a:t>‹#›</a:t>
+            </a:fld>
+            <a:endParaRPr lang="en-US"/>
+          </a:p>
+        </p:txBody>
+      </p:sp>
+    </p:spTree>
+    <p:extLst>
+      <p:ext uri="{BB962C8B-B14F-4D97-AF65-F5344CB8AC3E}">
+        <p14:creationId xmlns:p14="http://schemas.microsoft.com/office/powerpoint/2010/main" val="2326262332"/>
+      </p:ext>
+    </p:extLst>
+  </p:cSld>
+  <p:clrMap bg1="lt1" tx1="dk1" bg2="lt2" tx2="dk2" accent1="accent1" accent2="accent2" accent3="accent3" accent4="accent4" accent5="accent5" accent6="accent6" hlink="hlink" folHlink="folHlink"/>
+  <p:notesStyle>
+    <a:lvl1pPr marL="0" algn="l" defTabSz="914400" rtl="0" eaLnBrk="1" latinLnBrk="0" hangingPunct="1">
+      <a:defRPr sz="1200" kern="1200">
+        <a:solidFill>
+          <a:schemeClr val="tx1"/>
+        </a:solidFill>
+        <a:latin typeface="+mn-lt"/>
+        <a:ea typeface="+mn-ea"/>
+        <a:cs typeface="+mn-cs"/>
+      </a:defRPr>
+    </a:lvl1pPr>
+    <a:lvl2pPr marL="457200" algn="l" defTabSz="914400" rtl="0" eaLnBrk="1" latinLnBrk="0" hangingPunct="1">
+      <a:defRPr sz="1200" kern="1200">
+        <a:solidFill>
+          <a:schemeClr val="tx1"/>
+        </a:solidFill>
+        <a:latin typeface="+mn-lt"/>
+        <a:ea typeface="+mn-ea"/>
+        <a:cs typeface="+mn-cs"/>
+      </a:defRPr>
+    </a:lvl2pPr>
+    <a:lvl3pPr marL="914400" algn="l" defTabSz="914400" rtl="0" eaLnBrk="1" latinLnBrk="0" hangingPunct="1">
+      <a:defRPr sz="1200" kern="1200">
+        <a:solidFill>
+          <a:schemeClr val="tx1"/>
+        </a:solidFill>
+        <a:latin typeface="+mn-lt"/>
+        <a:ea typeface="+mn-ea"/>
+        <a:cs typeface="+mn-cs"/>
+      </a:defRPr>
+    </a:lvl3pPr>
+    <a:lvl4pPr marL="1371600" algn="l" defTabSz="914400" rtl="0" eaLnBrk="1" latinLnBrk="0" hangingPunct="1">
+      <a:defRPr sz="1200" kern="1200">
+        <a:solidFill>
+          <a:schemeClr val="tx1"/>
+        </a:solidFill>
+        <a:latin typeface="+mn-lt"/>
+        <a:ea typeface="+mn-ea"/>
+        <a:cs typeface="+mn-cs"/>
+      </a:defRPr>
+    </a:lvl4pPr>
+    <a:lvl5pPr marL="1828800" algn="l" defTabSz="914400" rtl="0" eaLnBrk="1" latinLnBrk="0" hangingPunct="1">
+      <a:defRPr sz="1200" kern="1200">
+        <a:solidFill>
+          <a:schemeClr val="tx1"/>
+        </a:solidFill>
+        <a:latin typeface="+mn-lt"/>
+        <a:ea typeface="+mn-ea"/>
+        <a:cs typeface="+mn-cs"/>
+      </a:defRPr>
+    </a:lvl5pPr>
+    <a:lvl6pPr marL="2286000" algn="l" defTabSz="914400" rtl="0" eaLnBrk="1" latinLnBrk="0" hangingPunct="1">
+      <a:defRPr sz="1200" kern="1200">
+        <a:solidFill>
+          <a:schemeClr val="tx1"/>
+        </a:solidFill>
+        <a:latin typeface="+mn-lt"/>
+        <a:ea typeface="+mn-ea"/>
+        <a:cs typeface="+mn-cs"/>
+      </a:defRPr>
+    </a:lvl6pPr>
+    <a:lvl7pPr marL="2743200" algn="l" defTabSz="914400" rtl="0" eaLnBrk="1" latinLnBrk="0" hangingPunct="1">
+      <a:defRPr sz="1200" kern="1200">
+        <a:solidFill>
+          <a:schemeClr val="tx1"/>
+        </a:solidFill>
+        <a:latin typeface="+mn-lt"/>
+        <a:ea typeface="+mn-ea"/>
+        <a:cs typeface="+mn-cs"/>
+      </a:defRPr>
+    </a:lvl7pPr>
+    <a:lvl8pPr marL="3200400" algn="l" defTabSz="914400" rtl="0" eaLnBrk="1" latinLnBrk="0" hangingPunct="1">
+      <a:defRPr sz="1200" kern="1200">
+        <a:solidFill>
+          <a:schemeClr val="tx1"/>
+        </a:solidFill>
+        <a:latin typeface="+mn-lt"/>
+        <a:ea typeface="+mn-ea"/>
+        <a:cs typeface="+mn-cs"/>
+      </a:defRPr>
+    </a:lvl8pPr>
+    <a:lvl9pPr marL="3657600" algn="l" defTabSz="914400" rtl="0" eaLnBrk="1" latinLnBrk="0" hangingPunct="1">
+      <a:defRPr sz="1200" kern="1200">
+        <a:solidFill>
+          <a:schemeClr val="tx1"/>
+        </a:solidFill>
+        <a:latin typeface="+mn-lt"/>
+        <a:ea typeface="+mn-ea"/>
+        <a:cs typeface="+mn-cs"/>
+      </a:defRPr>
+    </a:lvl9pPr>
+  </p:notesStyle>
+</p:notesMaster>
+</file>
+
+<file path=ppt/notesSlides/notesSlide1.xml><?xml version="1.0" encoding="utf-8"?>
+<p:notes xmlns:a="http://schemas.openxmlformats.org/drawingml/2006/main" xmlns:r="http://schemas.openxmlformats.org/officeDocument/2006/relationships" xmlns:p="http://schemas.openxmlformats.org/presentationml/2006/main">
+  <p:cSld>
+    <p:spTree>
+      <p:nvGrpSpPr>
+        <p:cNvPr id="1" name=""/>
+        <p:cNvGrpSpPr/>
+        <p:nvPr/>
+      </p:nvGrpSpPr>
+      <p:grpSpPr>
+        <a:xfrm>
+          <a:off x="0" y="0"/>
+          <a:ext cx="0" cy="0"/>
+          <a:chOff x="0" y="0"/>
+          <a:chExt cx="0" cy="0"/>
+        </a:xfrm>
+      </p:grpSpPr>
+      <p:sp>
+        <p:nvSpPr>
+          <p:cNvPr id="2" name="Slide Image Placeholder 1"/>
+          <p:cNvSpPr>
+            <a:spLocks noGrp="1" noRot="1" noChangeAspect="1"/>
+          </p:cNvSpPr>
+          <p:nvPr>
+            <p:ph type="sldImg"/>
+          </p:nvPr>
+        </p:nvSpPr>
+        <p:spPr/>
+      </p:sp>
+      <p:sp>
+        <p:nvSpPr>
+          <p:cNvPr id="3" name="Notes Placeholder 2"/>
+          <p:cNvSpPr>
+            <a:spLocks noGrp="1"/>
+          </p:cNvSpPr>
+          <p:nvPr>
+            <p:ph type="body" idx="1"/>
+          </p:nvPr>
+        </p:nvSpPr>
+        <p:spPr/>
+        <p:txBody>
+          <a:bodyPr/>
+          <a:lstStyle/>
+          <a:p>
+            <a:r>
+              <a:rPr lang="en-US" dirty="0"/>
+              <a:t>Hi, thank you for you time! I am Shikha Pandey along with my partner Kevin Boyd, we are Data Scientists from </a:t>
+            </a:r>
+            <a:r>
+              <a:rPr lang="en-US" dirty="0" err="1"/>
+              <a:t>DDSAnalytics</a:t>
+            </a:r>
+            <a:r>
+              <a:rPr lang="en-US" dirty="0"/>
+              <a:t>. Today, we are going to discuss our analysis on employee turnover.</a:t>
+            </a:r>
+          </a:p>
+        </p:txBody>
+      </p:sp>
+      <p:sp>
+        <p:nvSpPr>
+          <p:cNvPr id="4" name="Slide Number Placeholder 3"/>
+          <p:cNvSpPr>
+            <a:spLocks noGrp="1"/>
+          </p:cNvSpPr>
+          <p:nvPr>
+            <p:ph type="sldNum" sz="quarter" idx="5"/>
+          </p:nvPr>
+        </p:nvSpPr>
+        <p:spPr/>
+        <p:txBody>
+          <a:bodyPr/>
+          <a:lstStyle/>
+          <a:p>
+            <a:fld id="{1B207458-7E2D-440E-BAE2-709FB3C8E638}" type="slidenum">
+              <a:rPr lang="en-US" smtClean="0"/>
+              <a:t>1</a:t>
+            </a:fld>
+            <a:endParaRPr lang="en-US"/>
+          </a:p>
+        </p:txBody>
+      </p:sp>
+    </p:spTree>
+    <p:extLst>
+      <p:ext uri="{BB962C8B-B14F-4D97-AF65-F5344CB8AC3E}">
+        <p14:creationId xmlns:p14="http://schemas.microsoft.com/office/powerpoint/2010/main" val="2572058486"/>
+      </p:ext>
+    </p:extLst>
+  </p:cSld>
+  <p:clrMapOvr>
+    <a:masterClrMapping/>
+  </p:clrMapOvr>
+</p:notes>
+</file>
+
+<file path=ppt/notesSlides/notesSlide10.xml><?xml version="1.0" encoding="utf-8"?>
+<p:notes xmlns:a="http://schemas.openxmlformats.org/drawingml/2006/main" xmlns:r="http://schemas.openxmlformats.org/officeDocument/2006/relationships" xmlns:p="http://schemas.openxmlformats.org/presentationml/2006/main">
+  <p:cSld>
+    <p:spTree>
+      <p:nvGrpSpPr>
+        <p:cNvPr id="1" name=""/>
+        <p:cNvGrpSpPr/>
+        <p:nvPr/>
+      </p:nvGrpSpPr>
+      <p:grpSpPr>
+        <a:xfrm>
+          <a:off x="0" y="0"/>
+          <a:ext cx="0" cy="0"/>
+          <a:chOff x="0" y="0"/>
+          <a:chExt cx="0" cy="0"/>
+        </a:xfrm>
+      </p:grpSpPr>
+      <p:sp>
+        <p:nvSpPr>
+          <p:cNvPr id="2" name="Slide Image Placeholder 1"/>
+          <p:cNvSpPr>
+            <a:spLocks noGrp="1" noRot="1" noChangeAspect="1"/>
+          </p:cNvSpPr>
+          <p:nvPr>
+            <p:ph type="sldImg"/>
+          </p:nvPr>
+        </p:nvSpPr>
+        <p:spPr/>
+      </p:sp>
+      <p:sp>
+        <p:nvSpPr>
+          <p:cNvPr id="3" name="Notes Placeholder 2"/>
+          <p:cNvSpPr>
+            <a:spLocks noGrp="1"/>
+          </p:cNvSpPr>
+          <p:nvPr>
+            <p:ph type="body" idx="1"/>
+          </p:nvPr>
+        </p:nvSpPr>
+        <p:spPr/>
+        <p:txBody>
+          <a:bodyPr/>
+          <a:lstStyle/>
+          <a:p>
+            <a:r>
+              <a:rPr lang="en-US" dirty="0"/>
+              <a:t>Here we see that Manager, Manufacturing Director and Research Director are older and have higher monthly income but we also do not see attrition in younger employees in these specific job roles. We see attrition at over 45 for Manager, above 55 for Manufacturing Director and above 40 for Research Director.</a:t>
+            </a:r>
+          </a:p>
+          <a:p>
+            <a:r>
+              <a:rPr lang="en-US" dirty="0"/>
+              <a:t>Human Resources on other side mostly are younger with lower monthly income but higher attrition for younger employees for that specific job role.</a:t>
+            </a:r>
+          </a:p>
+        </p:txBody>
+      </p:sp>
+      <p:sp>
+        <p:nvSpPr>
+          <p:cNvPr id="4" name="Slide Number Placeholder 3"/>
+          <p:cNvSpPr>
+            <a:spLocks noGrp="1"/>
+          </p:cNvSpPr>
+          <p:nvPr>
+            <p:ph type="sldNum" sz="quarter" idx="5"/>
+          </p:nvPr>
+        </p:nvSpPr>
+        <p:spPr/>
+        <p:txBody>
+          <a:bodyPr/>
+          <a:lstStyle/>
+          <a:p>
+            <a:fld id="{1B207458-7E2D-440E-BAE2-709FB3C8E638}" type="slidenum">
+              <a:rPr lang="en-US" smtClean="0"/>
+              <a:t>10</a:t>
+            </a:fld>
+            <a:endParaRPr lang="en-US"/>
+          </a:p>
+        </p:txBody>
+      </p:sp>
+    </p:spTree>
+    <p:extLst>
+      <p:ext uri="{BB962C8B-B14F-4D97-AF65-F5344CB8AC3E}">
+        <p14:creationId xmlns:p14="http://schemas.microsoft.com/office/powerpoint/2010/main" val="2648552138"/>
+      </p:ext>
+    </p:extLst>
+  </p:cSld>
+  <p:clrMapOvr>
+    <a:masterClrMapping/>
+  </p:clrMapOvr>
+</p:notes>
+</file>
+
+<file path=ppt/notesSlides/notesSlide11.xml><?xml version="1.0" encoding="utf-8"?>
+<p:notes xmlns:a="http://schemas.openxmlformats.org/drawingml/2006/main" xmlns:r="http://schemas.openxmlformats.org/officeDocument/2006/relationships" xmlns:p="http://schemas.openxmlformats.org/presentationml/2006/main">
+  <p:cSld>
+    <p:spTree>
+      <p:nvGrpSpPr>
+        <p:cNvPr id="1" name=""/>
+        <p:cNvGrpSpPr/>
+        <p:nvPr/>
+      </p:nvGrpSpPr>
+      <p:grpSpPr>
+        <a:xfrm>
+          <a:off x="0" y="0"/>
+          <a:ext cx="0" cy="0"/>
+          <a:chOff x="0" y="0"/>
+          <a:chExt cx="0" cy="0"/>
+        </a:xfrm>
+      </p:grpSpPr>
+      <p:sp>
+        <p:nvSpPr>
+          <p:cNvPr id="2" name="Slide Image Placeholder 1"/>
+          <p:cNvSpPr>
+            <a:spLocks noGrp="1" noRot="1" noChangeAspect="1"/>
+          </p:cNvSpPr>
+          <p:nvPr>
+            <p:ph type="sldImg"/>
+          </p:nvPr>
+        </p:nvSpPr>
+        <p:spPr/>
+      </p:sp>
+      <p:sp>
+        <p:nvSpPr>
+          <p:cNvPr id="3" name="Notes Placeholder 2"/>
+          <p:cNvSpPr>
+            <a:spLocks noGrp="1"/>
+          </p:cNvSpPr>
+          <p:nvPr>
+            <p:ph type="body" idx="1"/>
+          </p:nvPr>
+        </p:nvSpPr>
+        <p:spPr/>
+        <p:txBody>
+          <a:bodyPr/>
+          <a:lstStyle/>
+          <a:p>
+            <a:endParaRPr lang="en-US" dirty="0"/>
+          </a:p>
+        </p:txBody>
+      </p:sp>
+      <p:sp>
+        <p:nvSpPr>
+          <p:cNvPr id="4" name="Slide Number Placeholder 3"/>
+          <p:cNvSpPr>
+            <a:spLocks noGrp="1"/>
+          </p:cNvSpPr>
+          <p:nvPr>
+            <p:ph type="sldNum" sz="quarter" idx="5"/>
+          </p:nvPr>
+        </p:nvSpPr>
+        <p:spPr/>
+        <p:txBody>
+          <a:bodyPr/>
+          <a:lstStyle/>
+          <a:p>
+            <a:fld id="{1B207458-7E2D-440E-BAE2-709FB3C8E638}" type="slidenum">
+              <a:rPr lang="en-US" smtClean="0"/>
+              <a:t>16</a:t>
+            </a:fld>
+            <a:endParaRPr lang="en-US"/>
+          </a:p>
+        </p:txBody>
+      </p:sp>
+    </p:spTree>
+    <p:extLst>
+      <p:ext uri="{BB962C8B-B14F-4D97-AF65-F5344CB8AC3E}">
+        <p14:creationId xmlns:p14="http://schemas.microsoft.com/office/powerpoint/2010/main" val="3986836875"/>
+      </p:ext>
+    </p:extLst>
+  </p:cSld>
+  <p:clrMapOvr>
+    <a:masterClrMapping/>
+  </p:clrMapOvr>
+</p:notes>
+</file>
+
+<file path=ppt/notesSlides/notesSlide2.xml><?xml version="1.0" encoding="utf-8"?>
+<p:notes xmlns:a="http://schemas.openxmlformats.org/drawingml/2006/main" xmlns:r="http://schemas.openxmlformats.org/officeDocument/2006/relationships" xmlns:p="http://schemas.openxmlformats.org/presentationml/2006/main">
+  <p:cSld>
+    <p:spTree>
+      <p:nvGrpSpPr>
+        <p:cNvPr id="1" name=""/>
+        <p:cNvGrpSpPr/>
+        <p:nvPr/>
+      </p:nvGrpSpPr>
+      <p:grpSpPr>
+        <a:xfrm>
+          <a:off x="0" y="0"/>
+          <a:ext cx="0" cy="0"/>
+          <a:chOff x="0" y="0"/>
+          <a:chExt cx="0" cy="0"/>
+        </a:xfrm>
+      </p:grpSpPr>
+      <p:sp>
+        <p:nvSpPr>
+          <p:cNvPr id="2" name="Slide Image Placeholder 1"/>
+          <p:cNvSpPr>
+            <a:spLocks noGrp="1" noRot="1" noChangeAspect="1"/>
+          </p:cNvSpPr>
+          <p:nvPr>
+            <p:ph type="sldImg"/>
+          </p:nvPr>
+        </p:nvSpPr>
+        <p:spPr/>
+      </p:sp>
+      <p:sp>
+        <p:nvSpPr>
+          <p:cNvPr id="3" name="Notes Placeholder 2"/>
+          <p:cNvSpPr>
+            <a:spLocks noGrp="1"/>
+          </p:cNvSpPr>
+          <p:nvPr>
+            <p:ph type="body" idx="1"/>
+          </p:nvPr>
+        </p:nvSpPr>
+        <p:spPr/>
+        <p:txBody>
+          <a:bodyPr/>
+          <a:lstStyle/>
+          <a:p>
+            <a:r>
+              <a:rPr lang="en-US" dirty="0"/>
+              <a:t>We are going to use R to study employee dataset and generate models.</a:t>
+            </a:r>
+          </a:p>
+          <a:p>
+            <a:r>
+              <a:rPr lang="en-US" dirty="0"/>
+              <a:t>We will identify top factors that lead to attrition and provide you with insight on other trends from the data. And, finally, we will discuss the models we built for you to predict attrition and salary.</a:t>
+            </a:r>
+          </a:p>
+        </p:txBody>
+      </p:sp>
+      <p:sp>
+        <p:nvSpPr>
+          <p:cNvPr id="4" name="Slide Number Placeholder 3"/>
+          <p:cNvSpPr>
+            <a:spLocks noGrp="1"/>
+          </p:cNvSpPr>
+          <p:nvPr>
+            <p:ph type="sldNum" sz="quarter" idx="5"/>
+          </p:nvPr>
+        </p:nvSpPr>
+        <p:spPr/>
+        <p:txBody>
+          <a:bodyPr/>
+          <a:lstStyle/>
+          <a:p>
+            <a:fld id="{1B207458-7E2D-440E-BAE2-709FB3C8E638}" type="slidenum">
+              <a:rPr lang="en-US" smtClean="0"/>
+              <a:t>2</a:t>
+            </a:fld>
+            <a:endParaRPr lang="en-US"/>
+          </a:p>
+        </p:txBody>
+      </p:sp>
+    </p:spTree>
+    <p:extLst>
+      <p:ext uri="{BB962C8B-B14F-4D97-AF65-F5344CB8AC3E}">
+        <p14:creationId xmlns:p14="http://schemas.microsoft.com/office/powerpoint/2010/main" val="2235049579"/>
+      </p:ext>
+    </p:extLst>
+  </p:cSld>
+  <p:clrMapOvr>
+    <a:masterClrMapping/>
+  </p:clrMapOvr>
+</p:notes>
+</file>
+
+<file path=ppt/notesSlides/notesSlide3.xml><?xml version="1.0" encoding="utf-8"?>
+<p:notes xmlns:a="http://schemas.openxmlformats.org/drawingml/2006/main" xmlns:r="http://schemas.openxmlformats.org/officeDocument/2006/relationships" xmlns:p="http://schemas.openxmlformats.org/presentationml/2006/main">
+  <p:cSld>
+    <p:spTree>
+      <p:nvGrpSpPr>
+        <p:cNvPr id="1" name=""/>
+        <p:cNvGrpSpPr/>
+        <p:nvPr/>
+      </p:nvGrpSpPr>
+      <p:grpSpPr>
+        <a:xfrm>
+          <a:off x="0" y="0"/>
+          <a:ext cx="0" cy="0"/>
+          <a:chOff x="0" y="0"/>
+          <a:chExt cx="0" cy="0"/>
+        </a:xfrm>
+      </p:grpSpPr>
+      <p:sp>
+        <p:nvSpPr>
+          <p:cNvPr id="2" name="Slide Image Placeholder 1"/>
+          <p:cNvSpPr>
+            <a:spLocks noGrp="1" noRot="1" noChangeAspect="1"/>
+          </p:cNvSpPr>
+          <p:nvPr>
+            <p:ph type="sldImg"/>
+          </p:nvPr>
+        </p:nvSpPr>
+        <p:spPr/>
+      </p:sp>
+      <p:sp>
+        <p:nvSpPr>
+          <p:cNvPr id="3" name="Notes Placeholder 2"/>
+          <p:cNvSpPr>
+            <a:spLocks noGrp="1"/>
+          </p:cNvSpPr>
+          <p:nvPr>
+            <p:ph type="body" idx="1"/>
+          </p:nvPr>
+        </p:nvSpPr>
+        <p:spPr/>
+        <p:txBody>
+          <a:bodyPr/>
+          <a:lstStyle/>
+          <a:p>
+            <a:r>
+              <a:rPr lang="en-US" dirty="0"/>
+              <a:t>So, let’s start looking at data by investigating the missing values. We are happy to report that there are no missing values found and this a complete dataset to further our analysis.</a:t>
+            </a:r>
+          </a:p>
+        </p:txBody>
+      </p:sp>
+      <p:sp>
+        <p:nvSpPr>
+          <p:cNvPr id="4" name="Slide Number Placeholder 3"/>
+          <p:cNvSpPr>
+            <a:spLocks noGrp="1"/>
+          </p:cNvSpPr>
+          <p:nvPr>
+            <p:ph type="sldNum" sz="quarter" idx="5"/>
+          </p:nvPr>
+        </p:nvSpPr>
+        <p:spPr/>
+        <p:txBody>
+          <a:bodyPr/>
+          <a:lstStyle/>
+          <a:p>
+            <a:fld id="{1B207458-7E2D-440E-BAE2-709FB3C8E638}" type="slidenum">
+              <a:rPr lang="en-US" smtClean="0"/>
+              <a:t>3</a:t>
+            </a:fld>
+            <a:endParaRPr lang="en-US"/>
+          </a:p>
+        </p:txBody>
+      </p:sp>
+    </p:spTree>
+    <p:extLst>
+      <p:ext uri="{BB962C8B-B14F-4D97-AF65-F5344CB8AC3E}">
+        <p14:creationId xmlns:p14="http://schemas.microsoft.com/office/powerpoint/2010/main" val="2900511915"/>
+      </p:ext>
+    </p:extLst>
+  </p:cSld>
+  <p:clrMapOvr>
+    <a:masterClrMapping/>
+  </p:clrMapOvr>
+</p:notes>
+</file>
+
+<file path=ppt/notesSlides/notesSlide4.xml><?xml version="1.0" encoding="utf-8"?>
+<p:notes xmlns:a="http://schemas.openxmlformats.org/drawingml/2006/main" xmlns:r="http://schemas.openxmlformats.org/officeDocument/2006/relationships" xmlns:p="http://schemas.openxmlformats.org/presentationml/2006/main">
+  <p:cSld>
+    <p:spTree>
+      <p:nvGrpSpPr>
+        <p:cNvPr id="1" name=""/>
+        <p:cNvGrpSpPr/>
+        <p:nvPr/>
+      </p:nvGrpSpPr>
+      <p:grpSpPr>
+        <a:xfrm>
+          <a:off x="0" y="0"/>
+          <a:ext cx="0" cy="0"/>
+          <a:chOff x="0" y="0"/>
+          <a:chExt cx="0" cy="0"/>
+        </a:xfrm>
+      </p:grpSpPr>
+      <p:sp>
+        <p:nvSpPr>
+          <p:cNvPr id="2" name="Slide Image Placeholder 1"/>
+          <p:cNvSpPr>
+            <a:spLocks noGrp="1" noRot="1" noChangeAspect="1"/>
+          </p:cNvSpPr>
+          <p:nvPr>
+            <p:ph type="sldImg"/>
+          </p:nvPr>
+        </p:nvSpPr>
+        <p:spPr/>
+      </p:sp>
+      <p:sp>
+        <p:nvSpPr>
+          <p:cNvPr id="3" name="Notes Placeholder 2"/>
+          <p:cNvSpPr>
+            <a:spLocks noGrp="1"/>
+          </p:cNvSpPr>
+          <p:nvPr>
+            <p:ph type="body" idx="1"/>
+          </p:nvPr>
+        </p:nvSpPr>
+        <p:spPr/>
+        <p:txBody>
+          <a:bodyPr/>
+          <a:lstStyle/>
+          <a:p>
+            <a:r>
+              <a:rPr lang="en-US" dirty="0"/>
+              <a:t>Looking at Distribution for Attrition, we see that data is skewed with much higher number of employees not leaving the company compared to the ones leaving. This is going to play an important role later in our models for predicting attrition and salary.</a:t>
+            </a:r>
+          </a:p>
+        </p:txBody>
+      </p:sp>
+      <p:sp>
+        <p:nvSpPr>
+          <p:cNvPr id="4" name="Slide Number Placeholder 3"/>
+          <p:cNvSpPr>
+            <a:spLocks noGrp="1"/>
+          </p:cNvSpPr>
+          <p:nvPr>
+            <p:ph type="sldNum" sz="quarter" idx="5"/>
+          </p:nvPr>
+        </p:nvSpPr>
+        <p:spPr/>
+        <p:txBody>
+          <a:bodyPr/>
+          <a:lstStyle/>
+          <a:p>
+            <a:fld id="{1B207458-7E2D-440E-BAE2-709FB3C8E638}" type="slidenum">
+              <a:rPr lang="en-US" smtClean="0"/>
+              <a:t>4</a:t>
+            </a:fld>
+            <a:endParaRPr lang="en-US"/>
+          </a:p>
+        </p:txBody>
+      </p:sp>
+    </p:spTree>
+    <p:extLst>
+      <p:ext uri="{BB962C8B-B14F-4D97-AF65-F5344CB8AC3E}">
+        <p14:creationId xmlns:p14="http://schemas.microsoft.com/office/powerpoint/2010/main" val="316179913"/>
+      </p:ext>
+    </p:extLst>
+  </p:cSld>
+  <p:clrMapOvr>
+    <a:masterClrMapping/>
+  </p:clrMapOvr>
+</p:notes>
+</file>
+
+<file path=ppt/notesSlides/notesSlide5.xml><?xml version="1.0" encoding="utf-8"?>
+<p:notes xmlns:a="http://schemas.openxmlformats.org/drawingml/2006/main" xmlns:r="http://schemas.openxmlformats.org/officeDocument/2006/relationships" xmlns:p="http://schemas.openxmlformats.org/presentationml/2006/main">
+  <p:cSld>
+    <p:spTree>
+      <p:nvGrpSpPr>
+        <p:cNvPr id="1" name=""/>
+        <p:cNvGrpSpPr/>
+        <p:nvPr/>
+      </p:nvGrpSpPr>
+      <p:grpSpPr>
+        <a:xfrm>
+          <a:off x="0" y="0"/>
+          <a:ext cx="0" cy="0"/>
+          <a:chOff x="0" y="0"/>
+          <a:chExt cx="0" cy="0"/>
+        </a:xfrm>
+      </p:grpSpPr>
+      <p:sp>
+        <p:nvSpPr>
+          <p:cNvPr id="2" name="Slide Image Placeholder 1"/>
+          <p:cNvSpPr>
+            <a:spLocks noGrp="1" noRot="1" noChangeAspect="1"/>
+          </p:cNvSpPr>
+          <p:nvPr>
+            <p:ph type="sldImg"/>
+          </p:nvPr>
+        </p:nvSpPr>
+        <p:spPr/>
+      </p:sp>
+      <p:sp>
+        <p:nvSpPr>
+          <p:cNvPr id="3" name="Notes Placeholder 2"/>
+          <p:cNvSpPr>
+            <a:spLocks noGrp="1"/>
+          </p:cNvSpPr>
+          <p:nvPr>
+            <p:ph type="body" idx="1"/>
+          </p:nvPr>
+        </p:nvSpPr>
+        <p:spPr/>
+        <p:txBody>
+          <a:bodyPr/>
+          <a:lstStyle/>
+          <a:p>
+            <a:r>
+              <a:rPr lang="en-US" dirty="0"/>
+              <a:t>Looing at the histogram here, we see evidence of right skewed distribution for monthly income data. It also tells us that there are more employees and higher attrition for lower income. </a:t>
+            </a:r>
+          </a:p>
+        </p:txBody>
+      </p:sp>
+      <p:sp>
+        <p:nvSpPr>
+          <p:cNvPr id="4" name="Slide Number Placeholder 3"/>
+          <p:cNvSpPr>
+            <a:spLocks noGrp="1"/>
+          </p:cNvSpPr>
+          <p:nvPr>
+            <p:ph type="sldNum" sz="quarter" idx="5"/>
+          </p:nvPr>
+        </p:nvSpPr>
+        <p:spPr/>
+        <p:txBody>
+          <a:bodyPr/>
+          <a:lstStyle/>
+          <a:p>
+            <a:fld id="{1B207458-7E2D-440E-BAE2-709FB3C8E638}" type="slidenum">
+              <a:rPr lang="en-US" smtClean="0"/>
+              <a:t>5</a:t>
+            </a:fld>
+            <a:endParaRPr lang="en-US"/>
+          </a:p>
+        </p:txBody>
+      </p:sp>
+    </p:spTree>
+    <p:extLst>
+      <p:ext uri="{BB962C8B-B14F-4D97-AF65-F5344CB8AC3E}">
+        <p14:creationId xmlns:p14="http://schemas.microsoft.com/office/powerpoint/2010/main" val="1276181898"/>
+      </p:ext>
+    </p:extLst>
+  </p:cSld>
+  <p:clrMapOvr>
+    <a:masterClrMapping/>
+  </p:clrMapOvr>
+</p:notes>
+</file>
+
+<file path=ppt/notesSlides/notesSlide6.xml><?xml version="1.0" encoding="utf-8"?>
+<p:notes xmlns:a="http://schemas.openxmlformats.org/drawingml/2006/main" xmlns:r="http://schemas.openxmlformats.org/officeDocument/2006/relationships" xmlns:p="http://schemas.openxmlformats.org/presentationml/2006/main">
+  <p:cSld>
+    <p:spTree>
+      <p:nvGrpSpPr>
+        <p:cNvPr id="1" name=""/>
+        <p:cNvGrpSpPr/>
+        <p:nvPr/>
+      </p:nvGrpSpPr>
+      <p:grpSpPr>
+        <a:xfrm>
+          <a:off x="0" y="0"/>
+          <a:ext cx="0" cy="0"/>
+          <a:chOff x="0" y="0"/>
+          <a:chExt cx="0" cy="0"/>
+        </a:xfrm>
+      </p:grpSpPr>
+      <p:sp>
+        <p:nvSpPr>
+          <p:cNvPr id="2" name="Slide Image Placeholder 1"/>
+          <p:cNvSpPr>
+            <a:spLocks noGrp="1" noRot="1" noChangeAspect="1"/>
+          </p:cNvSpPr>
+          <p:nvPr>
+            <p:ph type="sldImg"/>
+          </p:nvPr>
+        </p:nvSpPr>
+        <p:spPr/>
+      </p:sp>
+      <p:sp>
+        <p:nvSpPr>
+          <p:cNvPr id="3" name="Notes Placeholder 2"/>
+          <p:cNvSpPr>
+            <a:spLocks noGrp="1"/>
+          </p:cNvSpPr>
+          <p:nvPr>
+            <p:ph type="body" idx="1"/>
+          </p:nvPr>
+        </p:nvSpPr>
+        <p:spPr/>
+        <p:txBody>
+          <a:bodyPr/>
+          <a:lstStyle/>
+          <a:p>
+            <a:r>
+              <a:rPr lang="en-US" dirty="0"/>
+              <a:t>We divided age into groups, and we have 4 age groups here. We see that attrition is higher in younger age group and tends to go down for older group.</a:t>
+            </a:r>
+          </a:p>
+          <a:p>
+            <a:r>
+              <a:rPr lang="en-US" dirty="0"/>
+              <a:t>We divided income in 6 groups and can see a similar trend that attrition is higher for lower income groups and tends to go down as income increases.</a:t>
+            </a:r>
+          </a:p>
+        </p:txBody>
+      </p:sp>
+      <p:sp>
+        <p:nvSpPr>
+          <p:cNvPr id="4" name="Slide Number Placeholder 3"/>
+          <p:cNvSpPr>
+            <a:spLocks noGrp="1"/>
+          </p:cNvSpPr>
+          <p:nvPr>
+            <p:ph type="sldNum" sz="quarter" idx="5"/>
+          </p:nvPr>
+        </p:nvSpPr>
+        <p:spPr/>
+        <p:txBody>
+          <a:bodyPr/>
+          <a:lstStyle/>
+          <a:p>
+            <a:fld id="{1B207458-7E2D-440E-BAE2-709FB3C8E638}" type="slidenum">
+              <a:rPr lang="en-US" smtClean="0"/>
+              <a:t>6</a:t>
+            </a:fld>
+            <a:endParaRPr lang="en-US"/>
+          </a:p>
+        </p:txBody>
+      </p:sp>
+    </p:spTree>
+    <p:extLst>
+      <p:ext uri="{BB962C8B-B14F-4D97-AF65-F5344CB8AC3E}">
+        <p14:creationId xmlns:p14="http://schemas.microsoft.com/office/powerpoint/2010/main" val="438620598"/>
+      </p:ext>
+    </p:extLst>
+  </p:cSld>
+  <p:clrMapOvr>
+    <a:masterClrMapping/>
+  </p:clrMapOvr>
+</p:notes>
+</file>
+
+<file path=ppt/notesSlides/notesSlide7.xml><?xml version="1.0" encoding="utf-8"?>
+<p:notes xmlns:a="http://schemas.openxmlformats.org/drawingml/2006/main" xmlns:r="http://schemas.openxmlformats.org/officeDocument/2006/relationships" xmlns:p="http://schemas.openxmlformats.org/presentationml/2006/main">
+  <p:cSld>
+    <p:spTree>
+      <p:nvGrpSpPr>
+        <p:cNvPr id="1" name=""/>
+        <p:cNvGrpSpPr/>
+        <p:nvPr/>
+      </p:nvGrpSpPr>
+      <p:grpSpPr>
+        <a:xfrm>
+          <a:off x="0" y="0"/>
+          <a:ext cx="0" cy="0"/>
+          <a:chOff x="0" y="0"/>
+          <a:chExt cx="0" cy="0"/>
+        </a:xfrm>
+      </p:grpSpPr>
+      <p:sp>
+        <p:nvSpPr>
+          <p:cNvPr id="2" name="Slide Image Placeholder 1"/>
+          <p:cNvSpPr>
+            <a:spLocks noGrp="1" noRot="1" noChangeAspect="1"/>
+          </p:cNvSpPr>
+          <p:nvPr>
+            <p:ph type="sldImg"/>
+          </p:nvPr>
+        </p:nvSpPr>
+        <p:spPr/>
+      </p:sp>
+      <p:sp>
+        <p:nvSpPr>
+          <p:cNvPr id="3" name="Notes Placeholder 2"/>
+          <p:cNvSpPr>
+            <a:spLocks noGrp="1"/>
+          </p:cNvSpPr>
+          <p:nvPr>
+            <p:ph type="body" idx="1"/>
+          </p:nvPr>
+        </p:nvSpPr>
+        <p:spPr/>
+        <p:txBody>
+          <a:bodyPr/>
+          <a:lstStyle/>
+          <a:p>
+            <a:r>
+              <a:rPr lang="en-US" dirty="0"/>
+              <a:t>The plot we have here shows attrition % for the Job roles. We can see highest percentage of attrition with Sales Representative, whereas, Research Director and Manufacturing Director seem to have the lowest percentage of attrition.</a:t>
+            </a:r>
+          </a:p>
+        </p:txBody>
+      </p:sp>
+      <p:sp>
+        <p:nvSpPr>
+          <p:cNvPr id="4" name="Slide Number Placeholder 3"/>
+          <p:cNvSpPr>
+            <a:spLocks noGrp="1"/>
+          </p:cNvSpPr>
+          <p:nvPr>
+            <p:ph type="sldNum" sz="quarter" idx="5"/>
+          </p:nvPr>
+        </p:nvSpPr>
+        <p:spPr/>
+        <p:txBody>
+          <a:bodyPr/>
+          <a:lstStyle/>
+          <a:p>
+            <a:fld id="{1B207458-7E2D-440E-BAE2-709FB3C8E638}" type="slidenum">
+              <a:rPr lang="en-US" smtClean="0"/>
+              <a:t>7</a:t>
+            </a:fld>
+            <a:endParaRPr lang="en-US"/>
+          </a:p>
+        </p:txBody>
+      </p:sp>
+    </p:spTree>
+    <p:extLst>
+      <p:ext uri="{BB962C8B-B14F-4D97-AF65-F5344CB8AC3E}">
+        <p14:creationId xmlns:p14="http://schemas.microsoft.com/office/powerpoint/2010/main" val="2901449732"/>
+      </p:ext>
+    </p:extLst>
+  </p:cSld>
+  <p:clrMapOvr>
+    <a:masterClrMapping/>
+  </p:clrMapOvr>
+</p:notes>
+</file>
+
+<file path=ppt/notesSlides/notesSlide8.xml><?xml version="1.0" encoding="utf-8"?>
+<p:notes xmlns:a="http://schemas.openxmlformats.org/drawingml/2006/main" xmlns:r="http://schemas.openxmlformats.org/officeDocument/2006/relationships" xmlns:p="http://schemas.openxmlformats.org/presentationml/2006/main">
+  <p:cSld>
+    <p:spTree>
+      <p:nvGrpSpPr>
+        <p:cNvPr id="1" name=""/>
+        <p:cNvGrpSpPr/>
+        <p:nvPr/>
+      </p:nvGrpSpPr>
+      <p:grpSpPr>
+        <a:xfrm>
+          <a:off x="0" y="0"/>
+          <a:ext cx="0" cy="0"/>
+          <a:chOff x="0" y="0"/>
+          <a:chExt cx="0" cy="0"/>
+        </a:xfrm>
+      </p:grpSpPr>
+      <p:sp>
+        <p:nvSpPr>
+          <p:cNvPr id="2" name="Slide Image Placeholder 1"/>
+          <p:cNvSpPr>
+            <a:spLocks noGrp="1" noRot="1" noChangeAspect="1"/>
+          </p:cNvSpPr>
+          <p:nvPr>
+            <p:ph type="sldImg"/>
+          </p:nvPr>
+        </p:nvSpPr>
+        <p:spPr/>
+      </p:sp>
+      <p:sp>
+        <p:nvSpPr>
+          <p:cNvPr id="3" name="Notes Placeholder 2"/>
+          <p:cNvSpPr>
+            <a:spLocks noGrp="1"/>
+          </p:cNvSpPr>
+          <p:nvPr>
+            <p:ph type="body" idx="1"/>
+          </p:nvPr>
+        </p:nvSpPr>
+        <p:spPr/>
+        <p:txBody>
+          <a:bodyPr/>
+          <a:lstStyle/>
+          <a:p>
+            <a:r>
+              <a:rPr lang="en-US" dirty="0"/>
+              <a:t>Laboratory Technician, Research Scientist and Sales Representative have lower monthly income and they also have the most employee turnover. On the other hand, Manager, Manufacturing Director and Research Director all have higher monthly income and with least employee turnover.</a:t>
+            </a:r>
+          </a:p>
+        </p:txBody>
+      </p:sp>
+      <p:sp>
+        <p:nvSpPr>
+          <p:cNvPr id="4" name="Slide Number Placeholder 3"/>
+          <p:cNvSpPr>
+            <a:spLocks noGrp="1"/>
+          </p:cNvSpPr>
+          <p:nvPr>
+            <p:ph type="sldNum" sz="quarter" idx="5"/>
+          </p:nvPr>
+        </p:nvSpPr>
+        <p:spPr/>
+        <p:txBody>
+          <a:bodyPr/>
+          <a:lstStyle/>
+          <a:p>
+            <a:fld id="{1B207458-7E2D-440E-BAE2-709FB3C8E638}" type="slidenum">
+              <a:rPr lang="en-US" smtClean="0"/>
+              <a:t>8</a:t>
+            </a:fld>
+            <a:endParaRPr lang="en-US"/>
+          </a:p>
+        </p:txBody>
+      </p:sp>
+    </p:spTree>
+    <p:extLst>
+      <p:ext uri="{BB962C8B-B14F-4D97-AF65-F5344CB8AC3E}">
+        <p14:creationId xmlns:p14="http://schemas.microsoft.com/office/powerpoint/2010/main" val="1918287500"/>
+      </p:ext>
+    </p:extLst>
+  </p:cSld>
+  <p:clrMapOvr>
+    <a:masterClrMapping/>
+  </p:clrMapOvr>
+</p:notes>
+</file>
+
+<file path=ppt/notesSlides/notesSlide9.xml><?xml version="1.0" encoding="utf-8"?>
+<p:notes xmlns:a="http://schemas.openxmlformats.org/drawingml/2006/main" xmlns:r="http://schemas.openxmlformats.org/officeDocument/2006/relationships" xmlns:p="http://schemas.openxmlformats.org/presentationml/2006/main">
+  <p:cSld>
+    <p:spTree>
+      <p:nvGrpSpPr>
+        <p:cNvPr id="1" name=""/>
+        <p:cNvGrpSpPr/>
+        <p:nvPr/>
+      </p:nvGrpSpPr>
+      <p:grpSpPr>
+        <a:xfrm>
+          <a:off x="0" y="0"/>
+          <a:ext cx="0" cy="0"/>
+          <a:chOff x="0" y="0"/>
+          <a:chExt cx="0" cy="0"/>
+        </a:xfrm>
+      </p:grpSpPr>
+      <p:sp>
+        <p:nvSpPr>
+          <p:cNvPr id="2" name="Slide Image Placeholder 1"/>
+          <p:cNvSpPr>
+            <a:spLocks noGrp="1" noRot="1" noChangeAspect="1"/>
+          </p:cNvSpPr>
+          <p:nvPr>
+            <p:ph type="sldImg"/>
+          </p:nvPr>
+        </p:nvSpPr>
+        <p:spPr/>
+      </p:sp>
+      <p:sp>
+        <p:nvSpPr>
+          <p:cNvPr id="3" name="Notes Placeholder 2"/>
+          <p:cNvSpPr>
+            <a:spLocks noGrp="1"/>
+          </p:cNvSpPr>
+          <p:nvPr>
+            <p:ph type="body" idx="1"/>
+          </p:nvPr>
+        </p:nvSpPr>
+        <p:spPr/>
+        <p:txBody>
+          <a:bodyPr/>
+          <a:lstStyle/>
+          <a:p>
+            <a:r>
+              <a:rPr lang="en-US" dirty="0"/>
+              <a:t>We see that Laboratory Technician, Research Scientist, Sales Executive and Sales Representative all have consistent attrition across all Job Satisfaction levels, that tells us that Job Satisfaction doesn’t necessarily affect attrition.</a:t>
+            </a:r>
+          </a:p>
+        </p:txBody>
+      </p:sp>
+      <p:sp>
+        <p:nvSpPr>
+          <p:cNvPr id="4" name="Slide Number Placeholder 3"/>
+          <p:cNvSpPr>
+            <a:spLocks noGrp="1"/>
+          </p:cNvSpPr>
+          <p:nvPr>
+            <p:ph type="sldNum" sz="quarter" idx="5"/>
+          </p:nvPr>
+        </p:nvSpPr>
+        <p:spPr/>
+        <p:txBody>
+          <a:bodyPr/>
+          <a:lstStyle/>
+          <a:p>
+            <a:fld id="{1B207458-7E2D-440E-BAE2-709FB3C8E638}" type="slidenum">
+              <a:rPr lang="en-US" smtClean="0"/>
+              <a:t>9</a:t>
+            </a:fld>
+            <a:endParaRPr lang="en-US"/>
+          </a:p>
+        </p:txBody>
+      </p:sp>
+    </p:spTree>
+    <p:extLst>
+      <p:ext uri="{BB962C8B-B14F-4D97-AF65-F5344CB8AC3E}">
+        <p14:creationId xmlns:p14="http://schemas.microsoft.com/office/powerpoint/2010/main" val="2364685352"/>
+      </p:ext>
+    </p:extLst>
+  </p:cSld>
+  <p:clrMapOvr>
+    <a:masterClrMapping/>
+  </p:clrMapOvr>
+</p:notes>
 </file>
 
 <file path=ppt/slideLayouts/slideLayout1.xml><?xml version="1.0" encoding="utf-8"?>
@@ -2306,7 +3704,7 @@
           <a:p>
             <a:fld id="{23FEA57E-7C1A-457B-A4CD-5DCEB057B502}" type="datetime1">
               <a:rPr lang="en-US" smtClean="0"/>
-              <a:t>12/11/21</a:t>
+              <a:t>12/11/2021</a:t>
             </a:fld>
             <a:endParaRPr lang="en-US" dirty="0"/>
           </a:p>
@@ -2480,7 +3878,7 @@
           <a:p>
             <a:fld id="{11789749-A4CD-447F-8298-2B7988C91CEA}" type="datetime1">
               <a:rPr lang="en-US" smtClean="0"/>
-              <a:t>12/11/21</a:t>
+              <a:t>12/11/2021</a:t>
             </a:fld>
             <a:endParaRPr lang="en-US"/>
           </a:p>
@@ -2664,7 +4062,7 @@
           <a:p>
             <a:fld id="{BA0444D3-C0BA-4587-A56C-581AB9F841BE}" type="datetime1">
               <a:rPr lang="en-US" smtClean="0"/>
-              <a:t>12/11/21</a:t>
+              <a:t>12/11/2021</a:t>
             </a:fld>
             <a:endParaRPr lang="en-US"/>
           </a:p>
@@ -2837,7 +4235,7 @@
           <a:p>
             <a:fld id="{201AF2CE-4F37-411C-A3EE-BBBE223265BF}" type="datetime1">
               <a:rPr lang="en-US" smtClean="0"/>
-              <a:t>12/11/21</a:t>
+              <a:t>12/11/2021</a:t>
             </a:fld>
             <a:endParaRPr lang="en-US"/>
           </a:p>
@@ -3086,7 +4484,7 @@
           <a:p>
             <a:fld id="{C96083D4-708C-4BB5-B4FD-30CE9FA12FD5}" type="datetime1">
               <a:rPr lang="en-US" smtClean="0"/>
-              <a:t>12/11/21</a:t>
+              <a:t>12/11/2021</a:t>
             </a:fld>
             <a:endParaRPr lang="en-US"/>
           </a:p>
@@ -3322,7 +4720,7 @@
           <a:p>
             <a:fld id="{D0D239B2-65BC-4C2A-A62B-3EABFE9590E4}" type="datetime1">
               <a:rPr lang="en-US" smtClean="0"/>
-              <a:t>12/11/21</a:t>
+              <a:t>12/11/2021</a:t>
             </a:fld>
             <a:endParaRPr lang="en-US"/>
           </a:p>
@@ -3692,7 +5090,7 @@
           <a:p>
             <a:fld id="{85E05F5A-E4A3-476F-A89E-C2B73F2431E4}" type="datetime1">
               <a:rPr lang="en-US" smtClean="0"/>
-              <a:t>12/11/21</a:t>
+              <a:t>12/11/2021</a:t>
             </a:fld>
             <a:endParaRPr lang="en-US"/>
           </a:p>
@@ -3813,7 +5211,7 @@
           <a:p>
             <a:fld id="{E3761515-4A26-4F31-9F61-5A10B1FABBFC}" type="datetime1">
               <a:rPr lang="en-US" smtClean="0"/>
-              <a:t>12/11/21</a:t>
+              <a:t>12/11/2021</a:t>
             </a:fld>
             <a:endParaRPr lang="en-US"/>
           </a:p>
@@ -3911,7 +5309,7 @@
           <a:p>
             <a:fld id="{4A75DC65-7D1F-4BAB-9695-F7E734143E14}" type="datetime1">
               <a:rPr lang="en-US" smtClean="0"/>
-              <a:t>12/11/21</a:t>
+              <a:t>12/11/2021</a:t>
             </a:fld>
             <a:endParaRPr lang="en-US"/>
           </a:p>
@@ -4191,7 +5589,7 @@
           <a:p>
             <a:fld id="{7E624077-BD55-4036-8E92-6558FDF3B653}" type="datetime1">
               <a:rPr lang="en-US" smtClean="0"/>
-              <a:t>12/11/21</a:t>
+              <a:t>12/11/2021</a:t>
             </a:fld>
             <a:endParaRPr lang="en-US"/>
           </a:p>
@@ -4451,7 +5849,7 @@
           <a:p>
             <a:fld id="{804225F2-7107-4609-BCC2-77C63064A5E8}" type="datetime1">
               <a:rPr lang="en-US" smtClean="0"/>
-              <a:t>12/11/21</a:t>
+              <a:t>12/11/2021</a:t>
             </a:fld>
             <a:endParaRPr lang="en-US"/>
           </a:p>
@@ -4667,7 +6065,7 @@
           <a:p>
             <a:fld id="{D3FE42E8-8B57-452D-A122-4DCE9AC771EF}" type="datetime1">
               <a:rPr lang="en-US" smtClean="0"/>
-              <a:t>12/11/21</a:t>
+              <a:t>12/11/2021</a:t>
             </a:fld>
             <a:endParaRPr lang="en-US"/>
           </a:p>
@@ -5384,7 +6782,7 @@
           <p:nvPr/>
         </p:nvPicPr>
         <p:blipFill rotWithShape="1">
-          <a:blip r:embed="rId2"/>
+          <a:blip r:embed="rId3"/>
           <a:srcRect l="38848" r="12379" b="1"/>
           <a:stretch/>
         </p:blipFill>
@@ -5632,7 +7030,7 @@
           <p:nvPr/>
         </p:nvPicPr>
         <p:blipFill rotWithShape="1">
-          <a:blip r:embed="rId3">
+          <a:blip r:embed="rId4">
             <a:extLst>
               <a:ext uri="{28A0092B-C50C-407E-A947-70E740481C1C}">
                 <a14:useLocalDpi xmlns:a14="http://schemas.microsoft.com/office/drawing/2010/main" val="0"/>
@@ -5999,7 +7397,7 @@
           <p:nvPr/>
         </p:nvPicPr>
         <p:blipFill>
-          <a:blip r:embed="rId2"/>
+          <a:blip r:embed="rId3"/>
           <a:stretch>
             <a:fillRect/>
           </a:stretch>
@@ -6149,7 +7547,7 @@
           <p:nvPr/>
         </p:nvPicPr>
         <p:blipFill>
-          <a:blip r:embed="rId3">
+          <a:blip r:embed="rId4">
             <a:extLst>
               <a:ext uri="{28A0092B-C50C-407E-A947-70E740481C1C}">
                 <a14:useLocalDpi xmlns:a14="http://schemas.microsoft.com/office/drawing/2010/main" val="0"/>
@@ -8933,6 +10331,36 @@
           <a:chExt cx="0" cy="0"/>
         </a:xfrm>
       </p:grpSpPr>
+      <p:pic>
+        <p:nvPicPr>
+          <p:cNvPr id="3" name="Picture 2">
+            <a:extLst>
+              <a:ext uri="{FF2B5EF4-FFF2-40B4-BE49-F238E27FC236}">
+                <a16:creationId xmlns:a16="http://schemas.microsoft.com/office/drawing/2014/main" id="{4ABDB5C7-80BA-4345-8A29-F80181326C43}"/>
+              </a:ext>
+            </a:extLst>
+          </p:cNvPr>
+          <p:cNvPicPr>
+            <a:picLocks noChangeAspect="1"/>
+          </p:cNvPicPr>
+          <p:nvPr/>
+        </p:nvPicPr>
+        <p:blipFill>
+          <a:blip r:embed="rId2"/>
+          <a:stretch>
+            <a:fillRect/>
+          </a:stretch>
+        </p:blipFill>
+        <p:spPr>
+          <a:xfrm>
+            <a:off x="3761078" y="1485229"/>
+            <a:ext cx="7275884" cy="5217502"/>
+          </a:xfrm>
+          <a:prstGeom prst="rect">
+            <a:avLst/>
+          </a:prstGeom>
+        </p:spPr>
+      </p:pic>
       <p:sp>
         <p:nvSpPr>
           <p:cNvPr id="5" name="Right Triangle 4">
@@ -9193,36 +10621,6 @@
       </p:sp>
       <p:pic>
         <p:nvPicPr>
-          <p:cNvPr id="3" name="Picture 2">
-            <a:extLst>
-              <a:ext uri="{FF2B5EF4-FFF2-40B4-BE49-F238E27FC236}">
-                <a16:creationId xmlns:a16="http://schemas.microsoft.com/office/drawing/2014/main" id="{4ABDB5C7-80BA-4345-8A29-F80181326C43}"/>
-              </a:ext>
-            </a:extLst>
-          </p:cNvPr>
-          <p:cNvPicPr>
-            <a:picLocks noChangeAspect="1"/>
-          </p:cNvPicPr>
-          <p:nvPr/>
-        </p:nvPicPr>
-        <p:blipFill>
-          <a:blip r:embed="rId2"/>
-          <a:stretch>
-            <a:fillRect/>
-          </a:stretch>
-        </p:blipFill>
-        <p:spPr>
-          <a:xfrm>
-            <a:off x="2458058" y="1489695"/>
-            <a:ext cx="7275884" cy="5217502"/>
-          </a:xfrm>
-          <a:prstGeom prst="rect">
-            <a:avLst/>
-          </a:prstGeom>
-        </p:spPr>
-      </p:pic>
-      <p:pic>
-        <p:nvPicPr>
           <p:cNvPr id="10" name="Picture 2" descr="Home | FritoLay">
             <a:extLst>
               <a:ext uri="{FF2B5EF4-FFF2-40B4-BE49-F238E27FC236}">
@@ -9268,6 +10666,275 @@
           </a:extLst>
         </p:spPr>
       </p:pic>
+      <p:graphicFrame>
+        <p:nvGraphicFramePr>
+          <p:cNvPr id="2" name="Table 3">
+            <a:extLst>
+              <a:ext uri="{FF2B5EF4-FFF2-40B4-BE49-F238E27FC236}">
+                <a16:creationId xmlns:a16="http://schemas.microsoft.com/office/drawing/2014/main" id="{3BEE60FD-72FD-407D-8963-7C3BFC1FFC6C}"/>
+              </a:ext>
+            </a:extLst>
+          </p:cNvPr>
+          <p:cNvGraphicFramePr>
+            <a:graphicFrameLocks noGrp="1"/>
+          </p:cNvGraphicFramePr>
+          <p:nvPr>
+            <p:extLst>
+              <p:ext uri="{D42A27DB-BD31-4B8C-83A1-F6EECF244321}">
+                <p14:modId xmlns:p14="http://schemas.microsoft.com/office/powerpoint/2010/main" val="1612166960"/>
+              </p:ext>
+            </p:extLst>
+          </p:nvPr>
+        </p:nvGraphicFramePr>
+        <p:xfrm>
+          <a:off x="299210" y="1892373"/>
+          <a:ext cx="3404301" cy="1753116"/>
+        </p:xfrm>
+        <a:graphic>
+          <a:graphicData uri="http://schemas.openxmlformats.org/drawingml/2006/table">
+            <a:tbl>
+              <a:tblPr firstRow="1" bandRow="1">
+                <a:tableStyleId>{5C22544A-7EE6-4342-B048-85BDC9FD1C3A}</a:tableStyleId>
+              </a:tblPr>
+              <a:tblGrid>
+                <a:gridCol w="1134767">
+                  <a:extLst>
+                    <a:ext uri="{9D8B030D-6E8A-4147-A177-3AD203B41FA5}">
+                      <a16:colId xmlns:a16="http://schemas.microsoft.com/office/drawing/2014/main" val="1710241973"/>
+                    </a:ext>
+                  </a:extLst>
+                </a:gridCol>
+                <a:gridCol w="1134767">
+                  <a:extLst>
+                    <a:ext uri="{9D8B030D-6E8A-4147-A177-3AD203B41FA5}">
+                      <a16:colId xmlns:a16="http://schemas.microsoft.com/office/drawing/2014/main" val="1133842738"/>
+                    </a:ext>
+                  </a:extLst>
+                </a:gridCol>
+                <a:gridCol w="1134767">
+                  <a:extLst>
+                    <a:ext uri="{9D8B030D-6E8A-4147-A177-3AD203B41FA5}">
+                      <a16:colId xmlns:a16="http://schemas.microsoft.com/office/drawing/2014/main" val="4216332998"/>
+                    </a:ext>
+                  </a:extLst>
+                </a:gridCol>
+              </a:tblGrid>
+              <a:tr h="438279">
+                <a:tc>
+                  <a:txBody>
+                    <a:bodyPr/>
+                    <a:lstStyle/>
+                    <a:p>
+                      <a:pPr algn="ctr"/>
+                      <a:r>
+                        <a:rPr lang="en-US" dirty="0"/>
+                        <a:t>Metrics</a:t>
+                      </a:r>
+                    </a:p>
+                  </a:txBody>
+                  <a:tcPr/>
+                </a:tc>
+                <a:tc>
+                  <a:txBody>
+                    <a:bodyPr/>
+                    <a:lstStyle/>
+                    <a:p>
+                      <a:pPr algn="ctr"/>
+                      <a:r>
+                        <a:rPr lang="en-US" dirty="0"/>
+                        <a:t>Mean</a:t>
+                      </a:r>
+                    </a:p>
+                  </a:txBody>
+                  <a:tcPr/>
+                </a:tc>
+                <a:tc>
+                  <a:txBody>
+                    <a:bodyPr/>
+                    <a:lstStyle/>
+                    <a:p>
+                      <a:pPr marL="0" marR="0" lvl="0" indent="0" algn="ctr" defTabSz="914400" rtl="0" eaLnBrk="1" fontAlgn="auto" latinLnBrk="0" hangingPunct="1">
+                        <a:lnSpc>
+                          <a:spcPct val="100000"/>
+                        </a:lnSpc>
+                        <a:spcBef>
+                          <a:spcPts val="0"/>
+                        </a:spcBef>
+                        <a:spcAft>
+                          <a:spcPts val="0"/>
+                        </a:spcAft>
+                        <a:buClrTx/>
+                        <a:buSzTx/>
+                        <a:buFontTx/>
+                        <a:buNone/>
+                        <a:tabLst/>
+                        <a:defRPr/>
+                      </a:pPr>
+                      <a:r>
+                        <a:rPr lang="en-US" dirty="0"/>
+                        <a:t>Max</a:t>
+                      </a:r>
+                    </a:p>
+                  </a:txBody>
+                  <a:tcPr/>
+                </a:tc>
+                <a:extLst>
+                  <a:ext uri="{0D108BD9-81ED-4DB2-BD59-A6C34878D82A}">
+                    <a16:rowId xmlns:a16="http://schemas.microsoft.com/office/drawing/2014/main" val="2204012849"/>
+                  </a:ext>
+                </a:extLst>
+              </a:tr>
+              <a:tr h="438279">
+                <a:tc>
+                  <a:txBody>
+                    <a:bodyPr/>
+                    <a:lstStyle/>
+                    <a:p>
+                      <a:pPr algn="ctr"/>
+                      <a:r>
+                        <a:rPr lang="en-US" dirty="0"/>
+                        <a:t>Accuracy</a:t>
+                      </a:r>
+                    </a:p>
+                  </a:txBody>
+                  <a:tcPr/>
+                </a:tc>
+                <a:tc>
+                  <a:txBody>
+                    <a:bodyPr/>
+                    <a:lstStyle/>
+                    <a:p>
+                      <a:pPr algn="ctr"/>
+                      <a:r>
+                        <a:rPr lang="en-US" dirty="0"/>
+                        <a:t>80</a:t>
+                      </a:r>
+                    </a:p>
+                  </a:txBody>
+                  <a:tcPr/>
+                </a:tc>
+                <a:tc>
+                  <a:txBody>
+                    <a:bodyPr/>
+                    <a:lstStyle/>
+                    <a:p>
+                      <a:pPr algn="ctr"/>
+                      <a:r>
+                        <a:rPr lang="en-US" dirty="0"/>
+                        <a:t>88</a:t>
+                      </a:r>
+                    </a:p>
+                  </a:txBody>
+                  <a:tcPr/>
+                </a:tc>
+                <a:extLst>
+                  <a:ext uri="{0D108BD9-81ED-4DB2-BD59-A6C34878D82A}">
+                    <a16:rowId xmlns:a16="http://schemas.microsoft.com/office/drawing/2014/main" val="4117005499"/>
+                  </a:ext>
+                </a:extLst>
+              </a:tr>
+              <a:tr h="438279">
+                <a:tc>
+                  <a:txBody>
+                    <a:bodyPr/>
+                    <a:lstStyle/>
+                    <a:p>
+                      <a:pPr algn="ctr"/>
+                      <a:r>
+                        <a:rPr lang="en-US" dirty="0"/>
+                        <a:t>Sensitivity</a:t>
+                      </a:r>
+                    </a:p>
+                  </a:txBody>
+                  <a:tcPr/>
+                </a:tc>
+                <a:tc>
+                  <a:txBody>
+                    <a:bodyPr/>
+                    <a:lstStyle/>
+                    <a:p>
+                      <a:pPr algn="ctr"/>
+                      <a:r>
+                        <a:rPr lang="en-US" dirty="0"/>
+                        <a:t>84</a:t>
+                      </a:r>
+                    </a:p>
+                  </a:txBody>
+                  <a:tcPr/>
+                </a:tc>
+                <a:tc>
+                  <a:txBody>
+                    <a:bodyPr/>
+                    <a:lstStyle/>
+                    <a:p>
+                      <a:pPr algn="ctr"/>
+                      <a:r>
+                        <a:rPr lang="en-US" dirty="0"/>
+                        <a:t>95</a:t>
+                      </a:r>
+                    </a:p>
+                  </a:txBody>
+                  <a:tcPr/>
+                </a:tc>
+                <a:extLst>
+                  <a:ext uri="{0D108BD9-81ED-4DB2-BD59-A6C34878D82A}">
+                    <a16:rowId xmlns:a16="http://schemas.microsoft.com/office/drawing/2014/main" val="4123429423"/>
+                  </a:ext>
+                </a:extLst>
+              </a:tr>
+              <a:tr h="438279">
+                <a:tc>
+                  <a:txBody>
+                    <a:bodyPr/>
+                    <a:lstStyle/>
+                    <a:p>
+                      <a:pPr algn="ctr"/>
+                      <a:r>
+                        <a:rPr lang="en-US" dirty="0"/>
+                        <a:t>Specificity</a:t>
+                      </a:r>
+                    </a:p>
+                  </a:txBody>
+                  <a:tcPr/>
+                </a:tc>
+                <a:tc>
+                  <a:txBody>
+                    <a:bodyPr/>
+                    <a:lstStyle/>
+                    <a:p>
+                      <a:pPr algn="ctr"/>
+                      <a:r>
+                        <a:rPr lang="en-US" dirty="0"/>
+                        <a:t>60</a:t>
+                      </a:r>
+                    </a:p>
+                  </a:txBody>
+                  <a:tcPr/>
+                </a:tc>
+                <a:tc>
+                  <a:txBody>
+                    <a:bodyPr/>
+                    <a:lstStyle/>
+                    <a:p>
+                      <a:pPr algn="ctr"/>
+                      <a:r>
+                        <a:rPr lang="en-US" dirty="0"/>
+                        <a:t>87</a:t>
+                      </a:r>
+                    </a:p>
+                  </a:txBody>
+                  <a:tcPr/>
+                </a:tc>
+                <a:extLst>
+                  <a:ext uri="{0D108BD9-81ED-4DB2-BD59-A6C34878D82A}">
+                    <a16:rowId xmlns:a16="http://schemas.microsoft.com/office/drawing/2014/main" val="1463848671"/>
+                  </a:ext>
+                </a:extLst>
+              </a:tr>
+            </a:tbl>
+          </a:graphicData>
+        </a:graphic>
+      </p:graphicFrame>
     </p:spTree>
     <p:extLst>
       <p:ext uri="{BB962C8B-B14F-4D97-AF65-F5344CB8AC3E}">
@@ -9571,7 +11238,7 @@
           <p:nvPr/>
         </p:nvPicPr>
         <p:blipFill>
-          <a:blip r:embed="rId2"/>
+          <a:blip r:embed="rId3"/>
           <a:stretch>
             <a:fillRect/>
           </a:stretch>
@@ -9601,7 +11268,7 @@
           <p:nvPr/>
         </p:nvPicPr>
         <p:blipFill>
-          <a:blip r:embed="rId3">
+          <a:blip r:embed="rId4">
             <a:extLst>
               <a:ext uri="{28A0092B-C50C-407E-A947-70E740481C1C}">
                 <a14:useLocalDpi xmlns:a14="http://schemas.microsoft.com/office/drawing/2010/main" val="0"/>
@@ -9633,6 +11300,76 @@
           </a:extLst>
         </p:spPr>
       </p:pic>
+      <p:sp>
+        <p:nvSpPr>
+          <p:cNvPr id="2" name="TextBox 1">
+            <a:extLst>
+              <a:ext uri="{FF2B5EF4-FFF2-40B4-BE49-F238E27FC236}">
+                <a16:creationId xmlns:a16="http://schemas.microsoft.com/office/drawing/2014/main" id="{008FE737-485E-44FB-9A58-A87ABE4E52C6}"/>
+              </a:ext>
+            </a:extLst>
+          </p:cNvPr>
+          <p:cNvSpPr txBox="1"/>
+          <p:nvPr/>
+        </p:nvSpPr>
+        <p:spPr>
+          <a:xfrm>
+            <a:off x="7589520" y="4486946"/>
+            <a:ext cx="457200" cy="338554"/>
+          </a:xfrm>
+          <a:prstGeom prst="rect">
+            <a:avLst/>
+          </a:prstGeom>
+          <a:noFill/>
+        </p:spPr>
+        <p:txBody>
+          <a:bodyPr wrap="square" rtlCol="0">
+            <a:spAutoFit/>
+          </a:bodyPr>
+          <a:lstStyle/>
+          <a:p>
+            <a:r>
+              <a:rPr lang="en-US" sz="1600" dirty="0"/>
+              <a:t>45</a:t>
+            </a:r>
+          </a:p>
+        </p:txBody>
+      </p:sp>
+      <p:sp>
+        <p:nvSpPr>
+          <p:cNvPr id="3" name="TextBox 2">
+            <a:extLst>
+              <a:ext uri="{FF2B5EF4-FFF2-40B4-BE49-F238E27FC236}">
+                <a16:creationId xmlns:a16="http://schemas.microsoft.com/office/drawing/2014/main" id="{56543DF3-5E6E-4248-9F99-D4E714F46A31}"/>
+              </a:ext>
+            </a:extLst>
+          </p:cNvPr>
+          <p:cNvSpPr txBox="1"/>
+          <p:nvPr/>
+        </p:nvSpPr>
+        <p:spPr>
+          <a:xfrm>
+            <a:off x="4576742" y="1565909"/>
+            <a:ext cx="623908" cy="338554"/>
+          </a:xfrm>
+          <a:prstGeom prst="rect">
+            <a:avLst/>
+          </a:prstGeom>
+          <a:noFill/>
+        </p:spPr>
+        <p:txBody>
+          <a:bodyPr wrap="square" rtlCol="0">
+            <a:spAutoFit/>
+          </a:bodyPr>
+          <a:lstStyle/>
+          <a:p>
+            <a:r>
+              <a:rPr lang="en-US" sz="1600" dirty="0"/>
+              <a:t>255</a:t>
+            </a:r>
+          </a:p>
+        </p:txBody>
+      </p:sp>
     </p:spTree>
     <p:extLst>
       <p:ext uri="{BB962C8B-B14F-4D97-AF65-F5344CB8AC3E}">
@@ -12267,13 +14004,6 @@
               <a:t>Conduct an analysis for Frito Lay on its existing employee data to predict employee turnover to help gain a competitive edge over its competition.</a:t>
             </a:r>
           </a:p>
-          <a:p>
-            <a:pPr lvl="1"/>
-            <a:endParaRPr lang="en-US" sz="2400" dirty="0">
-              <a:latin typeface="Calibri" panose="020F0502020204030204" pitchFamily="34" charset="0"/>
-              <a:cs typeface="Calibri" panose="020F0502020204030204" pitchFamily="34" charset="0"/>
-            </a:endParaRPr>
-          </a:p>
         </p:txBody>
       </p:sp>
       <p:pic>
@@ -12291,7 +14021,7 @@
           <p:nvPr/>
         </p:nvPicPr>
         <p:blipFill>
-          <a:blip r:embed="rId2">
+          <a:blip r:embed="rId3">
             <a:extLst>
               <a:ext uri="{28A0092B-C50C-407E-A947-70E740481C1C}">
                 <a14:useLocalDpi xmlns:a14="http://schemas.microsoft.com/office/drawing/2010/main" val="0"/>
@@ -14487,7 +16217,7 @@
           <p:nvPr/>
         </p:nvPicPr>
         <p:blipFill>
-          <a:blip r:embed="rId2"/>
+          <a:blip r:embed="rId3"/>
           <a:stretch>
             <a:fillRect/>
           </a:stretch>
@@ -14517,7 +16247,7 @@
           <p:nvPr/>
         </p:nvPicPr>
         <p:blipFill>
-          <a:blip r:embed="rId3">
+          <a:blip r:embed="rId4">
             <a:extLst>
               <a:ext uri="{28A0092B-C50C-407E-A947-70E740481C1C}">
                 <a14:useLocalDpi xmlns:a14="http://schemas.microsoft.com/office/drawing/2010/main" val="0"/>
@@ -14848,7 +16578,7 @@
           <p:nvPr/>
         </p:nvPicPr>
         <p:blipFill>
-          <a:blip r:embed="rId2"/>
+          <a:blip r:embed="rId3"/>
           <a:stretch>
             <a:fillRect/>
           </a:stretch>
@@ -14878,7 +16608,7 @@
           <p:nvPr/>
         </p:nvPicPr>
         <p:blipFill>
-          <a:blip r:embed="rId3">
+          <a:blip r:embed="rId4">
             <a:extLst>
               <a:ext uri="{28A0092B-C50C-407E-A947-70E740481C1C}">
                 <a14:useLocalDpi xmlns:a14="http://schemas.microsoft.com/office/drawing/2010/main" val="0"/>
@@ -15209,7 +16939,7 @@
           <p:nvPr/>
         </p:nvPicPr>
         <p:blipFill>
-          <a:blip r:embed="rId2"/>
+          <a:blip r:embed="rId3"/>
           <a:stretch>
             <a:fillRect/>
           </a:stretch>
@@ -15239,7 +16969,7 @@
           <p:nvPr/>
         </p:nvPicPr>
         <p:blipFill>
-          <a:blip r:embed="rId3">
+          <a:blip r:embed="rId4">
             <a:extLst>
               <a:ext uri="{28A0092B-C50C-407E-A947-70E740481C1C}">
                 <a14:useLocalDpi xmlns:a14="http://schemas.microsoft.com/office/drawing/2010/main" val="0"/>
@@ -15316,7 +17046,7 @@
           <p:nvPr/>
         </p:nvPicPr>
         <p:blipFill>
-          <a:blip r:embed="rId2"/>
+          <a:blip r:embed="rId3"/>
           <a:stretch>
             <a:fillRect/>
           </a:stretch>
@@ -15600,7 +17330,7 @@
           <p:nvPr/>
         </p:nvPicPr>
         <p:blipFill>
-          <a:blip r:embed="rId3"/>
+          <a:blip r:embed="rId4"/>
           <a:stretch>
             <a:fillRect/>
           </a:stretch>
@@ -15630,7 +17360,7 @@
           <p:nvPr/>
         </p:nvPicPr>
         <p:blipFill>
-          <a:blip r:embed="rId4">
+          <a:blip r:embed="rId5">
             <a:extLst>
               <a:ext uri="{28A0092B-C50C-407E-A947-70E740481C1C}">
                 <a14:useLocalDpi xmlns:a14="http://schemas.microsoft.com/office/drawing/2010/main" val="0"/>
@@ -16044,7 +17774,7 @@
           <p:nvPr/>
         </p:nvPicPr>
         <p:blipFill>
-          <a:blip r:embed="rId2"/>
+          <a:blip r:embed="rId3"/>
           <a:stretch>
             <a:fillRect/>
           </a:stretch>
@@ -16074,7 +17804,7 @@
           <p:nvPr/>
         </p:nvPicPr>
         <p:blipFill>
-          <a:blip r:embed="rId3">
+          <a:blip r:embed="rId4">
             <a:extLst>
               <a:ext uri="{28A0092B-C50C-407E-A947-70E740481C1C}">
                 <a14:useLocalDpi xmlns:a14="http://schemas.microsoft.com/office/drawing/2010/main" val="0"/>
@@ -16405,7 +18135,7 @@
           <p:nvPr/>
         </p:nvPicPr>
         <p:blipFill>
-          <a:blip r:embed="rId2"/>
+          <a:blip r:embed="rId3"/>
           <a:stretch>
             <a:fillRect/>
           </a:stretch>
@@ -16495,7 +18225,7 @@
           <p:nvPr/>
         </p:nvPicPr>
         <p:blipFill>
-          <a:blip r:embed="rId3"/>
+          <a:blip r:embed="rId4"/>
           <a:stretch>
             <a:fillRect/>
           </a:stretch>
@@ -16525,7 +18255,7 @@
           <p:nvPr/>
         </p:nvPicPr>
         <p:blipFill>
-          <a:blip r:embed="rId4"/>
+          <a:blip r:embed="rId5"/>
           <a:stretch>
             <a:fillRect/>
           </a:stretch>
@@ -16615,7 +18345,7 @@
           <p:nvPr/>
         </p:nvPicPr>
         <p:blipFill>
-          <a:blip r:embed="rId5">
+          <a:blip r:embed="rId6">
             <a:extLst>
               <a:ext uri="{28A0092B-C50C-407E-A947-70E740481C1C}">
                 <a14:useLocalDpi xmlns:a14="http://schemas.microsoft.com/office/drawing/2010/main" val="0"/>
@@ -17026,7 +18756,7 @@
           <p:nvPr/>
         </p:nvPicPr>
         <p:blipFill>
-          <a:blip r:embed="rId2"/>
+          <a:blip r:embed="rId3"/>
           <a:stretch>
             <a:fillRect/>
           </a:stretch>
@@ -17430,7 +19160,7 @@
           <p:nvPr/>
         </p:nvPicPr>
         <p:blipFill>
-          <a:blip r:embed="rId3">
+          <a:blip r:embed="rId4">
             <a:extLst>
               <a:ext uri="{28A0092B-C50C-407E-A947-70E740481C1C}">
                 <a14:useLocalDpi xmlns:a14="http://schemas.microsoft.com/office/drawing/2010/main" val="0"/>
@@ -17856,4 +19586,299 @@
     </a:ext>
   </a:extLst>
 </a:theme>
+</file>
+
+<file path=ppt/theme/theme2.xml><?xml version="1.0" encoding="utf-8"?>
+<a:theme xmlns:a="http://schemas.openxmlformats.org/drawingml/2006/main" name="Office Theme">
+  <a:themeElements>
+    <a:clrScheme name="Office">
+      <a:dk1>
+        <a:sysClr val="windowText" lastClr="000000"/>
+      </a:dk1>
+      <a:lt1>
+        <a:sysClr val="window" lastClr="FFFFFF"/>
+      </a:lt1>
+      <a:dk2>
+        <a:srgbClr val="44546A"/>
+      </a:dk2>
+      <a:lt2>
+        <a:srgbClr val="E7E6E6"/>
+      </a:lt2>
+      <a:accent1>
+        <a:srgbClr val="4472C4"/>
+      </a:accent1>
+      <a:accent2>
+        <a:srgbClr val="ED7D31"/>
+      </a:accent2>
+      <a:accent3>
+        <a:srgbClr val="A5A5A5"/>
+      </a:accent3>
+      <a:accent4>
+        <a:srgbClr val="FFC000"/>
+      </a:accent4>
+      <a:accent5>
+        <a:srgbClr val="5B9BD5"/>
+      </a:accent5>
+      <a:accent6>
+        <a:srgbClr val="70AD47"/>
+      </a:accent6>
+      <a:hlink>
+        <a:srgbClr val="0563C1"/>
+      </a:hlink>
+      <a:folHlink>
+        <a:srgbClr val="954F72"/>
+      </a:folHlink>
+    </a:clrScheme>
+    <a:fontScheme name="Office">
+      <a:majorFont>
+        <a:latin typeface="Calibri Light" panose="020F0302020204030204"/>
+        <a:ea typeface=""/>
+        <a:cs typeface=""/>
+        <a:font script="Jpan" typeface="游ゴシック Light"/>
+        <a:font script="Hang" typeface="맑은 고딕"/>
+        <a:font script="Hans" typeface="等线 Light"/>
+        <a:font script="Hant" typeface="新細明體"/>
+        <a:font script="Arab" typeface="Times New Roman"/>
+        <a:font script="Hebr" typeface="Times New Roman"/>
+        <a:font script="Thai" typeface="Angsana New"/>
+        <a:font script="Ethi" typeface="Nyala"/>
+        <a:font script="Beng" typeface="Vrinda"/>
+        <a:font script="Gujr" typeface="Shruti"/>
+        <a:font script="Khmr" typeface="MoolBoran"/>
+        <a:font script="Knda" typeface="Tunga"/>
+        <a:font script="Guru" typeface="Raavi"/>
+        <a:font script="Cans" typeface="Euphemia"/>
+        <a:font script="Cher" typeface="Plantagenet Cherokee"/>
+        <a:font script="Yiii" typeface="Microsoft Yi Baiti"/>
+        <a:font script="Tibt" typeface="Microsoft Himalaya"/>
+        <a:font script="Thaa" typeface="MV Boli"/>
+        <a:font script="Deva" typeface="Mangal"/>
+        <a:font script="Telu" typeface="Gautami"/>
+        <a:font script="Taml" typeface="Latha"/>
+        <a:font script="Syrc" typeface="Estrangelo Edessa"/>
+        <a:font script="Orya" typeface="Kalinga"/>
+        <a:font script="Mlym" typeface="Kartika"/>
+        <a:font script="Laoo" typeface="DokChampa"/>
+        <a:font script="Sinh" typeface="Iskoola Pota"/>
+        <a:font script="Mong" typeface="Mongolian Baiti"/>
+        <a:font script="Viet" typeface="Times New Roman"/>
+        <a:font script="Uigh" typeface="Microsoft Uighur"/>
+        <a:font script="Geor" typeface="Sylfaen"/>
+        <a:font script="Armn" typeface="Arial"/>
+        <a:font script="Bugi" typeface="Leelawadee UI"/>
+        <a:font script="Bopo" typeface="Microsoft JhengHei"/>
+        <a:font script="Java" typeface="Javanese Text"/>
+        <a:font script="Lisu" typeface="Segoe UI"/>
+        <a:font script="Mymr" typeface="Myanmar Text"/>
+        <a:font script="Nkoo" typeface="Ebrima"/>
+        <a:font script="Olck" typeface="Nirmala UI"/>
+        <a:font script="Osma" typeface="Ebrima"/>
+        <a:font script="Phag" typeface="Phagspa"/>
+        <a:font script="Syrn" typeface="Estrangelo Edessa"/>
+        <a:font script="Syrj" typeface="Estrangelo Edessa"/>
+        <a:font script="Syre" typeface="Estrangelo Edessa"/>
+        <a:font script="Sora" typeface="Nirmala UI"/>
+        <a:font script="Tale" typeface="Microsoft Tai Le"/>
+        <a:font script="Talu" typeface="Microsoft New Tai Lue"/>
+        <a:font script="Tfng" typeface="Ebrima"/>
+      </a:majorFont>
+      <a:minorFont>
+        <a:latin typeface="Calibri" panose="020F0502020204030204"/>
+        <a:ea typeface=""/>
+        <a:cs typeface=""/>
+        <a:font script="Jpan" typeface="游ゴシック"/>
+        <a:font script="Hang" typeface="맑은 고딕"/>
+        <a:font script="Hans" typeface="等线"/>
+        <a:font script="Hant" typeface="新細明體"/>
+        <a:font script="Arab" typeface="Arial"/>
+        <a:font script="Hebr" typeface="Arial"/>
+        <a:font script="Thai" typeface="Cordia New"/>
+        <a:font script="Ethi" typeface="Nyala"/>
+        <a:font script="Beng" typeface="Vrinda"/>
+        <a:font script="Gujr" typeface="Shruti"/>
+        <a:font script="Khmr" typeface="DaunPenh"/>
+        <a:font script="Knda" typeface="Tunga"/>
+        <a:font script="Guru" typeface="Raavi"/>
+        <a:font script="Cans" typeface="Euphemia"/>
+        <a:font script="Cher" typeface="Plantagenet Cherokee"/>
+        <a:font script="Yiii" typeface="Microsoft Yi Baiti"/>
+        <a:font script="Tibt" typeface="Microsoft Himalaya"/>
+        <a:font script="Thaa" typeface="MV Boli"/>
+        <a:font script="Deva" typeface="Mangal"/>
+        <a:font script="Telu" typeface="Gautami"/>
+        <a:font script="Taml" typeface="Latha"/>
+        <a:font script="Syrc" typeface="Estrangelo Edessa"/>
+        <a:font script="Orya" typeface="Kalinga"/>
+        <a:font script="Mlym" typeface="Kartika"/>
+        <a:font script="Laoo" typeface="DokChampa"/>
+        <a:font script="Sinh" typeface="Iskoola Pota"/>
+        <a:font script="Mong" typeface="Mongolian Baiti"/>
+        <a:font script="Viet" typeface="Arial"/>
+        <a:font script="Uigh" typeface="Microsoft Uighur"/>
+        <a:font script="Geor" typeface="Sylfaen"/>
+        <a:font script="Armn" typeface="Arial"/>
+        <a:font script="Bugi" typeface="Leelawadee UI"/>
+        <a:font script="Bopo" typeface="Microsoft JhengHei"/>
+        <a:font script="Java" typeface="Javanese Text"/>
+        <a:font script="Lisu" typeface="Segoe UI"/>
+        <a:font script="Mymr" typeface="Myanmar Text"/>
+        <a:font script="Nkoo" typeface="Ebrima"/>
+        <a:font script="Olck" typeface="Nirmala UI"/>
+        <a:font script="Osma" typeface="Ebrima"/>
+        <a:font script="Phag" typeface="Phagspa"/>
+        <a:font script="Syrn" typeface="Estrangelo Edessa"/>
+        <a:font script="Syrj" typeface="Estrangelo Edessa"/>
+        <a:font script="Syre" typeface="Estrangelo Edessa"/>
+        <a:font script="Sora" typeface="Nirmala UI"/>
+        <a:font script="Tale" typeface="Microsoft Tai Le"/>
+        <a:font script="Talu" typeface="Microsoft New Tai Lue"/>
+        <a:font script="Tfng" typeface="Ebrima"/>
+      </a:minorFont>
+    </a:fontScheme>
+    <a:fmtScheme name="Office">
+      <a:fillStyleLst>
+        <a:solidFill>
+          <a:schemeClr val="phClr"/>
+        </a:solidFill>
+        <a:gradFill rotWithShape="1">
+          <a:gsLst>
+            <a:gs pos="0">
+              <a:schemeClr val="phClr">
+                <a:lumMod val="110000"/>
+                <a:satMod val="105000"/>
+                <a:tint val="67000"/>
+              </a:schemeClr>
+            </a:gs>
+            <a:gs pos="50000">
+              <a:schemeClr val="phClr">
+                <a:lumMod val="105000"/>
+                <a:satMod val="103000"/>
+                <a:tint val="73000"/>
+              </a:schemeClr>
+            </a:gs>
+            <a:gs pos="100000">
+              <a:schemeClr val="phClr">
+                <a:lumMod val="105000"/>
+                <a:satMod val="109000"/>
+                <a:tint val="81000"/>
+              </a:schemeClr>
+            </a:gs>
+          </a:gsLst>
+          <a:lin ang="5400000" scaled="0"/>
+        </a:gradFill>
+        <a:gradFill rotWithShape="1">
+          <a:gsLst>
+            <a:gs pos="0">
+              <a:schemeClr val="phClr">
+                <a:satMod val="103000"/>
+                <a:lumMod val="102000"/>
+                <a:tint val="94000"/>
+              </a:schemeClr>
+            </a:gs>
+            <a:gs pos="50000">
+              <a:schemeClr val="phClr">
+                <a:satMod val="110000"/>
+                <a:lumMod val="100000"/>
+                <a:shade val="100000"/>
+              </a:schemeClr>
+            </a:gs>
+            <a:gs pos="100000">
+              <a:schemeClr val="phClr">
+                <a:lumMod val="99000"/>
+                <a:satMod val="120000"/>
+                <a:shade val="78000"/>
+              </a:schemeClr>
+            </a:gs>
+          </a:gsLst>
+          <a:lin ang="5400000" scaled="0"/>
+        </a:gradFill>
+      </a:fillStyleLst>
+      <a:lnStyleLst>
+        <a:ln w="6350" cap="flat" cmpd="sng" algn="ctr">
+          <a:solidFill>
+            <a:schemeClr val="phClr"/>
+          </a:solidFill>
+          <a:prstDash val="solid"/>
+          <a:miter lim="800000"/>
+        </a:ln>
+        <a:ln w="12700" cap="flat" cmpd="sng" algn="ctr">
+          <a:solidFill>
+            <a:schemeClr val="phClr"/>
+          </a:solidFill>
+          <a:prstDash val="solid"/>
+          <a:miter lim="800000"/>
+        </a:ln>
+        <a:ln w="19050" cap="flat" cmpd="sng" algn="ctr">
+          <a:solidFill>
+            <a:schemeClr val="phClr"/>
+          </a:solidFill>
+          <a:prstDash val="solid"/>
+          <a:miter lim="800000"/>
+        </a:ln>
+      </a:lnStyleLst>
+      <a:effectStyleLst>
+        <a:effectStyle>
+          <a:effectLst/>
+        </a:effectStyle>
+        <a:effectStyle>
+          <a:effectLst/>
+        </a:effectStyle>
+        <a:effectStyle>
+          <a:effectLst>
+            <a:outerShdw blurRad="57150" dist="19050" dir="5400000" algn="ctr" rotWithShape="0">
+              <a:srgbClr val="000000">
+                <a:alpha val="63000"/>
+              </a:srgbClr>
+            </a:outerShdw>
+          </a:effectLst>
+        </a:effectStyle>
+      </a:effectStyleLst>
+      <a:bgFillStyleLst>
+        <a:solidFill>
+          <a:schemeClr val="phClr"/>
+        </a:solidFill>
+        <a:solidFill>
+          <a:schemeClr val="phClr">
+            <a:tint val="95000"/>
+            <a:satMod val="170000"/>
+          </a:schemeClr>
+        </a:solidFill>
+        <a:gradFill rotWithShape="1">
+          <a:gsLst>
+            <a:gs pos="0">
+              <a:schemeClr val="phClr">
+                <a:tint val="93000"/>
+                <a:satMod val="150000"/>
+                <a:shade val="98000"/>
+                <a:lumMod val="102000"/>
+              </a:schemeClr>
+            </a:gs>
+            <a:gs pos="50000">
+              <a:schemeClr val="phClr">
+                <a:tint val="98000"/>
+                <a:satMod val="130000"/>
+                <a:shade val="90000"/>
+                <a:lumMod val="103000"/>
+              </a:schemeClr>
+            </a:gs>
+            <a:gs pos="100000">
+              <a:schemeClr val="phClr">
+                <a:shade val="63000"/>
+                <a:satMod val="120000"/>
+              </a:schemeClr>
+            </a:gs>
+          </a:gsLst>
+          <a:lin ang="5400000" scaled="0"/>
+        </a:gradFill>
+      </a:bgFillStyleLst>
+    </a:fmtScheme>
+  </a:themeElements>
+  <a:objectDefaults/>
+  <a:extraClrSchemeLst/>
+  <a:extLst>
+    <a:ext uri="{05A4C25C-085E-4340-85A3-A5531E510DB2}">
+      <thm15:themeFamily xmlns:thm15="http://schemas.microsoft.com/office/thememl/2012/main" name="Office Theme" id="{62F939B6-93AF-4DB8-9C6B-D6C7DFDC589F}" vid="{4A3C46E8-61CC-4603-A589-7422A47A8E4A}"/>
+    </a:ext>
+  </a:extLst>
+</a:theme>
 </file>
--- a/DDS_Project_2_Presentation.pptx
+++ b/DDS_Project_2_Presentation.pptx
@@ -2326,7 +2326,7 @@
           <a:p>
             <a:fld id="{0E3E0A65-D66A-4F29-B0E0-760002A6D007}" type="datetimeFigureOut">
               <a:rPr lang="en-US" smtClean="0"/>
-              <a:t>12/11/2021</a:t>
+              <a:t>12/11/21</a:t>
             </a:fld>
             <a:endParaRPr lang="en-US"/>
           </a:p>
@@ -3704,7 +3704,7 @@
           <a:p>
             <a:fld id="{23FEA57E-7C1A-457B-A4CD-5DCEB057B502}" type="datetime1">
               <a:rPr lang="en-US" smtClean="0"/>
-              <a:t>12/11/2021</a:t>
+              <a:t>12/11/21</a:t>
             </a:fld>
             <a:endParaRPr lang="en-US" dirty="0"/>
           </a:p>
@@ -3878,7 +3878,7 @@
           <a:p>
             <a:fld id="{11789749-A4CD-447F-8298-2B7988C91CEA}" type="datetime1">
               <a:rPr lang="en-US" smtClean="0"/>
-              <a:t>12/11/2021</a:t>
+              <a:t>12/11/21</a:t>
             </a:fld>
             <a:endParaRPr lang="en-US"/>
           </a:p>
@@ -4062,7 +4062,7 @@
           <a:p>
             <a:fld id="{BA0444D3-C0BA-4587-A56C-581AB9F841BE}" type="datetime1">
               <a:rPr lang="en-US" smtClean="0"/>
-              <a:t>12/11/2021</a:t>
+              <a:t>12/11/21</a:t>
             </a:fld>
             <a:endParaRPr lang="en-US"/>
           </a:p>
@@ -4235,7 +4235,7 @@
           <a:p>
             <a:fld id="{201AF2CE-4F37-411C-A3EE-BBBE223265BF}" type="datetime1">
               <a:rPr lang="en-US" smtClean="0"/>
-              <a:t>12/11/2021</a:t>
+              <a:t>12/11/21</a:t>
             </a:fld>
             <a:endParaRPr lang="en-US"/>
           </a:p>
@@ -4484,7 +4484,7 @@
           <a:p>
             <a:fld id="{C96083D4-708C-4BB5-B4FD-30CE9FA12FD5}" type="datetime1">
               <a:rPr lang="en-US" smtClean="0"/>
-              <a:t>12/11/2021</a:t>
+              <a:t>12/11/21</a:t>
             </a:fld>
             <a:endParaRPr lang="en-US"/>
           </a:p>
@@ -4720,7 +4720,7 @@
           <a:p>
             <a:fld id="{D0D239B2-65BC-4C2A-A62B-3EABFE9590E4}" type="datetime1">
               <a:rPr lang="en-US" smtClean="0"/>
-              <a:t>12/11/2021</a:t>
+              <a:t>12/11/21</a:t>
             </a:fld>
             <a:endParaRPr lang="en-US"/>
           </a:p>
@@ -5090,7 +5090,7 @@
           <a:p>
             <a:fld id="{85E05F5A-E4A3-476F-A89E-C2B73F2431E4}" type="datetime1">
               <a:rPr lang="en-US" smtClean="0"/>
-              <a:t>12/11/2021</a:t>
+              <a:t>12/11/21</a:t>
             </a:fld>
             <a:endParaRPr lang="en-US"/>
           </a:p>
@@ -5211,7 +5211,7 @@
           <a:p>
             <a:fld id="{E3761515-4A26-4F31-9F61-5A10B1FABBFC}" type="datetime1">
               <a:rPr lang="en-US" smtClean="0"/>
-              <a:t>12/11/2021</a:t>
+              <a:t>12/11/21</a:t>
             </a:fld>
             <a:endParaRPr lang="en-US"/>
           </a:p>
@@ -5309,7 +5309,7 @@
           <a:p>
             <a:fld id="{4A75DC65-7D1F-4BAB-9695-F7E734143E14}" type="datetime1">
               <a:rPr lang="en-US" smtClean="0"/>
-              <a:t>12/11/2021</a:t>
+              <a:t>12/11/21</a:t>
             </a:fld>
             <a:endParaRPr lang="en-US"/>
           </a:p>
@@ -5589,7 +5589,7 @@
           <a:p>
             <a:fld id="{7E624077-BD55-4036-8E92-6558FDF3B653}" type="datetime1">
               <a:rPr lang="en-US" smtClean="0"/>
-              <a:t>12/11/2021</a:t>
+              <a:t>12/11/21</a:t>
             </a:fld>
             <a:endParaRPr lang="en-US"/>
           </a:p>
@@ -5849,7 +5849,7 @@
           <a:p>
             <a:fld id="{804225F2-7107-4609-BCC2-77C63064A5E8}" type="datetime1">
               <a:rPr lang="en-US" smtClean="0"/>
-              <a:t>12/11/2021</a:t>
+              <a:t>12/11/21</a:t>
             </a:fld>
             <a:endParaRPr lang="en-US"/>
           </a:p>
@@ -6065,7 +6065,7 @@
           <a:p>
             <a:fld id="{D3FE42E8-8B57-452D-A122-4DCE9AC771EF}" type="datetime1">
               <a:rPr lang="en-US" smtClean="0"/>
-              <a:t>12/11/2021</a:t>
+              <a:t>12/11/21</a:t>
             </a:fld>
             <a:endParaRPr lang="en-US"/>
           </a:p>
@@ -10681,7 +10681,7 @@
           <p:nvPr>
             <p:extLst>
               <p:ext uri="{D42A27DB-BD31-4B8C-83A1-F6EECF244321}">
-                <p14:modId xmlns:p14="http://schemas.microsoft.com/office/powerpoint/2010/main" val="1612166960"/>
+                <p14:modId xmlns:p14="http://schemas.microsoft.com/office/powerpoint/2010/main" val="2000085990"/>
               </p:ext>
             </p:extLst>
           </p:nvPr>
@@ -10732,7 +10732,13 @@
                       </a:r>
                     </a:p>
                   </a:txBody>
-                  <a:tcPr/>
+                  <a:tcPr>
+                    <a:solidFill>
+                      <a:srgbClr val="2E27C7">
+                        <a:alpha val="85098"/>
+                      </a:srgbClr>
+                    </a:solidFill>
+                  </a:tcPr>
                 </a:tc>
                 <a:tc>
                   <a:txBody>
@@ -10746,7 +10752,13 @@
                       </a:r>
                     </a:p>
                   </a:txBody>
-                  <a:tcPr/>
+                  <a:tcPr>
+                    <a:solidFill>
+                      <a:srgbClr val="2E27C7">
+                        <a:alpha val="85098"/>
+                      </a:srgbClr>
+                    </a:solidFill>
+                  </a:tcPr>
                 </a:tc>
                 <a:tc>
                   <a:txBody>
@@ -10776,7 +10788,13 @@
                       </a:r>
                     </a:p>
                   </a:txBody>
-                  <a:tcPr/>
+                  <a:tcPr>
+                    <a:solidFill>
+                      <a:srgbClr val="2E27C7">
+                        <a:alpha val="85098"/>
+                      </a:srgbClr>
+                    </a:solidFill>
+                  </a:tcPr>
                 </a:tc>
                 <a:extLst>
                   <a:ext uri="{0D108BD9-81ED-4DB2-BD59-A6C34878D82A}">
@@ -10797,7 +10815,13 @@
                       </a:r>
                     </a:p>
                   </a:txBody>
-                  <a:tcPr/>
+                  <a:tcPr>
+                    <a:solidFill>
+                      <a:srgbClr val="44E4C4">
+                        <a:alpha val="50196"/>
+                      </a:srgbClr>
+                    </a:solidFill>
+                  </a:tcPr>
                 </a:tc>
                 <a:tc>
                   <a:txBody>
@@ -10811,7 +10835,13 @@
                       </a:r>
                     </a:p>
                   </a:txBody>
-                  <a:tcPr/>
+                  <a:tcPr>
+                    <a:solidFill>
+                      <a:srgbClr val="44E4C4">
+                        <a:alpha val="50196"/>
+                      </a:srgbClr>
+                    </a:solidFill>
+                  </a:tcPr>
                 </a:tc>
                 <a:tc>
                   <a:txBody>
@@ -10825,7 +10855,13 @@
                       </a:r>
                     </a:p>
                   </a:txBody>
-                  <a:tcPr/>
+                  <a:tcPr>
+                    <a:solidFill>
+                      <a:srgbClr val="44E4C4">
+                        <a:alpha val="50196"/>
+                      </a:srgbClr>
+                    </a:solidFill>
+                  </a:tcPr>
                 </a:tc>
                 <a:extLst>
                   <a:ext uri="{0D108BD9-81ED-4DB2-BD59-A6C34878D82A}">
@@ -10846,7 +10882,13 @@
                       </a:r>
                     </a:p>
                   </a:txBody>
-                  <a:tcPr/>
+                  <a:tcPr>
+                    <a:solidFill>
+                      <a:srgbClr val="44E4C4">
+                        <a:alpha val="50196"/>
+                      </a:srgbClr>
+                    </a:solidFill>
+                  </a:tcPr>
                 </a:tc>
                 <a:tc>
                   <a:txBody>
@@ -10860,7 +10902,13 @@
                       </a:r>
                     </a:p>
                   </a:txBody>
-                  <a:tcPr/>
+                  <a:tcPr>
+                    <a:solidFill>
+                      <a:srgbClr val="44E4C4">
+                        <a:alpha val="50196"/>
+                      </a:srgbClr>
+                    </a:solidFill>
+                  </a:tcPr>
                 </a:tc>
                 <a:tc>
                   <a:txBody>
@@ -10874,7 +10922,13 @@
                       </a:r>
                     </a:p>
                   </a:txBody>
-                  <a:tcPr/>
+                  <a:tcPr>
+                    <a:solidFill>
+                      <a:srgbClr val="44E4C4">
+                        <a:alpha val="50196"/>
+                      </a:srgbClr>
+                    </a:solidFill>
+                  </a:tcPr>
                 </a:tc>
                 <a:extLst>
                   <a:ext uri="{0D108BD9-81ED-4DB2-BD59-A6C34878D82A}">
@@ -10895,7 +10949,13 @@
                       </a:r>
                     </a:p>
                   </a:txBody>
-                  <a:tcPr/>
+                  <a:tcPr>
+                    <a:solidFill>
+                      <a:srgbClr val="44E4C4">
+                        <a:alpha val="50196"/>
+                      </a:srgbClr>
+                    </a:solidFill>
+                  </a:tcPr>
                 </a:tc>
                 <a:tc>
                   <a:txBody>
@@ -10909,7 +10969,13 @@
                       </a:r>
                     </a:p>
                   </a:txBody>
-                  <a:tcPr/>
+                  <a:tcPr>
+                    <a:solidFill>
+                      <a:srgbClr val="44E4C4">
+                        <a:alpha val="50196"/>
+                      </a:srgbClr>
+                    </a:solidFill>
+                  </a:tcPr>
                 </a:tc>
                 <a:tc>
                   <a:txBody>
@@ -10923,7 +10989,13 @@
                       </a:r>
                     </a:p>
                   </a:txBody>
-                  <a:tcPr/>
+                  <a:tcPr>
+                    <a:solidFill>
+                      <a:srgbClr val="44E4C4">
+                        <a:alpha val="50196"/>
+                      </a:srgbClr>
+                    </a:solidFill>
+                  </a:tcPr>
                 </a:tc>
                 <a:extLst>
                   <a:ext uri="{0D108BD9-81ED-4DB2-BD59-A6C34878D82A}">

--- a/DDS_Project_2_Presentation.pptx
+++ b/DDS_Project_2_Presentation.pptx
@@ -5,7 +5,7 @@
     <p:sldMasterId id="2147483712" r:id="rId1"/>
   </p:sldMasterIdLst>
   <p:notesMasterIdLst>
-    <p:notesMasterId r:id="rId24"/>
+    <p:notesMasterId r:id="rId23"/>
   </p:notesMasterIdLst>
   <p:sldIdLst>
     <p:sldId id="303" r:id="rId2"/>
@@ -28,8 +28,7 @@
     <p:sldId id="290" r:id="rId19"/>
     <p:sldId id="287" r:id="rId20"/>
     <p:sldId id="304" r:id="rId21"/>
-    <p:sldId id="308" r:id="rId22"/>
-    <p:sldId id="309" r:id="rId23"/>
+    <p:sldId id="309" r:id="rId22"/>
   </p:sldIdLst>
   <p:sldSz cx="12192000" cy="6858000"/>
   <p:notesSz cx="6858000" cy="9144000"/>
@@ -139,7 +138,7 @@
 <file path=ppt/revisionInfo.xml><?xml version="1.0" encoding="utf-8"?>
 <p1510:revInfo xmlns:a="http://schemas.openxmlformats.org/drawingml/2006/main" xmlns:r="http://schemas.openxmlformats.org/officeDocument/2006/relationships" xmlns:p1510="http://schemas.microsoft.com/office/powerpoint/2015/10/main">
   <p1510:revLst>
-    <p1510:client id="{F72F3FB8-19C0-4758-9009-50FF7556B545}" v="691" dt="2021-12-11T19:18:36.602"/>
+    <p1510:client id="{F72F3FB8-19C0-4758-9009-50FF7556B545}" v="863" dt="2021-12-11T19:37:10.543"/>
   </p1510:revLst>
 </p1510:revInfo>
 </file>
@@ -149,7 +148,7 @@
   <pc:docChgLst>
     <pc:chgData name="Pandey, Shikha" userId="62b2c247-44c0-476d-a294-f01c5623c9dc" providerId="ADAL" clId="{F72F3FB8-19C0-4758-9009-50FF7556B545}"/>
     <pc:docChg chg="undo redo custSel addSld delSld modSld sldOrd">
-      <pc:chgData name="Pandey, Shikha" userId="62b2c247-44c0-476d-a294-f01c5623c9dc" providerId="ADAL" clId="{F72F3FB8-19C0-4758-9009-50FF7556B545}" dt="2021-12-11T19:19:55.660" v="5852" actId="255"/>
+      <pc:chgData name="Pandey, Shikha" userId="62b2c247-44c0-476d-a294-f01c5623c9dc" providerId="ADAL" clId="{F72F3FB8-19C0-4758-9009-50FF7556B545}" dt="2021-12-11T20:05:37.606" v="6074" actId="2696"/>
       <pc:docMkLst>
         <pc:docMk/>
       </pc:docMkLst>
@@ -1769,7 +1768,7 @@
         </pc:picChg>
       </pc:sldChg>
       <pc:sldChg chg="addSp delSp modSp mod delAnim modAnim modNotesTx">
-        <pc:chgData name="Pandey, Shikha" userId="62b2c247-44c0-476d-a294-f01c5623c9dc" providerId="ADAL" clId="{F72F3FB8-19C0-4758-9009-50FF7556B545}" dt="2021-12-11T18:55:22.300" v="5250" actId="20577"/>
+        <pc:chgData name="Pandey, Shikha" userId="62b2c247-44c0-476d-a294-f01c5623c9dc" providerId="ADAL" clId="{F72F3FB8-19C0-4758-9009-50FF7556B545}" dt="2021-12-11T19:25:59.664" v="5886" actId="20577"/>
         <pc:sldMkLst>
           <pc:docMk/>
           <pc:sldMk cId="216170584" sldId="289"/>
@@ -1837,6 +1836,21 @@
           <pc:docMk/>
           <pc:sldMk cId="95992096" sldId="291"/>
         </pc:sldMkLst>
+      </pc:sldChg>
+      <pc:sldChg chg="modSp mod">
+        <pc:chgData name="Pandey, Shikha" userId="62b2c247-44c0-476d-a294-f01c5623c9dc" providerId="ADAL" clId="{F72F3FB8-19C0-4758-9009-50FF7556B545}" dt="2021-12-11T19:27:56.492" v="5898" actId="1038"/>
+        <pc:sldMkLst>
+          <pc:docMk/>
+          <pc:sldMk cId="3257210894" sldId="292"/>
+        </pc:sldMkLst>
+        <pc:spChg chg="mod">
+          <ac:chgData name="Pandey, Shikha" userId="62b2c247-44c0-476d-a294-f01c5623c9dc" providerId="ADAL" clId="{F72F3FB8-19C0-4758-9009-50FF7556B545}" dt="2021-12-11T19:27:56.492" v="5898" actId="1038"/>
+          <ac:spMkLst>
+            <pc:docMk/>
+            <pc:sldMk cId="3257210894" sldId="292"/>
+            <ac:spMk id="11" creationId="{D3A9F2CD-C8FE-8440-A2AB-D7F84DBBB3B2}"/>
+          </ac:spMkLst>
+        </pc:spChg>
       </pc:sldChg>
       <pc:sldChg chg="modSp mod">
         <pc:chgData name="Pandey, Shikha" userId="62b2c247-44c0-476d-a294-f01c5623c9dc" providerId="ADAL" clId="{F72F3FB8-19C0-4758-9009-50FF7556B545}" dt="2021-12-10T02:12:50.333" v="1529" actId="1076"/>
@@ -1931,7 +1945,7 @@
         </pc:sldMkLst>
       </pc:sldChg>
       <pc:sldChg chg="modNotesTx">
-        <pc:chgData name="Pandey, Shikha" userId="62b2c247-44c0-476d-a294-f01c5623c9dc" providerId="ADAL" clId="{F72F3FB8-19C0-4758-9009-50FF7556B545}" dt="2021-12-11T18:39:51.797" v="4017" actId="20577"/>
+        <pc:chgData name="Pandey, Shikha" userId="62b2c247-44c0-476d-a294-f01c5623c9dc" providerId="ADAL" clId="{F72F3FB8-19C0-4758-9009-50FF7556B545}" dt="2021-12-11T19:24:28.841" v="5853" actId="20577"/>
         <pc:sldMkLst>
           <pc:docMk/>
           <pc:sldMk cId="383410763" sldId="299"/>
@@ -1968,7 +1982,7 @@
         </pc:sldMkLst>
       </pc:sldChg>
       <pc:sldChg chg="addSp modSp mod modAnim modNotesTx">
-        <pc:chgData name="Pandey, Shikha" userId="62b2c247-44c0-476d-a294-f01c5623c9dc" providerId="ADAL" clId="{F72F3FB8-19C0-4758-9009-50FF7556B545}" dt="2021-12-11T19:02:36.475" v="5706" actId="20577"/>
+        <pc:chgData name="Pandey, Shikha" userId="62b2c247-44c0-476d-a294-f01c5623c9dc" providerId="ADAL" clId="{F72F3FB8-19C0-4758-9009-50FF7556B545}" dt="2021-12-11T19:26:47.161" v="5896" actId="20577"/>
         <pc:sldMkLst>
           <pc:docMk/>
           <pc:sldMk cId="2006790794" sldId="302"/>
@@ -1998,7 +2012,7 @@
         </pc:sldMkLst>
       </pc:sldChg>
       <pc:sldChg chg="addSp delSp modSp add mod modAnim">
-        <pc:chgData name="Pandey, Shikha" userId="62b2c247-44c0-476d-a294-f01c5623c9dc" providerId="ADAL" clId="{F72F3FB8-19C0-4758-9009-50FF7556B545}" dt="2021-12-11T04:07:03.857" v="2426" actId="5793"/>
+        <pc:chgData name="Pandey, Shikha" userId="62b2c247-44c0-476d-a294-f01c5623c9dc" providerId="ADAL" clId="{F72F3FB8-19C0-4758-9009-50FF7556B545}" dt="2021-12-11T19:37:10.543" v="6073" actId="6549"/>
         <pc:sldMkLst>
           <pc:docMk/>
           <pc:sldMk cId="2642334168" sldId="304"/>
@@ -2020,7 +2034,7 @@
           </ac:spMkLst>
         </pc:spChg>
         <pc:spChg chg="add mod">
-          <ac:chgData name="Pandey, Shikha" userId="62b2c247-44c0-476d-a294-f01c5623c9dc" providerId="ADAL" clId="{F72F3FB8-19C0-4758-9009-50FF7556B545}" dt="2021-12-11T04:07:03.857" v="2426" actId="5793"/>
+          <ac:chgData name="Pandey, Shikha" userId="62b2c247-44c0-476d-a294-f01c5623c9dc" providerId="ADAL" clId="{F72F3FB8-19C0-4758-9009-50FF7556B545}" dt="2021-12-11T19:37:10.543" v="6073" actId="6549"/>
           <ac:spMkLst>
             <pc:docMk/>
             <pc:sldMk cId="2642334168" sldId="304"/>
@@ -2145,8 +2159,8 @@
           </ac:picMkLst>
         </pc:picChg>
       </pc:sldChg>
-      <pc:sldChg chg="addSp delSp modSp add mod modAnim">
-        <pc:chgData name="Pandey, Shikha" userId="62b2c247-44c0-476d-a294-f01c5623c9dc" providerId="ADAL" clId="{F72F3FB8-19C0-4758-9009-50FF7556B545}" dt="2021-12-11T04:21:55.248" v="2593" actId="20577"/>
+      <pc:sldChg chg="addSp delSp modSp add del mod modAnim">
+        <pc:chgData name="Pandey, Shikha" userId="62b2c247-44c0-476d-a294-f01c5623c9dc" providerId="ADAL" clId="{F72F3FB8-19C0-4758-9009-50FF7556B545}" dt="2021-12-11T20:05:37.606" v="6074" actId="2696"/>
         <pc:sldMkLst>
           <pc:docMk/>
           <pc:sldMk cId="2066871153" sldId="308"/>
@@ -2168,7 +2182,7 @@
           </ac:spMkLst>
         </pc:spChg>
         <pc:spChg chg="mod">
-          <ac:chgData name="Pandey, Shikha" userId="62b2c247-44c0-476d-a294-f01c5623c9dc" providerId="ADAL" clId="{F72F3FB8-19C0-4758-9009-50FF7556B545}" dt="2021-12-11T04:21:55.248" v="2593" actId="20577"/>
+          <ac:chgData name="Pandey, Shikha" userId="62b2c247-44c0-476d-a294-f01c5623c9dc" providerId="ADAL" clId="{F72F3FB8-19C0-4758-9009-50FF7556B545}" dt="2021-12-11T19:33:26.273" v="5904" actId="5793"/>
           <ac:spMkLst>
             <pc:docMk/>
             <pc:sldMk cId="2066871153" sldId="308"/>
@@ -2326,7 +2340,7 @@
           <a:p>
             <a:fld id="{0E3E0A65-D66A-4F29-B0E0-760002A6D007}" type="datetimeFigureOut">
               <a:rPr lang="en-US" smtClean="0"/>
-              <a:t>12/11/21</a:t>
+              <a:t>12/11/2021</a:t>
             </a:fld>
             <a:endParaRPr lang="en-US"/>
           </a:p>
@@ -2734,13 +2748,13 @@
           <a:p>
             <a:r>
               <a:rPr lang="en-US" dirty="0"/>
-              <a:t>Here we see that Manager, Manufacturing Director and Research Director are older and have higher monthly income but we also do not see attrition in younger employees in these specific job roles. We see attrition at over 45 for Manager, above 55 for Manufacturing Director and above 40 for Research Director.</a:t>
+              <a:t>Here we see that Manager, Manufacturing Director and Research Director are older and have higher monthly income but we also do not see attrition in younger employees in these specific job roles. We see attrition at over 45 for Manager, over 55 for Manufacturing Director and over 40 for Research Director.</a:t>
             </a:r>
           </a:p>
           <a:p>
             <a:r>
               <a:rPr lang="en-US" dirty="0"/>
-              <a:t>Human Resources on other side mostly are younger with lower monthly income but higher attrition for younger employees for that specific job role.</a:t>
+              <a:t>Human Resources on other side mostly are younger with lower monthly income but higher attrition for younger employees in that specific job role.</a:t>
             </a:r>
           </a:p>
         </p:txBody>
@@ -2846,6 +2860,90 @@
           <a:p>
             <a:fld id="{1B207458-7E2D-440E-BAE2-709FB3C8E638}" type="slidenum">
               <a:rPr lang="en-US" smtClean="0"/>
+              <a:t>11</a:t>
+            </a:fld>
+            <a:endParaRPr lang="en-US"/>
+          </a:p>
+        </p:txBody>
+      </p:sp>
+    </p:spTree>
+    <p:extLst>
+      <p:ext uri="{BB962C8B-B14F-4D97-AF65-F5344CB8AC3E}">
+        <p14:creationId xmlns:p14="http://schemas.microsoft.com/office/powerpoint/2010/main" val="262110102"/>
+      </p:ext>
+    </p:extLst>
+  </p:cSld>
+  <p:clrMapOvr>
+    <a:masterClrMapping/>
+  </p:clrMapOvr>
+</p:notes>
+</file>
+
+<file path=ppt/notesSlides/notesSlide12.xml><?xml version="1.0" encoding="utf-8"?>
+<p:notes xmlns:a="http://schemas.openxmlformats.org/drawingml/2006/main" xmlns:r="http://schemas.openxmlformats.org/officeDocument/2006/relationships" xmlns:p="http://schemas.openxmlformats.org/presentationml/2006/main">
+  <p:cSld>
+    <p:spTree>
+      <p:nvGrpSpPr>
+        <p:cNvPr id="1" name=""/>
+        <p:cNvGrpSpPr/>
+        <p:nvPr/>
+      </p:nvGrpSpPr>
+      <p:grpSpPr>
+        <a:xfrm>
+          <a:off x="0" y="0"/>
+          <a:ext cx="0" cy="0"/>
+          <a:chOff x="0" y="0"/>
+          <a:chExt cx="0" cy="0"/>
+        </a:xfrm>
+      </p:grpSpPr>
+      <p:sp>
+        <p:nvSpPr>
+          <p:cNvPr id="2" name="Slide Image Placeholder 1"/>
+          <p:cNvSpPr>
+            <a:spLocks noGrp="1" noRot="1" noChangeAspect="1"/>
+          </p:cNvSpPr>
+          <p:nvPr>
+            <p:ph type="sldImg"/>
+          </p:nvPr>
+        </p:nvSpPr>
+        <p:spPr/>
+      </p:sp>
+      <p:sp>
+        <p:nvSpPr>
+          <p:cNvPr id="3" name="Notes Placeholder 2"/>
+          <p:cNvSpPr>
+            <a:spLocks noGrp="1"/>
+          </p:cNvSpPr>
+          <p:nvPr>
+            <p:ph type="body" idx="1"/>
+          </p:nvPr>
+        </p:nvSpPr>
+        <p:spPr/>
+        <p:txBody>
+          <a:bodyPr/>
+          <a:lstStyle/>
+          <a:p>
+            <a:endParaRPr lang="en-US" dirty="0"/>
+          </a:p>
+        </p:txBody>
+      </p:sp>
+      <p:sp>
+        <p:nvSpPr>
+          <p:cNvPr id="4" name="Slide Number Placeholder 3"/>
+          <p:cNvSpPr>
+            <a:spLocks noGrp="1"/>
+          </p:cNvSpPr>
+          <p:nvPr>
+            <p:ph type="sldNum" sz="quarter" idx="5"/>
+          </p:nvPr>
+        </p:nvSpPr>
+        <p:spPr/>
+        <p:txBody>
+          <a:bodyPr/>
+          <a:lstStyle/>
+          <a:p>
+            <a:fld id="{1B207458-7E2D-440E-BAE2-709FB3C8E638}" type="slidenum">
+              <a:rPr lang="en-US" smtClean="0"/>
               <a:t>16</a:t>
             </a:fld>
             <a:endParaRPr lang="en-US"/>
@@ -3178,7 +3276,7 @@
           <a:p>
             <a:r>
               <a:rPr lang="en-US" dirty="0"/>
-              <a:t>Looing at the histogram here, we see evidence of right skewed distribution for monthly income data. It also tells us that there are more employees and higher attrition for lower income. </a:t>
+              <a:t>Looking at the histogram here, we see evidence of right skewed distribution for monthly income data. It also tells us that there are more employees and higher attrition for lower income. </a:t>
             </a:r>
           </a:p>
         </p:txBody>
@@ -3532,7 +3630,7 @@
           <a:p>
             <a:r>
               <a:rPr lang="en-US" dirty="0"/>
-              <a:t>We see that Laboratory Technician, Research Scientist, Sales Executive and Sales Representative all have consistent attrition across all Job Satisfaction levels, that tells us that Job Satisfaction doesn’t necessarily affect attrition.</a:t>
+              <a:t>We see that Laboratory Technician, Research Scientist, Sales Executive and Sales Representative all have consistent attrition across all Job Satisfaction levels, that tells us that Job Satisfaction doesn’t necessarily affect attrition for those specific Job Roles.</a:t>
             </a:r>
           </a:p>
         </p:txBody>
@@ -3704,7 +3802,7 @@
           <a:p>
             <a:fld id="{23FEA57E-7C1A-457B-A4CD-5DCEB057B502}" type="datetime1">
               <a:rPr lang="en-US" smtClean="0"/>
-              <a:t>12/11/21</a:t>
+              <a:t>12/11/2021</a:t>
             </a:fld>
             <a:endParaRPr lang="en-US" dirty="0"/>
           </a:p>
@@ -3878,7 +3976,7 @@
           <a:p>
             <a:fld id="{11789749-A4CD-447F-8298-2B7988C91CEA}" type="datetime1">
               <a:rPr lang="en-US" smtClean="0"/>
-              <a:t>12/11/21</a:t>
+              <a:t>12/11/2021</a:t>
             </a:fld>
             <a:endParaRPr lang="en-US"/>
           </a:p>
@@ -4062,7 +4160,7 @@
           <a:p>
             <a:fld id="{BA0444D3-C0BA-4587-A56C-581AB9F841BE}" type="datetime1">
               <a:rPr lang="en-US" smtClean="0"/>
-              <a:t>12/11/21</a:t>
+              <a:t>12/11/2021</a:t>
             </a:fld>
             <a:endParaRPr lang="en-US"/>
           </a:p>
@@ -4235,7 +4333,7 @@
           <a:p>
             <a:fld id="{201AF2CE-4F37-411C-A3EE-BBBE223265BF}" type="datetime1">
               <a:rPr lang="en-US" smtClean="0"/>
-              <a:t>12/11/21</a:t>
+              <a:t>12/11/2021</a:t>
             </a:fld>
             <a:endParaRPr lang="en-US"/>
           </a:p>
@@ -4484,7 +4582,7 @@
           <a:p>
             <a:fld id="{C96083D4-708C-4BB5-B4FD-30CE9FA12FD5}" type="datetime1">
               <a:rPr lang="en-US" smtClean="0"/>
-              <a:t>12/11/21</a:t>
+              <a:t>12/11/2021</a:t>
             </a:fld>
             <a:endParaRPr lang="en-US"/>
           </a:p>
@@ -4720,7 +4818,7 @@
           <a:p>
             <a:fld id="{D0D239B2-65BC-4C2A-A62B-3EABFE9590E4}" type="datetime1">
               <a:rPr lang="en-US" smtClean="0"/>
-              <a:t>12/11/21</a:t>
+              <a:t>12/11/2021</a:t>
             </a:fld>
             <a:endParaRPr lang="en-US"/>
           </a:p>
@@ -5090,7 +5188,7 @@
           <a:p>
             <a:fld id="{85E05F5A-E4A3-476F-A89E-C2B73F2431E4}" type="datetime1">
               <a:rPr lang="en-US" smtClean="0"/>
-              <a:t>12/11/21</a:t>
+              <a:t>12/11/2021</a:t>
             </a:fld>
             <a:endParaRPr lang="en-US"/>
           </a:p>
@@ -5211,7 +5309,7 @@
           <a:p>
             <a:fld id="{E3761515-4A26-4F31-9F61-5A10B1FABBFC}" type="datetime1">
               <a:rPr lang="en-US" smtClean="0"/>
-              <a:t>12/11/21</a:t>
+              <a:t>12/11/2021</a:t>
             </a:fld>
             <a:endParaRPr lang="en-US"/>
           </a:p>
@@ -5309,7 +5407,7 @@
           <a:p>
             <a:fld id="{4A75DC65-7D1F-4BAB-9695-F7E734143E14}" type="datetime1">
               <a:rPr lang="en-US" smtClean="0"/>
-              <a:t>12/11/21</a:t>
+              <a:t>12/11/2021</a:t>
             </a:fld>
             <a:endParaRPr lang="en-US"/>
           </a:p>
@@ -5589,7 +5687,7 @@
           <a:p>
             <a:fld id="{7E624077-BD55-4036-8E92-6558FDF3B653}" type="datetime1">
               <a:rPr lang="en-US" smtClean="0"/>
-              <a:t>12/11/21</a:t>
+              <a:t>12/11/2021</a:t>
             </a:fld>
             <a:endParaRPr lang="en-US"/>
           </a:p>
@@ -5849,7 +5947,7 @@
           <a:p>
             <a:fld id="{804225F2-7107-4609-BCC2-77C63064A5E8}" type="datetime1">
               <a:rPr lang="en-US" smtClean="0"/>
-              <a:t>12/11/21</a:t>
+              <a:t>12/11/2021</a:t>
             </a:fld>
             <a:endParaRPr lang="en-US"/>
           </a:p>
@@ -6065,7 +6163,7 @@
           <a:p>
             <a:fld id="{D3FE42E8-8B57-452D-A122-4DCE9AC771EF}" type="datetime1">
               <a:rPr lang="en-US" smtClean="0"/>
-              <a:t>12/11/21</a:t>
+              <a:t>12/11/2021</a:t>
             </a:fld>
             <a:endParaRPr lang="en-US"/>
           </a:p>
@@ -7818,7 +7916,7 @@
           <p:nvPr/>
         </p:nvPicPr>
         <p:blipFill>
-          <a:blip r:embed="rId2"/>
+          <a:blip r:embed="rId3"/>
           <a:stretch>
             <a:fillRect/>
           </a:stretch>
@@ -7848,7 +7946,7 @@
           <p:nvPr/>
         </p:nvPicPr>
         <p:blipFill>
-          <a:blip r:embed="rId3"/>
+          <a:blip r:embed="rId4"/>
           <a:stretch>
             <a:fillRect/>
           </a:stretch>
@@ -8132,7 +8230,7 @@
           <p:nvPr/>
         </p:nvPicPr>
         <p:blipFill>
-          <a:blip r:embed="rId4">
+          <a:blip r:embed="rId5">
             <a:extLst>
               <a:ext uri="{28A0092B-C50C-407E-A947-70E740481C1C}">
                 <a14:useLocalDpi xmlns:a14="http://schemas.microsoft.com/office/drawing/2010/main" val="0"/>
@@ -14674,7 +14772,9 @@
           </a:xfrm>
         </p:spPr>
         <p:txBody>
-          <a:bodyPr/>
+          <a:bodyPr>
+            <a:normAutofit lnSpcReduction="10000"/>
+          </a:bodyPr>
           <a:lstStyle/>
           <a:p>
             <a:r>
@@ -14686,15 +14786,6 @@
             </a:r>
           </a:p>
           <a:p>
-            <a:pPr marL="0" indent="0">
-              <a:buNone/>
-            </a:pPr>
-            <a:endParaRPr lang="en-US" dirty="0">
-              <a:latin typeface="Calibri" panose="020F0502020204030204" pitchFamily="34" charset="0"/>
-              <a:cs typeface="Calibri" panose="020F0502020204030204" pitchFamily="34" charset="0"/>
-            </a:endParaRPr>
-          </a:p>
-          <a:p>
             <a:r>
               <a:rPr lang="en-US" dirty="0">
                 <a:latin typeface="Calibri" panose="020F0502020204030204" pitchFamily="34" charset="0"/>
@@ -14704,28 +14795,31 @@
             </a:r>
           </a:p>
           <a:p>
-            <a:pPr marL="0" indent="0">
-              <a:buNone/>
-            </a:pPr>
-            <a:endParaRPr lang="en-US" dirty="0">
-              <a:latin typeface="Calibri" panose="020F0502020204030204" pitchFamily="34" charset="0"/>
-              <a:cs typeface="Calibri" panose="020F0502020204030204" pitchFamily="34" charset="0"/>
-            </a:endParaRPr>
-          </a:p>
-          <a:p>
             <a:r>
               <a:rPr lang="en-US" dirty="0">
                 <a:latin typeface="Calibri" panose="020F0502020204030204" pitchFamily="34" charset="0"/>
                 <a:cs typeface="Calibri" panose="020F0502020204030204" pitchFamily="34" charset="0"/>
               </a:rPr>
-              <a:t>Manufacturing Director, Research Director and Managers are the oldest, have most income and have the least amount of turnover.</a:t>
+              <a:t>Manufacturing Director, Research Director and Managers are the oldest, have highest income and have the least amount of turnover.</a:t>
             </a:r>
           </a:p>
           <a:p>
-            <a:endParaRPr lang="en-US" dirty="0">
-              <a:latin typeface="Calibri" panose="020F0502020204030204" pitchFamily="34" charset="0"/>
-              <a:cs typeface="Calibri" panose="020F0502020204030204" pitchFamily="34" charset="0"/>
-            </a:endParaRPr>
+            <a:r>
+              <a:rPr lang="en-US" dirty="0">
+                <a:latin typeface="Calibri" panose="020F0502020204030204" pitchFamily="34" charset="0"/>
+                <a:cs typeface="Calibri" panose="020F0502020204030204" pitchFamily="34" charset="0"/>
+              </a:rPr>
+              <a:t>We used a Naïve Bayes model to predict attrition with 87% Accuracy.</a:t>
+            </a:r>
+          </a:p>
+          <a:p>
+            <a:r>
+              <a:rPr lang="en-US" dirty="0">
+                <a:latin typeface="Calibri" panose="020F0502020204030204" pitchFamily="34" charset="0"/>
+                <a:cs typeface="Calibri" panose="020F0502020204030204" pitchFamily="34" charset="0"/>
+              </a:rPr>
+              <a:t>We used a Linear Regression model to predict salary with RMSE of 1080 and extremely low P-Value (&lt; 2.2e-16).</a:t>
+            </a:r>
           </a:p>
           <a:p>
             <a:pPr marL="457200" lvl="1" indent="0">
@@ -14846,7 +14940,7 @@
                                         <p:tgtEl>
                                           <p:spTgt spid="10">
                                             <p:txEl>
-                                              <p:pRg st="2" end="2"/>
+                                              <p:pRg st="1" end="1"/>
                                             </p:txEl>
                                           </p:spTgt>
                                         </p:tgtEl>
@@ -14864,7 +14958,7 @@
                                         <p:tgtEl>
                                           <p:spTgt spid="10">
                                             <p:txEl>
-                                              <p:pRg st="2" end="2"/>
+                                              <p:pRg st="1" end="1"/>
                                             </p:txEl>
                                           </p:spTgt>
                                         </p:tgtEl>
@@ -14907,6 +15001,128 @@
                                         <p:tgtEl>
                                           <p:spTgt spid="10">
                                             <p:txEl>
+                                              <p:pRg st="2" end="2"/>
+                                            </p:txEl>
+                                          </p:spTgt>
+                                        </p:tgtEl>
+                                        <p:attrNameLst>
+                                          <p:attrName>style.visibility</p:attrName>
+                                        </p:attrNameLst>
+                                      </p:cBhvr>
+                                      <p:to>
+                                        <p:strVal val="visible"/>
+                                      </p:to>
+                                    </p:set>
+                                    <p:animEffect transition="in" filter="fade">
+                                      <p:cBhvr>
+                                        <p:cTn id="12" dur="500"/>
+                                        <p:tgtEl>
+                                          <p:spTgt spid="10">
+                                            <p:txEl>
+                                              <p:pRg st="2" end="2"/>
+                                            </p:txEl>
+                                          </p:spTgt>
+                                        </p:tgtEl>
+                                      </p:cBhvr>
+                                    </p:animEffect>
+                                  </p:childTnLst>
+                                </p:cTn>
+                              </p:par>
+                            </p:childTnLst>
+                          </p:cTn>
+                        </p:par>
+                      </p:childTnLst>
+                    </p:cTn>
+                  </p:par>
+                  <p:par>
+                    <p:cTn id="13" fill="hold">
+                      <p:stCondLst>
+                        <p:cond delay="indefinite"/>
+                      </p:stCondLst>
+                      <p:childTnLst>
+                        <p:par>
+                          <p:cTn id="14" fill="hold">
+                            <p:stCondLst>
+                              <p:cond delay="0"/>
+                            </p:stCondLst>
+                            <p:childTnLst>
+                              <p:par>
+                                <p:cTn id="15" presetID="10" presetClass="entr" presetSubtype="0" fill="hold" nodeType="clickEffect">
+                                  <p:stCondLst>
+                                    <p:cond delay="0"/>
+                                  </p:stCondLst>
+                                  <p:childTnLst>
+                                    <p:set>
+                                      <p:cBhvr>
+                                        <p:cTn id="16" dur="1" fill="hold">
+                                          <p:stCondLst>
+                                            <p:cond delay="0"/>
+                                          </p:stCondLst>
+                                        </p:cTn>
+                                        <p:tgtEl>
+                                          <p:spTgt spid="10">
+                                            <p:txEl>
+                                              <p:pRg st="3" end="3"/>
+                                            </p:txEl>
+                                          </p:spTgt>
+                                        </p:tgtEl>
+                                        <p:attrNameLst>
+                                          <p:attrName>style.visibility</p:attrName>
+                                        </p:attrNameLst>
+                                      </p:cBhvr>
+                                      <p:to>
+                                        <p:strVal val="visible"/>
+                                      </p:to>
+                                    </p:set>
+                                    <p:animEffect transition="in" filter="fade">
+                                      <p:cBhvr>
+                                        <p:cTn id="17" dur="500"/>
+                                        <p:tgtEl>
+                                          <p:spTgt spid="10">
+                                            <p:txEl>
+                                              <p:pRg st="3" end="3"/>
+                                            </p:txEl>
+                                          </p:spTgt>
+                                        </p:tgtEl>
+                                      </p:cBhvr>
+                                    </p:animEffect>
+                                  </p:childTnLst>
+                                </p:cTn>
+                              </p:par>
+                            </p:childTnLst>
+                          </p:cTn>
+                        </p:par>
+                      </p:childTnLst>
+                    </p:cTn>
+                  </p:par>
+                  <p:par>
+                    <p:cTn id="18" fill="hold">
+                      <p:stCondLst>
+                        <p:cond delay="indefinite"/>
+                      </p:stCondLst>
+                      <p:childTnLst>
+                        <p:par>
+                          <p:cTn id="19" fill="hold">
+                            <p:stCondLst>
+                              <p:cond delay="0"/>
+                            </p:stCondLst>
+                            <p:childTnLst>
+                              <p:par>
+                                <p:cTn id="20" presetID="10" presetClass="entr" presetSubtype="0" fill="hold" nodeType="clickEffect">
+                                  <p:stCondLst>
+                                    <p:cond delay="0"/>
+                                  </p:stCondLst>
+                                  <p:childTnLst>
+                                    <p:set>
+                                      <p:cBhvr>
+                                        <p:cTn id="21" dur="1" fill="hold">
+                                          <p:stCondLst>
+                                            <p:cond delay="0"/>
+                                          </p:stCondLst>
+                                        </p:cTn>
+                                        <p:tgtEl>
+                                          <p:spTgt spid="10">
+                                            <p:txEl>
                                               <p:pRg st="4" end="4"/>
                                             </p:txEl>
                                           </p:spTgt>
@@ -14921,7 +15137,7 @@
                                     </p:set>
                                     <p:animEffect transition="in" filter="fade">
                                       <p:cBhvr>
-                                        <p:cTn id="12" dur="500"/>
+                                        <p:cTn id="22" dur="500"/>
                                         <p:tgtEl>
                                           <p:spTgt spid="10">
                                             <p:txEl>
@@ -14966,535 +15182,6 @@
 </file>
 
 <file path=ppt/slides/slide21.xml><?xml version="1.0" encoding="utf-8"?>
-<p:sld xmlns:a="http://schemas.openxmlformats.org/drawingml/2006/main" xmlns:r="http://schemas.openxmlformats.org/officeDocument/2006/relationships" xmlns:p="http://schemas.openxmlformats.org/presentationml/2006/main">
-  <p:cSld>
-    <p:spTree>
-      <p:nvGrpSpPr>
-        <p:cNvPr id="1" name=""/>
-        <p:cNvGrpSpPr/>
-        <p:nvPr/>
-      </p:nvGrpSpPr>
-      <p:grpSpPr>
-        <a:xfrm>
-          <a:off x="0" y="0"/>
-          <a:ext cx="0" cy="0"/>
-          <a:chOff x="0" y="0"/>
-          <a:chExt cx="0" cy="0"/>
-        </a:xfrm>
-      </p:grpSpPr>
-      <p:sp>
-        <p:nvSpPr>
-          <p:cNvPr id="5" name="Right Triangle 4">
-            <a:extLst>
-              <a:ext uri="{FF2B5EF4-FFF2-40B4-BE49-F238E27FC236}">
-                <a16:creationId xmlns:a16="http://schemas.microsoft.com/office/drawing/2014/main" id="{5488A745-4D79-6747-B65A-803B31C1F8B4}"/>
-              </a:ext>
-            </a:extLst>
-          </p:cNvPr>
-          <p:cNvSpPr/>
-          <p:nvPr/>
-        </p:nvSpPr>
-        <p:spPr>
-          <a:xfrm rot="13068536">
-            <a:off x="-809065" y="4275183"/>
-            <a:ext cx="1600200" cy="2061882"/>
-          </a:xfrm>
-          <a:prstGeom prst="rtTriangle">
-            <a:avLst/>
-          </a:prstGeom>
-          <a:solidFill>
-            <a:srgbClr val="44E4C4"/>
-          </a:solidFill>
-          <a:ln>
-            <a:solidFill>
-              <a:srgbClr val="44E4C4"/>
-            </a:solidFill>
-          </a:ln>
-        </p:spPr>
-        <p:style>
-          <a:lnRef idx="2">
-            <a:schemeClr val="accent1">
-              <a:shade val="50000"/>
-            </a:schemeClr>
-          </a:lnRef>
-          <a:fillRef idx="1">
-            <a:schemeClr val="accent1"/>
-          </a:fillRef>
-          <a:effectRef idx="0">
-            <a:schemeClr val="accent1"/>
-          </a:effectRef>
-          <a:fontRef idx="minor">
-            <a:schemeClr val="lt1"/>
-          </a:fontRef>
-        </p:style>
-        <p:txBody>
-          <a:bodyPr rtlCol="0" anchor="ctr"/>
-          <a:lstStyle/>
-          <a:p>
-            <a:pPr algn="ctr"/>
-            <a:endParaRPr lang="en-US"/>
-          </a:p>
-        </p:txBody>
-      </p:sp>
-      <p:sp>
-        <p:nvSpPr>
-          <p:cNvPr id="6" name="Rectangle 5">
-            <a:extLst>
-              <a:ext uri="{FF2B5EF4-FFF2-40B4-BE49-F238E27FC236}">
-                <a16:creationId xmlns:a16="http://schemas.microsoft.com/office/drawing/2014/main" id="{67C63295-B221-9A4E-BA44-2C4B26CF7FDE}"/>
-              </a:ext>
-            </a:extLst>
-          </p:cNvPr>
-          <p:cNvSpPr/>
-          <p:nvPr/>
-        </p:nvSpPr>
-        <p:spPr>
-          <a:xfrm rot="2351297">
-            <a:off x="281204" y="5024303"/>
-            <a:ext cx="880169" cy="978559"/>
-          </a:xfrm>
-          <a:prstGeom prst="rect">
-            <a:avLst/>
-          </a:prstGeom>
-          <a:solidFill>
-            <a:srgbClr val="2E27C7">
-              <a:alpha val="80000"/>
-            </a:srgbClr>
-          </a:solidFill>
-        </p:spPr>
-        <p:style>
-          <a:lnRef idx="2">
-            <a:schemeClr val="accent1">
-              <a:shade val="50000"/>
-            </a:schemeClr>
-          </a:lnRef>
-          <a:fillRef idx="1">
-            <a:schemeClr val="accent1"/>
-          </a:fillRef>
-          <a:effectRef idx="0">
-            <a:schemeClr val="accent1"/>
-          </a:effectRef>
-          <a:fontRef idx="minor">
-            <a:schemeClr val="lt1"/>
-          </a:fontRef>
-        </p:style>
-        <p:txBody>
-          <a:bodyPr rtlCol="0" anchor="ctr"/>
-          <a:lstStyle/>
-          <a:p>
-            <a:pPr algn="ctr"/>
-            <a:endParaRPr lang="en-US"/>
-          </a:p>
-        </p:txBody>
-      </p:sp>
-      <p:sp>
-        <p:nvSpPr>
-          <p:cNvPr id="7" name="Right Triangle 6">
-            <a:extLst>
-              <a:ext uri="{FF2B5EF4-FFF2-40B4-BE49-F238E27FC236}">
-                <a16:creationId xmlns:a16="http://schemas.microsoft.com/office/drawing/2014/main" id="{E9A9D123-E73C-5749-962A-D162E22D504C}"/>
-              </a:ext>
-            </a:extLst>
-          </p:cNvPr>
-          <p:cNvSpPr/>
-          <p:nvPr/>
-        </p:nvSpPr>
-        <p:spPr>
-          <a:xfrm rot="2259401">
-            <a:off x="11399428" y="428828"/>
-            <a:ext cx="1600200" cy="2066544"/>
-          </a:xfrm>
-          <a:prstGeom prst="rtTriangle">
-            <a:avLst/>
-          </a:prstGeom>
-          <a:solidFill>
-            <a:srgbClr val="2E27C7"/>
-          </a:solidFill>
-          <a:ln>
-            <a:solidFill>
-              <a:srgbClr val="2E27C7"/>
-            </a:solidFill>
-          </a:ln>
-        </p:spPr>
-        <p:style>
-          <a:lnRef idx="2">
-            <a:schemeClr val="accent1">
-              <a:shade val="50000"/>
-            </a:schemeClr>
-          </a:lnRef>
-          <a:fillRef idx="1">
-            <a:schemeClr val="accent1"/>
-          </a:fillRef>
-          <a:effectRef idx="0">
-            <a:schemeClr val="accent1"/>
-          </a:effectRef>
-          <a:fontRef idx="minor">
-            <a:schemeClr val="lt1"/>
-          </a:fontRef>
-        </p:style>
-        <p:txBody>
-          <a:bodyPr rtlCol="0" anchor="ctr"/>
-          <a:lstStyle/>
-          <a:p>
-            <a:pPr algn="ctr"/>
-            <a:endParaRPr lang="en-US"/>
-          </a:p>
-        </p:txBody>
-      </p:sp>
-      <p:sp>
-        <p:nvSpPr>
-          <p:cNvPr id="8" name="Rectangle 7">
-            <a:extLst>
-              <a:ext uri="{FF2B5EF4-FFF2-40B4-BE49-F238E27FC236}">
-                <a16:creationId xmlns:a16="http://schemas.microsoft.com/office/drawing/2014/main" id="{523C82C0-70C3-B347-A9AA-B75D37C19777}"/>
-              </a:ext>
-            </a:extLst>
-          </p:cNvPr>
-          <p:cNvSpPr/>
-          <p:nvPr/>
-        </p:nvSpPr>
-        <p:spPr>
-          <a:xfrm rot="13164033">
-            <a:off x="11030256" y="1657834"/>
-            <a:ext cx="880169" cy="978559"/>
-          </a:xfrm>
-          <a:prstGeom prst="rect">
-            <a:avLst/>
-          </a:prstGeom>
-          <a:solidFill>
-            <a:srgbClr val="44E4C4">
-              <a:alpha val="80000"/>
-            </a:srgbClr>
-          </a:solidFill>
-          <a:ln>
-            <a:solidFill>
-              <a:srgbClr val="44E4C4"/>
-            </a:solidFill>
-          </a:ln>
-        </p:spPr>
-        <p:style>
-          <a:lnRef idx="2">
-            <a:schemeClr val="accent1">
-              <a:shade val="50000"/>
-            </a:schemeClr>
-          </a:lnRef>
-          <a:fillRef idx="1">
-            <a:schemeClr val="accent1"/>
-          </a:fillRef>
-          <a:effectRef idx="0">
-            <a:schemeClr val="accent1"/>
-          </a:effectRef>
-          <a:fontRef idx="minor">
-            <a:schemeClr val="lt1"/>
-          </a:fontRef>
-        </p:style>
-        <p:txBody>
-          <a:bodyPr rtlCol="0" anchor="ctr"/>
-          <a:lstStyle/>
-          <a:p>
-            <a:pPr algn="ctr"/>
-            <a:endParaRPr lang="en-US"/>
-          </a:p>
-        </p:txBody>
-      </p:sp>
-      <p:sp>
-        <p:nvSpPr>
-          <p:cNvPr id="9" name="Title 1">
-            <a:extLst>
-              <a:ext uri="{FF2B5EF4-FFF2-40B4-BE49-F238E27FC236}">
-                <a16:creationId xmlns:a16="http://schemas.microsoft.com/office/drawing/2014/main" id="{DF4B9AD8-E4FC-FA40-8BCA-CF0480A9D206}"/>
-              </a:ext>
-            </a:extLst>
-          </p:cNvPr>
-          <p:cNvSpPr>
-            <a:spLocks noGrp="1"/>
-          </p:cNvSpPr>
-          <p:nvPr>
-            <p:ph type="title"/>
-          </p:nvPr>
-        </p:nvSpPr>
-        <p:spPr>
-          <a:xfrm>
-            <a:off x="643467" y="321735"/>
-            <a:ext cx="10905066" cy="634806"/>
-          </a:xfrm>
-        </p:spPr>
-        <p:txBody>
-          <a:bodyPr>
-            <a:normAutofit/>
-          </a:bodyPr>
-          <a:lstStyle/>
-          <a:p>
-            <a:pPr algn="ctr"/>
-            <a:r>
-              <a:rPr lang="en-US" sz="3600" b="1" dirty="0">
-                <a:latin typeface="Calibri" panose="020F0502020204030204" pitchFamily="34" charset="0"/>
-                <a:cs typeface="Calibri" panose="020F0502020204030204" pitchFamily="34" charset="0"/>
-              </a:rPr>
-              <a:t>Summary</a:t>
-            </a:r>
-            <a:r>
-              <a:rPr lang="en-US" sz="1800" b="1" dirty="0">
-                <a:latin typeface="Calibri" panose="020F0502020204030204" pitchFamily="34" charset="0"/>
-                <a:cs typeface="Calibri" panose="020F0502020204030204" pitchFamily="34" charset="0"/>
-              </a:rPr>
-              <a:t>(Contd.)</a:t>
-            </a:r>
-            <a:endParaRPr lang="en-US" sz="1800" b="1" cap="none" dirty="0">
-              <a:latin typeface="Calibri" panose="020F0502020204030204" pitchFamily="34" charset="0"/>
-              <a:cs typeface="Calibri" panose="020F0502020204030204" pitchFamily="34" charset="0"/>
-            </a:endParaRPr>
-          </a:p>
-        </p:txBody>
-      </p:sp>
-      <p:sp>
-        <p:nvSpPr>
-          <p:cNvPr id="10" name="Content Placeholder 3">
-            <a:extLst>
-              <a:ext uri="{FF2B5EF4-FFF2-40B4-BE49-F238E27FC236}">
-                <a16:creationId xmlns:a16="http://schemas.microsoft.com/office/drawing/2014/main" id="{711207F1-4A36-4478-AAE1-4383ACC20005}"/>
-              </a:ext>
-            </a:extLst>
-          </p:cNvPr>
-          <p:cNvSpPr>
-            <a:spLocks noGrp="1"/>
-          </p:cNvSpPr>
-          <p:nvPr>
-            <p:ph idx="1"/>
-          </p:nvPr>
-        </p:nvSpPr>
-        <p:spPr>
-          <a:xfrm>
-            <a:off x="1379787" y="1670241"/>
-            <a:ext cx="9486901" cy="4324272"/>
-          </a:xfrm>
-        </p:spPr>
-        <p:txBody>
-          <a:bodyPr/>
-          <a:lstStyle/>
-          <a:p>
-            <a:r>
-              <a:rPr lang="en-US" dirty="0">
-                <a:latin typeface="Calibri" panose="020F0502020204030204" pitchFamily="34" charset="0"/>
-                <a:cs typeface="Calibri" panose="020F0502020204030204" pitchFamily="34" charset="0"/>
-              </a:rPr>
-              <a:t>We built a model to predict attrition that had an 87% Accuracy, 90% Sensitivity and 75% Specificity.</a:t>
-            </a:r>
-          </a:p>
-          <a:p>
-            <a:pPr marL="0" indent="0">
-              <a:buNone/>
-            </a:pPr>
-            <a:endParaRPr lang="en-US" dirty="0">
-              <a:latin typeface="Calibri" panose="020F0502020204030204" pitchFamily="34" charset="0"/>
-              <a:cs typeface="Calibri" panose="020F0502020204030204" pitchFamily="34" charset="0"/>
-            </a:endParaRPr>
-          </a:p>
-          <a:p>
-            <a:r>
-              <a:rPr lang="en-US">
-                <a:latin typeface="Calibri" panose="020F0502020204030204" pitchFamily="34" charset="0"/>
-                <a:cs typeface="Calibri" panose="020F0502020204030204" pitchFamily="34" charset="0"/>
-              </a:rPr>
-              <a:t>We built a model </a:t>
-            </a:r>
-            <a:r>
-              <a:rPr lang="en-US" dirty="0">
-                <a:latin typeface="Calibri" panose="020F0502020204030204" pitchFamily="34" charset="0"/>
-                <a:cs typeface="Calibri" panose="020F0502020204030204" pitchFamily="34" charset="0"/>
-              </a:rPr>
-              <a:t>to predict salary had an RMSE of 1080 and P-Value of </a:t>
-            </a:r>
-            <a:r>
-              <a:rPr lang="en-US">
-                <a:latin typeface="Calibri" panose="020F0502020204030204" pitchFamily="34" charset="0"/>
-                <a:cs typeface="Calibri" panose="020F0502020204030204" pitchFamily="34" charset="0"/>
-              </a:rPr>
-              <a:t>&lt; 2.2e-16.</a:t>
-            </a:r>
-            <a:endParaRPr lang="en-US" dirty="0">
-              <a:latin typeface="Calibri" panose="020F0502020204030204" pitchFamily="34" charset="0"/>
-              <a:cs typeface="Calibri" panose="020F0502020204030204" pitchFamily="34" charset="0"/>
-            </a:endParaRPr>
-          </a:p>
-          <a:p>
-            <a:pPr marL="457200" lvl="1" indent="0">
-              <a:buNone/>
-            </a:pPr>
-            <a:endParaRPr lang="en-US" sz="2800" dirty="0">
-              <a:latin typeface="Calibri" panose="020F0502020204030204" pitchFamily="34" charset="0"/>
-              <a:cs typeface="Calibri" panose="020F0502020204030204" pitchFamily="34" charset="0"/>
-            </a:endParaRPr>
-          </a:p>
-          <a:p>
-            <a:endParaRPr lang="en-US" dirty="0">
-              <a:latin typeface="Calibri" panose="020F0502020204030204" pitchFamily="34" charset="0"/>
-              <a:cs typeface="Calibri" panose="020F0502020204030204" pitchFamily="34" charset="0"/>
-            </a:endParaRPr>
-          </a:p>
-          <a:p>
-            <a:pPr marL="457200" lvl="1" indent="0">
-              <a:buNone/>
-            </a:pPr>
-            <a:endParaRPr lang="en-US" sz="2400" dirty="0">
-              <a:latin typeface="Calibri" panose="020F0502020204030204" pitchFamily="34" charset="0"/>
-              <a:cs typeface="Calibri" panose="020F0502020204030204" pitchFamily="34" charset="0"/>
-            </a:endParaRPr>
-          </a:p>
-        </p:txBody>
-      </p:sp>
-      <p:pic>
-        <p:nvPicPr>
-          <p:cNvPr id="11" name="Picture 2" descr="Home | FritoLay">
-            <a:extLst>
-              <a:ext uri="{FF2B5EF4-FFF2-40B4-BE49-F238E27FC236}">
-                <a16:creationId xmlns:a16="http://schemas.microsoft.com/office/drawing/2014/main" id="{071CEEB8-AB9A-3842-B0C4-D437241205AB}"/>
-              </a:ext>
-            </a:extLst>
-          </p:cNvPr>
-          <p:cNvPicPr>
-            <a:picLocks noChangeAspect="1" noChangeArrowheads="1"/>
-          </p:cNvPicPr>
-          <p:nvPr/>
-        </p:nvPicPr>
-        <p:blipFill>
-          <a:blip r:embed="rId2">
-            <a:extLst>
-              <a:ext uri="{28A0092B-C50C-407E-A947-70E740481C1C}">
-                <a14:useLocalDpi xmlns:a14="http://schemas.microsoft.com/office/drawing/2010/main" val="0"/>
-              </a:ext>
-            </a:extLst>
-          </a:blip>
-          <a:srcRect/>
-          <a:stretch>
-            <a:fillRect/>
-          </a:stretch>
-        </p:blipFill>
-        <p:spPr bwMode="auto">
-          <a:xfrm>
-            <a:off x="10778771" y="6104958"/>
-            <a:ext cx="1383137" cy="726147"/>
-          </a:xfrm>
-          <a:prstGeom prst="rect">
-            <a:avLst/>
-          </a:prstGeom>
-          <a:noFill/>
-          <a:extLst>
-            <a:ext uri="{909E8E84-426E-40DD-AFC4-6F175D3DCCD1}">
-              <a14:hiddenFill xmlns:a14="http://schemas.microsoft.com/office/drawing/2010/main">
-                <a:solidFill>
-                  <a:srgbClr val="FFFFFF"/>
-                </a:solidFill>
-              </a14:hiddenFill>
-            </a:ext>
-          </a:extLst>
-        </p:spPr>
-      </p:pic>
-    </p:spTree>
-    <p:extLst>
-      <p:ext uri="{BB962C8B-B14F-4D97-AF65-F5344CB8AC3E}">
-        <p14:creationId xmlns:p14="http://schemas.microsoft.com/office/powerpoint/2010/main" val="2066871153"/>
-      </p:ext>
-    </p:extLst>
-  </p:cSld>
-  <p:clrMapOvr>
-    <a:masterClrMapping/>
-  </p:clrMapOvr>
-  <p:timing>
-    <p:tnLst>
-      <p:par>
-        <p:cTn id="1" dur="indefinite" restart="never" nodeType="tmRoot">
-          <p:childTnLst>
-            <p:seq concurrent="1" nextAc="seek">
-              <p:cTn id="2" dur="indefinite" nodeType="mainSeq">
-                <p:childTnLst>
-                  <p:par>
-                    <p:cTn id="3" fill="hold">
-                      <p:stCondLst>
-                        <p:cond delay="indefinite"/>
-                      </p:stCondLst>
-                      <p:childTnLst>
-                        <p:par>
-                          <p:cTn id="4" fill="hold">
-                            <p:stCondLst>
-                              <p:cond delay="0"/>
-                            </p:stCondLst>
-                            <p:childTnLst>
-                              <p:par>
-                                <p:cTn id="5" presetID="10" presetClass="entr" presetSubtype="0" fill="hold" nodeType="clickEffect">
-                                  <p:stCondLst>
-                                    <p:cond delay="0"/>
-                                  </p:stCondLst>
-                                  <p:childTnLst>
-                                    <p:set>
-                                      <p:cBhvr>
-                                        <p:cTn id="6" dur="1" fill="hold">
-                                          <p:stCondLst>
-                                            <p:cond delay="0"/>
-                                          </p:stCondLst>
-                                        </p:cTn>
-                                        <p:tgtEl>
-                                          <p:spTgt spid="10">
-                                            <p:txEl>
-                                              <p:pRg st="2" end="2"/>
-                                            </p:txEl>
-                                          </p:spTgt>
-                                        </p:tgtEl>
-                                        <p:attrNameLst>
-                                          <p:attrName>style.visibility</p:attrName>
-                                        </p:attrNameLst>
-                                      </p:cBhvr>
-                                      <p:to>
-                                        <p:strVal val="visible"/>
-                                      </p:to>
-                                    </p:set>
-                                    <p:animEffect transition="in" filter="fade">
-                                      <p:cBhvr>
-                                        <p:cTn id="7" dur="500"/>
-                                        <p:tgtEl>
-                                          <p:spTgt spid="10">
-                                            <p:txEl>
-                                              <p:pRg st="2" end="2"/>
-                                            </p:txEl>
-                                          </p:spTgt>
-                                        </p:tgtEl>
-                                      </p:cBhvr>
-                                    </p:animEffect>
-                                  </p:childTnLst>
-                                </p:cTn>
-                              </p:par>
-                            </p:childTnLst>
-                          </p:cTn>
-                        </p:par>
-                      </p:childTnLst>
-                    </p:cTn>
-                  </p:par>
-                </p:childTnLst>
-              </p:cTn>
-              <p:prevCondLst>
-                <p:cond evt="onPrev" delay="0">
-                  <p:tgtEl>
-                    <p:sldTgt/>
-                  </p:tgtEl>
-                </p:cond>
-              </p:prevCondLst>
-              <p:nextCondLst>
-                <p:cond evt="onNext" delay="0">
-                  <p:tgtEl>
-                    <p:sldTgt/>
-                  </p:tgtEl>
-                </p:cond>
-              </p:nextCondLst>
-            </p:seq>
-          </p:childTnLst>
-        </p:cTn>
-      </p:par>
-    </p:tnLst>
-  </p:timing>
-</p:sld>
-</file>
-
-<file path=ppt/slides/slide22.xml><?xml version="1.0" encoding="utf-8"?>
 <p:sld xmlns:a="http://schemas.openxmlformats.org/drawingml/2006/main" xmlns:r="http://schemas.openxmlformats.org/officeDocument/2006/relationships" xmlns:p="http://schemas.openxmlformats.org/presentationml/2006/main">
   <p:cSld>
     <p:spTree>

--- a/DDS_Project_2_Presentation.pptx
+++ b/DDS_Project_2_Presentation.pptx
@@ -148,7 +148,7 @@
   <pc:docChgLst>
     <pc:chgData name="Pandey, Shikha" userId="62b2c247-44c0-476d-a294-f01c5623c9dc" providerId="ADAL" clId="{F72F3FB8-19C0-4758-9009-50FF7556B545}"/>
     <pc:docChg chg="undo redo custSel addSld delSld modSld sldOrd">
-      <pc:chgData name="Pandey, Shikha" userId="62b2c247-44c0-476d-a294-f01c5623c9dc" providerId="ADAL" clId="{F72F3FB8-19C0-4758-9009-50FF7556B545}" dt="2021-12-11T20:05:37.606" v="6074" actId="2696"/>
+      <pc:chgData name="Pandey, Shikha" userId="62b2c247-44c0-476d-a294-f01c5623c9dc" providerId="ADAL" clId="{F72F3FB8-19C0-4758-9009-50FF7556B545}" dt="2021-12-11T21:30:42" v="6084" actId="6549"/>
       <pc:docMkLst>
         <pc:docMk/>
       </pc:docMkLst>
@@ -1730,7 +1730,7 @@
         </pc:picChg>
       </pc:sldChg>
       <pc:sldChg chg="modSp modAnim modNotesTx">
-        <pc:chgData name="Pandey, Shikha" userId="62b2c247-44c0-476d-a294-f01c5623c9dc" providerId="ADAL" clId="{F72F3FB8-19C0-4758-9009-50FF7556B545}" dt="2021-12-11T16:59:40.450" v="3147"/>
+        <pc:chgData name="Pandey, Shikha" userId="62b2c247-44c0-476d-a294-f01c5623c9dc" providerId="ADAL" clId="{F72F3FB8-19C0-4758-9009-50FF7556B545}" dt="2021-12-11T21:30:13.036" v="6076" actId="6549"/>
         <pc:sldMkLst>
           <pc:docMk/>
           <pc:sldMk cId="3948550493" sldId="286"/>
@@ -1768,7 +1768,7 @@
         </pc:picChg>
       </pc:sldChg>
       <pc:sldChg chg="addSp delSp modSp mod delAnim modAnim modNotesTx">
-        <pc:chgData name="Pandey, Shikha" userId="62b2c247-44c0-476d-a294-f01c5623c9dc" providerId="ADAL" clId="{F72F3FB8-19C0-4758-9009-50FF7556B545}" dt="2021-12-11T19:25:59.664" v="5886" actId="20577"/>
+        <pc:chgData name="Pandey, Shikha" userId="62b2c247-44c0-476d-a294-f01c5623c9dc" providerId="ADAL" clId="{F72F3FB8-19C0-4758-9009-50FF7556B545}" dt="2021-12-11T21:30:38.711" v="6083" actId="6549"/>
         <pc:sldMkLst>
           <pc:docMk/>
           <pc:sldMk cId="216170584" sldId="289"/>
@@ -1876,14 +1876,14 @@
         </pc:picChg>
       </pc:sldChg>
       <pc:sldChg chg="modNotesTx">
-        <pc:chgData name="Pandey, Shikha" userId="62b2c247-44c0-476d-a294-f01c5623c9dc" providerId="ADAL" clId="{F72F3FB8-19C0-4758-9009-50FF7556B545}" dt="2021-12-11T18:27:05.448" v="3351" actId="20577"/>
+        <pc:chgData name="Pandey, Shikha" userId="62b2c247-44c0-476d-a294-f01c5623c9dc" providerId="ADAL" clId="{F72F3FB8-19C0-4758-9009-50FF7556B545}" dt="2021-12-11T21:30:17.182" v="6077" actId="6549"/>
         <pc:sldMkLst>
           <pc:docMk/>
           <pc:sldMk cId="1945880248" sldId="294"/>
         </pc:sldMkLst>
       </pc:sldChg>
       <pc:sldChg chg="addSp delSp modSp mod modAnim modNotesTx">
-        <pc:chgData name="Pandey, Shikha" userId="62b2c247-44c0-476d-a294-f01c5623c9dc" providerId="ADAL" clId="{F72F3FB8-19C0-4758-9009-50FF7556B545}" dt="2021-12-11T18:52:36.749" v="4971" actId="20577"/>
+        <pc:chgData name="Pandey, Shikha" userId="62b2c247-44c0-476d-a294-f01c5623c9dc" providerId="ADAL" clId="{F72F3FB8-19C0-4758-9009-50FF7556B545}" dt="2021-12-11T21:30:35.045" v="6082" actId="6549"/>
         <pc:sldMkLst>
           <pc:docMk/>
           <pc:sldMk cId="153741263" sldId="296"/>
@@ -1938,21 +1938,21 @@
         </pc:picChg>
       </pc:sldChg>
       <pc:sldChg chg="modNotesTx">
-        <pc:chgData name="Pandey, Shikha" userId="62b2c247-44c0-476d-a294-f01c5623c9dc" providerId="ADAL" clId="{F72F3FB8-19C0-4758-9009-50FF7556B545}" dt="2021-12-11T18:34:53.807" v="3717" actId="6549"/>
+        <pc:chgData name="Pandey, Shikha" userId="62b2c247-44c0-476d-a294-f01c5623c9dc" providerId="ADAL" clId="{F72F3FB8-19C0-4758-9009-50FF7556B545}" dt="2021-12-11T21:30:20.751" v="6078" actId="6549"/>
         <pc:sldMkLst>
           <pc:docMk/>
           <pc:sldMk cId="4096914000" sldId="297"/>
         </pc:sldMkLst>
       </pc:sldChg>
       <pc:sldChg chg="modNotesTx">
-        <pc:chgData name="Pandey, Shikha" userId="62b2c247-44c0-476d-a294-f01c5623c9dc" providerId="ADAL" clId="{F72F3FB8-19C0-4758-9009-50FF7556B545}" dt="2021-12-11T19:24:28.841" v="5853" actId="20577"/>
+        <pc:chgData name="Pandey, Shikha" userId="62b2c247-44c0-476d-a294-f01c5623c9dc" providerId="ADAL" clId="{F72F3FB8-19C0-4758-9009-50FF7556B545}" dt="2021-12-11T21:30:24.863" v="6079" actId="6549"/>
         <pc:sldMkLst>
           <pc:docMk/>
           <pc:sldMk cId="383410763" sldId="299"/>
         </pc:sldMkLst>
       </pc:sldChg>
       <pc:sldChg chg="modSp mod modNotesTx">
-        <pc:chgData name="Pandey, Shikha" userId="62b2c247-44c0-476d-a294-f01c5623c9dc" providerId="ADAL" clId="{F72F3FB8-19C0-4758-9009-50FF7556B545}" dt="2021-12-11T18:45:15.390" v="4413" actId="20577"/>
+        <pc:chgData name="Pandey, Shikha" userId="62b2c247-44c0-476d-a294-f01c5623c9dc" providerId="ADAL" clId="{F72F3FB8-19C0-4758-9009-50FF7556B545}" dt="2021-12-11T21:30:28.591" v="6080" actId="6549"/>
         <pc:sldMkLst>
           <pc:docMk/>
           <pc:sldMk cId="12617662" sldId="300"/>
@@ -1975,14 +1975,14 @@
         </pc:picChg>
       </pc:sldChg>
       <pc:sldChg chg="modNotesTx">
-        <pc:chgData name="Pandey, Shikha" userId="62b2c247-44c0-476d-a294-f01c5623c9dc" providerId="ADAL" clId="{F72F3FB8-19C0-4758-9009-50FF7556B545}" dt="2021-12-11T18:48:49.457" v="4696" actId="20577"/>
+        <pc:chgData name="Pandey, Shikha" userId="62b2c247-44c0-476d-a294-f01c5623c9dc" providerId="ADAL" clId="{F72F3FB8-19C0-4758-9009-50FF7556B545}" dt="2021-12-11T21:30:32.361" v="6081" actId="6549"/>
         <pc:sldMkLst>
           <pc:docMk/>
           <pc:sldMk cId="3390263981" sldId="301"/>
         </pc:sldMkLst>
       </pc:sldChg>
       <pc:sldChg chg="addSp modSp mod modAnim modNotesTx">
-        <pc:chgData name="Pandey, Shikha" userId="62b2c247-44c0-476d-a294-f01c5623c9dc" providerId="ADAL" clId="{F72F3FB8-19C0-4758-9009-50FF7556B545}" dt="2021-12-11T19:26:47.161" v="5896" actId="20577"/>
+        <pc:chgData name="Pandey, Shikha" userId="62b2c247-44c0-476d-a294-f01c5623c9dc" providerId="ADAL" clId="{F72F3FB8-19C0-4758-9009-50FF7556B545}" dt="2021-12-11T21:30:42" v="6084" actId="6549"/>
         <pc:sldMkLst>
           <pc:docMk/>
           <pc:sldMk cId="2006790794" sldId="302"/>
@@ -2005,7 +2005,7 @@
         </pc:spChg>
       </pc:sldChg>
       <pc:sldChg chg="modNotesTx">
-        <pc:chgData name="Pandey, Shikha" userId="62b2c247-44c0-476d-a294-f01c5623c9dc" providerId="ADAL" clId="{F72F3FB8-19C0-4758-9009-50FF7556B545}" dt="2021-12-11T16:59:31.829" v="3145" actId="20577"/>
+        <pc:chgData name="Pandey, Shikha" userId="62b2c247-44c0-476d-a294-f01c5623c9dc" providerId="ADAL" clId="{F72F3FB8-19C0-4758-9009-50FF7556B545}" dt="2021-12-11T21:30:09.575" v="6075" actId="6549"/>
         <pc:sldMkLst>
           <pc:docMk/>
           <pc:sldMk cId="3116656816" sldId="303"/>
@@ -2651,18 +2651,7 @@
           <a:bodyPr/>
           <a:lstStyle/>
           <a:p>
-            <a:r>
-              <a:rPr lang="en-US" dirty="0"/>
-              <a:t>Hi, thank you for you time! I am Shikha Pandey along with my partner Kevin Boyd, we are Data Scientists from </a:t>
-            </a:r>
-            <a:r>
-              <a:rPr lang="en-US" dirty="0" err="1"/>
-              <a:t>DDSAnalytics</a:t>
-            </a:r>
-            <a:r>
-              <a:rPr lang="en-US" dirty="0"/>
-              <a:t>. Today, we are going to discuss our analysis on employee turnover.</a:t>
-            </a:r>
+            <a:endParaRPr lang="en-US" dirty="0"/>
           </a:p>
         </p:txBody>
       </p:sp>
@@ -2746,16 +2735,7 @@
           <a:bodyPr/>
           <a:lstStyle/>
           <a:p>
-            <a:r>
-              <a:rPr lang="en-US" dirty="0"/>
-              <a:t>Here we see that Manager, Manufacturing Director and Research Director are older and have higher monthly income but we also do not see attrition in younger employees in these specific job roles. We see attrition at over 45 for Manager, over 55 for Manufacturing Director and over 40 for Research Director.</a:t>
-            </a:r>
-          </a:p>
-          <a:p>
-            <a:r>
-              <a:rPr lang="en-US" dirty="0"/>
-              <a:t>Human Resources on other side mostly are younger with lower monthly income but higher attrition for younger employees in that specific job role.</a:t>
-            </a:r>
+            <a:endParaRPr lang="en-US" dirty="0"/>
           </a:p>
         </p:txBody>
       </p:sp>
@@ -3007,16 +2987,7 @@
           <a:bodyPr/>
           <a:lstStyle/>
           <a:p>
-            <a:r>
-              <a:rPr lang="en-US" dirty="0"/>
-              <a:t>We are going to use R to study employee dataset and generate models.</a:t>
-            </a:r>
-          </a:p>
-          <a:p>
-            <a:r>
-              <a:rPr lang="en-US" dirty="0"/>
-              <a:t>We will identify top factors that lead to attrition and provide you with insight on other trends from the data. And, finally, we will discuss the models we built for you to predict attrition and salary.</a:t>
-            </a:r>
+            <a:endParaRPr lang="en-US" dirty="0"/>
           </a:p>
         </p:txBody>
       </p:sp>
@@ -3100,10 +3071,7 @@
           <a:bodyPr/>
           <a:lstStyle/>
           <a:p>
-            <a:r>
-              <a:rPr lang="en-US" dirty="0"/>
-              <a:t>So, let’s start looking at data by investigating the missing values. We are happy to report that there are no missing values found and this a complete dataset to further our analysis.</a:t>
-            </a:r>
+            <a:endParaRPr lang="en-US" dirty="0"/>
           </a:p>
         </p:txBody>
       </p:sp>
@@ -3187,10 +3155,7 @@
           <a:bodyPr/>
           <a:lstStyle/>
           <a:p>
-            <a:r>
-              <a:rPr lang="en-US" dirty="0"/>
-              <a:t>Looking at Distribution for Attrition, we see that data is skewed with much higher number of employees not leaving the company compared to the ones leaving. This is going to play an important role later in our models for predicting attrition and salary.</a:t>
-            </a:r>
+            <a:endParaRPr lang="en-US" dirty="0"/>
           </a:p>
         </p:txBody>
       </p:sp>
@@ -3274,10 +3239,7 @@
           <a:bodyPr/>
           <a:lstStyle/>
           <a:p>
-            <a:r>
-              <a:rPr lang="en-US" dirty="0"/>
-              <a:t>Looking at the histogram here, we see evidence of right skewed distribution for monthly income data. It also tells us that there are more employees and higher attrition for lower income. </a:t>
-            </a:r>
+            <a:endParaRPr lang="en-US" dirty="0"/>
           </a:p>
         </p:txBody>
       </p:sp>
@@ -3361,16 +3323,7 @@
           <a:bodyPr/>
           <a:lstStyle/>
           <a:p>
-            <a:r>
-              <a:rPr lang="en-US" dirty="0"/>
-              <a:t>We divided age into groups, and we have 4 age groups here. We see that attrition is higher in younger age group and tends to go down for older group.</a:t>
-            </a:r>
-          </a:p>
-          <a:p>
-            <a:r>
-              <a:rPr lang="en-US" dirty="0"/>
-              <a:t>We divided income in 6 groups and can see a similar trend that attrition is higher for lower income groups and tends to go down as income increases.</a:t>
-            </a:r>
+            <a:endParaRPr lang="en-US" dirty="0"/>
           </a:p>
         </p:txBody>
       </p:sp>
@@ -3454,10 +3407,7 @@
           <a:bodyPr/>
           <a:lstStyle/>
           <a:p>
-            <a:r>
-              <a:rPr lang="en-US" dirty="0"/>
-              <a:t>The plot we have here shows attrition % for the Job roles. We can see highest percentage of attrition with Sales Representative, whereas, Research Director and Manufacturing Director seem to have the lowest percentage of attrition.</a:t>
-            </a:r>
+            <a:endParaRPr lang="en-US" dirty="0"/>
           </a:p>
         </p:txBody>
       </p:sp>
@@ -3541,10 +3491,7 @@
           <a:bodyPr/>
           <a:lstStyle/>
           <a:p>
-            <a:r>
-              <a:rPr lang="en-US" dirty="0"/>
-              <a:t>Laboratory Technician, Research Scientist and Sales Representative have lower monthly income and they also have the most employee turnover. On the other hand, Manager, Manufacturing Director and Research Director all have higher monthly income and with least employee turnover.</a:t>
-            </a:r>
+            <a:endParaRPr lang="en-US" dirty="0"/>
           </a:p>
         </p:txBody>
       </p:sp>
@@ -3628,10 +3575,7 @@
           <a:bodyPr/>
           <a:lstStyle/>
           <a:p>
-            <a:r>
-              <a:rPr lang="en-US" dirty="0"/>
-              <a:t>We see that Laboratory Technician, Research Scientist, Sales Executive and Sales Representative all have consistent attrition across all Job Satisfaction levels, that tells us that Job Satisfaction doesn’t necessarily affect attrition for those specific Job Roles.</a:t>
-            </a:r>
+            <a:endParaRPr lang="en-US" dirty="0"/>
           </a:p>
         </p:txBody>
       </p:sp>
